--- a/диплом_отчет/prezent.pptx
+++ b/диплом_отчет/prezent.pptx
@@ -4,19 +4,20 @@
   <p:sldMasterIdLst>
     <p:sldMasterId id="2147483648" r:id="rId2"/>
     <p:sldMasterId id="2147483661" r:id="rId3"/>
+    <p:sldMasterId id="2147483674" r:id="rId4"/>
   </p:sldMasterIdLst>
   <p:sldIdLst>
-    <p:sldId id="256" r:id="rId4"/>
-    <p:sldId id="257" r:id="rId5"/>
-    <p:sldId id="258" r:id="rId6"/>
-    <p:sldId id="259" r:id="rId7"/>
-    <p:sldId id="260" r:id="rId8"/>
-    <p:sldId id="261" r:id="rId9"/>
-    <p:sldId id="262" r:id="rId10"/>
-    <p:sldId id="263" r:id="rId11"/>
+    <p:sldId id="256" r:id="rId5"/>
+    <p:sldId id="257" r:id="rId6"/>
+    <p:sldId id="258" r:id="rId7"/>
+    <p:sldId id="259" r:id="rId8"/>
+    <p:sldId id="260" r:id="rId9"/>
+    <p:sldId id="261" r:id="rId10"/>
+    <p:sldId id="262" r:id="rId11"/>
+    <p:sldId id="263" r:id="rId12"/>
   </p:sldIdLst>
   <p:sldSz cx="10080625" cy="5670550"/>
-  <p:notesSz cx="7559675" cy="10691812"/>
+  <p:notesSz cx="7772400" cy="10058400"/>
 </p:presentation>
 </file>
 
@@ -61,7 +62,7 @@
       </p:grpSpPr>
       <p:sp>
         <p:nvSpPr>
-          <p:cNvPr id="27" name="PlaceHolder 1"/>
+          <p:cNvPr id="24" name="PlaceHolder 1"/>
           <p:cNvSpPr>
             <a:spLocks noGrp="1"/>
           </p:cNvSpPr>
@@ -72,7 +73,7 @@
         <p:spPr>
           <a:xfrm>
             <a:off x="720000" y="148320"/>
-            <a:ext cx="9000000" cy="1143720"/>
+            <a:ext cx="8999640" cy="1143360"/>
           </a:xfrm>
           <a:prstGeom prst="rect">
             <a:avLst/>
@@ -83,18 +84,16 @@
             <a:noAutofit/>
           </a:bodyPr>
           <a:p>
-            <a:endParaRPr b="1" lang="ru-RU" sz="3300" spc="-1" strike="noStrike">
-              <a:solidFill>
-                <a:srgbClr val="333333"/>
-              </a:solidFill>
-              <a:latin typeface="Noto Sans Regular"/>
-            </a:endParaRPr>
-          </a:p>
-        </p:txBody>
-      </p:sp>
-      <p:sp>
-        <p:nvSpPr>
-          <p:cNvPr id="28" name="PlaceHolder 2"/>
+            <a:pPr algn="ctr"/>
+            <a:endParaRPr b="0" lang="en-US" sz="4400" spc="-1" strike="noStrike">
+              <a:latin typeface="Arial"/>
+            </a:endParaRPr>
+          </a:p>
+        </p:txBody>
+      </p:sp>
+      <p:sp>
+        <p:nvSpPr>
+          <p:cNvPr id="25" name="PlaceHolder 2"/>
           <p:cNvSpPr>
             <a:spLocks noGrp="1"/>
           </p:cNvSpPr>
@@ -105,29 +104,26 @@
         <p:spPr>
           <a:xfrm>
             <a:off x="720000" y="1440000"/>
-            <a:ext cx="9000000" cy="1631160"/>
-          </a:xfrm>
-          <a:prstGeom prst="rect">
-            <a:avLst/>
-          </a:prstGeom>
-        </p:spPr>
-        <p:txBody>
-          <a:bodyPr lIns="0" rIns="0" tIns="0" bIns="0">
-            <a:noAutofit/>
-          </a:bodyPr>
-          <a:p>
-            <a:endParaRPr b="0" lang="ru-RU" sz="2100" spc="-1" strike="noStrike">
-              <a:solidFill>
-                <a:srgbClr val="333333"/>
-              </a:solidFill>
-              <a:latin typeface="Noto Sans Regular"/>
-            </a:endParaRPr>
-          </a:p>
-        </p:txBody>
-      </p:sp>
-      <p:sp>
-        <p:nvSpPr>
-          <p:cNvPr id="29" name="PlaceHolder 3"/>
+            <a:ext cx="8999640" cy="1631160"/>
+          </a:xfrm>
+          <a:prstGeom prst="rect">
+            <a:avLst/>
+          </a:prstGeom>
+        </p:spPr>
+        <p:txBody>
+          <a:bodyPr lIns="0" rIns="0" tIns="0" bIns="0">
+            <a:normAutofit/>
+          </a:bodyPr>
+          <a:p>
+            <a:endParaRPr b="0" lang="en-US" sz="3200" spc="-1" strike="noStrike">
+              <a:latin typeface="Arial"/>
+            </a:endParaRPr>
+          </a:p>
+        </p:txBody>
+      </p:sp>
+      <p:sp>
+        <p:nvSpPr>
+          <p:cNvPr id="26" name="PlaceHolder 3"/>
           <p:cNvSpPr>
             <a:spLocks noGrp="1"/>
           </p:cNvSpPr>
@@ -138,22 +134,19 @@
         <p:spPr>
           <a:xfrm>
             <a:off x="720000" y="3226680"/>
-            <a:ext cx="9000000" cy="1631160"/>
-          </a:xfrm>
-          <a:prstGeom prst="rect">
-            <a:avLst/>
-          </a:prstGeom>
-        </p:spPr>
-        <p:txBody>
-          <a:bodyPr lIns="0" rIns="0" tIns="0" bIns="0">
-            <a:noAutofit/>
-          </a:bodyPr>
-          <a:p>
-            <a:endParaRPr b="0" lang="ru-RU" sz="2100" spc="-1" strike="noStrike">
-              <a:solidFill>
-                <a:srgbClr val="333333"/>
-              </a:solidFill>
-              <a:latin typeface="Noto Sans Regular"/>
+            <a:ext cx="8999640" cy="1631160"/>
+          </a:xfrm>
+          <a:prstGeom prst="rect">
+            <a:avLst/>
+          </a:prstGeom>
+        </p:spPr>
+        <p:txBody>
+          <a:bodyPr lIns="0" rIns="0" tIns="0" bIns="0">
+            <a:normAutofit/>
+          </a:bodyPr>
+          <a:p>
+            <a:endParaRPr b="0" lang="en-US" sz="3200" spc="-1" strike="noStrike">
+              <a:latin typeface="Arial"/>
             </a:endParaRPr>
           </a:p>
         </p:txBody>
@@ -182,7 +175,7 @@
       </p:grpSpPr>
       <p:sp>
         <p:nvSpPr>
-          <p:cNvPr id="30" name="PlaceHolder 1"/>
+          <p:cNvPr id="27" name="PlaceHolder 1"/>
           <p:cNvSpPr>
             <a:spLocks noGrp="1"/>
           </p:cNvSpPr>
@@ -193,7 +186,7 @@
         <p:spPr>
           <a:xfrm>
             <a:off x="720000" y="148320"/>
-            <a:ext cx="9000000" cy="1143720"/>
+            <a:ext cx="8999640" cy="1143360"/>
           </a:xfrm>
           <a:prstGeom prst="rect">
             <a:avLst/>
@@ -204,18 +197,16 @@
             <a:noAutofit/>
           </a:bodyPr>
           <a:p>
-            <a:endParaRPr b="1" lang="ru-RU" sz="3300" spc="-1" strike="noStrike">
-              <a:solidFill>
-                <a:srgbClr val="333333"/>
-              </a:solidFill>
-              <a:latin typeface="Noto Sans Regular"/>
-            </a:endParaRPr>
-          </a:p>
-        </p:txBody>
-      </p:sp>
-      <p:sp>
-        <p:nvSpPr>
-          <p:cNvPr id="31" name="PlaceHolder 2"/>
+            <a:pPr algn="ctr"/>
+            <a:endParaRPr b="0" lang="en-US" sz="4400" spc="-1" strike="noStrike">
+              <a:latin typeface="Arial"/>
+            </a:endParaRPr>
+          </a:p>
+        </p:txBody>
+      </p:sp>
+      <p:sp>
+        <p:nvSpPr>
+          <p:cNvPr id="28" name="PlaceHolder 2"/>
           <p:cNvSpPr>
             <a:spLocks noGrp="1"/>
           </p:cNvSpPr>
@@ -234,21 +225,18 @@
         </p:spPr>
         <p:txBody>
           <a:bodyPr lIns="0" rIns="0" tIns="0" bIns="0">
-            <a:noAutofit/>
-          </a:bodyPr>
-          <a:p>
-            <a:endParaRPr b="0" lang="ru-RU" sz="2100" spc="-1" strike="noStrike">
-              <a:solidFill>
-                <a:srgbClr val="333333"/>
-              </a:solidFill>
-              <a:latin typeface="Noto Sans Regular"/>
-            </a:endParaRPr>
-          </a:p>
-        </p:txBody>
-      </p:sp>
-      <p:sp>
-        <p:nvSpPr>
-          <p:cNvPr id="32" name="PlaceHolder 3"/>
+            <a:normAutofit/>
+          </a:bodyPr>
+          <a:p>
+            <a:endParaRPr b="0" lang="en-US" sz="3200" spc="-1" strike="noStrike">
+              <a:latin typeface="Arial"/>
+            </a:endParaRPr>
+          </a:p>
+        </p:txBody>
+      </p:sp>
+      <p:sp>
+        <p:nvSpPr>
+          <p:cNvPr id="29" name="PlaceHolder 3"/>
           <p:cNvSpPr>
             <a:spLocks noGrp="1"/>
           </p:cNvSpPr>
@@ -267,21 +255,18 @@
         </p:spPr>
         <p:txBody>
           <a:bodyPr lIns="0" rIns="0" tIns="0" bIns="0">
-            <a:noAutofit/>
-          </a:bodyPr>
-          <a:p>
-            <a:endParaRPr b="0" lang="ru-RU" sz="2100" spc="-1" strike="noStrike">
-              <a:solidFill>
-                <a:srgbClr val="333333"/>
-              </a:solidFill>
-              <a:latin typeface="Noto Sans Regular"/>
-            </a:endParaRPr>
-          </a:p>
-        </p:txBody>
-      </p:sp>
-      <p:sp>
-        <p:nvSpPr>
-          <p:cNvPr id="33" name="PlaceHolder 4"/>
+            <a:normAutofit/>
+          </a:bodyPr>
+          <a:p>
+            <a:endParaRPr b="0" lang="en-US" sz="3200" spc="-1" strike="noStrike">
+              <a:latin typeface="Arial"/>
+            </a:endParaRPr>
+          </a:p>
+        </p:txBody>
+      </p:sp>
+      <p:sp>
+        <p:nvSpPr>
+          <p:cNvPr id="30" name="PlaceHolder 4"/>
           <p:cNvSpPr>
             <a:spLocks noGrp="1"/>
           </p:cNvSpPr>
@@ -300,21 +285,18 @@
         </p:spPr>
         <p:txBody>
           <a:bodyPr lIns="0" rIns="0" tIns="0" bIns="0">
-            <a:noAutofit/>
-          </a:bodyPr>
-          <a:p>
-            <a:endParaRPr b="0" lang="ru-RU" sz="2100" spc="-1" strike="noStrike">
-              <a:solidFill>
-                <a:srgbClr val="333333"/>
-              </a:solidFill>
-              <a:latin typeface="Noto Sans Regular"/>
-            </a:endParaRPr>
-          </a:p>
-        </p:txBody>
-      </p:sp>
-      <p:sp>
-        <p:nvSpPr>
-          <p:cNvPr id="34" name="PlaceHolder 5"/>
+            <a:normAutofit/>
+          </a:bodyPr>
+          <a:p>
+            <a:endParaRPr b="0" lang="en-US" sz="3200" spc="-1" strike="noStrike">
+              <a:latin typeface="Arial"/>
+            </a:endParaRPr>
+          </a:p>
+        </p:txBody>
+      </p:sp>
+      <p:sp>
+        <p:nvSpPr>
+          <p:cNvPr id="31" name="PlaceHolder 5"/>
           <p:cNvSpPr>
             <a:spLocks noGrp="1"/>
           </p:cNvSpPr>
@@ -333,14 +315,11 @@
         </p:spPr>
         <p:txBody>
           <a:bodyPr lIns="0" rIns="0" tIns="0" bIns="0">
-            <a:noAutofit/>
-          </a:bodyPr>
-          <a:p>
-            <a:endParaRPr b="0" lang="ru-RU" sz="2100" spc="-1" strike="noStrike">
-              <a:solidFill>
-                <a:srgbClr val="333333"/>
-              </a:solidFill>
-              <a:latin typeface="Noto Sans Regular"/>
+            <a:normAutofit/>
+          </a:bodyPr>
+          <a:p>
+            <a:endParaRPr b="0" lang="en-US" sz="3200" spc="-1" strike="noStrike">
+              <a:latin typeface="Arial"/>
             </a:endParaRPr>
           </a:p>
         </p:txBody>
@@ -369,7 +348,7 @@
       </p:grpSpPr>
       <p:sp>
         <p:nvSpPr>
-          <p:cNvPr id="35" name="PlaceHolder 1"/>
+          <p:cNvPr id="32" name="PlaceHolder 1"/>
           <p:cNvSpPr>
             <a:spLocks noGrp="1"/>
           </p:cNvSpPr>
@@ -380,7 +359,7 @@
         <p:spPr>
           <a:xfrm>
             <a:off x="720000" y="148320"/>
-            <a:ext cx="9000000" cy="1143720"/>
+            <a:ext cx="8999640" cy="1143360"/>
           </a:xfrm>
           <a:prstGeom prst="rect">
             <a:avLst/>
@@ -391,18 +370,16 @@
             <a:noAutofit/>
           </a:bodyPr>
           <a:p>
-            <a:endParaRPr b="1" lang="ru-RU" sz="3300" spc="-1" strike="noStrike">
-              <a:solidFill>
-                <a:srgbClr val="333333"/>
-              </a:solidFill>
-              <a:latin typeface="Noto Sans Regular"/>
-            </a:endParaRPr>
-          </a:p>
-        </p:txBody>
-      </p:sp>
-      <p:sp>
-        <p:nvSpPr>
-          <p:cNvPr id="36" name="PlaceHolder 2"/>
+            <a:pPr algn="ctr"/>
+            <a:endParaRPr b="0" lang="en-US" sz="4400" spc="-1" strike="noStrike">
+              <a:latin typeface="Arial"/>
+            </a:endParaRPr>
+          </a:p>
+        </p:txBody>
+      </p:sp>
+      <p:sp>
+        <p:nvSpPr>
+          <p:cNvPr id="33" name="PlaceHolder 2"/>
           <p:cNvSpPr>
             <a:spLocks noGrp="1"/>
           </p:cNvSpPr>
@@ -421,21 +398,18 @@
         </p:spPr>
         <p:txBody>
           <a:bodyPr lIns="0" rIns="0" tIns="0" bIns="0">
-            <a:noAutofit/>
-          </a:bodyPr>
-          <a:p>
-            <a:endParaRPr b="0" lang="ru-RU" sz="2100" spc="-1" strike="noStrike">
-              <a:solidFill>
-                <a:srgbClr val="333333"/>
-              </a:solidFill>
-              <a:latin typeface="Noto Sans Regular"/>
-            </a:endParaRPr>
-          </a:p>
-        </p:txBody>
-      </p:sp>
-      <p:sp>
-        <p:nvSpPr>
-          <p:cNvPr id="37" name="PlaceHolder 3"/>
+            <a:normAutofit/>
+          </a:bodyPr>
+          <a:p>
+            <a:endParaRPr b="0" lang="en-US" sz="3200" spc="-1" strike="noStrike">
+              <a:latin typeface="Arial"/>
+            </a:endParaRPr>
+          </a:p>
+        </p:txBody>
+      </p:sp>
+      <p:sp>
+        <p:nvSpPr>
+          <p:cNvPr id="34" name="PlaceHolder 3"/>
           <p:cNvSpPr>
             <a:spLocks noGrp="1"/>
           </p:cNvSpPr>
@@ -454,21 +428,18 @@
         </p:spPr>
         <p:txBody>
           <a:bodyPr lIns="0" rIns="0" tIns="0" bIns="0">
-            <a:noAutofit/>
-          </a:bodyPr>
-          <a:p>
-            <a:endParaRPr b="0" lang="ru-RU" sz="2100" spc="-1" strike="noStrike">
-              <a:solidFill>
-                <a:srgbClr val="333333"/>
-              </a:solidFill>
-              <a:latin typeface="Noto Sans Regular"/>
-            </a:endParaRPr>
-          </a:p>
-        </p:txBody>
-      </p:sp>
-      <p:sp>
-        <p:nvSpPr>
-          <p:cNvPr id="38" name="PlaceHolder 4"/>
+            <a:normAutofit/>
+          </a:bodyPr>
+          <a:p>
+            <a:endParaRPr b="0" lang="en-US" sz="3200" spc="-1" strike="noStrike">
+              <a:latin typeface="Arial"/>
+            </a:endParaRPr>
+          </a:p>
+        </p:txBody>
+      </p:sp>
+      <p:sp>
+        <p:nvSpPr>
+          <p:cNvPr id="35" name="PlaceHolder 4"/>
           <p:cNvSpPr>
             <a:spLocks noGrp="1"/>
           </p:cNvSpPr>
@@ -487,21 +458,18 @@
         </p:spPr>
         <p:txBody>
           <a:bodyPr lIns="0" rIns="0" tIns="0" bIns="0">
-            <a:noAutofit/>
-          </a:bodyPr>
-          <a:p>
-            <a:endParaRPr b="0" lang="ru-RU" sz="2100" spc="-1" strike="noStrike">
-              <a:solidFill>
-                <a:srgbClr val="333333"/>
-              </a:solidFill>
-              <a:latin typeface="Noto Sans Regular"/>
-            </a:endParaRPr>
-          </a:p>
-        </p:txBody>
-      </p:sp>
-      <p:sp>
-        <p:nvSpPr>
-          <p:cNvPr id="39" name="PlaceHolder 5"/>
+            <a:normAutofit/>
+          </a:bodyPr>
+          <a:p>
+            <a:endParaRPr b="0" lang="en-US" sz="3200" spc="-1" strike="noStrike">
+              <a:latin typeface="Arial"/>
+            </a:endParaRPr>
+          </a:p>
+        </p:txBody>
+      </p:sp>
+      <p:sp>
+        <p:nvSpPr>
+          <p:cNvPr id="36" name="PlaceHolder 5"/>
           <p:cNvSpPr>
             <a:spLocks noGrp="1"/>
           </p:cNvSpPr>
@@ -520,21 +488,18 @@
         </p:spPr>
         <p:txBody>
           <a:bodyPr lIns="0" rIns="0" tIns="0" bIns="0">
-            <a:noAutofit/>
-          </a:bodyPr>
-          <a:p>
-            <a:endParaRPr b="0" lang="ru-RU" sz="2100" spc="-1" strike="noStrike">
-              <a:solidFill>
-                <a:srgbClr val="333333"/>
-              </a:solidFill>
-              <a:latin typeface="Noto Sans Regular"/>
-            </a:endParaRPr>
-          </a:p>
-        </p:txBody>
-      </p:sp>
-      <p:sp>
-        <p:nvSpPr>
-          <p:cNvPr id="40" name="PlaceHolder 6"/>
+            <a:normAutofit/>
+          </a:bodyPr>
+          <a:p>
+            <a:endParaRPr b="0" lang="en-US" sz="3200" spc="-1" strike="noStrike">
+              <a:latin typeface="Arial"/>
+            </a:endParaRPr>
+          </a:p>
+        </p:txBody>
+      </p:sp>
+      <p:sp>
+        <p:nvSpPr>
+          <p:cNvPr id="37" name="PlaceHolder 6"/>
           <p:cNvSpPr>
             <a:spLocks noGrp="1"/>
           </p:cNvSpPr>
@@ -553,21 +518,18 @@
         </p:spPr>
         <p:txBody>
           <a:bodyPr lIns="0" rIns="0" tIns="0" bIns="0">
-            <a:noAutofit/>
-          </a:bodyPr>
-          <a:p>
-            <a:endParaRPr b="0" lang="ru-RU" sz="2100" spc="-1" strike="noStrike">
-              <a:solidFill>
-                <a:srgbClr val="333333"/>
-              </a:solidFill>
-              <a:latin typeface="Noto Sans Regular"/>
-            </a:endParaRPr>
-          </a:p>
-        </p:txBody>
-      </p:sp>
-      <p:sp>
-        <p:nvSpPr>
-          <p:cNvPr id="41" name="PlaceHolder 7"/>
+            <a:normAutofit/>
+          </a:bodyPr>
+          <a:p>
+            <a:endParaRPr b="0" lang="en-US" sz="3200" spc="-1" strike="noStrike">
+              <a:latin typeface="Arial"/>
+            </a:endParaRPr>
+          </a:p>
+        </p:txBody>
+      </p:sp>
+      <p:sp>
+        <p:nvSpPr>
+          <p:cNvPr id="38" name="PlaceHolder 7"/>
           <p:cNvSpPr>
             <a:spLocks noGrp="1"/>
           </p:cNvSpPr>
@@ -586,14 +548,11 @@
         </p:spPr>
         <p:txBody>
           <a:bodyPr lIns="0" rIns="0" tIns="0" bIns="0">
-            <a:noAutofit/>
-          </a:bodyPr>
-          <a:p>
-            <a:endParaRPr b="0" lang="ru-RU" sz="2100" spc="-1" strike="noStrike">
-              <a:solidFill>
-                <a:srgbClr val="333333"/>
-              </a:solidFill>
-              <a:latin typeface="Noto Sans Regular"/>
+            <a:normAutofit/>
+          </a:bodyPr>
+          <a:p>
+            <a:endParaRPr b="0" lang="en-US" sz="3200" spc="-1" strike="noStrike">
+              <a:latin typeface="Arial"/>
             </a:endParaRPr>
           </a:p>
         </p:txBody>
@@ -644,7 +603,7 @@
       </p:grpSpPr>
       <p:sp>
         <p:nvSpPr>
-          <p:cNvPr id="48" name="PlaceHolder 1"/>
+          <p:cNvPr id="42" name="PlaceHolder 1"/>
           <p:cNvSpPr>
             <a:spLocks noGrp="1"/>
           </p:cNvSpPr>
@@ -655,7 +614,7 @@
         <p:spPr>
           <a:xfrm>
             <a:off x="720000" y="148320"/>
-            <a:ext cx="9000000" cy="1143720"/>
+            <a:ext cx="8999640" cy="1143360"/>
           </a:xfrm>
           <a:prstGeom prst="rect">
             <a:avLst/>
@@ -666,18 +625,16 @@
             <a:noAutofit/>
           </a:bodyPr>
           <a:p>
-            <a:endParaRPr b="1" lang="ru-RU" sz="3300" spc="-1" strike="noStrike">
-              <a:solidFill>
-                <a:srgbClr val="333333"/>
-              </a:solidFill>
-              <a:latin typeface="Noto Sans Regular"/>
-            </a:endParaRPr>
-          </a:p>
-        </p:txBody>
-      </p:sp>
-      <p:sp>
-        <p:nvSpPr>
-          <p:cNvPr id="49" name="PlaceHolder 2"/>
+            <a:pPr algn="ctr"/>
+            <a:endParaRPr b="0" lang="en-US" sz="4400" spc="-1" strike="noStrike">
+              <a:latin typeface="Arial"/>
+            </a:endParaRPr>
+          </a:p>
+        </p:txBody>
+      </p:sp>
+      <p:sp>
+        <p:nvSpPr>
+          <p:cNvPr id="43" name="PlaceHolder 2"/>
           <p:cNvSpPr>
             <a:spLocks noGrp="1"/>
           </p:cNvSpPr>
@@ -688,7 +645,7 @@
         <p:spPr>
           <a:xfrm>
             <a:off x="720000" y="1440000"/>
-            <a:ext cx="9000000" cy="3420000"/>
+            <a:ext cx="8999640" cy="3419640"/>
           </a:xfrm>
           <a:prstGeom prst="rect">
             <a:avLst/>
@@ -700,7 +657,7 @@
           </a:bodyPr>
           <a:p>
             <a:pPr algn="ctr"/>
-            <a:endParaRPr b="0" lang="ru-RU" sz="3200" spc="-1" strike="noStrike">
+            <a:endParaRPr b="0" lang="en-US" sz="3200" spc="-1" strike="noStrike">
               <a:latin typeface="Arial"/>
             </a:endParaRPr>
           </a:p>
@@ -730,7 +687,7 @@
       </p:grpSpPr>
       <p:sp>
         <p:nvSpPr>
-          <p:cNvPr id="50" name="PlaceHolder 1"/>
+          <p:cNvPr id="44" name="PlaceHolder 1"/>
           <p:cNvSpPr>
             <a:spLocks noGrp="1"/>
           </p:cNvSpPr>
@@ -741,7 +698,7 @@
         <p:spPr>
           <a:xfrm>
             <a:off x="720000" y="148320"/>
-            <a:ext cx="9000000" cy="1143720"/>
+            <a:ext cx="8999640" cy="1143360"/>
           </a:xfrm>
           <a:prstGeom prst="rect">
             <a:avLst/>
@@ -752,18 +709,16 @@
             <a:noAutofit/>
           </a:bodyPr>
           <a:p>
-            <a:endParaRPr b="1" lang="ru-RU" sz="3300" spc="-1" strike="noStrike">
-              <a:solidFill>
-                <a:srgbClr val="333333"/>
-              </a:solidFill>
-              <a:latin typeface="Noto Sans Regular"/>
-            </a:endParaRPr>
-          </a:p>
-        </p:txBody>
-      </p:sp>
-      <p:sp>
-        <p:nvSpPr>
-          <p:cNvPr id="51" name="PlaceHolder 2"/>
+            <a:pPr algn="ctr"/>
+            <a:endParaRPr b="0" lang="en-US" sz="4400" spc="-1" strike="noStrike">
+              <a:latin typeface="Arial"/>
+            </a:endParaRPr>
+          </a:p>
+        </p:txBody>
+      </p:sp>
+      <p:sp>
+        <p:nvSpPr>
+          <p:cNvPr id="45" name="PlaceHolder 2"/>
           <p:cNvSpPr>
             <a:spLocks noGrp="1"/>
           </p:cNvSpPr>
@@ -774,22 +729,19 @@
         <p:spPr>
           <a:xfrm>
             <a:off x="720000" y="1440000"/>
-            <a:ext cx="9000000" cy="3420000"/>
-          </a:xfrm>
-          <a:prstGeom prst="rect">
-            <a:avLst/>
-          </a:prstGeom>
-        </p:spPr>
-        <p:txBody>
-          <a:bodyPr lIns="0" rIns="0" tIns="0" bIns="0">
-            <a:noAutofit/>
-          </a:bodyPr>
-          <a:p>
-            <a:endParaRPr b="0" lang="ru-RU" sz="2100" spc="-1" strike="noStrike">
-              <a:solidFill>
-                <a:srgbClr val="333333"/>
-              </a:solidFill>
-              <a:latin typeface="Noto Sans Regular"/>
+            <a:ext cx="8999640" cy="3419640"/>
+          </a:xfrm>
+          <a:prstGeom prst="rect">
+            <a:avLst/>
+          </a:prstGeom>
+        </p:spPr>
+        <p:txBody>
+          <a:bodyPr lIns="0" rIns="0" tIns="0" bIns="0">
+            <a:normAutofit/>
+          </a:bodyPr>
+          <a:p>
+            <a:endParaRPr b="0" lang="en-US" sz="3200" spc="-1" strike="noStrike">
+              <a:latin typeface="Arial"/>
             </a:endParaRPr>
           </a:p>
         </p:txBody>
@@ -818,7 +770,7 @@
       </p:grpSpPr>
       <p:sp>
         <p:nvSpPr>
-          <p:cNvPr id="52" name="PlaceHolder 1"/>
+          <p:cNvPr id="46" name="PlaceHolder 1"/>
           <p:cNvSpPr>
             <a:spLocks noGrp="1"/>
           </p:cNvSpPr>
@@ -829,7 +781,7 @@
         <p:spPr>
           <a:xfrm>
             <a:off x="720000" y="148320"/>
-            <a:ext cx="9000000" cy="1143720"/>
+            <a:ext cx="8999640" cy="1143360"/>
           </a:xfrm>
           <a:prstGeom prst="rect">
             <a:avLst/>
@@ -840,18 +792,16 @@
             <a:noAutofit/>
           </a:bodyPr>
           <a:p>
-            <a:endParaRPr b="1" lang="ru-RU" sz="3300" spc="-1" strike="noStrike">
-              <a:solidFill>
-                <a:srgbClr val="333333"/>
-              </a:solidFill>
-              <a:latin typeface="Noto Sans Regular"/>
-            </a:endParaRPr>
-          </a:p>
-        </p:txBody>
-      </p:sp>
-      <p:sp>
-        <p:nvSpPr>
-          <p:cNvPr id="53" name="PlaceHolder 2"/>
+            <a:pPr algn="ctr"/>
+            <a:endParaRPr b="0" lang="en-US" sz="4400" spc="-1" strike="noStrike">
+              <a:latin typeface="Arial"/>
+            </a:endParaRPr>
+          </a:p>
+        </p:txBody>
+      </p:sp>
+      <p:sp>
+        <p:nvSpPr>
+          <p:cNvPr id="47" name="PlaceHolder 2"/>
           <p:cNvSpPr>
             <a:spLocks noGrp="1"/>
           </p:cNvSpPr>
@@ -862,29 +812,26 @@
         <p:spPr>
           <a:xfrm>
             <a:off x="720000" y="1440000"/>
-            <a:ext cx="4391640" cy="3420000"/>
-          </a:xfrm>
-          <a:prstGeom prst="rect">
-            <a:avLst/>
-          </a:prstGeom>
-        </p:spPr>
-        <p:txBody>
-          <a:bodyPr lIns="0" rIns="0" tIns="0" bIns="0">
-            <a:noAutofit/>
-          </a:bodyPr>
-          <a:p>
-            <a:endParaRPr b="0" lang="ru-RU" sz="2100" spc="-1" strike="noStrike">
-              <a:solidFill>
-                <a:srgbClr val="333333"/>
-              </a:solidFill>
-              <a:latin typeface="Noto Sans Regular"/>
-            </a:endParaRPr>
-          </a:p>
-        </p:txBody>
-      </p:sp>
-      <p:sp>
-        <p:nvSpPr>
-          <p:cNvPr id="54" name="PlaceHolder 3"/>
+            <a:ext cx="4391640" cy="3419640"/>
+          </a:xfrm>
+          <a:prstGeom prst="rect">
+            <a:avLst/>
+          </a:prstGeom>
+        </p:spPr>
+        <p:txBody>
+          <a:bodyPr lIns="0" rIns="0" tIns="0" bIns="0">
+            <a:normAutofit/>
+          </a:bodyPr>
+          <a:p>
+            <a:endParaRPr b="0" lang="en-US" sz="3200" spc="-1" strike="noStrike">
+              <a:latin typeface="Arial"/>
+            </a:endParaRPr>
+          </a:p>
+        </p:txBody>
+      </p:sp>
+      <p:sp>
+        <p:nvSpPr>
+          <p:cNvPr id="48" name="PlaceHolder 3"/>
           <p:cNvSpPr>
             <a:spLocks noGrp="1"/>
           </p:cNvSpPr>
@@ -895,22 +842,19 @@
         <p:spPr>
           <a:xfrm>
             <a:off x="5331600" y="1440000"/>
-            <a:ext cx="4391640" cy="3420000"/>
-          </a:xfrm>
-          <a:prstGeom prst="rect">
-            <a:avLst/>
-          </a:prstGeom>
-        </p:spPr>
-        <p:txBody>
-          <a:bodyPr lIns="0" rIns="0" tIns="0" bIns="0">
-            <a:noAutofit/>
-          </a:bodyPr>
-          <a:p>
-            <a:endParaRPr b="0" lang="ru-RU" sz="2100" spc="-1" strike="noStrike">
-              <a:solidFill>
-                <a:srgbClr val="333333"/>
-              </a:solidFill>
-              <a:latin typeface="Noto Sans Regular"/>
+            <a:ext cx="4391640" cy="3419640"/>
+          </a:xfrm>
+          <a:prstGeom prst="rect">
+            <a:avLst/>
+          </a:prstGeom>
+        </p:spPr>
+        <p:txBody>
+          <a:bodyPr lIns="0" rIns="0" tIns="0" bIns="0">
+            <a:normAutofit/>
+          </a:bodyPr>
+          <a:p>
+            <a:endParaRPr b="0" lang="en-US" sz="3200" spc="-1" strike="noStrike">
+              <a:latin typeface="Arial"/>
             </a:endParaRPr>
           </a:p>
         </p:txBody>
@@ -939,7 +883,7 @@
       </p:grpSpPr>
       <p:sp>
         <p:nvSpPr>
-          <p:cNvPr id="55" name="PlaceHolder 1"/>
+          <p:cNvPr id="49" name="PlaceHolder 1"/>
           <p:cNvSpPr>
             <a:spLocks noGrp="1"/>
           </p:cNvSpPr>
@@ -950,7 +894,7 @@
         <p:spPr>
           <a:xfrm>
             <a:off x="720000" y="148320"/>
-            <a:ext cx="9000000" cy="1143720"/>
+            <a:ext cx="8999640" cy="1143360"/>
           </a:xfrm>
           <a:prstGeom prst="rect">
             <a:avLst/>
@@ -961,11 +905,9 @@
             <a:noAutofit/>
           </a:bodyPr>
           <a:p>
-            <a:endParaRPr b="1" lang="ru-RU" sz="3300" spc="-1" strike="noStrike">
-              <a:solidFill>
-                <a:srgbClr val="333333"/>
-              </a:solidFill>
-              <a:latin typeface="Noto Sans Regular"/>
+            <a:pPr algn="ctr"/>
+            <a:endParaRPr b="0" lang="en-US" sz="4400" spc="-1" strike="noStrike">
+              <a:latin typeface="Arial"/>
             </a:endParaRPr>
           </a:p>
         </p:txBody>
@@ -994,7 +936,7 @@
       </p:grpSpPr>
       <p:sp>
         <p:nvSpPr>
-          <p:cNvPr id="56" name="PlaceHolder 1"/>
+          <p:cNvPr id="50" name="PlaceHolder 1"/>
           <p:cNvSpPr>
             <a:spLocks noGrp="1"/>
           </p:cNvSpPr>
@@ -1004,8 +946,8 @@
         </p:nvSpPr>
         <p:spPr>
           <a:xfrm>
-            <a:off x="720000" y="180000"/>
-            <a:ext cx="9000000" cy="5007600"/>
+            <a:off x="720000" y="148320"/>
+            <a:ext cx="8999640" cy="5301360"/>
           </a:xfrm>
           <a:prstGeom prst="rect">
             <a:avLst/>
@@ -1017,7 +959,7 @@
           </a:bodyPr>
           <a:p>
             <a:pPr algn="ctr"/>
-            <a:endParaRPr b="0" lang="ru-RU" sz="3200" spc="-1" strike="noStrike">
+            <a:endParaRPr b="0" lang="en-US" sz="3200" spc="-1" strike="noStrike">
               <a:latin typeface="Arial"/>
             </a:endParaRPr>
           </a:p>
@@ -1047,7 +989,7 @@
       </p:grpSpPr>
       <p:sp>
         <p:nvSpPr>
-          <p:cNvPr id="57" name="PlaceHolder 1"/>
+          <p:cNvPr id="51" name="PlaceHolder 1"/>
           <p:cNvSpPr>
             <a:spLocks noGrp="1"/>
           </p:cNvSpPr>
@@ -1058,7 +1000,7 @@
         <p:spPr>
           <a:xfrm>
             <a:off x="720000" y="148320"/>
-            <a:ext cx="9000000" cy="1143720"/>
+            <a:ext cx="8999640" cy="1143360"/>
           </a:xfrm>
           <a:prstGeom prst="rect">
             <a:avLst/>
@@ -1069,18 +1011,16 @@
             <a:noAutofit/>
           </a:bodyPr>
           <a:p>
-            <a:endParaRPr b="1" lang="ru-RU" sz="3300" spc="-1" strike="noStrike">
-              <a:solidFill>
-                <a:srgbClr val="333333"/>
-              </a:solidFill>
-              <a:latin typeface="Noto Sans Regular"/>
-            </a:endParaRPr>
-          </a:p>
-        </p:txBody>
-      </p:sp>
-      <p:sp>
-        <p:nvSpPr>
-          <p:cNvPr id="58" name="PlaceHolder 2"/>
+            <a:pPr algn="ctr"/>
+            <a:endParaRPr b="0" lang="en-US" sz="4400" spc="-1" strike="noStrike">
+              <a:latin typeface="Arial"/>
+            </a:endParaRPr>
+          </a:p>
+        </p:txBody>
+      </p:sp>
+      <p:sp>
+        <p:nvSpPr>
+          <p:cNvPr id="52" name="PlaceHolder 2"/>
           <p:cNvSpPr>
             <a:spLocks noGrp="1"/>
           </p:cNvSpPr>
@@ -1099,21 +1039,18 @@
         </p:spPr>
         <p:txBody>
           <a:bodyPr lIns="0" rIns="0" tIns="0" bIns="0">
-            <a:noAutofit/>
-          </a:bodyPr>
-          <a:p>
-            <a:endParaRPr b="0" lang="ru-RU" sz="2100" spc="-1" strike="noStrike">
-              <a:solidFill>
-                <a:srgbClr val="333333"/>
-              </a:solidFill>
-              <a:latin typeface="Noto Sans Regular"/>
-            </a:endParaRPr>
-          </a:p>
-        </p:txBody>
-      </p:sp>
-      <p:sp>
-        <p:nvSpPr>
-          <p:cNvPr id="59" name="PlaceHolder 3"/>
+            <a:normAutofit/>
+          </a:bodyPr>
+          <a:p>
+            <a:endParaRPr b="0" lang="en-US" sz="3200" spc="-1" strike="noStrike">
+              <a:latin typeface="Arial"/>
+            </a:endParaRPr>
+          </a:p>
+        </p:txBody>
+      </p:sp>
+      <p:sp>
+        <p:nvSpPr>
+          <p:cNvPr id="53" name="PlaceHolder 3"/>
           <p:cNvSpPr>
             <a:spLocks noGrp="1"/>
           </p:cNvSpPr>
@@ -1124,29 +1061,26 @@
         <p:spPr>
           <a:xfrm>
             <a:off x="5331600" y="1440000"/>
-            <a:ext cx="4391640" cy="3420000"/>
-          </a:xfrm>
-          <a:prstGeom prst="rect">
-            <a:avLst/>
-          </a:prstGeom>
-        </p:spPr>
-        <p:txBody>
-          <a:bodyPr lIns="0" rIns="0" tIns="0" bIns="0">
-            <a:noAutofit/>
-          </a:bodyPr>
-          <a:p>
-            <a:endParaRPr b="0" lang="ru-RU" sz="2100" spc="-1" strike="noStrike">
-              <a:solidFill>
-                <a:srgbClr val="333333"/>
-              </a:solidFill>
-              <a:latin typeface="Noto Sans Regular"/>
-            </a:endParaRPr>
-          </a:p>
-        </p:txBody>
-      </p:sp>
-      <p:sp>
-        <p:nvSpPr>
-          <p:cNvPr id="60" name="PlaceHolder 4"/>
+            <a:ext cx="4391640" cy="3419640"/>
+          </a:xfrm>
+          <a:prstGeom prst="rect">
+            <a:avLst/>
+          </a:prstGeom>
+        </p:spPr>
+        <p:txBody>
+          <a:bodyPr lIns="0" rIns="0" tIns="0" bIns="0">
+            <a:normAutofit/>
+          </a:bodyPr>
+          <a:p>
+            <a:endParaRPr b="0" lang="en-US" sz="3200" spc="-1" strike="noStrike">
+              <a:latin typeface="Arial"/>
+            </a:endParaRPr>
+          </a:p>
+        </p:txBody>
+      </p:sp>
+      <p:sp>
+        <p:nvSpPr>
+          <p:cNvPr id="54" name="PlaceHolder 4"/>
           <p:cNvSpPr>
             <a:spLocks noGrp="1"/>
           </p:cNvSpPr>
@@ -1165,14 +1099,11 @@
         </p:spPr>
         <p:txBody>
           <a:bodyPr lIns="0" rIns="0" tIns="0" bIns="0">
-            <a:noAutofit/>
-          </a:bodyPr>
-          <a:p>
-            <a:endParaRPr b="0" lang="ru-RU" sz="2100" spc="-1" strike="noStrike">
-              <a:solidFill>
-                <a:srgbClr val="333333"/>
-              </a:solidFill>
-              <a:latin typeface="Noto Sans Regular"/>
+            <a:normAutofit/>
+          </a:bodyPr>
+          <a:p>
+            <a:endParaRPr b="0" lang="en-US" sz="3200" spc="-1" strike="noStrike">
+              <a:latin typeface="Arial"/>
             </a:endParaRPr>
           </a:p>
         </p:txBody>
@@ -1201,7 +1132,7 @@
       </p:grpSpPr>
       <p:sp>
         <p:nvSpPr>
-          <p:cNvPr id="6" name="PlaceHolder 1"/>
+          <p:cNvPr id="3" name="PlaceHolder 1"/>
           <p:cNvSpPr>
             <a:spLocks noGrp="1"/>
           </p:cNvSpPr>
@@ -1212,7 +1143,7 @@
         <p:spPr>
           <a:xfrm>
             <a:off x="720000" y="148320"/>
-            <a:ext cx="9000000" cy="1143720"/>
+            <a:ext cx="8999640" cy="1143360"/>
           </a:xfrm>
           <a:prstGeom prst="rect">
             <a:avLst/>
@@ -1223,18 +1154,16 @@
             <a:noAutofit/>
           </a:bodyPr>
           <a:p>
-            <a:endParaRPr b="1" lang="ru-RU" sz="3300" spc="-1" strike="noStrike">
-              <a:solidFill>
-                <a:srgbClr val="333333"/>
-              </a:solidFill>
-              <a:latin typeface="Noto Sans Regular"/>
-            </a:endParaRPr>
-          </a:p>
-        </p:txBody>
-      </p:sp>
-      <p:sp>
-        <p:nvSpPr>
-          <p:cNvPr id="7" name="PlaceHolder 2"/>
+            <a:pPr algn="ctr"/>
+            <a:endParaRPr b="0" lang="en-US" sz="4400" spc="-1" strike="noStrike">
+              <a:latin typeface="Arial"/>
+            </a:endParaRPr>
+          </a:p>
+        </p:txBody>
+      </p:sp>
+      <p:sp>
+        <p:nvSpPr>
+          <p:cNvPr id="4" name="PlaceHolder 2"/>
           <p:cNvSpPr>
             <a:spLocks noGrp="1"/>
           </p:cNvSpPr>
@@ -1245,7 +1174,7 @@
         <p:spPr>
           <a:xfrm>
             <a:off x="720000" y="1440000"/>
-            <a:ext cx="9000000" cy="3420000"/>
+            <a:ext cx="8999640" cy="3419640"/>
           </a:xfrm>
           <a:prstGeom prst="rect">
             <a:avLst/>
@@ -1257,7 +1186,7 @@
           </a:bodyPr>
           <a:p>
             <a:pPr algn="ctr"/>
-            <a:endParaRPr b="0" lang="ru-RU" sz="3200" spc="-1" strike="noStrike">
+            <a:endParaRPr b="0" lang="en-US" sz="3200" spc="-1" strike="noStrike">
               <a:latin typeface="Arial"/>
             </a:endParaRPr>
           </a:p>
@@ -1287,7 +1216,7 @@
       </p:grpSpPr>
       <p:sp>
         <p:nvSpPr>
-          <p:cNvPr id="61" name="PlaceHolder 1"/>
+          <p:cNvPr id="55" name="PlaceHolder 1"/>
           <p:cNvSpPr>
             <a:spLocks noGrp="1"/>
           </p:cNvSpPr>
@@ -1298,7 +1227,7 @@
         <p:spPr>
           <a:xfrm>
             <a:off x="720000" y="148320"/>
-            <a:ext cx="9000000" cy="1143720"/>
+            <a:ext cx="8999640" cy="1143360"/>
           </a:xfrm>
           <a:prstGeom prst="rect">
             <a:avLst/>
@@ -1309,18 +1238,16 @@
             <a:noAutofit/>
           </a:bodyPr>
           <a:p>
-            <a:endParaRPr b="1" lang="ru-RU" sz="3300" spc="-1" strike="noStrike">
-              <a:solidFill>
-                <a:srgbClr val="333333"/>
-              </a:solidFill>
-              <a:latin typeface="Noto Sans Regular"/>
-            </a:endParaRPr>
-          </a:p>
-        </p:txBody>
-      </p:sp>
-      <p:sp>
-        <p:nvSpPr>
-          <p:cNvPr id="62" name="PlaceHolder 2"/>
+            <a:pPr algn="ctr"/>
+            <a:endParaRPr b="0" lang="en-US" sz="4400" spc="-1" strike="noStrike">
+              <a:latin typeface="Arial"/>
+            </a:endParaRPr>
+          </a:p>
+        </p:txBody>
+      </p:sp>
+      <p:sp>
+        <p:nvSpPr>
+          <p:cNvPr id="56" name="PlaceHolder 2"/>
           <p:cNvSpPr>
             <a:spLocks noGrp="1"/>
           </p:cNvSpPr>
@@ -1331,29 +1258,26 @@
         <p:spPr>
           <a:xfrm>
             <a:off x="720000" y="1440000"/>
-            <a:ext cx="4391640" cy="3420000"/>
-          </a:xfrm>
-          <a:prstGeom prst="rect">
-            <a:avLst/>
-          </a:prstGeom>
-        </p:spPr>
-        <p:txBody>
-          <a:bodyPr lIns="0" rIns="0" tIns="0" bIns="0">
-            <a:noAutofit/>
-          </a:bodyPr>
-          <a:p>
-            <a:endParaRPr b="0" lang="ru-RU" sz="2100" spc="-1" strike="noStrike">
-              <a:solidFill>
-                <a:srgbClr val="333333"/>
-              </a:solidFill>
-              <a:latin typeface="Noto Sans Regular"/>
-            </a:endParaRPr>
-          </a:p>
-        </p:txBody>
-      </p:sp>
-      <p:sp>
-        <p:nvSpPr>
-          <p:cNvPr id="63" name="PlaceHolder 3"/>
+            <a:ext cx="4391640" cy="3419640"/>
+          </a:xfrm>
+          <a:prstGeom prst="rect">
+            <a:avLst/>
+          </a:prstGeom>
+        </p:spPr>
+        <p:txBody>
+          <a:bodyPr lIns="0" rIns="0" tIns="0" bIns="0">
+            <a:normAutofit/>
+          </a:bodyPr>
+          <a:p>
+            <a:endParaRPr b="0" lang="en-US" sz="3200" spc="-1" strike="noStrike">
+              <a:latin typeface="Arial"/>
+            </a:endParaRPr>
+          </a:p>
+        </p:txBody>
+      </p:sp>
+      <p:sp>
+        <p:nvSpPr>
+          <p:cNvPr id="57" name="PlaceHolder 3"/>
           <p:cNvSpPr>
             <a:spLocks noGrp="1"/>
           </p:cNvSpPr>
@@ -1372,21 +1296,18 @@
         </p:spPr>
         <p:txBody>
           <a:bodyPr lIns="0" rIns="0" tIns="0" bIns="0">
-            <a:noAutofit/>
-          </a:bodyPr>
-          <a:p>
-            <a:endParaRPr b="0" lang="ru-RU" sz="2100" spc="-1" strike="noStrike">
-              <a:solidFill>
-                <a:srgbClr val="333333"/>
-              </a:solidFill>
-              <a:latin typeface="Noto Sans Regular"/>
-            </a:endParaRPr>
-          </a:p>
-        </p:txBody>
-      </p:sp>
-      <p:sp>
-        <p:nvSpPr>
-          <p:cNvPr id="64" name="PlaceHolder 4"/>
+            <a:normAutofit/>
+          </a:bodyPr>
+          <a:p>
+            <a:endParaRPr b="0" lang="en-US" sz="3200" spc="-1" strike="noStrike">
+              <a:latin typeface="Arial"/>
+            </a:endParaRPr>
+          </a:p>
+        </p:txBody>
+      </p:sp>
+      <p:sp>
+        <p:nvSpPr>
+          <p:cNvPr id="58" name="PlaceHolder 4"/>
           <p:cNvSpPr>
             <a:spLocks noGrp="1"/>
           </p:cNvSpPr>
@@ -1405,14 +1326,11 @@
         </p:spPr>
         <p:txBody>
           <a:bodyPr lIns="0" rIns="0" tIns="0" bIns="0">
-            <a:noAutofit/>
-          </a:bodyPr>
-          <a:p>
-            <a:endParaRPr b="0" lang="ru-RU" sz="2100" spc="-1" strike="noStrike">
-              <a:solidFill>
-                <a:srgbClr val="333333"/>
-              </a:solidFill>
-              <a:latin typeface="Noto Sans Regular"/>
+            <a:normAutofit/>
+          </a:bodyPr>
+          <a:p>
+            <a:endParaRPr b="0" lang="en-US" sz="3200" spc="-1" strike="noStrike">
+              <a:latin typeface="Arial"/>
             </a:endParaRPr>
           </a:p>
         </p:txBody>
@@ -1441,7 +1359,7 @@
       </p:grpSpPr>
       <p:sp>
         <p:nvSpPr>
-          <p:cNvPr id="65" name="PlaceHolder 1"/>
+          <p:cNvPr id="59" name="PlaceHolder 1"/>
           <p:cNvSpPr>
             <a:spLocks noGrp="1"/>
           </p:cNvSpPr>
@@ -1452,7 +1370,7 @@
         <p:spPr>
           <a:xfrm>
             <a:off x="720000" y="148320"/>
-            <a:ext cx="9000000" cy="1143720"/>
+            <a:ext cx="8999640" cy="1143360"/>
           </a:xfrm>
           <a:prstGeom prst="rect">
             <a:avLst/>
@@ -1463,18 +1381,16 @@
             <a:noAutofit/>
           </a:bodyPr>
           <a:p>
-            <a:endParaRPr b="1" lang="ru-RU" sz="3300" spc="-1" strike="noStrike">
-              <a:solidFill>
-                <a:srgbClr val="333333"/>
-              </a:solidFill>
-              <a:latin typeface="Noto Sans Regular"/>
-            </a:endParaRPr>
-          </a:p>
-        </p:txBody>
-      </p:sp>
-      <p:sp>
-        <p:nvSpPr>
-          <p:cNvPr id="66" name="PlaceHolder 2"/>
+            <a:pPr algn="ctr"/>
+            <a:endParaRPr b="0" lang="en-US" sz="4400" spc="-1" strike="noStrike">
+              <a:latin typeface="Arial"/>
+            </a:endParaRPr>
+          </a:p>
+        </p:txBody>
+      </p:sp>
+      <p:sp>
+        <p:nvSpPr>
+          <p:cNvPr id="60" name="PlaceHolder 2"/>
           <p:cNvSpPr>
             <a:spLocks noGrp="1"/>
           </p:cNvSpPr>
@@ -1493,21 +1409,18 @@
         </p:spPr>
         <p:txBody>
           <a:bodyPr lIns="0" rIns="0" tIns="0" bIns="0">
-            <a:noAutofit/>
-          </a:bodyPr>
-          <a:p>
-            <a:endParaRPr b="0" lang="ru-RU" sz="2100" spc="-1" strike="noStrike">
-              <a:solidFill>
-                <a:srgbClr val="333333"/>
-              </a:solidFill>
-              <a:latin typeface="Noto Sans Regular"/>
-            </a:endParaRPr>
-          </a:p>
-        </p:txBody>
-      </p:sp>
-      <p:sp>
-        <p:nvSpPr>
-          <p:cNvPr id="67" name="PlaceHolder 3"/>
+            <a:normAutofit/>
+          </a:bodyPr>
+          <a:p>
+            <a:endParaRPr b="0" lang="en-US" sz="3200" spc="-1" strike="noStrike">
+              <a:latin typeface="Arial"/>
+            </a:endParaRPr>
+          </a:p>
+        </p:txBody>
+      </p:sp>
+      <p:sp>
+        <p:nvSpPr>
+          <p:cNvPr id="61" name="PlaceHolder 3"/>
           <p:cNvSpPr>
             <a:spLocks noGrp="1"/>
           </p:cNvSpPr>
@@ -1526,21 +1439,18 @@
         </p:spPr>
         <p:txBody>
           <a:bodyPr lIns="0" rIns="0" tIns="0" bIns="0">
-            <a:noAutofit/>
-          </a:bodyPr>
-          <a:p>
-            <a:endParaRPr b="0" lang="ru-RU" sz="2100" spc="-1" strike="noStrike">
-              <a:solidFill>
-                <a:srgbClr val="333333"/>
-              </a:solidFill>
-              <a:latin typeface="Noto Sans Regular"/>
-            </a:endParaRPr>
-          </a:p>
-        </p:txBody>
-      </p:sp>
-      <p:sp>
-        <p:nvSpPr>
-          <p:cNvPr id="68" name="PlaceHolder 4"/>
+            <a:normAutofit/>
+          </a:bodyPr>
+          <a:p>
+            <a:endParaRPr b="0" lang="en-US" sz="3200" spc="-1" strike="noStrike">
+              <a:latin typeface="Arial"/>
+            </a:endParaRPr>
+          </a:p>
+        </p:txBody>
+      </p:sp>
+      <p:sp>
+        <p:nvSpPr>
+          <p:cNvPr id="62" name="PlaceHolder 4"/>
           <p:cNvSpPr>
             <a:spLocks noGrp="1"/>
           </p:cNvSpPr>
@@ -1551,22 +1461,19 @@
         <p:spPr>
           <a:xfrm>
             <a:off x="720000" y="3226680"/>
-            <a:ext cx="9000000" cy="1631160"/>
-          </a:xfrm>
-          <a:prstGeom prst="rect">
-            <a:avLst/>
-          </a:prstGeom>
-        </p:spPr>
-        <p:txBody>
-          <a:bodyPr lIns="0" rIns="0" tIns="0" bIns="0">
-            <a:noAutofit/>
-          </a:bodyPr>
-          <a:p>
-            <a:endParaRPr b="0" lang="ru-RU" sz="2100" spc="-1" strike="noStrike">
-              <a:solidFill>
-                <a:srgbClr val="333333"/>
-              </a:solidFill>
-              <a:latin typeface="Noto Sans Regular"/>
+            <a:ext cx="8999640" cy="1631160"/>
+          </a:xfrm>
+          <a:prstGeom prst="rect">
+            <a:avLst/>
+          </a:prstGeom>
+        </p:spPr>
+        <p:txBody>
+          <a:bodyPr lIns="0" rIns="0" tIns="0" bIns="0">
+            <a:normAutofit/>
+          </a:bodyPr>
+          <a:p>
+            <a:endParaRPr b="0" lang="en-US" sz="3200" spc="-1" strike="noStrike">
+              <a:latin typeface="Arial"/>
             </a:endParaRPr>
           </a:p>
         </p:txBody>
@@ -1595,7 +1502,7 @@
       </p:grpSpPr>
       <p:sp>
         <p:nvSpPr>
-          <p:cNvPr id="69" name="PlaceHolder 1"/>
+          <p:cNvPr id="63" name="PlaceHolder 1"/>
           <p:cNvSpPr>
             <a:spLocks noGrp="1"/>
           </p:cNvSpPr>
@@ -1606,7 +1513,7 @@
         <p:spPr>
           <a:xfrm>
             <a:off x="720000" y="148320"/>
-            <a:ext cx="9000000" cy="1143720"/>
+            <a:ext cx="8999640" cy="1143360"/>
           </a:xfrm>
           <a:prstGeom prst="rect">
             <a:avLst/>
@@ -1617,18 +1524,16 @@
             <a:noAutofit/>
           </a:bodyPr>
           <a:p>
-            <a:endParaRPr b="1" lang="ru-RU" sz="3300" spc="-1" strike="noStrike">
-              <a:solidFill>
-                <a:srgbClr val="333333"/>
-              </a:solidFill>
-              <a:latin typeface="Noto Sans Regular"/>
-            </a:endParaRPr>
-          </a:p>
-        </p:txBody>
-      </p:sp>
-      <p:sp>
-        <p:nvSpPr>
-          <p:cNvPr id="70" name="PlaceHolder 2"/>
+            <a:pPr algn="ctr"/>
+            <a:endParaRPr b="0" lang="en-US" sz="4400" spc="-1" strike="noStrike">
+              <a:latin typeface="Arial"/>
+            </a:endParaRPr>
+          </a:p>
+        </p:txBody>
+      </p:sp>
+      <p:sp>
+        <p:nvSpPr>
+          <p:cNvPr id="64" name="PlaceHolder 2"/>
           <p:cNvSpPr>
             <a:spLocks noGrp="1"/>
           </p:cNvSpPr>
@@ -1639,29 +1544,26 @@
         <p:spPr>
           <a:xfrm>
             <a:off x="720000" y="1440000"/>
-            <a:ext cx="9000000" cy="1631160"/>
-          </a:xfrm>
-          <a:prstGeom prst="rect">
-            <a:avLst/>
-          </a:prstGeom>
-        </p:spPr>
-        <p:txBody>
-          <a:bodyPr lIns="0" rIns="0" tIns="0" bIns="0">
-            <a:noAutofit/>
-          </a:bodyPr>
-          <a:p>
-            <a:endParaRPr b="0" lang="ru-RU" sz="2100" spc="-1" strike="noStrike">
-              <a:solidFill>
-                <a:srgbClr val="333333"/>
-              </a:solidFill>
-              <a:latin typeface="Noto Sans Regular"/>
-            </a:endParaRPr>
-          </a:p>
-        </p:txBody>
-      </p:sp>
-      <p:sp>
-        <p:nvSpPr>
-          <p:cNvPr id="71" name="PlaceHolder 3"/>
+            <a:ext cx="8999640" cy="1631160"/>
+          </a:xfrm>
+          <a:prstGeom prst="rect">
+            <a:avLst/>
+          </a:prstGeom>
+        </p:spPr>
+        <p:txBody>
+          <a:bodyPr lIns="0" rIns="0" tIns="0" bIns="0">
+            <a:normAutofit/>
+          </a:bodyPr>
+          <a:p>
+            <a:endParaRPr b="0" lang="en-US" sz="3200" spc="-1" strike="noStrike">
+              <a:latin typeface="Arial"/>
+            </a:endParaRPr>
+          </a:p>
+        </p:txBody>
+      </p:sp>
+      <p:sp>
+        <p:nvSpPr>
+          <p:cNvPr id="65" name="PlaceHolder 3"/>
           <p:cNvSpPr>
             <a:spLocks noGrp="1"/>
           </p:cNvSpPr>
@@ -1672,22 +1574,19 @@
         <p:spPr>
           <a:xfrm>
             <a:off x="720000" y="3226680"/>
-            <a:ext cx="9000000" cy="1631160"/>
-          </a:xfrm>
-          <a:prstGeom prst="rect">
-            <a:avLst/>
-          </a:prstGeom>
-        </p:spPr>
-        <p:txBody>
-          <a:bodyPr lIns="0" rIns="0" tIns="0" bIns="0">
-            <a:noAutofit/>
-          </a:bodyPr>
-          <a:p>
-            <a:endParaRPr b="0" lang="ru-RU" sz="2100" spc="-1" strike="noStrike">
-              <a:solidFill>
-                <a:srgbClr val="333333"/>
-              </a:solidFill>
-              <a:latin typeface="Noto Sans Regular"/>
+            <a:ext cx="8999640" cy="1631160"/>
+          </a:xfrm>
+          <a:prstGeom prst="rect">
+            <a:avLst/>
+          </a:prstGeom>
+        </p:spPr>
+        <p:txBody>
+          <a:bodyPr lIns="0" rIns="0" tIns="0" bIns="0">
+            <a:normAutofit/>
+          </a:bodyPr>
+          <a:p>
+            <a:endParaRPr b="0" lang="en-US" sz="3200" spc="-1" strike="noStrike">
+              <a:latin typeface="Arial"/>
             </a:endParaRPr>
           </a:p>
         </p:txBody>
@@ -1716,7 +1615,7 @@
       </p:grpSpPr>
       <p:sp>
         <p:nvSpPr>
-          <p:cNvPr id="72" name="PlaceHolder 1"/>
+          <p:cNvPr id="66" name="PlaceHolder 1"/>
           <p:cNvSpPr>
             <a:spLocks noGrp="1"/>
           </p:cNvSpPr>
@@ -1727,7 +1626,7 @@
         <p:spPr>
           <a:xfrm>
             <a:off x="720000" y="148320"/>
-            <a:ext cx="9000000" cy="1143720"/>
+            <a:ext cx="8999640" cy="1143360"/>
           </a:xfrm>
           <a:prstGeom prst="rect">
             <a:avLst/>
@@ -1738,18 +1637,16 @@
             <a:noAutofit/>
           </a:bodyPr>
           <a:p>
-            <a:endParaRPr b="1" lang="ru-RU" sz="3300" spc="-1" strike="noStrike">
-              <a:solidFill>
-                <a:srgbClr val="333333"/>
-              </a:solidFill>
-              <a:latin typeface="Noto Sans Regular"/>
-            </a:endParaRPr>
-          </a:p>
-        </p:txBody>
-      </p:sp>
-      <p:sp>
-        <p:nvSpPr>
-          <p:cNvPr id="73" name="PlaceHolder 2"/>
+            <a:pPr algn="ctr"/>
+            <a:endParaRPr b="0" lang="en-US" sz="4400" spc="-1" strike="noStrike">
+              <a:latin typeface="Arial"/>
+            </a:endParaRPr>
+          </a:p>
+        </p:txBody>
+      </p:sp>
+      <p:sp>
+        <p:nvSpPr>
+          <p:cNvPr id="67" name="PlaceHolder 2"/>
           <p:cNvSpPr>
             <a:spLocks noGrp="1"/>
           </p:cNvSpPr>
@@ -1768,21 +1665,18 @@
         </p:spPr>
         <p:txBody>
           <a:bodyPr lIns="0" rIns="0" tIns="0" bIns="0">
-            <a:noAutofit/>
-          </a:bodyPr>
-          <a:p>
-            <a:endParaRPr b="0" lang="ru-RU" sz="2100" spc="-1" strike="noStrike">
-              <a:solidFill>
-                <a:srgbClr val="333333"/>
-              </a:solidFill>
-              <a:latin typeface="Noto Sans Regular"/>
-            </a:endParaRPr>
-          </a:p>
-        </p:txBody>
-      </p:sp>
-      <p:sp>
-        <p:nvSpPr>
-          <p:cNvPr id="74" name="PlaceHolder 3"/>
+            <a:normAutofit/>
+          </a:bodyPr>
+          <a:p>
+            <a:endParaRPr b="0" lang="en-US" sz="3200" spc="-1" strike="noStrike">
+              <a:latin typeface="Arial"/>
+            </a:endParaRPr>
+          </a:p>
+        </p:txBody>
+      </p:sp>
+      <p:sp>
+        <p:nvSpPr>
+          <p:cNvPr id="68" name="PlaceHolder 3"/>
           <p:cNvSpPr>
             <a:spLocks noGrp="1"/>
           </p:cNvSpPr>
@@ -1801,21 +1695,18 @@
         </p:spPr>
         <p:txBody>
           <a:bodyPr lIns="0" rIns="0" tIns="0" bIns="0">
-            <a:noAutofit/>
-          </a:bodyPr>
-          <a:p>
-            <a:endParaRPr b="0" lang="ru-RU" sz="2100" spc="-1" strike="noStrike">
-              <a:solidFill>
-                <a:srgbClr val="333333"/>
-              </a:solidFill>
-              <a:latin typeface="Noto Sans Regular"/>
-            </a:endParaRPr>
-          </a:p>
-        </p:txBody>
-      </p:sp>
-      <p:sp>
-        <p:nvSpPr>
-          <p:cNvPr id="75" name="PlaceHolder 4"/>
+            <a:normAutofit/>
+          </a:bodyPr>
+          <a:p>
+            <a:endParaRPr b="0" lang="en-US" sz="3200" spc="-1" strike="noStrike">
+              <a:latin typeface="Arial"/>
+            </a:endParaRPr>
+          </a:p>
+        </p:txBody>
+      </p:sp>
+      <p:sp>
+        <p:nvSpPr>
+          <p:cNvPr id="69" name="PlaceHolder 4"/>
           <p:cNvSpPr>
             <a:spLocks noGrp="1"/>
           </p:cNvSpPr>
@@ -1834,21 +1725,18 @@
         </p:spPr>
         <p:txBody>
           <a:bodyPr lIns="0" rIns="0" tIns="0" bIns="0">
-            <a:noAutofit/>
-          </a:bodyPr>
-          <a:p>
-            <a:endParaRPr b="0" lang="ru-RU" sz="2100" spc="-1" strike="noStrike">
-              <a:solidFill>
-                <a:srgbClr val="333333"/>
-              </a:solidFill>
-              <a:latin typeface="Noto Sans Regular"/>
-            </a:endParaRPr>
-          </a:p>
-        </p:txBody>
-      </p:sp>
-      <p:sp>
-        <p:nvSpPr>
-          <p:cNvPr id="76" name="PlaceHolder 5"/>
+            <a:normAutofit/>
+          </a:bodyPr>
+          <a:p>
+            <a:endParaRPr b="0" lang="en-US" sz="3200" spc="-1" strike="noStrike">
+              <a:latin typeface="Arial"/>
+            </a:endParaRPr>
+          </a:p>
+        </p:txBody>
+      </p:sp>
+      <p:sp>
+        <p:nvSpPr>
+          <p:cNvPr id="70" name="PlaceHolder 5"/>
           <p:cNvSpPr>
             <a:spLocks noGrp="1"/>
           </p:cNvSpPr>
@@ -1867,14 +1755,11 @@
         </p:spPr>
         <p:txBody>
           <a:bodyPr lIns="0" rIns="0" tIns="0" bIns="0">
-            <a:noAutofit/>
-          </a:bodyPr>
-          <a:p>
-            <a:endParaRPr b="0" lang="ru-RU" sz="2100" spc="-1" strike="noStrike">
-              <a:solidFill>
-                <a:srgbClr val="333333"/>
-              </a:solidFill>
-              <a:latin typeface="Noto Sans Regular"/>
+            <a:normAutofit/>
+          </a:bodyPr>
+          <a:p>
+            <a:endParaRPr b="0" lang="en-US" sz="3200" spc="-1" strike="noStrike">
+              <a:latin typeface="Arial"/>
             </a:endParaRPr>
           </a:p>
         </p:txBody>
@@ -1903,7 +1788,7 @@
       </p:grpSpPr>
       <p:sp>
         <p:nvSpPr>
-          <p:cNvPr id="77" name="PlaceHolder 1"/>
+          <p:cNvPr id="71" name="PlaceHolder 1"/>
           <p:cNvSpPr>
             <a:spLocks noGrp="1"/>
           </p:cNvSpPr>
@@ -1914,7 +1799,7 @@
         <p:spPr>
           <a:xfrm>
             <a:off x="720000" y="148320"/>
-            <a:ext cx="9000000" cy="1143720"/>
+            <a:ext cx="8999640" cy="1143360"/>
           </a:xfrm>
           <a:prstGeom prst="rect">
             <a:avLst/>
@@ -1925,18 +1810,16 @@
             <a:noAutofit/>
           </a:bodyPr>
           <a:p>
-            <a:endParaRPr b="1" lang="ru-RU" sz="3300" spc="-1" strike="noStrike">
-              <a:solidFill>
-                <a:srgbClr val="333333"/>
-              </a:solidFill>
-              <a:latin typeface="Noto Sans Regular"/>
-            </a:endParaRPr>
-          </a:p>
-        </p:txBody>
-      </p:sp>
-      <p:sp>
-        <p:nvSpPr>
-          <p:cNvPr id="78" name="PlaceHolder 2"/>
+            <a:pPr algn="ctr"/>
+            <a:endParaRPr b="0" lang="en-US" sz="4400" spc="-1" strike="noStrike">
+              <a:latin typeface="Arial"/>
+            </a:endParaRPr>
+          </a:p>
+        </p:txBody>
+      </p:sp>
+      <p:sp>
+        <p:nvSpPr>
+          <p:cNvPr id="72" name="PlaceHolder 2"/>
           <p:cNvSpPr>
             <a:spLocks noGrp="1"/>
           </p:cNvSpPr>
@@ -1955,21 +1838,18 @@
         </p:spPr>
         <p:txBody>
           <a:bodyPr lIns="0" rIns="0" tIns="0" bIns="0">
-            <a:noAutofit/>
-          </a:bodyPr>
-          <a:p>
-            <a:endParaRPr b="0" lang="ru-RU" sz="2100" spc="-1" strike="noStrike">
-              <a:solidFill>
-                <a:srgbClr val="333333"/>
-              </a:solidFill>
-              <a:latin typeface="Noto Sans Regular"/>
-            </a:endParaRPr>
-          </a:p>
-        </p:txBody>
-      </p:sp>
-      <p:sp>
-        <p:nvSpPr>
-          <p:cNvPr id="79" name="PlaceHolder 3"/>
+            <a:normAutofit/>
+          </a:bodyPr>
+          <a:p>
+            <a:endParaRPr b="0" lang="en-US" sz="3200" spc="-1" strike="noStrike">
+              <a:latin typeface="Arial"/>
+            </a:endParaRPr>
+          </a:p>
+        </p:txBody>
+      </p:sp>
+      <p:sp>
+        <p:nvSpPr>
+          <p:cNvPr id="73" name="PlaceHolder 3"/>
           <p:cNvSpPr>
             <a:spLocks noGrp="1"/>
           </p:cNvSpPr>
@@ -1988,21 +1868,18 @@
         </p:spPr>
         <p:txBody>
           <a:bodyPr lIns="0" rIns="0" tIns="0" bIns="0">
-            <a:noAutofit/>
-          </a:bodyPr>
-          <a:p>
-            <a:endParaRPr b="0" lang="ru-RU" sz="2100" spc="-1" strike="noStrike">
-              <a:solidFill>
-                <a:srgbClr val="333333"/>
-              </a:solidFill>
-              <a:latin typeface="Noto Sans Regular"/>
-            </a:endParaRPr>
-          </a:p>
-        </p:txBody>
-      </p:sp>
-      <p:sp>
-        <p:nvSpPr>
-          <p:cNvPr id="80" name="PlaceHolder 4"/>
+            <a:normAutofit/>
+          </a:bodyPr>
+          <a:p>
+            <a:endParaRPr b="0" lang="en-US" sz="3200" spc="-1" strike="noStrike">
+              <a:latin typeface="Arial"/>
+            </a:endParaRPr>
+          </a:p>
+        </p:txBody>
+      </p:sp>
+      <p:sp>
+        <p:nvSpPr>
+          <p:cNvPr id="74" name="PlaceHolder 4"/>
           <p:cNvSpPr>
             <a:spLocks noGrp="1"/>
           </p:cNvSpPr>
@@ -2021,21 +1898,18 @@
         </p:spPr>
         <p:txBody>
           <a:bodyPr lIns="0" rIns="0" tIns="0" bIns="0">
-            <a:noAutofit/>
-          </a:bodyPr>
-          <a:p>
-            <a:endParaRPr b="0" lang="ru-RU" sz="2100" spc="-1" strike="noStrike">
-              <a:solidFill>
-                <a:srgbClr val="333333"/>
-              </a:solidFill>
-              <a:latin typeface="Noto Sans Regular"/>
-            </a:endParaRPr>
-          </a:p>
-        </p:txBody>
-      </p:sp>
-      <p:sp>
-        <p:nvSpPr>
-          <p:cNvPr id="81" name="PlaceHolder 5"/>
+            <a:normAutofit/>
+          </a:bodyPr>
+          <a:p>
+            <a:endParaRPr b="0" lang="en-US" sz="3200" spc="-1" strike="noStrike">
+              <a:latin typeface="Arial"/>
+            </a:endParaRPr>
+          </a:p>
+        </p:txBody>
+      </p:sp>
+      <p:sp>
+        <p:nvSpPr>
+          <p:cNvPr id="75" name="PlaceHolder 5"/>
           <p:cNvSpPr>
             <a:spLocks noGrp="1"/>
           </p:cNvSpPr>
@@ -2054,21 +1928,18 @@
         </p:spPr>
         <p:txBody>
           <a:bodyPr lIns="0" rIns="0" tIns="0" bIns="0">
-            <a:noAutofit/>
-          </a:bodyPr>
-          <a:p>
-            <a:endParaRPr b="0" lang="ru-RU" sz="2100" spc="-1" strike="noStrike">
-              <a:solidFill>
-                <a:srgbClr val="333333"/>
-              </a:solidFill>
-              <a:latin typeface="Noto Sans Regular"/>
-            </a:endParaRPr>
-          </a:p>
-        </p:txBody>
-      </p:sp>
-      <p:sp>
-        <p:nvSpPr>
-          <p:cNvPr id="82" name="PlaceHolder 6"/>
+            <a:normAutofit/>
+          </a:bodyPr>
+          <a:p>
+            <a:endParaRPr b="0" lang="en-US" sz="3200" spc="-1" strike="noStrike">
+              <a:latin typeface="Arial"/>
+            </a:endParaRPr>
+          </a:p>
+        </p:txBody>
+      </p:sp>
+      <p:sp>
+        <p:nvSpPr>
+          <p:cNvPr id="76" name="PlaceHolder 6"/>
           <p:cNvSpPr>
             <a:spLocks noGrp="1"/>
           </p:cNvSpPr>
@@ -2087,21 +1958,18 @@
         </p:spPr>
         <p:txBody>
           <a:bodyPr lIns="0" rIns="0" tIns="0" bIns="0">
-            <a:noAutofit/>
-          </a:bodyPr>
-          <a:p>
-            <a:endParaRPr b="0" lang="ru-RU" sz="2100" spc="-1" strike="noStrike">
-              <a:solidFill>
-                <a:srgbClr val="333333"/>
-              </a:solidFill>
-              <a:latin typeface="Noto Sans Regular"/>
-            </a:endParaRPr>
-          </a:p>
-        </p:txBody>
-      </p:sp>
-      <p:sp>
-        <p:nvSpPr>
-          <p:cNvPr id="83" name="PlaceHolder 7"/>
+            <a:normAutofit/>
+          </a:bodyPr>
+          <a:p>
+            <a:endParaRPr b="0" lang="en-US" sz="3200" spc="-1" strike="noStrike">
+              <a:latin typeface="Arial"/>
+            </a:endParaRPr>
+          </a:p>
+        </p:txBody>
+      </p:sp>
+      <p:sp>
+        <p:nvSpPr>
+          <p:cNvPr id="77" name="PlaceHolder 7"/>
           <p:cNvSpPr>
             <a:spLocks noGrp="1"/>
           </p:cNvSpPr>
@@ -2120,14 +1988,366 @@
         </p:spPr>
         <p:txBody>
           <a:bodyPr lIns="0" rIns="0" tIns="0" bIns="0">
+            <a:normAutofit/>
+          </a:bodyPr>
+          <a:p>
+            <a:endParaRPr b="0" lang="en-US" sz="3200" spc="-1" strike="noStrike">
+              <a:latin typeface="Arial"/>
+            </a:endParaRPr>
+          </a:p>
+        </p:txBody>
+      </p:sp>
+    </p:spTree>
+  </p:cSld>
+</p:sldLayout>
+</file>
+
+<file path=ppt/slideLayouts/slideLayout25.xml><?xml version="1.0" encoding="utf-8"?>
+<p:sldLayout xmlns:a="http://schemas.openxmlformats.org/drawingml/2006/main" xmlns:p="http://schemas.openxmlformats.org/presentationml/2006/main" xmlns:r="http://schemas.openxmlformats.org/officeDocument/2006/relationships" xmlns:p14="http://schemas.microsoft.com/office/powerpoint/2010/main" xmlns:p15="http://schemas.microsoft.com/office/powerpoint/2012/main" xmlns:mc="http://schemas.openxmlformats.org/markup-compatibility/2006" type="blank" preserve="1">
+  <p:cSld name="Blank Slide">
+    <p:spTree>
+      <p:nvGrpSpPr>
+        <p:cNvPr id="1" name=""/>
+        <p:cNvGrpSpPr/>
+        <p:nvPr/>
+      </p:nvGrpSpPr>
+      <p:grpSpPr>
+        <a:xfrm>
+          <a:off x="0" y="0"/>
+          <a:ext cx="0" cy="0"/>
+          <a:chOff x="0" y="0"/>
+          <a:chExt cx="0" cy="0"/>
+        </a:xfrm>
+      </p:grpSpPr>
+    </p:spTree>
+  </p:cSld>
+</p:sldLayout>
+</file>
+
+<file path=ppt/slideLayouts/slideLayout26.xml><?xml version="1.0" encoding="utf-8"?>
+<p:sldLayout xmlns:a="http://schemas.openxmlformats.org/drawingml/2006/main" xmlns:p="http://schemas.openxmlformats.org/presentationml/2006/main" xmlns:r="http://schemas.openxmlformats.org/officeDocument/2006/relationships" xmlns:p14="http://schemas.microsoft.com/office/powerpoint/2010/main" xmlns:p15="http://schemas.microsoft.com/office/powerpoint/2012/main" xmlns:mc="http://schemas.openxmlformats.org/markup-compatibility/2006" type="tx" preserve="1">
+  <p:cSld name="Title Slide">
+    <p:spTree>
+      <p:nvGrpSpPr>
+        <p:cNvPr id="1" name=""/>
+        <p:cNvGrpSpPr/>
+        <p:nvPr/>
+      </p:nvGrpSpPr>
+      <p:grpSpPr>
+        <a:xfrm>
+          <a:off x="0" y="0"/>
+          <a:ext cx="0" cy="0"/>
+          <a:chOff x="0" y="0"/>
+          <a:chExt cx="0" cy="0"/>
+        </a:xfrm>
+      </p:grpSpPr>
+      <p:sp>
+        <p:nvSpPr>
+          <p:cNvPr id="83" name="PlaceHolder 1"/>
+          <p:cNvSpPr>
+            <a:spLocks noGrp="1"/>
+          </p:cNvSpPr>
+          <p:nvPr>
+            <p:ph type="title"/>
+          </p:nvPr>
+        </p:nvSpPr>
+        <p:spPr>
+          <a:xfrm>
+            <a:off x="720000" y="148320"/>
+            <a:ext cx="8999640" cy="1143360"/>
+          </a:xfrm>
+          <a:prstGeom prst="rect">
+            <a:avLst/>
+          </a:prstGeom>
+        </p:spPr>
+        <p:txBody>
+          <a:bodyPr lIns="0" rIns="0" tIns="0" bIns="0" anchor="ctr">
             <a:noAutofit/>
           </a:bodyPr>
           <a:p>
-            <a:endParaRPr b="0" lang="ru-RU" sz="2100" spc="-1" strike="noStrike">
-              <a:solidFill>
-                <a:srgbClr val="333333"/>
-              </a:solidFill>
-              <a:latin typeface="Noto Sans Regular"/>
+            <a:pPr algn="ctr"/>
+            <a:endParaRPr b="0" lang="en-US" sz="4400" spc="-1" strike="noStrike">
+              <a:latin typeface="Arial"/>
+            </a:endParaRPr>
+          </a:p>
+        </p:txBody>
+      </p:sp>
+      <p:sp>
+        <p:nvSpPr>
+          <p:cNvPr id="84" name="PlaceHolder 2"/>
+          <p:cNvSpPr>
+            <a:spLocks noGrp="1"/>
+          </p:cNvSpPr>
+          <p:nvPr>
+            <p:ph type="subTitle"/>
+          </p:nvPr>
+        </p:nvSpPr>
+        <p:spPr>
+          <a:xfrm>
+            <a:off x="720000" y="1440000"/>
+            <a:ext cx="8999640" cy="3419640"/>
+          </a:xfrm>
+          <a:prstGeom prst="rect">
+            <a:avLst/>
+          </a:prstGeom>
+        </p:spPr>
+        <p:txBody>
+          <a:bodyPr lIns="0" rIns="0" tIns="0" bIns="0" anchor="ctr">
+            <a:noAutofit/>
+          </a:bodyPr>
+          <a:p>
+            <a:pPr algn="ctr"/>
+            <a:endParaRPr b="0" lang="en-US" sz="3200" spc="-1" strike="noStrike">
+              <a:latin typeface="Arial"/>
+            </a:endParaRPr>
+          </a:p>
+        </p:txBody>
+      </p:sp>
+    </p:spTree>
+  </p:cSld>
+</p:sldLayout>
+</file>
+
+<file path=ppt/slideLayouts/slideLayout27.xml><?xml version="1.0" encoding="utf-8"?>
+<p:sldLayout xmlns:a="http://schemas.openxmlformats.org/drawingml/2006/main" xmlns:p="http://schemas.openxmlformats.org/presentationml/2006/main" xmlns:r="http://schemas.openxmlformats.org/officeDocument/2006/relationships" xmlns:p14="http://schemas.microsoft.com/office/powerpoint/2010/main" xmlns:p15="http://schemas.microsoft.com/office/powerpoint/2012/main" xmlns:mc="http://schemas.openxmlformats.org/markup-compatibility/2006" type="obj" preserve="1">
+  <p:cSld name="Title, Content">
+    <p:spTree>
+      <p:nvGrpSpPr>
+        <p:cNvPr id="1" name=""/>
+        <p:cNvGrpSpPr/>
+        <p:nvPr/>
+      </p:nvGrpSpPr>
+      <p:grpSpPr>
+        <a:xfrm>
+          <a:off x="0" y="0"/>
+          <a:ext cx="0" cy="0"/>
+          <a:chOff x="0" y="0"/>
+          <a:chExt cx="0" cy="0"/>
+        </a:xfrm>
+      </p:grpSpPr>
+      <p:sp>
+        <p:nvSpPr>
+          <p:cNvPr id="85" name="PlaceHolder 1"/>
+          <p:cNvSpPr>
+            <a:spLocks noGrp="1"/>
+          </p:cNvSpPr>
+          <p:nvPr>
+            <p:ph type="title"/>
+          </p:nvPr>
+        </p:nvSpPr>
+        <p:spPr>
+          <a:xfrm>
+            <a:off x="720000" y="148320"/>
+            <a:ext cx="8999640" cy="1143360"/>
+          </a:xfrm>
+          <a:prstGeom prst="rect">
+            <a:avLst/>
+          </a:prstGeom>
+        </p:spPr>
+        <p:txBody>
+          <a:bodyPr lIns="0" rIns="0" tIns="0" bIns="0" anchor="ctr">
+            <a:noAutofit/>
+          </a:bodyPr>
+          <a:p>
+            <a:pPr algn="ctr"/>
+            <a:endParaRPr b="0" lang="en-US" sz="4400" spc="-1" strike="noStrike">
+              <a:latin typeface="Arial"/>
+            </a:endParaRPr>
+          </a:p>
+        </p:txBody>
+      </p:sp>
+      <p:sp>
+        <p:nvSpPr>
+          <p:cNvPr id="86" name="PlaceHolder 2"/>
+          <p:cNvSpPr>
+            <a:spLocks noGrp="1"/>
+          </p:cNvSpPr>
+          <p:nvPr>
+            <p:ph type="body"/>
+          </p:nvPr>
+        </p:nvSpPr>
+        <p:spPr>
+          <a:xfrm>
+            <a:off x="720000" y="1440000"/>
+            <a:ext cx="8999640" cy="3419640"/>
+          </a:xfrm>
+          <a:prstGeom prst="rect">
+            <a:avLst/>
+          </a:prstGeom>
+        </p:spPr>
+        <p:txBody>
+          <a:bodyPr lIns="0" rIns="0" tIns="0" bIns="0">
+            <a:normAutofit/>
+          </a:bodyPr>
+          <a:p>
+            <a:endParaRPr b="0" lang="en-US" sz="3200" spc="-1" strike="noStrike">
+              <a:latin typeface="Arial"/>
+            </a:endParaRPr>
+          </a:p>
+        </p:txBody>
+      </p:sp>
+    </p:spTree>
+  </p:cSld>
+</p:sldLayout>
+</file>
+
+<file path=ppt/slideLayouts/slideLayout28.xml><?xml version="1.0" encoding="utf-8"?>
+<p:sldLayout xmlns:a="http://schemas.openxmlformats.org/drawingml/2006/main" xmlns:p="http://schemas.openxmlformats.org/presentationml/2006/main" xmlns:r="http://schemas.openxmlformats.org/officeDocument/2006/relationships" xmlns:p14="http://schemas.microsoft.com/office/powerpoint/2010/main" xmlns:p15="http://schemas.microsoft.com/office/powerpoint/2012/main" xmlns:mc="http://schemas.openxmlformats.org/markup-compatibility/2006" type="twoObj" preserve="1">
+  <p:cSld name="Title, 2 Content">
+    <p:spTree>
+      <p:nvGrpSpPr>
+        <p:cNvPr id="1" name=""/>
+        <p:cNvGrpSpPr/>
+        <p:nvPr/>
+      </p:nvGrpSpPr>
+      <p:grpSpPr>
+        <a:xfrm>
+          <a:off x="0" y="0"/>
+          <a:ext cx="0" cy="0"/>
+          <a:chOff x="0" y="0"/>
+          <a:chExt cx="0" cy="0"/>
+        </a:xfrm>
+      </p:grpSpPr>
+      <p:sp>
+        <p:nvSpPr>
+          <p:cNvPr id="87" name="PlaceHolder 1"/>
+          <p:cNvSpPr>
+            <a:spLocks noGrp="1"/>
+          </p:cNvSpPr>
+          <p:nvPr>
+            <p:ph type="title"/>
+          </p:nvPr>
+        </p:nvSpPr>
+        <p:spPr>
+          <a:xfrm>
+            <a:off x="720000" y="148320"/>
+            <a:ext cx="8999640" cy="1143360"/>
+          </a:xfrm>
+          <a:prstGeom prst="rect">
+            <a:avLst/>
+          </a:prstGeom>
+        </p:spPr>
+        <p:txBody>
+          <a:bodyPr lIns="0" rIns="0" tIns="0" bIns="0" anchor="ctr">
+            <a:noAutofit/>
+          </a:bodyPr>
+          <a:p>
+            <a:pPr algn="ctr"/>
+            <a:endParaRPr b="0" lang="en-US" sz="4400" spc="-1" strike="noStrike">
+              <a:latin typeface="Arial"/>
+            </a:endParaRPr>
+          </a:p>
+        </p:txBody>
+      </p:sp>
+      <p:sp>
+        <p:nvSpPr>
+          <p:cNvPr id="88" name="PlaceHolder 2"/>
+          <p:cNvSpPr>
+            <a:spLocks noGrp="1"/>
+          </p:cNvSpPr>
+          <p:nvPr>
+            <p:ph type="body"/>
+          </p:nvPr>
+        </p:nvSpPr>
+        <p:spPr>
+          <a:xfrm>
+            <a:off x="720000" y="1440000"/>
+            <a:ext cx="4391640" cy="3419640"/>
+          </a:xfrm>
+          <a:prstGeom prst="rect">
+            <a:avLst/>
+          </a:prstGeom>
+        </p:spPr>
+        <p:txBody>
+          <a:bodyPr lIns="0" rIns="0" tIns="0" bIns="0">
+            <a:normAutofit/>
+          </a:bodyPr>
+          <a:p>
+            <a:endParaRPr b="0" lang="en-US" sz="3200" spc="-1" strike="noStrike">
+              <a:latin typeface="Arial"/>
+            </a:endParaRPr>
+          </a:p>
+        </p:txBody>
+      </p:sp>
+      <p:sp>
+        <p:nvSpPr>
+          <p:cNvPr id="89" name="PlaceHolder 3"/>
+          <p:cNvSpPr>
+            <a:spLocks noGrp="1"/>
+          </p:cNvSpPr>
+          <p:nvPr>
+            <p:ph type="body"/>
+          </p:nvPr>
+        </p:nvSpPr>
+        <p:spPr>
+          <a:xfrm>
+            <a:off x="5331600" y="1440000"/>
+            <a:ext cx="4391640" cy="3419640"/>
+          </a:xfrm>
+          <a:prstGeom prst="rect">
+            <a:avLst/>
+          </a:prstGeom>
+        </p:spPr>
+        <p:txBody>
+          <a:bodyPr lIns="0" rIns="0" tIns="0" bIns="0">
+            <a:normAutofit/>
+          </a:bodyPr>
+          <a:p>
+            <a:endParaRPr b="0" lang="en-US" sz="3200" spc="-1" strike="noStrike">
+              <a:latin typeface="Arial"/>
+            </a:endParaRPr>
+          </a:p>
+        </p:txBody>
+      </p:sp>
+    </p:spTree>
+  </p:cSld>
+</p:sldLayout>
+</file>
+
+<file path=ppt/slideLayouts/slideLayout29.xml><?xml version="1.0" encoding="utf-8"?>
+<p:sldLayout xmlns:a="http://schemas.openxmlformats.org/drawingml/2006/main" xmlns:p="http://schemas.openxmlformats.org/presentationml/2006/main" xmlns:r="http://schemas.openxmlformats.org/officeDocument/2006/relationships" xmlns:p14="http://schemas.microsoft.com/office/powerpoint/2010/main" xmlns:p15="http://schemas.microsoft.com/office/powerpoint/2012/main" xmlns:mc="http://schemas.openxmlformats.org/markup-compatibility/2006" type="titleOnly" preserve="1">
+  <p:cSld name="Title Only">
+    <p:spTree>
+      <p:nvGrpSpPr>
+        <p:cNvPr id="1" name=""/>
+        <p:cNvGrpSpPr/>
+        <p:nvPr/>
+      </p:nvGrpSpPr>
+      <p:grpSpPr>
+        <a:xfrm>
+          <a:off x="0" y="0"/>
+          <a:ext cx="0" cy="0"/>
+          <a:chOff x="0" y="0"/>
+          <a:chExt cx="0" cy="0"/>
+        </a:xfrm>
+      </p:grpSpPr>
+      <p:sp>
+        <p:nvSpPr>
+          <p:cNvPr id="90" name="PlaceHolder 1"/>
+          <p:cNvSpPr>
+            <a:spLocks noGrp="1"/>
+          </p:cNvSpPr>
+          <p:nvPr>
+            <p:ph type="title"/>
+          </p:nvPr>
+        </p:nvSpPr>
+        <p:spPr>
+          <a:xfrm>
+            <a:off x="720000" y="148320"/>
+            <a:ext cx="8999640" cy="1143360"/>
+          </a:xfrm>
+          <a:prstGeom prst="rect">
+            <a:avLst/>
+          </a:prstGeom>
+        </p:spPr>
+        <p:txBody>
+          <a:bodyPr lIns="0" rIns="0" tIns="0" bIns="0" anchor="ctr">
+            <a:noAutofit/>
+          </a:bodyPr>
+          <a:p>
+            <a:pPr algn="ctr"/>
+            <a:endParaRPr b="0" lang="en-US" sz="4400" spc="-1" strike="noStrike">
+              <a:latin typeface="Arial"/>
             </a:endParaRPr>
           </a:p>
         </p:txBody>
@@ -2156,7 +2376,7 @@
       </p:grpSpPr>
       <p:sp>
         <p:nvSpPr>
-          <p:cNvPr id="8" name="PlaceHolder 1"/>
+          <p:cNvPr id="5" name="PlaceHolder 1"/>
           <p:cNvSpPr>
             <a:spLocks noGrp="1"/>
           </p:cNvSpPr>
@@ -2167,7 +2387,7 @@
         <p:spPr>
           <a:xfrm>
             <a:off x="720000" y="148320"/>
-            <a:ext cx="9000000" cy="1143720"/>
+            <a:ext cx="8999640" cy="1143360"/>
           </a:xfrm>
           <a:prstGeom prst="rect">
             <a:avLst/>
@@ -2178,18 +2398,16 @@
             <a:noAutofit/>
           </a:bodyPr>
           <a:p>
-            <a:endParaRPr b="1" lang="ru-RU" sz="3300" spc="-1" strike="noStrike">
-              <a:solidFill>
-                <a:srgbClr val="333333"/>
-              </a:solidFill>
-              <a:latin typeface="Noto Sans Regular"/>
-            </a:endParaRPr>
-          </a:p>
-        </p:txBody>
-      </p:sp>
-      <p:sp>
-        <p:nvSpPr>
-          <p:cNvPr id="9" name="PlaceHolder 2"/>
+            <a:pPr algn="ctr"/>
+            <a:endParaRPr b="0" lang="en-US" sz="4400" spc="-1" strike="noStrike">
+              <a:latin typeface="Arial"/>
+            </a:endParaRPr>
+          </a:p>
+        </p:txBody>
+      </p:sp>
+      <p:sp>
+        <p:nvSpPr>
+          <p:cNvPr id="6" name="PlaceHolder 2"/>
           <p:cNvSpPr>
             <a:spLocks noGrp="1"/>
           </p:cNvSpPr>
@@ -2200,22 +2418,1020 @@
         <p:spPr>
           <a:xfrm>
             <a:off x="720000" y="1440000"/>
-            <a:ext cx="9000000" cy="3420000"/>
-          </a:xfrm>
-          <a:prstGeom prst="rect">
-            <a:avLst/>
-          </a:prstGeom>
-        </p:spPr>
-        <p:txBody>
-          <a:bodyPr lIns="0" rIns="0" tIns="0" bIns="0">
+            <a:ext cx="8999640" cy="3419640"/>
+          </a:xfrm>
+          <a:prstGeom prst="rect">
+            <a:avLst/>
+          </a:prstGeom>
+        </p:spPr>
+        <p:txBody>
+          <a:bodyPr lIns="0" rIns="0" tIns="0" bIns="0">
+            <a:normAutofit/>
+          </a:bodyPr>
+          <a:p>
+            <a:endParaRPr b="0" lang="en-US" sz="3200" spc="-1" strike="noStrike">
+              <a:latin typeface="Arial"/>
+            </a:endParaRPr>
+          </a:p>
+        </p:txBody>
+      </p:sp>
+    </p:spTree>
+  </p:cSld>
+</p:sldLayout>
+</file>
+
+<file path=ppt/slideLayouts/slideLayout30.xml><?xml version="1.0" encoding="utf-8"?>
+<p:sldLayout xmlns:a="http://schemas.openxmlformats.org/drawingml/2006/main" xmlns:p="http://schemas.openxmlformats.org/presentationml/2006/main" xmlns:r="http://schemas.openxmlformats.org/officeDocument/2006/relationships" xmlns:p14="http://schemas.microsoft.com/office/powerpoint/2010/main" xmlns:p15="http://schemas.microsoft.com/office/powerpoint/2012/main" xmlns:mc="http://schemas.openxmlformats.org/markup-compatibility/2006" type="objOnly" preserve="1">
+  <p:cSld name="Centered Text">
+    <p:spTree>
+      <p:nvGrpSpPr>
+        <p:cNvPr id="1" name=""/>
+        <p:cNvGrpSpPr/>
+        <p:nvPr/>
+      </p:nvGrpSpPr>
+      <p:grpSpPr>
+        <a:xfrm>
+          <a:off x="0" y="0"/>
+          <a:ext cx="0" cy="0"/>
+          <a:chOff x="0" y="0"/>
+          <a:chExt cx="0" cy="0"/>
+        </a:xfrm>
+      </p:grpSpPr>
+      <p:sp>
+        <p:nvSpPr>
+          <p:cNvPr id="91" name="PlaceHolder 1"/>
+          <p:cNvSpPr>
+            <a:spLocks noGrp="1"/>
+          </p:cNvSpPr>
+          <p:nvPr>
+            <p:ph type="subTitle"/>
+          </p:nvPr>
+        </p:nvSpPr>
+        <p:spPr>
+          <a:xfrm>
+            <a:off x="720000" y="148320"/>
+            <a:ext cx="8999640" cy="5301360"/>
+          </a:xfrm>
+          <a:prstGeom prst="rect">
+            <a:avLst/>
+          </a:prstGeom>
+        </p:spPr>
+        <p:txBody>
+          <a:bodyPr lIns="0" rIns="0" tIns="0" bIns="0" anchor="ctr">
             <a:noAutofit/>
           </a:bodyPr>
           <a:p>
-            <a:endParaRPr b="0" lang="ru-RU" sz="2100" spc="-1" strike="noStrike">
-              <a:solidFill>
-                <a:srgbClr val="333333"/>
-              </a:solidFill>
-              <a:latin typeface="Noto Sans Regular"/>
+            <a:pPr algn="ctr"/>
+            <a:endParaRPr b="0" lang="en-US" sz="3200" spc="-1" strike="noStrike">
+              <a:latin typeface="Arial"/>
+            </a:endParaRPr>
+          </a:p>
+        </p:txBody>
+      </p:sp>
+    </p:spTree>
+  </p:cSld>
+</p:sldLayout>
+</file>
+
+<file path=ppt/slideLayouts/slideLayout31.xml><?xml version="1.0" encoding="utf-8"?>
+<p:sldLayout xmlns:a="http://schemas.openxmlformats.org/drawingml/2006/main" xmlns:p="http://schemas.openxmlformats.org/presentationml/2006/main" xmlns:r="http://schemas.openxmlformats.org/officeDocument/2006/relationships" xmlns:p14="http://schemas.microsoft.com/office/powerpoint/2010/main" xmlns:p15="http://schemas.microsoft.com/office/powerpoint/2012/main" xmlns:mc="http://schemas.openxmlformats.org/markup-compatibility/2006" type="twoObjAndObj" preserve="1">
+  <p:cSld name="Title, 2 Content and Content">
+    <p:spTree>
+      <p:nvGrpSpPr>
+        <p:cNvPr id="1" name=""/>
+        <p:cNvGrpSpPr/>
+        <p:nvPr/>
+      </p:nvGrpSpPr>
+      <p:grpSpPr>
+        <a:xfrm>
+          <a:off x="0" y="0"/>
+          <a:ext cx="0" cy="0"/>
+          <a:chOff x="0" y="0"/>
+          <a:chExt cx="0" cy="0"/>
+        </a:xfrm>
+      </p:grpSpPr>
+      <p:sp>
+        <p:nvSpPr>
+          <p:cNvPr id="92" name="PlaceHolder 1"/>
+          <p:cNvSpPr>
+            <a:spLocks noGrp="1"/>
+          </p:cNvSpPr>
+          <p:nvPr>
+            <p:ph type="title"/>
+          </p:nvPr>
+        </p:nvSpPr>
+        <p:spPr>
+          <a:xfrm>
+            <a:off x="720000" y="148320"/>
+            <a:ext cx="8999640" cy="1143360"/>
+          </a:xfrm>
+          <a:prstGeom prst="rect">
+            <a:avLst/>
+          </a:prstGeom>
+        </p:spPr>
+        <p:txBody>
+          <a:bodyPr lIns="0" rIns="0" tIns="0" bIns="0" anchor="ctr">
+            <a:noAutofit/>
+          </a:bodyPr>
+          <a:p>
+            <a:pPr algn="ctr"/>
+            <a:endParaRPr b="0" lang="en-US" sz="4400" spc="-1" strike="noStrike">
+              <a:latin typeface="Arial"/>
+            </a:endParaRPr>
+          </a:p>
+        </p:txBody>
+      </p:sp>
+      <p:sp>
+        <p:nvSpPr>
+          <p:cNvPr id="93" name="PlaceHolder 2"/>
+          <p:cNvSpPr>
+            <a:spLocks noGrp="1"/>
+          </p:cNvSpPr>
+          <p:nvPr>
+            <p:ph type="body"/>
+          </p:nvPr>
+        </p:nvSpPr>
+        <p:spPr>
+          <a:xfrm>
+            <a:off x="720000" y="1440000"/>
+            <a:ext cx="4391640" cy="1631160"/>
+          </a:xfrm>
+          <a:prstGeom prst="rect">
+            <a:avLst/>
+          </a:prstGeom>
+        </p:spPr>
+        <p:txBody>
+          <a:bodyPr lIns="0" rIns="0" tIns="0" bIns="0">
+            <a:normAutofit/>
+          </a:bodyPr>
+          <a:p>
+            <a:endParaRPr b="0" lang="en-US" sz="3200" spc="-1" strike="noStrike">
+              <a:latin typeface="Arial"/>
+            </a:endParaRPr>
+          </a:p>
+        </p:txBody>
+      </p:sp>
+      <p:sp>
+        <p:nvSpPr>
+          <p:cNvPr id="94" name="PlaceHolder 3"/>
+          <p:cNvSpPr>
+            <a:spLocks noGrp="1"/>
+          </p:cNvSpPr>
+          <p:nvPr>
+            <p:ph type="body"/>
+          </p:nvPr>
+        </p:nvSpPr>
+        <p:spPr>
+          <a:xfrm>
+            <a:off x="5331600" y="1440000"/>
+            <a:ext cx="4391640" cy="3419640"/>
+          </a:xfrm>
+          <a:prstGeom prst="rect">
+            <a:avLst/>
+          </a:prstGeom>
+        </p:spPr>
+        <p:txBody>
+          <a:bodyPr lIns="0" rIns="0" tIns="0" bIns="0">
+            <a:normAutofit/>
+          </a:bodyPr>
+          <a:p>
+            <a:endParaRPr b="0" lang="en-US" sz="3200" spc="-1" strike="noStrike">
+              <a:latin typeface="Arial"/>
+            </a:endParaRPr>
+          </a:p>
+        </p:txBody>
+      </p:sp>
+      <p:sp>
+        <p:nvSpPr>
+          <p:cNvPr id="95" name="PlaceHolder 4"/>
+          <p:cNvSpPr>
+            <a:spLocks noGrp="1"/>
+          </p:cNvSpPr>
+          <p:nvPr>
+            <p:ph type="body"/>
+          </p:nvPr>
+        </p:nvSpPr>
+        <p:spPr>
+          <a:xfrm>
+            <a:off x="720000" y="3226680"/>
+            <a:ext cx="4391640" cy="1631160"/>
+          </a:xfrm>
+          <a:prstGeom prst="rect">
+            <a:avLst/>
+          </a:prstGeom>
+        </p:spPr>
+        <p:txBody>
+          <a:bodyPr lIns="0" rIns="0" tIns="0" bIns="0">
+            <a:normAutofit/>
+          </a:bodyPr>
+          <a:p>
+            <a:endParaRPr b="0" lang="en-US" sz="3200" spc="-1" strike="noStrike">
+              <a:latin typeface="Arial"/>
+            </a:endParaRPr>
+          </a:p>
+        </p:txBody>
+      </p:sp>
+    </p:spTree>
+  </p:cSld>
+</p:sldLayout>
+</file>
+
+<file path=ppt/slideLayouts/slideLayout32.xml><?xml version="1.0" encoding="utf-8"?>
+<p:sldLayout xmlns:a="http://schemas.openxmlformats.org/drawingml/2006/main" xmlns:p="http://schemas.openxmlformats.org/presentationml/2006/main" xmlns:r="http://schemas.openxmlformats.org/officeDocument/2006/relationships" xmlns:p14="http://schemas.microsoft.com/office/powerpoint/2010/main" xmlns:p15="http://schemas.microsoft.com/office/powerpoint/2012/main" xmlns:mc="http://schemas.openxmlformats.org/markup-compatibility/2006" type="objAndTwoObj" preserve="1">
+  <p:cSld name="Title Content and 2 Content">
+    <p:spTree>
+      <p:nvGrpSpPr>
+        <p:cNvPr id="1" name=""/>
+        <p:cNvGrpSpPr/>
+        <p:nvPr/>
+      </p:nvGrpSpPr>
+      <p:grpSpPr>
+        <a:xfrm>
+          <a:off x="0" y="0"/>
+          <a:ext cx="0" cy="0"/>
+          <a:chOff x="0" y="0"/>
+          <a:chExt cx="0" cy="0"/>
+        </a:xfrm>
+      </p:grpSpPr>
+      <p:sp>
+        <p:nvSpPr>
+          <p:cNvPr id="96" name="PlaceHolder 1"/>
+          <p:cNvSpPr>
+            <a:spLocks noGrp="1"/>
+          </p:cNvSpPr>
+          <p:nvPr>
+            <p:ph type="title"/>
+          </p:nvPr>
+        </p:nvSpPr>
+        <p:spPr>
+          <a:xfrm>
+            <a:off x="720000" y="148320"/>
+            <a:ext cx="8999640" cy="1143360"/>
+          </a:xfrm>
+          <a:prstGeom prst="rect">
+            <a:avLst/>
+          </a:prstGeom>
+        </p:spPr>
+        <p:txBody>
+          <a:bodyPr lIns="0" rIns="0" tIns="0" bIns="0" anchor="ctr">
+            <a:noAutofit/>
+          </a:bodyPr>
+          <a:p>
+            <a:pPr algn="ctr"/>
+            <a:endParaRPr b="0" lang="en-US" sz="4400" spc="-1" strike="noStrike">
+              <a:latin typeface="Arial"/>
+            </a:endParaRPr>
+          </a:p>
+        </p:txBody>
+      </p:sp>
+      <p:sp>
+        <p:nvSpPr>
+          <p:cNvPr id="97" name="PlaceHolder 2"/>
+          <p:cNvSpPr>
+            <a:spLocks noGrp="1"/>
+          </p:cNvSpPr>
+          <p:nvPr>
+            <p:ph type="body"/>
+          </p:nvPr>
+        </p:nvSpPr>
+        <p:spPr>
+          <a:xfrm>
+            <a:off x="720000" y="1440000"/>
+            <a:ext cx="4391640" cy="3419640"/>
+          </a:xfrm>
+          <a:prstGeom prst="rect">
+            <a:avLst/>
+          </a:prstGeom>
+        </p:spPr>
+        <p:txBody>
+          <a:bodyPr lIns="0" rIns="0" tIns="0" bIns="0">
+            <a:normAutofit/>
+          </a:bodyPr>
+          <a:p>
+            <a:endParaRPr b="0" lang="en-US" sz="3200" spc="-1" strike="noStrike">
+              <a:latin typeface="Arial"/>
+            </a:endParaRPr>
+          </a:p>
+        </p:txBody>
+      </p:sp>
+      <p:sp>
+        <p:nvSpPr>
+          <p:cNvPr id="98" name="PlaceHolder 3"/>
+          <p:cNvSpPr>
+            <a:spLocks noGrp="1"/>
+          </p:cNvSpPr>
+          <p:nvPr>
+            <p:ph type="body"/>
+          </p:nvPr>
+        </p:nvSpPr>
+        <p:spPr>
+          <a:xfrm>
+            <a:off x="5331600" y="1440000"/>
+            <a:ext cx="4391640" cy="1631160"/>
+          </a:xfrm>
+          <a:prstGeom prst="rect">
+            <a:avLst/>
+          </a:prstGeom>
+        </p:spPr>
+        <p:txBody>
+          <a:bodyPr lIns="0" rIns="0" tIns="0" bIns="0">
+            <a:normAutofit/>
+          </a:bodyPr>
+          <a:p>
+            <a:endParaRPr b="0" lang="en-US" sz="3200" spc="-1" strike="noStrike">
+              <a:latin typeface="Arial"/>
+            </a:endParaRPr>
+          </a:p>
+        </p:txBody>
+      </p:sp>
+      <p:sp>
+        <p:nvSpPr>
+          <p:cNvPr id="99" name="PlaceHolder 4"/>
+          <p:cNvSpPr>
+            <a:spLocks noGrp="1"/>
+          </p:cNvSpPr>
+          <p:nvPr>
+            <p:ph type="body"/>
+          </p:nvPr>
+        </p:nvSpPr>
+        <p:spPr>
+          <a:xfrm>
+            <a:off x="5331600" y="3226680"/>
+            <a:ext cx="4391640" cy="1631160"/>
+          </a:xfrm>
+          <a:prstGeom prst="rect">
+            <a:avLst/>
+          </a:prstGeom>
+        </p:spPr>
+        <p:txBody>
+          <a:bodyPr lIns="0" rIns="0" tIns="0" bIns="0">
+            <a:normAutofit/>
+          </a:bodyPr>
+          <a:p>
+            <a:endParaRPr b="0" lang="en-US" sz="3200" spc="-1" strike="noStrike">
+              <a:latin typeface="Arial"/>
+            </a:endParaRPr>
+          </a:p>
+        </p:txBody>
+      </p:sp>
+    </p:spTree>
+  </p:cSld>
+</p:sldLayout>
+</file>
+
+<file path=ppt/slideLayouts/slideLayout33.xml><?xml version="1.0" encoding="utf-8"?>
+<p:sldLayout xmlns:a="http://schemas.openxmlformats.org/drawingml/2006/main" xmlns:p="http://schemas.openxmlformats.org/presentationml/2006/main" xmlns:r="http://schemas.openxmlformats.org/officeDocument/2006/relationships" xmlns:p14="http://schemas.microsoft.com/office/powerpoint/2010/main" xmlns:p15="http://schemas.microsoft.com/office/powerpoint/2012/main" xmlns:mc="http://schemas.openxmlformats.org/markup-compatibility/2006" type="twoObjOverTx" preserve="1">
+  <p:cSld name="Title, 2 Content over Content">
+    <p:spTree>
+      <p:nvGrpSpPr>
+        <p:cNvPr id="1" name=""/>
+        <p:cNvGrpSpPr/>
+        <p:nvPr/>
+      </p:nvGrpSpPr>
+      <p:grpSpPr>
+        <a:xfrm>
+          <a:off x="0" y="0"/>
+          <a:ext cx="0" cy="0"/>
+          <a:chOff x="0" y="0"/>
+          <a:chExt cx="0" cy="0"/>
+        </a:xfrm>
+      </p:grpSpPr>
+      <p:sp>
+        <p:nvSpPr>
+          <p:cNvPr id="100" name="PlaceHolder 1"/>
+          <p:cNvSpPr>
+            <a:spLocks noGrp="1"/>
+          </p:cNvSpPr>
+          <p:nvPr>
+            <p:ph type="title"/>
+          </p:nvPr>
+        </p:nvSpPr>
+        <p:spPr>
+          <a:xfrm>
+            <a:off x="720000" y="148320"/>
+            <a:ext cx="8999640" cy="1143360"/>
+          </a:xfrm>
+          <a:prstGeom prst="rect">
+            <a:avLst/>
+          </a:prstGeom>
+        </p:spPr>
+        <p:txBody>
+          <a:bodyPr lIns="0" rIns="0" tIns="0" bIns="0" anchor="ctr">
+            <a:noAutofit/>
+          </a:bodyPr>
+          <a:p>
+            <a:pPr algn="ctr"/>
+            <a:endParaRPr b="0" lang="en-US" sz="4400" spc="-1" strike="noStrike">
+              <a:latin typeface="Arial"/>
+            </a:endParaRPr>
+          </a:p>
+        </p:txBody>
+      </p:sp>
+      <p:sp>
+        <p:nvSpPr>
+          <p:cNvPr id="101" name="PlaceHolder 2"/>
+          <p:cNvSpPr>
+            <a:spLocks noGrp="1"/>
+          </p:cNvSpPr>
+          <p:nvPr>
+            <p:ph type="body"/>
+          </p:nvPr>
+        </p:nvSpPr>
+        <p:spPr>
+          <a:xfrm>
+            <a:off x="720000" y="1440000"/>
+            <a:ext cx="4391640" cy="1631160"/>
+          </a:xfrm>
+          <a:prstGeom prst="rect">
+            <a:avLst/>
+          </a:prstGeom>
+        </p:spPr>
+        <p:txBody>
+          <a:bodyPr lIns="0" rIns="0" tIns="0" bIns="0">
+            <a:normAutofit/>
+          </a:bodyPr>
+          <a:p>
+            <a:endParaRPr b="0" lang="en-US" sz="3200" spc="-1" strike="noStrike">
+              <a:latin typeface="Arial"/>
+            </a:endParaRPr>
+          </a:p>
+        </p:txBody>
+      </p:sp>
+      <p:sp>
+        <p:nvSpPr>
+          <p:cNvPr id="102" name="PlaceHolder 3"/>
+          <p:cNvSpPr>
+            <a:spLocks noGrp="1"/>
+          </p:cNvSpPr>
+          <p:nvPr>
+            <p:ph type="body"/>
+          </p:nvPr>
+        </p:nvSpPr>
+        <p:spPr>
+          <a:xfrm>
+            <a:off x="5331600" y="1440000"/>
+            <a:ext cx="4391640" cy="1631160"/>
+          </a:xfrm>
+          <a:prstGeom prst="rect">
+            <a:avLst/>
+          </a:prstGeom>
+        </p:spPr>
+        <p:txBody>
+          <a:bodyPr lIns="0" rIns="0" tIns="0" bIns="0">
+            <a:normAutofit/>
+          </a:bodyPr>
+          <a:p>
+            <a:endParaRPr b="0" lang="en-US" sz="3200" spc="-1" strike="noStrike">
+              <a:latin typeface="Arial"/>
+            </a:endParaRPr>
+          </a:p>
+        </p:txBody>
+      </p:sp>
+      <p:sp>
+        <p:nvSpPr>
+          <p:cNvPr id="103" name="PlaceHolder 4"/>
+          <p:cNvSpPr>
+            <a:spLocks noGrp="1"/>
+          </p:cNvSpPr>
+          <p:nvPr>
+            <p:ph type="body"/>
+          </p:nvPr>
+        </p:nvSpPr>
+        <p:spPr>
+          <a:xfrm>
+            <a:off x="720000" y="3226680"/>
+            <a:ext cx="8999640" cy="1631160"/>
+          </a:xfrm>
+          <a:prstGeom prst="rect">
+            <a:avLst/>
+          </a:prstGeom>
+        </p:spPr>
+        <p:txBody>
+          <a:bodyPr lIns="0" rIns="0" tIns="0" bIns="0">
+            <a:normAutofit/>
+          </a:bodyPr>
+          <a:p>
+            <a:endParaRPr b="0" lang="en-US" sz="3200" spc="-1" strike="noStrike">
+              <a:latin typeface="Arial"/>
+            </a:endParaRPr>
+          </a:p>
+        </p:txBody>
+      </p:sp>
+    </p:spTree>
+  </p:cSld>
+</p:sldLayout>
+</file>
+
+<file path=ppt/slideLayouts/slideLayout34.xml><?xml version="1.0" encoding="utf-8"?>
+<p:sldLayout xmlns:a="http://schemas.openxmlformats.org/drawingml/2006/main" xmlns:p="http://schemas.openxmlformats.org/presentationml/2006/main" xmlns:r="http://schemas.openxmlformats.org/officeDocument/2006/relationships" xmlns:p14="http://schemas.microsoft.com/office/powerpoint/2010/main" xmlns:p15="http://schemas.microsoft.com/office/powerpoint/2012/main" xmlns:mc="http://schemas.openxmlformats.org/markup-compatibility/2006" type="objOverTx" preserve="1">
+  <p:cSld name="Title, Content over Content">
+    <p:spTree>
+      <p:nvGrpSpPr>
+        <p:cNvPr id="1" name=""/>
+        <p:cNvGrpSpPr/>
+        <p:nvPr/>
+      </p:nvGrpSpPr>
+      <p:grpSpPr>
+        <a:xfrm>
+          <a:off x="0" y="0"/>
+          <a:ext cx="0" cy="0"/>
+          <a:chOff x="0" y="0"/>
+          <a:chExt cx="0" cy="0"/>
+        </a:xfrm>
+      </p:grpSpPr>
+      <p:sp>
+        <p:nvSpPr>
+          <p:cNvPr id="104" name="PlaceHolder 1"/>
+          <p:cNvSpPr>
+            <a:spLocks noGrp="1"/>
+          </p:cNvSpPr>
+          <p:nvPr>
+            <p:ph type="title"/>
+          </p:nvPr>
+        </p:nvSpPr>
+        <p:spPr>
+          <a:xfrm>
+            <a:off x="720000" y="148320"/>
+            <a:ext cx="8999640" cy="1143360"/>
+          </a:xfrm>
+          <a:prstGeom prst="rect">
+            <a:avLst/>
+          </a:prstGeom>
+        </p:spPr>
+        <p:txBody>
+          <a:bodyPr lIns="0" rIns="0" tIns="0" bIns="0" anchor="ctr">
+            <a:noAutofit/>
+          </a:bodyPr>
+          <a:p>
+            <a:pPr algn="ctr"/>
+            <a:endParaRPr b="0" lang="en-US" sz="4400" spc="-1" strike="noStrike">
+              <a:latin typeface="Arial"/>
+            </a:endParaRPr>
+          </a:p>
+        </p:txBody>
+      </p:sp>
+      <p:sp>
+        <p:nvSpPr>
+          <p:cNvPr id="105" name="PlaceHolder 2"/>
+          <p:cNvSpPr>
+            <a:spLocks noGrp="1"/>
+          </p:cNvSpPr>
+          <p:nvPr>
+            <p:ph type="body"/>
+          </p:nvPr>
+        </p:nvSpPr>
+        <p:spPr>
+          <a:xfrm>
+            <a:off x="720000" y="1440000"/>
+            <a:ext cx="8999640" cy="1631160"/>
+          </a:xfrm>
+          <a:prstGeom prst="rect">
+            <a:avLst/>
+          </a:prstGeom>
+        </p:spPr>
+        <p:txBody>
+          <a:bodyPr lIns="0" rIns="0" tIns="0" bIns="0">
+            <a:normAutofit/>
+          </a:bodyPr>
+          <a:p>
+            <a:endParaRPr b="0" lang="en-US" sz="3200" spc="-1" strike="noStrike">
+              <a:latin typeface="Arial"/>
+            </a:endParaRPr>
+          </a:p>
+        </p:txBody>
+      </p:sp>
+      <p:sp>
+        <p:nvSpPr>
+          <p:cNvPr id="106" name="PlaceHolder 3"/>
+          <p:cNvSpPr>
+            <a:spLocks noGrp="1"/>
+          </p:cNvSpPr>
+          <p:nvPr>
+            <p:ph type="body"/>
+          </p:nvPr>
+        </p:nvSpPr>
+        <p:spPr>
+          <a:xfrm>
+            <a:off x="720000" y="3226680"/>
+            <a:ext cx="8999640" cy="1631160"/>
+          </a:xfrm>
+          <a:prstGeom prst="rect">
+            <a:avLst/>
+          </a:prstGeom>
+        </p:spPr>
+        <p:txBody>
+          <a:bodyPr lIns="0" rIns="0" tIns="0" bIns="0">
+            <a:normAutofit/>
+          </a:bodyPr>
+          <a:p>
+            <a:endParaRPr b="0" lang="en-US" sz="3200" spc="-1" strike="noStrike">
+              <a:latin typeface="Arial"/>
+            </a:endParaRPr>
+          </a:p>
+        </p:txBody>
+      </p:sp>
+    </p:spTree>
+  </p:cSld>
+</p:sldLayout>
+</file>
+
+<file path=ppt/slideLayouts/slideLayout35.xml><?xml version="1.0" encoding="utf-8"?>
+<p:sldLayout xmlns:a="http://schemas.openxmlformats.org/drawingml/2006/main" xmlns:p="http://schemas.openxmlformats.org/presentationml/2006/main" xmlns:r="http://schemas.openxmlformats.org/officeDocument/2006/relationships" xmlns:p14="http://schemas.microsoft.com/office/powerpoint/2010/main" xmlns:p15="http://schemas.microsoft.com/office/powerpoint/2012/main" xmlns:mc="http://schemas.openxmlformats.org/markup-compatibility/2006" type="fourObj" preserve="1">
+  <p:cSld name="Title, 4 Content">
+    <p:spTree>
+      <p:nvGrpSpPr>
+        <p:cNvPr id="1" name=""/>
+        <p:cNvGrpSpPr/>
+        <p:nvPr/>
+      </p:nvGrpSpPr>
+      <p:grpSpPr>
+        <a:xfrm>
+          <a:off x="0" y="0"/>
+          <a:ext cx="0" cy="0"/>
+          <a:chOff x="0" y="0"/>
+          <a:chExt cx="0" cy="0"/>
+        </a:xfrm>
+      </p:grpSpPr>
+      <p:sp>
+        <p:nvSpPr>
+          <p:cNvPr id="107" name="PlaceHolder 1"/>
+          <p:cNvSpPr>
+            <a:spLocks noGrp="1"/>
+          </p:cNvSpPr>
+          <p:nvPr>
+            <p:ph type="title"/>
+          </p:nvPr>
+        </p:nvSpPr>
+        <p:spPr>
+          <a:xfrm>
+            <a:off x="720000" y="148320"/>
+            <a:ext cx="8999640" cy="1143360"/>
+          </a:xfrm>
+          <a:prstGeom prst="rect">
+            <a:avLst/>
+          </a:prstGeom>
+        </p:spPr>
+        <p:txBody>
+          <a:bodyPr lIns="0" rIns="0" tIns="0" bIns="0" anchor="ctr">
+            <a:noAutofit/>
+          </a:bodyPr>
+          <a:p>
+            <a:pPr algn="ctr"/>
+            <a:endParaRPr b="0" lang="en-US" sz="4400" spc="-1" strike="noStrike">
+              <a:latin typeface="Arial"/>
+            </a:endParaRPr>
+          </a:p>
+        </p:txBody>
+      </p:sp>
+      <p:sp>
+        <p:nvSpPr>
+          <p:cNvPr id="108" name="PlaceHolder 2"/>
+          <p:cNvSpPr>
+            <a:spLocks noGrp="1"/>
+          </p:cNvSpPr>
+          <p:nvPr>
+            <p:ph type="body"/>
+          </p:nvPr>
+        </p:nvSpPr>
+        <p:spPr>
+          <a:xfrm>
+            <a:off x="720000" y="1440000"/>
+            <a:ext cx="4391640" cy="1631160"/>
+          </a:xfrm>
+          <a:prstGeom prst="rect">
+            <a:avLst/>
+          </a:prstGeom>
+        </p:spPr>
+        <p:txBody>
+          <a:bodyPr lIns="0" rIns="0" tIns="0" bIns="0">
+            <a:normAutofit/>
+          </a:bodyPr>
+          <a:p>
+            <a:endParaRPr b="0" lang="en-US" sz="3200" spc="-1" strike="noStrike">
+              <a:latin typeface="Arial"/>
+            </a:endParaRPr>
+          </a:p>
+        </p:txBody>
+      </p:sp>
+      <p:sp>
+        <p:nvSpPr>
+          <p:cNvPr id="109" name="PlaceHolder 3"/>
+          <p:cNvSpPr>
+            <a:spLocks noGrp="1"/>
+          </p:cNvSpPr>
+          <p:nvPr>
+            <p:ph type="body"/>
+          </p:nvPr>
+        </p:nvSpPr>
+        <p:spPr>
+          <a:xfrm>
+            <a:off x="5331600" y="1440000"/>
+            <a:ext cx="4391640" cy="1631160"/>
+          </a:xfrm>
+          <a:prstGeom prst="rect">
+            <a:avLst/>
+          </a:prstGeom>
+        </p:spPr>
+        <p:txBody>
+          <a:bodyPr lIns="0" rIns="0" tIns="0" bIns="0">
+            <a:normAutofit/>
+          </a:bodyPr>
+          <a:p>
+            <a:endParaRPr b="0" lang="en-US" sz="3200" spc="-1" strike="noStrike">
+              <a:latin typeface="Arial"/>
+            </a:endParaRPr>
+          </a:p>
+        </p:txBody>
+      </p:sp>
+      <p:sp>
+        <p:nvSpPr>
+          <p:cNvPr id="110" name="PlaceHolder 4"/>
+          <p:cNvSpPr>
+            <a:spLocks noGrp="1"/>
+          </p:cNvSpPr>
+          <p:nvPr>
+            <p:ph type="body"/>
+          </p:nvPr>
+        </p:nvSpPr>
+        <p:spPr>
+          <a:xfrm>
+            <a:off x="720000" y="3226680"/>
+            <a:ext cx="4391640" cy="1631160"/>
+          </a:xfrm>
+          <a:prstGeom prst="rect">
+            <a:avLst/>
+          </a:prstGeom>
+        </p:spPr>
+        <p:txBody>
+          <a:bodyPr lIns="0" rIns="0" tIns="0" bIns="0">
+            <a:normAutofit/>
+          </a:bodyPr>
+          <a:p>
+            <a:endParaRPr b="0" lang="en-US" sz="3200" spc="-1" strike="noStrike">
+              <a:latin typeface="Arial"/>
+            </a:endParaRPr>
+          </a:p>
+        </p:txBody>
+      </p:sp>
+      <p:sp>
+        <p:nvSpPr>
+          <p:cNvPr id="111" name="PlaceHolder 5"/>
+          <p:cNvSpPr>
+            <a:spLocks noGrp="1"/>
+          </p:cNvSpPr>
+          <p:nvPr>
+            <p:ph type="body"/>
+          </p:nvPr>
+        </p:nvSpPr>
+        <p:spPr>
+          <a:xfrm>
+            <a:off x="5331600" y="3226680"/>
+            <a:ext cx="4391640" cy="1631160"/>
+          </a:xfrm>
+          <a:prstGeom prst="rect">
+            <a:avLst/>
+          </a:prstGeom>
+        </p:spPr>
+        <p:txBody>
+          <a:bodyPr lIns="0" rIns="0" tIns="0" bIns="0">
+            <a:normAutofit/>
+          </a:bodyPr>
+          <a:p>
+            <a:endParaRPr b="0" lang="en-US" sz="3200" spc="-1" strike="noStrike">
+              <a:latin typeface="Arial"/>
+            </a:endParaRPr>
+          </a:p>
+        </p:txBody>
+      </p:sp>
+    </p:spTree>
+  </p:cSld>
+</p:sldLayout>
+</file>
+
+<file path=ppt/slideLayouts/slideLayout36.xml><?xml version="1.0" encoding="utf-8"?>
+<p:sldLayout xmlns:a="http://schemas.openxmlformats.org/drawingml/2006/main" xmlns:p="http://schemas.openxmlformats.org/presentationml/2006/main" xmlns:r="http://schemas.openxmlformats.org/officeDocument/2006/relationships" xmlns:p14="http://schemas.microsoft.com/office/powerpoint/2010/main" xmlns:p15="http://schemas.microsoft.com/office/powerpoint/2012/main" xmlns:mc="http://schemas.openxmlformats.org/markup-compatibility/2006" type="blank" preserve="1">
+  <p:cSld name="Title, 6 Content">
+    <p:spTree>
+      <p:nvGrpSpPr>
+        <p:cNvPr id="1" name=""/>
+        <p:cNvGrpSpPr/>
+        <p:nvPr/>
+      </p:nvGrpSpPr>
+      <p:grpSpPr>
+        <a:xfrm>
+          <a:off x="0" y="0"/>
+          <a:ext cx="0" cy="0"/>
+          <a:chOff x="0" y="0"/>
+          <a:chExt cx="0" cy="0"/>
+        </a:xfrm>
+      </p:grpSpPr>
+      <p:sp>
+        <p:nvSpPr>
+          <p:cNvPr id="112" name="PlaceHolder 1"/>
+          <p:cNvSpPr>
+            <a:spLocks noGrp="1"/>
+          </p:cNvSpPr>
+          <p:nvPr>
+            <p:ph type="title"/>
+          </p:nvPr>
+        </p:nvSpPr>
+        <p:spPr>
+          <a:xfrm>
+            <a:off x="720000" y="148320"/>
+            <a:ext cx="8999640" cy="1143360"/>
+          </a:xfrm>
+          <a:prstGeom prst="rect">
+            <a:avLst/>
+          </a:prstGeom>
+        </p:spPr>
+        <p:txBody>
+          <a:bodyPr lIns="0" rIns="0" tIns="0" bIns="0" anchor="ctr">
+            <a:noAutofit/>
+          </a:bodyPr>
+          <a:p>
+            <a:pPr algn="ctr"/>
+            <a:endParaRPr b="0" lang="en-US" sz="4400" spc="-1" strike="noStrike">
+              <a:latin typeface="Arial"/>
+            </a:endParaRPr>
+          </a:p>
+        </p:txBody>
+      </p:sp>
+      <p:sp>
+        <p:nvSpPr>
+          <p:cNvPr id="113" name="PlaceHolder 2"/>
+          <p:cNvSpPr>
+            <a:spLocks noGrp="1"/>
+          </p:cNvSpPr>
+          <p:nvPr>
+            <p:ph type="body"/>
+          </p:nvPr>
+        </p:nvSpPr>
+        <p:spPr>
+          <a:xfrm>
+            <a:off x="720000" y="1440000"/>
+            <a:ext cx="2897640" cy="1631160"/>
+          </a:xfrm>
+          <a:prstGeom prst="rect">
+            <a:avLst/>
+          </a:prstGeom>
+        </p:spPr>
+        <p:txBody>
+          <a:bodyPr lIns="0" rIns="0" tIns="0" bIns="0">
+            <a:normAutofit/>
+          </a:bodyPr>
+          <a:p>
+            <a:endParaRPr b="0" lang="en-US" sz="3200" spc="-1" strike="noStrike">
+              <a:latin typeface="Arial"/>
+            </a:endParaRPr>
+          </a:p>
+        </p:txBody>
+      </p:sp>
+      <p:sp>
+        <p:nvSpPr>
+          <p:cNvPr id="114" name="PlaceHolder 3"/>
+          <p:cNvSpPr>
+            <a:spLocks noGrp="1"/>
+          </p:cNvSpPr>
+          <p:nvPr>
+            <p:ph type="body"/>
+          </p:nvPr>
+        </p:nvSpPr>
+        <p:spPr>
+          <a:xfrm>
+            <a:off x="3763080" y="1440000"/>
+            <a:ext cx="2897640" cy="1631160"/>
+          </a:xfrm>
+          <a:prstGeom prst="rect">
+            <a:avLst/>
+          </a:prstGeom>
+        </p:spPr>
+        <p:txBody>
+          <a:bodyPr lIns="0" rIns="0" tIns="0" bIns="0">
+            <a:normAutofit/>
+          </a:bodyPr>
+          <a:p>
+            <a:endParaRPr b="0" lang="en-US" sz="3200" spc="-1" strike="noStrike">
+              <a:latin typeface="Arial"/>
+            </a:endParaRPr>
+          </a:p>
+        </p:txBody>
+      </p:sp>
+      <p:sp>
+        <p:nvSpPr>
+          <p:cNvPr id="115" name="PlaceHolder 4"/>
+          <p:cNvSpPr>
+            <a:spLocks noGrp="1"/>
+          </p:cNvSpPr>
+          <p:nvPr>
+            <p:ph type="body"/>
+          </p:nvPr>
+        </p:nvSpPr>
+        <p:spPr>
+          <a:xfrm>
+            <a:off x="6805800" y="1440000"/>
+            <a:ext cx="2897640" cy="1631160"/>
+          </a:xfrm>
+          <a:prstGeom prst="rect">
+            <a:avLst/>
+          </a:prstGeom>
+        </p:spPr>
+        <p:txBody>
+          <a:bodyPr lIns="0" rIns="0" tIns="0" bIns="0">
+            <a:normAutofit/>
+          </a:bodyPr>
+          <a:p>
+            <a:endParaRPr b="0" lang="en-US" sz="3200" spc="-1" strike="noStrike">
+              <a:latin typeface="Arial"/>
+            </a:endParaRPr>
+          </a:p>
+        </p:txBody>
+      </p:sp>
+      <p:sp>
+        <p:nvSpPr>
+          <p:cNvPr id="116" name="PlaceHolder 5"/>
+          <p:cNvSpPr>
+            <a:spLocks noGrp="1"/>
+          </p:cNvSpPr>
+          <p:nvPr>
+            <p:ph type="body"/>
+          </p:nvPr>
+        </p:nvSpPr>
+        <p:spPr>
+          <a:xfrm>
+            <a:off x="720000" y="3226680"/>
+            <a:ext cx="2897640" cy="1631160"/>
+          </a:xfrm>
+          <a:prstGeom prst="rect">
+            <a:avLst/>
+          </a:prstGeom>
+        </p:spPr>
+        <p:txBody>
+          <a:bodyPr lIns="0" rIns="0" tIns="0" bIns="0">
+            <a:normAutofit/>
+          </a:bodyPr>
+          <a:p>
+            <a:endParaRPr b="0" lang="en-US" sz="3200" spc="-1" strike="noStrike">
+              <a:latin typeface="Arial"/>
+            </a:endParaRPr>
+          </a:p>
+        </p:txBody>
+      </p:sp>
+      <p:sp>
+        <p:nvSpPr>
+          <p:cNvPr id="117" name="PlaceHolder 6"/>
+          <p:cNvSpPr>
+            <a:spLocks noGrp="1"/>
+          </p:cNvSpPr>
+          <p:nvPr>
+            <p:ph type="body"/>
+          </p:nvPr>
+        </p:nvSpPr>
+        <p:spPr>
+          <a:xfrm>
+            <a:off x="3763080" y="3226680"/>
+            <a:ext cx="2897640" cy="1631160"/>
+          </a:xfrm>
+          <a:prstGeom prst="rect">
+            <a:avLst/>
+          </a:prstGeom>
+        </p:spPr>
+        <p:txBody>
+          <a:bodyPr lIns="0" rIns="0" tIns="0" bIns="0">
+            <a:normAutofit/>
+          </a:bodyPr>
+          <a:p>
+            <a:endParaRPr b="0" lang="en-US" sz="3200" spc="-1" strike="noStrike">
+              <a:latin typeface="Arial"/>
+            </a:endParaRPr>
+          </a:p>
+        </p:txBody>
+      </p:sp>
+      <p:sp>
+        <p:nvSpPr>
+          <p:cNvPr id="118" name="PlaceHolder 7"/>
+          <p:cNvSpPr>
+            <a:spLocks noGrp="1"/>
+          </p:cNvSpPr>
+          <p:nvPr>
+            <p:ph type="body"/>
+          </p:nvPr>
+        </p:nvSpPr>
+        <p:spPr>
+          <a:xfrm>
+            <a:off x="6805800" y="3226680"/>
+            <a:ext cx="2897640" cy="1631160"/>
+          </a:xfrm>
+          <a:prstGeom prst="rect">
+            <a:avLst/>
+          </a:prstGeom>
+        </p:spPr>
+        <p:txBody>
+          <a:bodyPr lIns="0" rIns="0" tIns="0" bIns="0">
+            <a:normAutofit/>
+          </a:bodyPr>
+          <a:p>
+            <a:endParaRPr b="0" lang="en-US" sz="3200" spc="-1" strike="noStrike">
+              <a:latin typeface="Arial"/>
             </a:endParaRPr>
           </a:p>
         </p:txBody>
@@ -2244,7 +3460,7 @@
       </p:grpSpPr>
       <p:sp>
         <p:nvSpPr>
-          <p:cNvPr id="10" name="PlaceHolder 1"/>
+          <p:cNvPr id="7" name="PlaceHolder 1"/>
           <p:cNvSpPr>
             <a:spLocks noGrp="1"/>
           </p:cNvSpPr>
@@ -2255,7 +3471,7 @@
         <p:spPr>
           <a:xfrm>
             <a:off x="720000" y="148320"/>
-            <a:ext cx="9000000" cy="1143720"/>
+            <a:ext cx="8999640" cy="1143360"/>
           </a:xfrm>
           <a:prstGeom prst="rect">
             <a:avLst/>
@@ -2266,18 +3482,16 @@
             <a:noAutofit/>
           </a:bodyPr>
           <a:p>
-            <a:endParaRPr b="1" lang="ru-RU" sz="3300" spc="-1" strike="noStrike">
-              <a:solidFill>
-                <a:srgbClr val="333333"/>
-              </a:solidFill>
-              <a:latin typeface="Noto Sans Regular"/>
-            </a:endParaRPr>
-          </a:p>
-        </p:txBody>
-      </p:sp>
-      <p:sp>
-        <p:nvSpPr>
-          <p:cNvPr id="11" name="PlaceHolder 2"/>
+            <a:pPr algn="ctr"/>
+            <a:endParaRPr b="0" lang="en-US" sz="4400" spc="-1" strike="noStrike">
+              <a:latin typeface="Arial"/>
+            </a:endParaRPr>
+          </a:p>
+        </p:txBody>
+      </p:sp>
+      <p:sp>
+        <p:nvSpPr>
+          <p:cNvPr id="8" name="PlaceHolder 2"/>
           <p:cNvSpPr>
             <a:spLocks noGrp="1"/>
           </p:cNvSpPr>
@@ -2288,29 +3502,26 @@
         <p:spPr>
           <a:xfrm>
             <a:off x="720000" y="1440000"/>
-            <a:ext cx="4391640" cy="3420000"/>
-          </a:xfrm>
-          <a:prstGeom prst="rect">
-            <a:avLst/>
-          </a:prstGeom>
-        </p:spPr>
-        <p:txBody>
-          <a:bodyPr lIns="0" rIns="0" tIns="0" bIns="0">
-            <a:noAutofit/>
-          </a:bodyPr>
-          <a:p>
-            <a:endParaRPr b="0" lang="ru-RU" sz="2100" spc="-1" strike="noStrike">
-              <a:solidFill>
-                <a:srgbClr val="333333"/>
-              </a:solidFill>
-              <a:latin typeface="Noto Sans Regular"/>
-            </a:endParaRPr>
-          </a:p>
-        </p:txBody>
-      </p:sp>
-      <p:sp>
-        <p:nvSpPr>
-          <p:cNvPr id="12" name="PlaceHolder 3"/>
+            <a:ext cx="4391640" cy="3419640"/>
+          </a:xfrm>
+          <a:prstGeom prst="rect">
+            <a:avLst/>
+          </a:prstGeom>
+        </p:spPr>
+        <p:txBody>
+          <a:bodyPr lIns="0" rIns="0" tIns="0" bIns="0">
+            <a:normAutofit/>
+          </a:bodyPr>
+          <a:p>
+            <a:endParaRPr b="0" lang="en-US" sz="3200" spc="-1" strike="noStrike">
+              <a:latin typeface="Arial"/>
+            </a:endParaRPr>
+          </a:p>
+        </p:txBody>
+      </p:sp>
+      <p:sp>
+        <p:nvSpPr>
+          <p:cNvPr id="9" name="PlaceHolder 3"/>
           <p:cNvSpPr>
             <a:spLocks noGrp="1"/>
           </p:cNvSpPr>
@@ -2321,22 +3532,19 @@
         <p:spPr>
           <a:xfrm>
             <a:off x="5331600" y="1440000"/>
-            <a:ext cx="4391640" cy="3420000"/>
-          </a:xfrm>
-          <a:prstGeom prst="rect">
-            <a:avLst/>
-          </a:prstGeom>
-        </p:spPr>
-        <p:txBody>
-          <a:bodyPr lIns="0" rIns="0" tIns="0" bIns="0">
-            <a:noAutofit/>
-          </a:bodyPr>
-          <a:p>
-            <a:endParaRPr b="0" lang="ru-RU" sz="2100" spc="-1" strike="noStrike">
-              <a:solidFill>
-                <a:srgbClr val="333333"/>
-              </a:solidFill>
-              <a:latin typeface="Noto Sans Regular"/>
+            <a:ext cx="4391640" cy="3419640"/>
+          </a:xfrm>
+          <a:prstGeom prst="rect">
+            <a:avLst/>
+          </a:prstGeom>
+        </p:spPr>
+        <p:txBody>
+          <a:bodyPr lIns="0" rIns="0" tIns="0" bIns="0">
+            <a:normAutofit/>
+          </a:bodyPr>
+          <a:p>
+            <a:endParaRPr b="0" lang="en-US" sz="3200" spc="-1" strike="noStrike">
+              <a:latin typeface="Arial"/>
             </a:endParaRPr>
           </a:p>
         </p:txBody>
@@ -2365,7 +3573,7 @@
       </p:grpSpPr>
       <p:sp>
         <p:nvSpPr>
-          <p:cNvPr id="13" name="PlaceHolder 1"/>
+          <p:cNvPr id="10" name="PlaceHolder 1"/>
           <p:cNvSpPr>
             <a:spLocks noGrp="1"/>
           </p:cNvSpPr>
@@ -2376,7 +3584,7 @@
         <p:spPr>
           <a:xfrm>
             <a:off x="720000" y="148320"/>
-            <a:ext cx="9000000" cy="1143720"/>
+            <a:ext cx="8999640" cy="1143360"/>
           </a:xfrm>
           <a:prstGeom prst="rect">
             <a:avLst/>
@@ -2387,11 +3595,9 @@
             <a:noAutofit/>
           </a:bodyPr>
           <a:p>
-            <a:endParaRPr b="1" lang="ru-RU" sz="3300" spc="-1" strike="noStrike">
-              <a:solidFill>
-                <a:srgbClr val="333333"/>
-              </a:solidFill>
-              <a:latin typeface="Noto Sans Regular"/>
+            <a:pPr algn="ctr"/>
+            <a:endParaRPr b="0" lang="en-US" sz="4400" spc="-1" strike="noStrike">
+              <a:latin typeface="Arial"/>
             </a:endParaRPr>
           </a:p>
         </p:txBody>
@@ -2420,7 +3626,7 @@
       </p:grpSpPr>
       <p:sp>
         <p:nvSpPr>
-          <p:cNvPr id="14" name="PlaceHolder 1"/>
+          <p:cNvPr id="11" name="PlaceHolder 1"/>
           <p:cNvSpPr>
             <a:spLocks noGrp="1"/>
           </p:cNvSpPr>
@@ -2430,8 +3636,8 @@
         </p:nvSpPr>
         <p:spPr>
           <a:xfrm>
-            <a:off x="720000" y="180000"/>
-            <a:ext cx="9000000" cy="5007600"/>
+            <a:off x="720000" y="148320"/>
+            <a:ext cx="8999640" cy="5301360"/>
           </a:xfrm>
           <a:prstGeom prst="rect">
             <a:avLst/>
@@ -2443,7 +3649,7 @@
           </a:bodyPr>
           <a:p>
             <a:pPr algn="ctr"/>
-            <a:endParaRPr b="0" lang="ru-RU" sz="3200" spc="-1" strike="noStrike">
+            <a:endParaRPr b="0" lang="en-US" sz="3200" spc="-1" strike="noStrike">
               <a:latin typeface="Arial"/>
             </a:endParaRPr>
           </a:p>
@@ -2473,7 +3679,7 @@
       </p:grpSpPr>
       <p:sp>
         <p:nvSpPr>
-          <p:cNvPr id="15" name="PlaceHolder 1"/>
+          <p:cNvPr id="12" name="PlaceHolder 1"/>
           <p:cNvSpPr>
             <a:spLocks noGrp="1"/>
           </p:cNvSpPr>
@@ -2484,7 +3690,7 @@
         <p:spPr>
           <a:xfrm>
             <a:off x="720000" y="148320"/>
-            <a:ext cx="9000000" cy="1143720"/>
+            <a:ext cx="8999640" cy="1143360"/>
           </a:xfrm>
           <a:prstGeom prst="rect">
             <a:avLst/>
@@ -2495,18 +3701,16 @@
             <a:noAutofit/>
           </a:bodyPr>
           <a:p>
-            <a:endParaRPr b="1" lang="ru-RU" sz="3300" spc="-1" strike="noStrike">
-              <a:solidFill>
-                <a:srgbClr val="333333"/>
-              </a:solidFill>
-              <a:latin typeface="Noto Sans Regular"/>
-            </a:endParaRPr>
-          </a:p>
-        </p:txBody>
-      </p:sp>
-      <p:sp>
-        <p:nvSpPr>
-          <p:cNvPr id="16" name="PlaceHolder 2"/>
+            <a:pPr algn="ctr"/>
+            <a:endParaRPr b="0" lang="en-US" sz="4400" spc="-1" strike="noStrike">
+              <a:latin typeface="Arial"/>
+            </a:endParaRPr>
+          </a:p>
+        </p:txBody>
+      </p:sp>
+      <p:sp>
+        <p:nvSpPr>
+          <p:cNvPr id="13" name="PlaceHolder 2"/>
           <p:cNvSpPr>
             <a:spLocks noGrp="1"/>
           </p:cNvSpPr>
@@ -2525,21 +3729,18 @@
         </p:spPr>
         <p:txBody>
           <a:bodyPr lIns="0" rIns="0" tIns="0" bIns="0">
-            <a:noAutofit/>
-          </a:bodyPr>
-          <a:p>
-            <a:endParaRPr b="0" lang="ru-RU" sz="2100" spc="-1" strike="noStrike">
-              <a:solidFill>
-                <a:srgbClr val="333333"/>
-              </a:solidFill>
-              <a:latin typeface="Noto Sans Regular"/>
-            </a:endParaRPr>
-          </a:p>
-        </p:txBody>
-      </p:sp>
-      <p:sp>
-        <p:nvSpPr>
-          <p:cNvPr id="17" name="PlaceHolder 3"/>
+            <a:normAutofit/>
+          </a:bodyPr>
+          <a:p>
+            <a:endParaRPr b="0" lang="en-US" sz="3200" spc="-1" strike="noStrike">
+              <a:latin typeface="Arial"/>
+            </a:endParaRPr>
+          </a:p>
+        </p:txBody>
+      </p:sp>
+      <p:sp>
+        <p:nvSpPr>
+          <p:cNvPr id="14" name="PlaceHolder 3"/>
           <p:cNvSpPr>
             <a:spLocks noGrp="1"/>
           </p:cNvSpPr>
@@ -2550,29 +3751,26 @@
         <p:spPr>
           <a:xfrm>
             <a:off x="5331600" y="1440000"/>
-            <a:ext cx="4391640" cy="3420000"/>
-          </a:xfrm>
-          <a:prstGeom prst="rect">
-            <a:avLst/>
-          </a:prstGeom>
-        </p:spPr>
-        <p:txBody>
-          <a:bodyPr lIns="0" rIns="0" tIns="0" bIns="0">
-            <a:noAutofit/>
-          </a:bodyPr>
-          <a:p>
-            <a:endParaRPr b="0" lang="ru-RU" sz="2100" spc="-1" strike="noStrike">
-              <a:solidFill>
-                <a:srgbClr val="333333"/>
-              </a:solidFill>
-              <a:latin typeface="Noto Sans Regular"/>
-            </a:endParaRPr>
-          </a:p>
-        </p:txBody>
-      </p:sp>
-      <p:sp>
-        <p:nvSpPr>
-          <p:cNvPr id="18" name="PlaceHolder 4"/>
+            <a:ext cx="4391640" cy="3419640"/>
+          </a:xfrm>
+          <a:prstGeom prst="rect">
+            <a:avLst/>
+          </a:prstGeom>
+        </p:spPr>
+        <p:txBody>
+          <a:bodyPr lIns="0" rIns="0" tIns="0" bIns="0">
+            <a:normAutofit/>
+          </a:bodyPr>
+          <a:p>
+            <a:endParaRPr b="0" lang="en-US" sz="3200" spc="-1" strike="noStrike">
+              <a:latin typeface="Arial"/>
+            </a:endParaRPr>
+          </a:p>
+        </p:txBody>
+      </p:sp>
+      <p:sp>
+        <p:nvSpPr>
+          <p:cNvPr id="15" name="PlaceHolder 4"/>
           <p:cNvSpPr>
             <a:spLocks noGrp="1"/>
           </p:cNvSpPr>
@@ -2591,14 +3789,11 @@
         </p:spPr>
         <p:txBody>
           <a:bodyPr lIns="0" rIns="0" tIns="0" bIns="0">
-            <a:noAutofit/>
-          </a:bodyPr>
-          <a:p>
-            <a:endParaRPr b="0" lang="ru-RU" sz="2100" spc="-1" strike="noStrike">
-              <a:solidFill>
-                <a:srgbClr val="333333"/>
-              </a:solidFill>
-              <a:latin typeface="Noto Sans Regular"/>
+            <a:normAutofit/>
+          </a:bodyPr>
+          <a:p>
+            <a:endParaRPr b="0" lang="en-US" sz="3200" spc="-1" strike="noStrike">
+              <a:latin typeface="Arial"/>
             </a:endParaRPr>
           </a:p>
         </p:txBody>
@@ -2627,7 +3822,7 @@
       </p:grpSpPr>
       <p:sp>
         <p:nvSpPr>
-          <p:cNvPr id="19" name="PlaceHolder 1"/>
+          <p:cNvPr id="16" name="PlaceHolder 1"/>
           <p:cNvSpPr>
             <a:spLocks noGrp="1"/>
           </p:cNvSpPr>
@@ -2638,7 +3833,7 @@
         <p:spPr>
           <a:xfrm>
             <a:off x="720000" y="148320"/>
-            <a:ext cx="9000000" cy="1143720"/>
+            <a:ext cx="8999640" cy="1143360"/>
           </a:xfrm>
           <a:prstGeom prst="rect">
             <a:avLst/>
@@ -2649,18 +3844,16 @@
             <a:noAutofit/>
           </a:bodyPr>
           <a:p>
-            <a:endParaRPr b="1" lang="ru-RU" sz="3300" spc="-1" strike="noStrike">
-              <a:solidFill>
-                <a:srgbClr val="333333"/>
-              </a:solidFill>
-              <a:latin typeface="Noto Sans Regular"/>
-            </a:endParaRPr>
-          </a:p>
-        </p:txBody>
-      </p:sp>
-      <p:sp>
-        <p:nvSpPr>
-          <p:cNvPr id="20" name="PlaceHolder 2"/>
+            <a:pPr algn="ctr"/>
+            <a:endParaRPr b="0" lang="en-US" sz="4400" spc="-1" strike="noStrike">
+              <a:latin typeface="Arial"/>
+            </a:endParaRPr>
+          </a:p>
+        </p:txBody>
+      </p:sp>
+      <p:sp>
+        <p:nvSpPr>
+          <p:cNvPr id="17" name="PlaceHolder 2"/>
           <p:cNvSpPr>
             <a:spLocks noGrp="1"/>
           </p:cNvSpPr>
@@ -2671,29 +3864,26 @@
         <p:spPr>
           <a:xfrm>
             <a:off x="720000" y="1440000"/>
-            <a:ext cx="4391640" cy="3420000"/>
-          </a:xfrm>
-          <a:prstGeom prst="rect">
-            <a:avLst/>
-          </a:prstGeom>
-        </p:spPr>
-        <p:txBody>
-          <a:bodyPr lIns="0" rIns="0" tIns="0" bIns="0">
-            <a:noAutofit/>
-          </a:bodyPr>
-          <a:p>
-            <a:endParaRPr b="0" lang="ru-RU" sz="2100" spc="-1" strike="noStrike">
-              <a:solidFill>
-                <a:srgbClr val="333333"/>
-              </a:solidFill>
-              <a:latin typeface="Noto Sans Regular"/>
-            </a:endParaRPr>
-          </a:p>
-        </p:txBody>
-      </p:sp>
-      <p:sp>
-        <p:nvSpPr>
-          <p:cNvPr id="21" name="PlaceHolder 3"/>
+            <a:ext cx="4391640" cy="3419640"/>
+          </a:xfrm>
+          <a:prstGeom prst="rect">
+            <a:avLst/>
+          </a:prstGeom>
+        </p:spPr>
+        <p:txBody>
+          <a:bodyPr lIns="0" rIns="0" tIns="0" bIns="0">
+            <a:normAutofit/>
+          </a:bodyPr>
+          <a:p>
+            <a:endParaRPr b="0" lang="en-US" sz="3200" spc="-1" strike="noStrike">
+              <a:latin typeface="Arial"/>
+            </a:endParaRPr>
+          </a:p>
+        </p:txBody>
+      </p:sp>
+      <p:sp>
+        <p:nvSpPr>
+          <p:cNvPr id="18" name="PlaceHolder 3"/>
           <p:cNvSpPr>
             <a:spLocks noGrp="1"/>
           </p:cNvSpPr>
@@ -2712,21 +3902,18 @@
         </p:spPr>
         <p:txBody>
           <a:bodyPr lIns="0" rIns="0" tIns="0" bIns="0">
-            <a:noAutofit/>
-          </a:bodyPr>
-          <a:p>
-            <a:endParaRPr b="0" lang="ru-RU" sz="2100" spc="-1" strike="noStrike">
-              <a:solidFill>
-                <a:srgbClr val="333333"/>
-              </a:solidFill>
-              <a:latin typeface="Noto Sans Regular"/>
-            </a:endParaRPr>
-          </a:p>
-        </p:txBody>
-      </p:sp>
-      <p:sp>
-        <p:nvSpPr>
-          <p:cNvPr id="22" name="PlaceHolder 4"/>
+            <a:normAutofit/>
+          </a:bodyPr>
+          <a:p>
+            <a:endParaRPr b="0" lang="en-US" sz="3200" spc="-1" strike="noStrike">
+              <a:latin typeface="Arial"/>
+            </a:endParaRPr>
+          </a:p>
+        </p:txBody>
+      </p:sp>
+      <p:sp>
+        <p:nvSpPr>
+          <p:cNvPr id="19" name="PlaceHolder 4"/>
           <p:cNvSpPr>
             <a:spLocks noGrp="1"/>
           </p:cNvSpPr>
@@ -2745,14 +3932,11 @@
         </p:spPr>
         <p:txBody>
           <a:bodyPr lIns="0" rIns="0" tIns="0" bIns="0">
-            <a:noAutofit/>
-          </a:bodyPr>
-          <a:p>
-            <a:endParaRPr b="0" lang="ru-RU" sz="2100" spc="-1" strike="noStrike">
-              <a:solidFill>
-                <a:srgbClr val="333333"/>
-              </a:solidFill>
-              <a:latin typeface="Noto Sans Regular"/>
+            <a:normAutofit/>
+          </a:bodyPr>
+          <a:p>
+            <a:endParaRPr b="0" lang="en-US" sz="3200" spc="-1" strike="noStrike">
+              <a:latin typeface="Arial"/>
             </a:endParaRPr>
           </a:p>
         </p:txBody>
@@ -2781,7 +3965,7 @@
       </p:grpSpPr>
       <p:sp>
         <p:nvSpPr>
-          <p:cNvPr id="23" name="PlaceHolder 1"/>
+          <p:cNvPr id="20" name="PlaceHolder 1"/>
           <p:cNvSpPr>
             <a:spLocks noGrp="1"/>
           </p:cNvSpPr>
@@ -2792,7 +3976,7 @@
         <p:spPr>
           <a:xfrm>
             <a:off x="720000" y="148320"/>
-            <a:ext cx="9000000" cy="1143720"/>
+            <a:ext cx="8999640" cy="1143360"/>
           </a:xfrm>
           <a:prstGeom prst="rect">
             <a:avLst/>
@@ -2803,18 +3987,16 @@
             <a:noAutofit/>
           </a:bodyPr>
           <a:p>
-            <a:endParaRPr b="1" lang="ru-RU" sz="3300" spc="-1" strike="noStrike">
-              <a:solidFill>
-                <a:srgbClr val="333333"/>
-              </a:solidFill>
-              <a:latin typeface="Noto Sans Regular"/>
-            </a:endParaRPr>
-          </a:p>
-        </p:txBody>
-      </p:sp>
-      <p:sp>
-        <p:nvSpPr>
-          <p:cNvPr id="24" name="PlaceHolder 2"/>
+            <a:pPr algn="ctr"/>
+            <a:endParaRPr b="0" lang="en-US" sz="4400" spc="-1" strike="noStrike">
+              <a:latin typeface="Arial"/>
+            </a:endParaRPr>
+          </a:p>
+        </p:txBody>
+      </p:sp>
+      <p:sp>
+        <p:nvSpPr>
+          <p:cNvPr id="21" name="PlaceHolder 2"/>
           <p:cNvSpPr>
             <a:spLocks noGrp="1"/>
           </p:cNvSpPr>
@@ -2833,21 +4015,18 @@
         </p:spPr>
         <p:txBody>
           <a:bodyPr lIns="0" rIns="0" tIns="0" bIns="0">
-            <a:noAutofit/>
-          </a:bodyPr>
-          <a:p>
-            <a:endParaRPr b="0" lang="ru-RU" sz="2100" spc="-1" strike="noStrike">
-              <a:solidFill>
-                <a:srgbClr val="333333"/>
-              </a:solidFill>
-              <a:latin typeface="Noto Sans Regular"/>
-            </a:endParaRPr>
-          </a:p>
-        </p:txBody>
-      </p:sp>
-      <p:sp>
-        <p:nvSpPr>
-          <p:cNvPr id="25" name="PlaceHolder 3"/>
+            <a:normAutofit/>
+          </a:bodyPr>
+          <a:p>
+            <a:endParaRPr b="0" lang="en-US" sz="3200" spc="-1" strike="noStrike">
+              <a:latin typeface="Arial"/>
+            </a:endParaRPr>
+          </a:p>
+        </p:txBody>
+      </p:sp>
+      <p:sp>
+        <p:nvSpPr>
+          <p:cNvPr id="22" name="PlaceHolder 3"/>
           <p:cNvSpPr>
             <a:spLocks noGrp="1"/>
           </p:cNvSpPr>
@@ -2866,21 +4045,18 @@
         </p:spPr>
         <p:txBody>
           <a:bodyPr lIns="0" rIns="0" tIns="0" bIns="0">
-            <a:noAutofit/>
-          </a:bodyPr>
-          <a:p>
-            <a:endParaRPr b="0" lang="ru-RU" sz="2100" spc="-1" strike="noStrike">
-              <a:solidFill>
-                <a:srgbClr val="333333"/>
-              </a:solidFill>
-              <a:latin typeface="Noto Sans Regular"/>
-            </a:endParaRPr>
-          </a:p>
-        </p:txBody>
-      </p:sp>
-      <p:sp>
-        <p:nvSpPr>
-          <p:cNvPr id="26" name="PlaceHolder 4"/>
+            <a:normAutofit/>
+          </a:bodyPr>
+          <a:p>
+            <a:endParaRPr b="0" lang="en-US" sz="3200" spc="-1" strike="noStrike">
+              <a:latin typeface="Arial"/>
+            </a:endParaRPr>
+          </a:p>
+        </p:txBody>
+      </p:sp>
+      <p:sp>
+        <p:nvSpPr>
+          <p:cNvPr id="23" name="PlaceHolder 4"/>
           <p:cNvSpPr>
             <a:spLocks noGrp="1"/>
           </p:cNvSpPr>
@@ -2891,22 +4067,19 @@
         <p:spPr>
           <a:xfrm>
             <a:off x="720000" y="3226680"/>
-            <a:ext cx="9000000" cy="1631160"/>
-          </a:xfrm>
-          <a:prstGeom prst="rect">
-            <a:avLst/>
-          </a:prstGeom>
-        </p:spPr>
-        <p:txBody>
-          <a:bodyPr lIns="0" rIns="0" tIns="0" bIns="0">
-            <a:noAutofit/>
-          </a:bodyPr>
-          <a:p>
-            <a:endParaRPr b="0" lang="ru-RU" sz="2100" spc="-1" strike="noStrike">
-              <a:solidFill>
-                <a:srgbClr val="333333"/>
-              </a:solidFill>
-              <a:latin typeface="Noto Sans Regular"/>
+            <a:ext cx="8999640" cy="1631160"/>
+          </a:xfrm>
+          <a:prstGeom prst="rect">
+            <a:avLst/>
+          </a:prstGeom>
+        </p:spPr>
+        <p:txBody>
+          <a:bodyPr lIns="0" rIns="0" tIns="0" bIns="0">
+            <a:normAutofit/>
+          </a:bodyPr>
+          <a:p>
+            <a:endParaRPr b="0" lang="en-US" sz="3200" spc="-1" strike="noStrike">
+              <a:latin typeface="Arial"/>
             </a:endParaRPr>
           </a:p>
         </p:txBody>
@@ -2935,7 +4108,35 @@
       </p:grpSpPr>
       <p:sp>
         <p:nvSpPr>
-          <p:cNvPr id="0" name="PlaceHolder 1"/>
+          <p:cNvPr id="0" name="CustomShape 1"/>
+          <p:cNvSpPr/>
+          <p:nvPr/>
+        </p:nvSpPr>
+        <p:spPr>
+          <a:xfrm>
+            <a:off x="0" y="180000"/>
+            <a:ext cx="539640" cy="1079640"/>
+          </a:xfrm>
+          <a:prstGeom prst="rect">
+            <a:avLst/>
+          </a:prstGeom>
+          <a:solidFill>
+            <a:srgbClr val="ef2929"/>
+          </a:solidFill>
+          <a:ln w="0">
+            <a:noFill/>
+          </a:ln>
+        </p:spPr>
+        <p:style>
+          <a:lnRef idx="0"/>
+          <a:fillRef idx="0"/>
+          <a:effectRef idx="0"/>
+          <a:fontRef idx="minor"/>
+        </p:style>
+      </p:sp>
+      <p:sp>
+        <p:nvSpPr>
+          <p:cNvPr id="1" name="PlaceHolder 2"/>
           <p:cNvSpPr>
             <a:spLocks noGrp="1"/>
           </p:cNvSpPr>
@@ -2945,8 +4146,8 @@
         </p:nvSpPr>
         <p:spPr>
           <a:xfrm>
-            <a:off x="720000" y="3060000"/>
-            <a:ext cx="8640000" cy="1080000"/>
+            <a:off x="720000" y="148320"/>
+            <a:ext cx="8999640" cy="1143360"/>
           </a:xfrm>
           <a:prstGeom prst="rect">
             <a:avLst/>
@@ -2954,397 +4155,199 @@
         </p:spPr>
         <p:txBody>
           <a:bodyPr lIns="0" rIns="0" tIns="0" bIns="0" anchor="ctr">
-            <a:normAutofit fontScale="80000"/>
+            <a:noAutofit/>
           </a:bodyPr>
           <a:p>
             <a:r>
-              <a:rPr b="1" lang="ru-RU" sz="3600" spc="-1" strike="noStrike">
-                <a:solidFill>
-                  <a:srgbClr val="333333"/>
-                </a:solidFill>
-                <a:latin typeface="Noto Sans Regular"/>
+              <a:rPr b="0" lang="en-US" sz="1800" spc="-1" strike="noStrike">
+                <a:latin typeface="Arial"/>
               </a:rPr>
-              <a:t>Для правки текста заглавия щёлкните мышью</a:t>
+              <a:t>Click to edit the title text format</a:t>
             </a:r>
-            <a:endParaRPr b="1" lang="ru-RU" sz="3600" spc="-1" strike="noStrike">
-              <a:solidFill>
-                <a:srgbClr val="333333"/>
-              </a:solidFill>
-              <a:latin typeface="Noto Sans Regular"/>
-            </a:endParaRPr>
-          </a:p>
-        </p:txBody>
-      </p:sp>
-      <p:sp>
-        <p:nvSpPr>
-          <p:cNvPr id="1" name="PlaceHolder 2"/>
-          <p:cNvSpPr>
-            <a:spLocks noGrp="1"/>
-          </p:cNvSpPr>
-          <p:nvPr>
-            <p:ph type="body"/>
-          </p:nvPr>
-        </p:nvSpPr>
-        <p:spPr>
-          <a:xfrm>
-            <a:off x="720000" y="4320000"/>
-            <a:ext cx="8640000" cy="720000"/>
-          </a:xfrm>
-          <a:prstGeom prst="rect">
-            <a:avLst/>
-          </a:prstGeom>
-        </p:spPr>
-        <p:txBody>
-          <a:bodyPr lIns="0" rIns="0" tIns="0" bIns="0">
-            <a:normAutofit fontScale="13000"/>
+            <a:endParaRPr b="0" lang="en-US" sz="1800" spc="-1" strike="noStrike">
+              <a:latin typeface="Arial"/>
+            </a:endParaRPr>
+          </a:p>
+        </p:txBody>
+      </p:sp>
+      <p:sp>
+        <p:nvSpPr>
+          <p:cNvPr id="2" name="PlaceHolder 3"/>
+          <p:cNvSpPr>
+            <a:spLocks noGrp="1"/>
+          </p:cNvSpPr>
+          <p:nvPr>
+            <p:ph type="body"/>
+          </p:nvPr>
+        </p:nvSpPr>
+        <p:spPr>
+          <a:xfrm>
+            <a:off x="504000" y="1326600"/>
+            <a:ext cx="9072000" cy="3288600"/>
+          </a:xfrm>
+          <a:prstGeom prst="rect">
+            <a:avLst/>
+          </a:prstGeom>
+        </p:spPr>
+        <p:txBody>
+          <a:bodyPr lIns="0" rIns="0" tIns="0" bIns="0">
+            <a:normAutofit/>
           </a:bodyPr>
           <a:p>
             <a:pPr marL="432000" indent="-324000">
-              <a:spcAft>
-                <a:spcPts val="1409"/>
-              </a:spcAft>
+              <a:spcBef>
+                <a:spcPts val="1417"/>
+              </a:spcBef>
               <a:buClr>
-                <a:srgbClr val="333333"/>
+                <a:srgbClr val="000000"/>
               </a:buClr>
               <a:buSzPct val="45000"/>
               <a:buFont typeface="Wingdings" charset="2"/>
               <a:buChar char=""/>
             </a:pPr>
             <a:r>
-              <a:rPr b="0" lang="ru-RU" sz="1800" spc="-1" strike="noStrike">
-                <a:solidFill>
-                  <a:srgbClr val="333333"/>
-                </a:solidFill>
-                <a:latin typeface="Noto Sans Bold"/>
+              <a:rPr b="0" lang="en-US" sz="3200" spc="-1" strike="noStrike">
+                <a:latin typeface="Arial"/>
               </a:rPr>
-              <a:t>Для правки структуры щёлкните мышью</a:t>
+              <a:t>Click to edit the outline text format</a:t>
             </a:r>
-            <a:endParaRPr b="0" lang="ru-RU" sz="1800" spc="-1" strike="noStrike">
-              <a:solidFill>
-                <a:srgbClr val="333333"/>
-              </a:solidFill>
-              <a:latin typeface="Noto Sans Bold"/>
+            <a:endParaRPr b="0" lang="en-US" sz="3200" spc="-1" strike="noStrike">
+              <a:latin typeface="Arial"/>
             </a:endParaRPr>
           </a:p>
           <a:p>
             <a:pPr lvl="1" marL="864000" indent="-324000">
-              <a:spcAft>
-                <a:spcPts val="1120"/>
-              </a:spcAft>
+              <a:spcBef>
+                <a:spcPts val="1134"/>
+              </a:spcBef>
               <a:buClr>
-                <a:srgbClr val="ffffff"/>
+                <a:srgbClr val="000000"/>
               </a:buClr>
               <a:buSzPct val="75000"/>
               <a:buFont typeface="Symbol" charset="2"/>
               <a:buChar char=""/>
             </a:pPr>
             <a:r>
-              <a:rPr b="0" lang="ru-RU" sz="1800" spc="-1" strike="noStrike">
-                <a:solidFill>
-                  <a:srgbClr val="333333"/>
-                </a:solidFill>
-                <a:latin typeface="Noto Sans Bold"/>
+              <a:rPr b="0" lang="en-US" sz="2800" spc="-1" strike="noStrike">
+                <a:latin typeface="Arial"/>
               </a:rPr>
-              <a:t>Второй уровень структуры</a:t>
+              <a:t>Second Outline Level</a:t>
             </a:r>
-            <a:endParaRPr b="0" lang="ru-RU" sz="1800" spc="-1" strike="noStrike">
-              <a:solidFill>
-                <a:srgbClr val="333333"/>
-              </a:solidFill>
-              <a:latin typeface="Noto Sans Bold"/>
+            <a:endParaRPr b="0" lang="en-US" sz="2800" spc="-1" strike="noStrike">
+              <a:latin typeface="Arial"/>
             </a:endParaRPr>
           </a:p>
           <a:p>
             <a:pPr lvl="2" marL="1296000" indent="-288000">
-              <a:spcAft>
-                <a:spcPts val="839"/>
-              </a:spcAft>
+              <a:spcBef>
+                <a:spcPts val="850"/>
+              </a:spcBef>
               <a:buClr>
-                <a:srgbClr val="ffffff"/>
+                <a:srgbClr val="000000"/>
               </a:buClr>
               <a:buSzPct val="45000"/>
               <a:buFont typeface="Wingdings" charset="2"/>
               <a:buChar char=""/>
             </a:pPr>
             <a:r>
-              <a:rPr b="0" lang="ru-RU" sz="1800" spc="-1" strike="noStrike">
-                <a:solidFill>
-                  <a:srgbClr val="333333"/>
-                </a:solidFill>
-                <a:latin typeface="Noto Sans Bold"/>
+              <a:rPr b="0" lang="en-US" sz="2400" spc="-1" strike="noStrike">
+                <a:latin typeface="Arial"/>
               </a:rPr>
-              <a:t>Третий уровень структуры</a:t>
+              <a:t>Third Outline Level</a:t>
             </a:r>
-            <a:endParaRPr b="0" lang="ru-RU" sz="1800" spc="-1" strike="noStrike">
-              <a:solidFill>
-                <a:srgbClr val="333333"/>
-              </a:solidFill>
-              <a:latin typeface="Noto Sans Bold"/>
+            <a:endParaRPr b="0" lang="en-US" sz="2400" spc="-1" strike="noStrike">
+              <a:latin typeface="Arial"/>
             </a:endParaRPr>
           </a:p>
           <a:p>
             <a:pPr lvl="3" marL="1728000" indent="-216000">
-              <a:spcAft>
-                <a:spcPts val="556"/>
-              </a:spcAft>
+              <a:spcBef>
+                <a:spcPts val="567"/>
+              </a:spcBef>
               <a:buClr>
-                <a:srgbClr val="ffffff"/>
+                <a:srgbClr val="000000"/>
               </a:buClr>
               <a:buSzPct val="75000"/>
               <a:buFont typeface="Symbol" charset="2"/>
               <a:buChar char=""/>
             </a:pPr>
             <a:r>
-              <a:rPr b="0" lang="ru-RU" sz="1800" spc="-1" strike="noStrike">
-                <a:solidFill>
-                  <a:srgbClr val="333333"/>
-                </a:solidFill>
-                <a:latin typeface="Noto Sans Bold"/>
+              <a:rPr b="0" lang="en-US" sz="2000" spc="-1" strike="noStrike">
+                <a:latin typeface="Arial"/>
               </a:rPr>
-              <a:t>Четвёртый уровень структуры</a:t>
+              <a:t>Fourth Outline Level</a:t>
             </a:r>
-            <a:endParaRPr b="0" lang="ru-RU" sz="1800" spc="-1" strike="noStrike">
-              <a:solidFill>
-                <a:srgbClr val="333333"/>
-              </a:solidFill>
-              <a:latin typeface="Noto Sans Bold"/>
+            <a:endParaRPr b="0" lang="en-US" sz="2000" spc="-1" strike="noStrike">
+              <a:latin typeface="Arial"/>
             </a:endParaRPr>
           </a:p>
           <a:p>
             <a:pPr lvl="4" marL="2160000" indent="-216000">
-              <a:spcAft>
-                <a:spcPts val="272"/>
-              </a:spcAft>
+              <a:spcBef>
+                <a:spcPts val="283"/>
+              </a:spcBef>
               <a:buClr>
-                <a:srgbClr val="ffffff"/>
+                <a:srgbClr val="000000"/>
               </a:buClr>
               <a:buSzPct val="45000"/>
               <a:buFont typeface="Wingdings" charset="2"/>
               <a:buChar char=""/>
             </a:pPr>
             <a:r>
-              <a:rPr b="0" lang="ru-RU" sz="1800" spc="-1" strike="noStrike">
-                <a:solidFill>
-                  <a:srgbClr val="333333"/>
-                </a:solidFill>
-                <a:latin typeface="Noto Sans Bold"/>
+              <a:rPr b="0" lang="en-US" sz="2000" spc="-1" strike="noStrike">
+                <a:latin typeface="Arial"/>
               </a:rPr>
-              <a:t>Пятый уровень структуры</a:t>
+              <a:t>Fifth Outline Level</a:t>
             </a:r>
-            <a:endParaRPr b="0" lang="ru-RU" sz="1800" spc="-1" strike="noStrike">
-              <a:solidFill>
-                <a:srgbClr val="333333"/>
-              </a:solidFill>
-              <a:latin typeface="Noto Sans Bold"/>
+            <a:endParaRPr b="0" lang="en-US" sz="2000" spc="-1" strike="noStrike">
+              <a:latin typeface="Arial"/>
             </a:endParaRPr>
           </a:p>
           <a:p>
             <a:pPr lvl="5" marL="2592000" indent="-216000">
-              <a:spcAft>
-                <a:spcPts val="272"/>
-              </a:spcAft>
+              <a:spcBef>
+                <a:spcPts val="283"/>
+              </a:spcBef>
               <a:buClr>
-                <a:srgbClr val="ffffff"/>
+                <a:srgbClr val="000000"/>
               </a:buClr>
               <a:buSzPct val="45000"/>
               <a:buFont typeface="Wingdings" charset="2"/>
               <a:buChar char=""/>
             </a:pPr>
             <a:r>
-              <a:rPr b="0" lang="ru-RU" sz="1800" spc="-1" strike="noStrike">
-                <a:solidFill>
-                  <a:srgbClr val="333333"/>
-                </a:solidFill>
-                <a:latin typeface="Noto Sans Bold"/>
+              <a:rPr b="0" lang="en-US" sz="2000" spc="-1" strike="noStrike">
+                <a:latin typeface="Arial"/>
               </a:rPr>
-              <a:t>Шестой уровень структуры</a:t>
+              <a:t>Sixth Outline Level</a:t>
             </a:r>
-            <a:endParaRPr b="0" lang="ru-RU" sz="1800" spc="-1" strike="noStrike">
-              <a:solidFill>
-                <a:srgbClr val="333333"/>
-              </a:solidFill>
-              <a:latin typeface="Noto Sans Bold"/>
+            <a:endParaRPr b="0" lang="en-US" sz="2000" spc="-1" strike="noStrike">
+              <a:latin typeface="Arial"/>
             </a:endParaRPr>
           </a:p>
           <a:p>
             <a:pPr lvl="6" marL="3024000" indent="-216000">
-              <a:spcAft>
-                <a:spcPts val="272"/>
-              </a:spcAft>
+              <a:spcBef>
+                <a:spcPts val="283"/>
+              </a:spcBef>
               <a:buClr>
-                <a:srgbClr val="ffffff"/>
+                <a:srgbClr val="000000"/>
               </a:buClr>
               <a:buSzPct val="45000"/>
               <a:buFont typeface="Wingdings" charset="2"/>
               <a:buChar char=""/>
             </a:pPr>
             <a:r>
-              <a:rPr b="0" lang="ru-RU" sz="1800" spc="-1" strike="noStrike">
-                <a:solidFill>
-                  <a:srgbClr val="333333"/>
-                </a:solidFill>
-                <a:latin typeface="Noto Sans Bold"/>
+              <a:rPr b="0" lang="en-US" sz="2000" spc="-1" strike="noStrike">
+                <a:latin typeface="Arial"/>
               </a:rPr>
-              <a:t>Седьмой уровень структуры</a:t>
+              <a:t>Seventh Outline Level</a:t>
             </a:r>
-            <a:endParaRPr b="0" lang="ru-RU" sz="1800" spc="-1" strike="noStrike">
-              <a:solidFill>
-                <a:srgbClr val="333333"/>
-              </a:solidFill>
-              <a:latin typeface="Noto Sans Bold"/>
-            </a:endParaRPr>
-          </a:p>
-        </p:txBody>
-      </p:sp>
-      <p:sp>
-        <p:nvSpPr>
-          <p:cNvPr id="2" name="PlaceHolder 3"/>
-          <p:cNvSpPr>
-            <a:spLocks noGrp="1"/>
-          </p:cNvSpPr>
-          <p:nvPr>
-            <p:ph type="dt"/>
-          </p:nvPr>
-        </p:nvSpPr>
-        <p:spPr>
-          <a:xfrm>
-            <a:off x="540000" y="5220000"/>
-            <a:ext cx="2340000" cy="396000"/>
-          </a:xfrm>
-          <a:prstGeom prst="rect">
-            <a:avLst/>
-          </a:prstGeom>
-        </p:spPr>
-        <p:txBody>
-          <a:bodyPr lIns="0" rIns="0" tIns="0" bIns="0">
-            <a:noAutofit/>
-          </a:bodyPr>
-          <a:p>
-            <a:r>
-              <a:rPr b="0" lang="ru-RU" sz="1400" spc="-1" strike="noStrike">
-                <a:latin typeface="Noto Sans Regular"/>
-              </a:rPr>
-              <a:t>&lt;дата/время&gt;</a:t>
-            </a:r>
-            <a:endParaRPr b="0" lang="ru-RU" sz="1400" spc="-1" strike="noStrike">
-              <a:latin typeface="Noto Sans Regular"/>
-            </a:endParaRPr>
-          </a:p>
-        </p:txBody>
-      </p:sp>
-      <p:sp>
-        <p:nvSpPr>
-          <p:cNvPr id="3" name="PlaceHolder 4"/>
-          <p:cNvSpPr>
-            <a:spLocks noGrp="1"/>
-          </p:cNvSpPr>
-          <p:nvPr>
-            <p:ph type="ftr"/>
-          </p:nvPr>
-        </p:nvSpPr>
-        <p:spPr>
-          <a:xfrm>
-            <a:off x="3420000" y="5220000"/>
-            <a:ext cx="3240000" cy="396000"/>
-          </a:xfrm>
-          <a:prstGeom prst="rect">
-            <a:avLst/>
-          </a:prstGeom>
-        </p:spPr>
-        <p:txBody>
-          <a:bodyPr lIns="0" rIns="0" tIns="0" bIns="0">
-            <a:noAutofit/>
-          </a:bodyPr>
-          <a:p>
-            <a:pPr algn="ctr"/>
-            <a:r>
-              <a:rPr b="0" lang="ru-RU" sz="1400" spc="-1" strike="noStrike">
-                <a:latin typeface="Noto Sans Regular"/>
-              </a:rPr>
-              <a:t>&lt;нижний колонтитул&gt;</a:t>
-            </a:r>
-            <a:endParaRPr b="0" lang="ru-RU" sz="1400" spc="-1" strike="noStrike">
-              <a:latin typeface="Noto Sans Regular"/>
-            </a:endParaRPr>
-          </a:p>
-        </p:txBody>
-      </p:sp>
-      <p:sp>
-        <p:nvSpPr>
-          <p:cNvPr id="4" name="PlaceHolder 5"/>
-          <p:cNvSpPr>
-            <a:spLocks noGrp="1"/>
-          </p:cNvSpPr>
-          <p:nvPr>
-            <p:ph type="sldNum"/>
-          </p:nvPr>
-        </p:nvSpPr>
-        <p:spPr>
-          <a:xfrm>
-            <a:off x="7200000" y="5220000"/>
-            <a:ext cx="2340000" cy="396000"/>
-          </a:xfrm>
-          <a:prstGeom prst="rect">
-            <a:avLst/>
-          </a:prstGeom>
-        </p:spPr>
-        <p:txBody>
-          <a:bodyPr lIns="0" rIns="0" tIns="0" bIns="0">
-            <a:noAutofit/>
-          </a:bodyPr>
-          <a:p>
-            <a:pPr algn="r"/>
-            <a:fld id="{4DF2A485-E69A-4466-BD46-93EAD9A8D666}" type="slidenum">
-              <a:rPr b="0" lang="ru-RU" sz="1400" spc="-1" strike="noStrike">
-                <a:latin typeface="Noto Sans Regular"/>
-              </a:rPr>
-              <a:t>&lt;номер&gt;</a:t>
-            </a:fld>
-            <a:r>
-              <a:rPr b="0" lang="ru-RU" sz="1400" spc="-1" strike="noStrike">
-                <a:latin typeface="Noto Sans Regular"/>
-              </a:rPr>
-              <a:t> / </a:t>
-            </a:r>
-            <a:fld id="{ED767394-01E2-46D8-A790-FB7CA4F134C4}" type="slidecount">
-              <a:rPr b="0" lang="ru-RU" sz="1400" spc="-1" strike="noStrike">
-                <a:latin typeface="Noto Sans Regular"/>
-              </a:rPr>
-              <a:t>&lt;число&gt;</a:t>
-            </a:fld>
-            <a:endParaRPr b="0" lang="ru-RU" sz="1400" spc="-1" strike="noStrike">
-              <a:latin typeface="Noto Sans Regular"/>
-            </a:endParaRPr>
-          </a:p>
-        </p:txBody>
-      </p:sp>
-      <p:sp>
-        <p:nvSpPr>
-          <p:cNvPr id="5" name=""/>
-          <p:cNvSpPr/>
-          <p:nvPr/>
-        </p:nvSpPr>
-        <p:spPr>
-          <a:xfrm>
-            <a:off x="0" y="3060000"/>
-            <a:ext cx="540000" cy="1080000"/>
-          </a:xfrm>
-          <a:prstGeom prst="rect">
-            <a:avLst/>
-          </a:prstGeom>
-          <a:solidFill>
-            <a:srgbClr val="f10d0c"/>
-          </a:solidFill>
-          <a:ln w="10800">
-            <a:noFill/>
-          </a:ln>
-        </p:spPr>
-        <p:style>
-          <a:lnRef idx="0"/>
-          <a:fillRef idx="0"/>
-          <a:effectRef idx="0"/>
-          <a:fontRef idx="minor"/>
-        </p:style>
+            <a:endParaRPr b="0" lang="en-US" sz="2000" spc="-1" strike="noStrike">
+              <a:latin typeface="Arial"/>
+            </a:endParaRPr>
+          </a:p>
+        </p:txBody>
       </p:sp>
     </p:spTree>
   </p:cSld>
@@ -3385,7 +4388,35 @@
       </p:grpSpPr>
       <p:sp>
         <p:nvSpPr>
-          <p:cNvPr id="42" name="PlaceHolder 1"/>
+          <p:cNvPr id="39" name="CustomShape 1"/>
+          <p:cNvSpPr/>
+          <p:nvPr/>
+        </p:nvSpPr>
+        <p:spPr>
+          <a:xfrm>
+            <a:off x="0" y="180000"/>
+            <a:ext cx="539640" cy="1079640"/>
+          </a:xfrm>
+          <a:prstGeom prst="rect">
+            <a:avLst/>
+          </a:prstGeom>
+          <a:solidFill>
+            <a:srgbClr val="ef2929"/>
+          </a:solidFill>
+          <a:ln w="0">
+            <a:noFill/>
+          </a:ln>
+        </p:spPr>
+        <p:style>
+          <a:lnRef idx="0"/>
+          <a:fillRef idx="0"/>
+          <a:effectRef idx="0"/>
+          <a:fontRef idx="minor"/>
+        </p:style>
+      </p:sp>
+      <p:sp>
+        <p:nvSpPr>
+          <p:cNvPr id="40" name="PlaceHolder 2"/>
           <p:cNvSpPr>
             <a:spLocks noGrp="1"/>
           </p:cNvSpPr>
@@ -3395,8 +4426,8 @@
         </p:nvSpPr>
         <p:spPr>
           <a:xfrm>
-            <a:off x="720000" y="180000"/>
-            <a:ext cx="9000000" cy="1080000"/>
+            <a:off x="720000" y="148320"/>
+            <a:ext cx="8999640" cy="1143360"/>
           </a:xfrm>
           <a:prstGeom prst="rect">
             <a:avLst/>
@@ -3408,26 +4439,20 @@
           </a:bodyPr>
           <a:p>
             <a:r>
-              <a:rPr b="1" lang="ru-RU" sz="3300" spc="-1" strike="noStrike">
-                <a:solidFill>
-                  <a:srgbClr val="333333"/>
-                </a:solidFill>
-                <a:latin typeface="Noto Sans Regular"/>
+              <a:rPr b="0" lang="en-US" sz="1800" spc="-1" strike="noStrike">
+                <a:latin typeface="Arial"/>
               </a:rPr>
-              <a:t>Для правки текста заглавия щёлкните мышью</a:t>
+              <a:t>Click to edit the title text format</a:t>
             </a:r>
-            <a:endParaRPr b="1" lang="ru-RU" sz="3300" spc="-1" strike="noStrike">
-              <a:solidFill>
-                <a:srgbClr val="333333"/>
-              </a:solidFill>
-              <a:latin typeface="Noto Sans Regular"/>
-            </a:endParaRPr>
-          </a:p>
-        </p:txBody>
-      </p:sp>
-      <p:sp>
-        <p:nvSpPr>
-          <p:cNvPr id="43" name="PlaceHolder 2"/>
+            <a:endParaRPr b="0" lang="en-US" sz="1800" spc="-1" strike="noStrike">
+              <a:latin typeface="Arial"/>
+            </a:endParaRPr>
+          </a:p>
+        </p:txBody>
+      </p:sp>
+      <p:sp>
+        <p:nvSpPr>
+          <p:cNvPr id="41" name="PlaceHolder 3"/>
           <p:cNvSpPr>
             <a:spLocks noGrp="1"/>
           </p:cNvSpPr>
@@ -3438,7 +4463,7 @@
         <p:spPr>
           <a:xfrm>
             <a:off x="720000" y="1440000"/>
-            <a:ext cx="9000000" cy="3420000"/>
+            <a:ext cx="8999640" cy="3419640"/>
           </a:xfrm>
           <a:prstGeom prst="rect">
             <a:avLst/>
@@ -3450,351 +4475,159 @@
           </a:bodyPr>
           <a:p>
             <a:pPr marL="432000" indent="-324000">
-              <a:spcAft>
-                <a:spcPts val="1060"/>
-              </a:spcAft>
+              <a:spcBef>
+                <a:spcPts val="1417"/>
+              </a:spcBef>
               <a:buClr>
-                <a:srgbClr val="ef2929"/>
+                <a:srgbClr val="000000"/>
               </a:buClr>
               <a:buSzPct val="45000"/>
               <a:buFont typeface="Wingdings" charset="2"/>
               <a:buChar char=""/>
             </a:pPr>
             <a:r>
-              <a:rPr b="0" lang="ru-RU" sz="2100" spc="-1" strike="noStrike">
-                <a:solidFill>
-                  <a:srgbClr val="333333"/>
-                </a:solidFill>
-                <a:latin typeface="Noto Sans Regular"/>
+              <a:rPr b="0" lang="en-US" sz="1800" spc="-1" strike="noStrike">
+                <a:latin typeface="Arial"/>
               </a:rPr>
-              <a:t>Для правки структуры щёлкните мышью</a:t>
+              <a:t>Click to edit the outline text format</a:t>
             </a:r>
-            <a:endParaRPr b="0" lang="ru-RU" sz="2100" spc="-1" strike="noStrike">
-              <a:solidFill>
-                <a:srgbClr val="333333"/>
-              </a:solidFill>
-              <a:latin typeface="Noto Sans Regular"/>
+            <a:endParaRPr b="0" lang="en-US" sz="1800" spc="-1" strike="noStrike">
+              <a:latin typeface="Arial"/>
             </a:endParaRPr>
           </a:p>
           <a:p>
             <a:pPr lvl="1" marL="864000" indent="-324000">
-              <a:spcAft>
-                <a:spcPts val="850"/>
-              </a:spcAft>
+              <a:spcBef>
+                <a:spcPts val="1134"/>
+              </a:spcBef>
               <a:buClr>
-                <a:srgbClr val="ef2929"/>
+                <a:srgbClr val="000000"/>
               </a:buClr>
               <a:buSzPct val="75000"/>
               <a:buFont typeface="Symbol" charset="2"/>
               <a:buChar char=""/>
             </a:pPr>
             <a:r>
-              <a:rPr b="0" lang="ru-RU" sz="2100" spc="-1" strike="noStrike">
-                <a:solidFill>
-                  <a:srgbClr val="333333"/>
-                </a:solidFill>
-                <a:latin typeface="Noto Sans Regular"/>
+              <a:rPr b="0" lang="en-US" sz="1800" spc="-1" strike="noStrike">
+                <a:latin typeface="Arial"/>
               </a:rPr>
-              <a:t>Второй уровень структуры</a:t>
+              <a:t>Second Outline Level</a:t>
             </a:r>
-            <a:endParaRPr b="0" lang="ru-RU" sz="2100" spc="-1" strike="noStrike">
-              <a:solidFill>
-                <a:srgbClr val="333333"/>
-              </a:solidFill>
-              <a:latin typeface="Noto Sans Regular"/>
+            <a:endParaRPr b="0" lang="en-US" sz="1800" spc="-1" strike="noStrike">
+              <a:latin typeface="Arial"/>
             </a:endParaRPr>
           </a:p>
           <a:p>
             <a:pPr lvl="2" marL="1296000" indent="-288000">
-              <a:spcAft>
-                <a:spcPts val="632"/>
-              </a:spcAft>
+              <a:spcBef>
+                <a:spcPts val="850"/>
+              </a:spcBef>
               <a:buClr>
-                <a:srgbClr val="ef2929"/>
+                <a:srgbClr val="000000"/>
               </a:buClr>
               <a:buSzPct val="45000"/>
               <a:buFont typeface="Wingdings" charset="2"/>
               <a:buChar char=""/>
             </a:pPr>
             <a:r>
-              <a:rPr b="0" lang="ru-RU" sz="2100" spc="-1" strike="noStrike">
-                <a:solidFill>
-                  <a:srgbClr val="333333"/>
-                </a:solidFill>
-                <a:latin typeface="Noto Sans Regular"/>
+              <a:rPr b="0" lang="en-US" sz="1800" spc="-1" strike="noStrike">
+                <a:latin typeface="Arial"/>
               </a:rPr>
-              <a:t>Третий уровень структуры</a:t>
+              <a:t>Third Outline Level</a:t>
             </a:r>
-            <a:endParaRPr b="0" lang="ru-RU" sz="2100" spc="-1" strike="noStrike">
-              <a:solidFill>
-                <a:srgbClr val="333333"/>
-              </a:solidFill>
-              <a:latin typeface="Noto Sans Regular"/>
+            <a:endParaRPr b="0" lang="en-US" sz="1800" spc="-1" strike="noStrike">
+              <a:latin typeface="Arial"/>
             </a:endParaRPr>
           </a:p>
           <a:p>
             <a:pPr lvl="3" marL="1728000" indent="-216000">
-              <a:spcAft>
-                <a:spcPts val="425"/>
-              </a:spcAft>
+              <a:spcBef>
+                <a:spcPts val="567"/>
+              </a:spcBef>
               <a:buClr>
-                <a:srgbClr val="ef2929"/>
+                <a:srgbClr val="000000"/>
               </a:buClr>
               <a:buSzPct val="75000"/>
               <a:buFont typeface="Symbol" charset="2"/>
               <a:buChar char=""/>
             </a:pPr>
             <a:r>
-              <a:rPr b="0" lang="ru-RU" sz="2100" spc="-1" strike="noStrike">
-                <a:solidFill>
-                  <a:srgbClr val="333333"/>
-                </a:solidFill>
-                <a:latin typeface="Noto Sans Regular"/>
+              <a:rPr b="0" lang="en-US" sz="1800" spc="-1" strike="noStrike">
+                <a:latin typeface="Arial"/>
               </a:rPr>
-              <a:t>Четвёртый уровень структуры</a:t>
+              <a:t>Fourth Outline Level</a:t>
             </a:r>
-            <a:endParaRPr b="0" lang="ru-RU" sz="2100" spc="-1" strike="noStrike">
-              <a:solidFill>
-                <a:srgbClr val="333333"/>
-              </a:solidFill>
-              <a:latin typeface="Noto Sans Regular"/>
+            <a:endParaRPr b="0" lang="en-US" sz="1800" spc="-1" strike="noStrike">
+              <a:latin typeface="Arial"/>
             </a:endParaRPr>
           </a:p>
           <a:p>
             <a:pPr lvl="4" marL="2160000" indent="-216000">
-              <a:spcAft>
-                <a:spcPts val="213"/>
-              </a:spcAft>
+              <a:spcBef>
+                <a:spcPts val="283"/>
+              </a:spcBef>
               <a:buClr>
-                <a:srgbClr val="ef2929"/>
+                <a:srgbClr val="000000"/>
               </a:buClr>
               <a:buSzPct val="45000"/>
               <a:buFont typeface="Wingdings" charset="2"/>
               <a:buChar char=""/>
             </a:pPr>
             <a:r>
-              <a:rPr b="0" lang="ru-RU" sz="2100" spc="-1" strike="noStrike">
-                <a:solidFill>
-                  <a:srgbClr val="333333"/>
-                </a:solidFill>
-                <a:latin typeface="Noto Sans Regular"/>
+              <a:rPr b="0" lang="en-US" sz="1800" spc="-1" strike="noStrike">
+                <a:latin typeface="Arial"/>
               </a:rPr>
-              <a:t>Пятый уровень структуры</a:t>
+              <a:t>Fifth Outline Level</a:t>
             </a:r>
-            <a:endParaRPr b="0" lang="ru-RU" sz="2100" spc="-1" strike="noStrike">
-              <a:solidFill>
-                <a:srgbClr val="333333"/>
-              </a:solidFill>
-              <a:latin typeface="Noto Sans Regular"/>
+            <a:endParaRPr b="0" lang="en-US" sz="1800" spc="-1" strike="noStrike">
+              <a:latin typeface="Arial"/>
             </a:endParaRPr>
           </a:p>
           <a:p>
             <a:pPr lvl="5" marL="2592000" indent="-216000">
-              <a:spcAft>
-                <a:spcPts val="213"/>
-              </a:spcAft>
+              <a:spcBef>
+                <a:spcPts val="283"/>
+              </a:spcBef>
               <a:buClr>
-                <a:srgbClr val="ef2929"/>
+                <a:srgbClr val="000000"/>
               </a:buClr>
               <a:buSzPct val="45000"/>
               <a:buFont typeface="Wingdings" charset="2"/>
               <a:buChar char=""/>
             </a:pPr>
             <a:r>
-              <a:rPr b="0" lang="ru-RU" sz="2100" spc="-1" strike="noStrike">
-                <a:solidFill>
-                  <a:srgbClr val="333333"/>
-                </a:solidFill>
-                <a:latin typeface="Noto Sans Regular"/>
+              <a:rPr b="0" lang="en-US" sz="1800" spc="-1" strike="noStrike">
+                <a:latin typeface="Arial"/>
               </a:rPr>
-              <a:t>Шестой уровень структуры</a:t>
+              <a:t>Sixth Outline Level</a:t>
             </a:r>
-            <a:endParaRPr b="0" lang="ru-RU" sz="2100" spc="-1" strike="noStrike">
-              <a:solidFill>
-                <a:srgbClr val="333333"/>
-              </a:solidFill>
-              <a:latin typeface="Noto Sans Regular"/>
+            <a:endParaRPr b="0" lang="en-US" sz="1800" spc="-1" strike="noStrike">
+              <a:latin typeface="Arial"/>
             </a:endParaRPr>
           </a:p>
           <a:p>
             <a:pPr lvl="6" marL="3024000" indent="-216000">
-              <a:spcAft>
-                <a:spcPts val="213"/>
-              </a:spcAft>
+              <a:spcBef>
+                <a:spcPts val="283"/>
+              </a:spcBef>
               <a:buClr>
-                <a:srgbClr val="ef2929"/>
+                <a:srgbClr val="000000"/>
               </a:buClr>
               <a:buSzPct val="45000"/>
               <a:buFont typeface="Wingdings" charset="2"/>
               <a:buChar char=""/>
             </a:pPr>
             <a:r>
-              <a:rPr b="0" lang="ru-RU" sz="2100" spc="-1" strike="noStrike">
-                <a:solidFill>
-                  <a:srgbClr val="333333"/>
-                </a:solidFill>
-                <a:latin typeface="Noto Sans Regular"/>
+              <a:rPr b="0" lang="en-US" sz="1800" spc="-1" strike="noStrike">
+                <a:latin typeface="Arial"/>
               </a:rPr>
-              <a:t>Седьмой уровень структуры</a:t>
+              <a:t>Seventh Outline Level</a:t>
             </a:r>
-            <a:endParaRPr b="0" lang="ru-RU" sz="2100" spc="-1" strike="noStrike">
-              <a:solidFill>
-                <a:srgbClr val="333333"/>
-              </a:solidFill>
-              <a:latin typeface="Noto Sans Regular"/>
-            </a:endParaRPr>
-          </a:p>
-        </p:txBody>
-      </p:sp>
-      <p:sp>
-        <p:nvSpPr>
-          <p:cNvPr id="44" name="PlaceHolder 3"/>
-          <p:cNvSpPr>
-            <a:spLocks noGrp="1"/>
-          </p:cNvSpPr>
-          <p:nvPr>
-            <p:ph type="dt"/>
-          </p:nvPr>
-        </p:nvSpPr>
-        <p:spPr>
-          <a:xfrm>
-            <a:off x="540000" y="5220000"/>
-            <a:ext cx="2340000" cy="396000"/>
-          </a:xfrm>
-          <a:prstGeom prst="rect">
-            <a:avLst/>
-          </a:prstGeom>
-        </p:spPr>
-        <p:txBody>
-          <a:bodyPr lIns="0" rIns="0" tIns="0" bIns="0">
-            <a:noAutofit/>
-          </a:bodyPr>
-          <a:p>
-            <a:r>
-              <a:rPr b="0" lang="ru-RU" sz="1400" spc="-1" strike="noStrike">
-                <a:latin typeface="Noto Sans Regular"/>
-              </a:rPr>
-              <a:t>&lt;дата/время&gt;</a:t>
-            </a:r>
-            <a:endParaRPr b="0" lang="ru-RU" sz="1400" spc="-1" strike="noStrike">
-              <a:latin typeface="Noto Sans Regular"/>
-            </a:endParaRPr>
-          </a:p>
-        </p:txBody>
-      </p:sp>
-      <p:sp>
-        <p:nvSpPr>
-          <p:cNvPr id="45" name="PlaceHolder 4"/>
-          <p:cNvSpPr>
-            <a:spLocks noGrp="1"/>
-          </p:cNvSpPr>
-          <p:nvPr>
-            <p:ph type="ftr"/>
-          </p:nvPr>
-        </p:nvSpPr>
-        <p:spPr>
-          <a:xfrm>
-            <a:off x="3420000" y="5220000"/>
-            <a:ext cx="3240000" cy="396000"/>
-          </a:xfrm>
-          <a:prstGeom prst="rect">
-            <a:avLst/>
-          </a:prstGeom>
-        </p:spPr>
-        <p:txBody>
-          <a:bodyPr lIns="0" rIns="0" tIns="0" bIns="0">
-            <a:noAutofit/>
-          </a:bodyPr>
-          <a:p>
-            <a:pPr algn="ctr"/>
-            <a:r>
-              <a:rPr b="0" lang="ru-RU" sz="1400" spc="-1" strike="noStrike">
-                <a:latin typeface="Noto Sans Regular"/>
-              </a:rPr>
-              <a:t>&lt;нижний колонтитул&gt;</a:t>
-            </a:r>
-            <a:endParaRPr b="0" lang="ru-RU" sz="1400" spc="-1" strike="noStrike">
-              <a:latin typeface="Noto Sans Regular"/>
-            </a:endParaRPr>
-          </a:p>
-        </p:txBody>
-      </p:sp>
-      <p:sp>
-        <p:nvSpPr>
-          <p:cNvPr id="46" name="PlaceHolder 5"/>
-          <p:cNvSpPr>
-            <a:spLocks noGrp="1"/>
-          </p:cNvSpPr>
-          <p:nvPr>
-            <p:ph type="sldNum"/>
-          </p:nvPr>
-        </p:nvSpPr>
-        <p:spPr>
-          <a:xfrm>
-            <a:off x="7200000" y="5220000"/>
-            <a:ext cx="2340000" cy="396000"/>
-          </a:xfrm>
-          <a:prstGeom prst="rect">
-            <a:avLst/>
-          </a:prstGeom>
-        </p:spPr>
-        <p:txBody>
-          <a:bodyPr lIns="0" rIns="0" tIns="0" bIns="0">
-            <a:noAutofit/>
-          </a:bodyPr>
-          <a:p>
-            <a:pPr algn="r"/>
-            <a:fld id="{848B9119-2E21-4EF9-B58D-20603BA5028A}" type="slidenum">
-              <a:rPr b="0" lang="ru-RU" sz="1400" spc="-1" strike="noStrike">
-                <a:latin typeface="Noto Sans Regular"/>
-              </a:rPr>
-              <a:t>&lt;номер&gt;</a:t>
-            </a:fld>
-            <a:r>
-              <a:rPr b="0" lang="ru-RU" sz="1400" spc="-1" strike="noStrike">
-                <a:latin typeface="Noto Sans Regular"/>
-              </a:rPr>
-              <a:t> / </a:t>
-            </a:r>
-            <a:fld id="{B68DFC33-C574-4BE6-9214-1C45260C0CE1}" type="slidecount">
-              <a:rPr b="0" lang="ru-RU" sz="1400" spc="-1" strike="noStrike">
-                <a:latin typeface="Noto Sans Regular"/>
-              </a:rPr>
-              <a:t>8</a:t>
-            </a:fld>
-            <a:endParaRPr b="0" lang="ru-RU" sz="1400" spc="-1" strike="noStrike">
-              <a:latin typeface="Noto Sans Regular"/>
-            </a:endParaRPr>
-          </a:p>
-        </p:txBody>
-      </p:sp>
-      <p:sp>
-        <p:nvSpPr>
-          <p:cNvPr id="47" name=""/>
-          <p:cNvSpPr/>
-          <p:nvPr/>
-        </p:nvSpPr>
-        <p:spPr>
-          <a:xfrm>
-            <a:off x="0" y="180000"/>
-            <a:ext cx="540000" cy="1080000"/>
-          </a:xfrm>
-          <a:prstGeom prst="rect">
-            <a:avLst/>
-          </a:prstGeom>
-          <a:solidFill>
-            <a:srgbClr val="ef2929"/>
-          </a:solidFill>
-          <a:ln w="0">
-            <a:noFill/>
-          </a:ln>
-        </p:spPr>
-        <p:style>
-          <a:lnRef idx="0"/>
-          <a:fillRef idx="0"/>
-          <a:effectRef idx="0"/>
-          <a:fontRef idx="minor"/>
-        </p:style>
+            <a:endParaRPr b="0" lang="en-US" sz="1800" spc="-1" strike="noStrike">
+              <a:latin typeface="Arial"/>
+            </a:endParaRPr>
+          </a:p>
+        </p:txBody>
       </p:sp>
     </p:spTree>
   </p:cSld>
@@ -3812,6 +4645,393 @@
     <p:sldLayoutId id="2147483671" r:id="rId11"/>
     <p:sldLayoutId id="2147483672" r:id="rId12"/>
     <p:sldLayoutId id="2147483673" r:id="rId13"/>
+  </p:sldLayoutIdLst>
+</p:sldMaster>
+</file>
+
+<file path=ppt/slideMasters/slideMaster3.xml><?xml version="1.0" encoding="utf-8"?>
+<p:sldMaster xmlns:a="http://schemas.openxmlformats.org/drawingml/2006/main" xmlns:p="http://schemas.openxmlformats.org/presentationml/2006/main" xmlns:r="http://schemas.openxmlformats.org/officeDocument/2006/relationships" xmlns:p14="http://schemas.microsoft.com/office/powerpoint/2010/main" xmlns:p15="http://schemas.microsoft.com/office/powerpoint/2012/main" xmlns:mc="http://schemas.openxmlformats.org/markup-compatibility/2006">
+  <p:cSld>
+    <p:spTree>
+      <p:nvGrpSpPr>
+        <p:cNvPr id="1" name=""/>
+        <p:cNvGrpSpPr/>
+        <p:nvPr/>
+      </p:nvGrpSpPr>
+      <p:grpSpPr>
+        <a:xfrm>
+          <a:off x="0" y="0"/>
+          <a:ext cx="0" cy="0"/>
+          <a:chOff x="0" y="0"/>
+          <a:chExt cx="0" cy="0"/>
+        </a:xfrm>
+      </p:grpSpPr>
+      <p:sp>
+        <p:nvSpPr>
+          <p:cNvPr id="78" name="PlaceHolder 1"/>
+          <p:cNvSpPr>
+            <a:spLocks noGrp="1"/>
+          </p:cNvSpPr>
+          <p:nvPr>
+            <p:ph type="title"/>
+          </p:nvPr>
+        </p:nvSpPr>
+        <p:spPr>
+          <a:xfrm>
+            <a:off x="504000" y="226080"/>
+            <a:ext cx="9072360" cy="946440"/>
+          </a:xfrm>
+          <a:prstGeom prst="rect">
+            <a:avLst/>
+          </a:prstGeom>
+        </p:spPr>
+        <p:txBody>
+          <a:bodyPr lIns="0" rIns="0" tIns="0" bIns="0" anchor="ctr">
+            <a:noAutofit/>
+          </a:bodyPr>
+          <a:p>
+            <a:pPr algn="ctr"/>
+            <a:r>
+              <a:rPr b="0" lang="en-US" sz="4400" spc="-1" strike="noStrike">
+                <a:latin typeface="Arial"/>
+              </a:rPr>
+              <a:t>Click to edit the title text format</a:t>
+            </a:r>
+            <a:endParaRPr b="0" lang="en-US" sz="4400" spc="-1" strike="noStrike">
+              <a:latin typeface="Arial"/>
+            </a:endParaRPr>
+          </a:p>
+        </p:txBody>
+      </p:sp>
+      <p:sp>
+        <p:nvSpPr>
+          <p:cNvPr id="79" name="PlaceHolder 2"/>
+          <p:cNvSpPr>
+            <a:spLocks noGrp="1"/>
+          </p:cNvSpPr>
+          <p:nvPr>
+            <p:ph type="body"/>
+          </p:nvPr>
+        </p:nvSpPr>
+        <p:spPr>
+          <a:xfrm>
+            <a:off x="504000" y="1326600"/>
+            <a:ext cx="9072360" cy="3288600"/>
+          </a:xfrm>
+          <a:prstGeom prst="rect">
+            <a:avLst/>
+          </a:prstGeom>
+        </p:spPr>
+        <p:txBody>
+          <a:bodyPr lIns="0" rIns="0" tIns="0" bIns="0">
+            <a:noAutofit/>
+          </a:bodyPr>
+          <a:p>
+            <a:pPr marL="432000" indent="-324000">
+              <a:spcBef>
+                <a:spcPts val="1414"/>
+              </a:spcBef>
+              <a:buClr>
+                <a:srgbClr val="000000"/>
+              </a:buClr>
+              <a:buSzPct val="45000"/>
+              <a:buFont typeface="Wingdings" charset="2"/>
+              <a:buChar char=""/>
+            </a:pPr>
+            <a:r>
+              <a:rPr b="0" lang="en-US" sz="3200" spc="-1" strike="noStrike">
+                <a:latin typeface="Arial"/>
+              </a:rPr>
+              <a:t>Click to edit the </a:t>
+            </a:r>
+            <a:r>
+              <a:rPr b="0" lang="en-US" sz="3200" spc="-1" strike="noStrike">
+                <a:latin typeface="Arial"/>
+              </a:rPr>
+              <a:t>outline text format</a:t>
+            </a:r>
+            <a:endParaRPr b="0" lang="en-US" sz="3200" spc="-1" strike="noStrike">
+              <a:latin typeface="Arial"/>
+            </a:endParaRPr>
+          </a:p>
+          <a:p>
+            <a:pPr lvl="1" marL="864000" indent="-324000">
+              <a:spcBef>
+                <a:spcPts val="1134"/>
+              </a:spcBef>
+              <a:buClr>
+                <a:srgbClr val="000000"/>
+              </a:buClr>
+              <a:buSzPct val="75000"/>
+              <a:buFont typeface="Symbol" charset="2"/>
+              <a:buChar char=""/>
+            </a:pPr>
+            <a:r>
+              <a:rPr b="0" lang="en-US" sz="2800" spc="-1" strike="noStrike">
+                <a:latin typeface="Arial"/>
+              </a:rPr>
+              <a:t>Second Outline Level</a:t>
+            </a:r>
+            <a:endParaRPr b="0" lang="en-US" sz="2800" spc="-1" strike="noStrike">
+              <a:latin typeface="Arial"/>
+            </a:endParaRPr>
+          </a:p>
+          <a:p>
+            <a:pPr lvl="2" marL="1296000" indent="-288000">
+              <a:spcBef>
+                <a:spcPts val="850"/>
+              </a:spcBef>
+              <a:buClr>
+                <a:srgbClr val="000000"/>
+              </a:buClr>
+              <a:buSzPct val="45000"/>
+              <a:buFont typeface="Wingdings" charset="2"/>
+              <a:buChar char=""/>
+            </a:pPr>
+            <a:r>
+              <a:rPr b="0" lang="en-US" sz="2400" spc="-1" strike="noStrike">
+                <a:latin typeface="Arial"/>
+              </a:rPr>
+              <a:t>Third Outline Level</a:t>
+            </a:r>
+            <a:endParaRPr b="0" lang="en-US" sz="2400" spc="-1" strike="noStrike">
+              <a:latin typeface="Arial"/>
+            </a:endParaRPr>
+          </a:p>
+          <a:p>
+            <a:pPr lvl="3" marL="1728000" indent="-216000">
+              <a:spcBef>
+                <a:spcPts val="567"/>
+              </a:spcBef>
+              <a:buClr>
+                <a:srgbClr val="000000"/>
+              </a:buClr>
+              <a:buSzPct val="75000"/>
+              <a:buFont typeface="Symbol" charset="2"/>
+              <a:buChar char=""/>
+            </a:pPr>
+            <a:r>
+              <a:rPr b="0" lang="en-US" sz="2000" spc="-1" strike="noStrike">
+                <a:latin typeface="Arial"/>
+              </a:rPr>
+              <a:t>Fourth Outline Level</a:t>
+            </a:r>
+            <a:endParaRPr b="0" lang="en-US" sz="2000" spc="-1" strike="noStrike">
+              <a:latin typeface="Arial"/>
+            </a:endParaRPr>
+          </a:p>
+          <a:p>
+            <a:pPr lvl="4" marL="2160000" indent="-216000">
+              <a:spcBef>
+                <a:spcPts val="283"/>
+              </a:spcBef>
+              <a:buClr>
+                <a:srgbClr val="000000"/>
+              </a:buClr>
+              <a:buSzPct val="45000"/>
+              <a:buFont typeface="Wingdings" charset="2"/>
+              <a:buChar char=""/>
+            </a:pPr>
+            <a:r>
+              <a:rPr b="0" lang="en-US" sz="2000" spc="-1" strike="noStrike">
+                <a:latin typeface="Arial"/>
+              </a:rPr>
+              <a:t>Fifth Outline Level</a:t>
+            </a:r>
+            <a:endParaRPr b="0" lang="en-US" sz="2000" spc="-1" strike="noStrike">
+              <a:latin typeface="Arial"/>
+            </a:endParaRPr>
+          </a:p>
+          <a:p>
+            <a:pPr lvl="5" marL="2592000" indent="-216000">
+              <a:spcBef>
+                <a:spcPts val="283"/>
+              </a:spcBef>
+              <a:buClr>
+                <a:srgbClr val="000000"/>
+              </a:buClr>
+              <a:buSzPct val="45000"/>
+              <a:buFont typeface="Wingdings" charset="2"/>
+              <a:buChar char=""/>
+            </a:pPr>
+            <a:r>
+              <a:rPr b="0" lang="en-US" sz="2000" spc="-1" strike="noStrike">
+                <a:latin typeface="Arial"/>
+              </a:rPr>
+              <a:t>Sixth Outline </a:t>
+            </a:r>
+            <a:r>
+              <a:rPr b="0" lang="en-US" sz="2000" spc="-1" strike="noStrike">
+                <a:latin typeface="Arial"/>
+              </a:rPr>
+              <a:t>Level</a:t>
+            </a:r>
+            <a:endParaRPr b="0" lang="en-US" sz="2000" spc="-1" strike="noStrike">
+              <a:latin typeface="Arial"/>
+            </a:endParaRPr>
+          </a:p>
+          <a:p>
+            <a:pPr lvl="6" marL="3024000" indent="-216000">
+              <a:spcBef>
+                <a:spcPts val="283"/>
+              </a:spcBef>
+              <a:buClr>
+                <a:srgbClr val="000000"/>
+              </a:buClr>
+              <a:buSzPct val="45000"/>
+              <a:buFont typeface="Wingdings" charset="2"/>
+              <a:buChar char=""/>
+            </a:pPr>
+            <a:r>
+              <a:rPr b="0" lang="en-US" sz="2000" spc="-1" strike="noStrike">
+                <a:latin typeface="Arial"/>
+              </a:rPr>
+              <a:t>Seventh </a:t>
+            </a:r>
+            <a:r>
+              <a:rPr b="0" lang="en-US" sz="2000" spc="-1" strike="noStrike">
+                <a:latin typeface="Arial"/>
+              </a:rPr>
+              <a:t>Outline </a:t>
+            </a:r>
+            <a:r>
+              <a:rPr b="0" lang="en-US" sz="2000" spc="-1" strike="noStrike">
+                <a:latin typeface="Arial"/>
+              </a:rPr>
+              <a:t>Level</a:t>
+            </a:r>
+            <a:endParaRPr b="0" lang="en-US" sz="2000" spc="-1" strike="noStrike">
+              <a:latin typeface="Arial"/>
+            </a:endParaRPr>
+          </a:p>
+        </p:txBody>
+      </p:sp>
+      <p:sp>
+        <p:nvSpPr>
+          <p:cNvPr id="80" name="PlaceHolder 3"/>
+          <p:cNvSpPr>
+            <a:spLocks noGrp="1"/>
+          </p:cNvSpPr>
+          <p:nvPr>
+            <p:ph type="dt"/>
+          </p:nvPr>
+        </p:nvSpPr>
+        <p:spPr>
+          <a:xfrm>
+            <a:off x="504000" y="5165640"/>
+            <a:ext cx="2348280" cy="390600"/>
+          </a:xfrm>
+          <a:prstGeom prst="rect">
+            <a:avLst/>
+          </a:prstGeom>
+        </p:spPr>
+        <p:txBody>
+          <a:bodyPr lIns="0" rIns="0" tIns="0" bIns="0">
+            <a:noAutofit/>
+          </a:bodyPr>
+          <a:p>
+            <a:r>
+              <a:rPr b="0" lang="en-US" sz="1400" spc="-1" strike="noStrike">
+                <a:latin typeface="Times New Roman"/>
+              </a:rPr>
+              <a:t>&lt;date/time&gt;</a:t>
+            </a:r>
+            <a:endParaRPr b="0" lang="en-US" sz="1400" spc="-1" strike="noStrike">
+              <a:latin typeface="Times New Roman"/>
+            </a:endParaRPr>
+          </a:p>
+        </p:txBody>
+      </p:sp>
+      <p:sp>
+        <p:nvSpPr>
+          <p:cNvPr id="81" name="PlaceHolder 4"/>
+          <p:cNvSpPr>
+            <a:spLocks noGrp="1"/>
+          </p:cNvSpPr>
+          <p:nvPr>
+            <p:ph type="ftr"/>
+          </p:nvPr>
+        </p:nvSpPr>
+        <p:spPr>
+          <a:xfrm>
+            <a:off x="3447360" y="5165640"/>
+            <a:ext cx="3195360" cy="390600"/>
+          </a:xfrm>
+          <a:prstGeom prst="rect">
+            <a:avLst/>
+          </a:prstGeom>
+        </p:spPr>
+        <p:txBody>
+          <a:bodyPr lIns="0" rIns="0" tIns="0" bIns="0">
+            <a:noAutofit/>
+          </a:bodyPr>
+          <a:p>
+            <a:pPr algn="ctr"/>
+            <a:r>
+              <a:rPr b="0" lang="en-US" sz="1400" spc="-1" strike="noStrike">
+                <a:latin typeface="Times New Roman"/>
+              </a:rPr>
+              <a:t>&lt;footer&gt;</a:t>
+            </a:r>
+            <a:endParaRPr b="0" lang="en-US" sz="1400" spc="-1" strike="noStrike">
+              <a:latin typeface="Times New Roman"/>
+            </a:endParaRPr>
+          </a:p>
+        </p:txBody>
+      </p:sp>
+      <p:sp>
+        <p:nvSpPr>
+          <p:cNvPr id="82" name="PlaceHolder 5"/>
+          <p:cNvSpPr>
+            <a:spLocks noGrp="1"/>
+          </p:cNvSpPr>
+          <p:nvPr>
+            <p:ph type="sldNum"/>
+          </p:nvPr>
+        </p:nvSpPr>
+        <p:spPr>
+          <a:xfrm>
+            <a:off x="7227720" y="5165640"/>
+            <a:ext cx="2348280" cy="390600"/>
+          </a:xfrm>
+          <a:prstGeom prst="rect">
+            <a:avLst/>
+          </a:prstGeom>
+        </p:spPr>
+        <p:txBody>
+          <a:bodyPr lIns="0" rIns="0" tIns="0" bIns="0">
+            <a:noAutofit/>
+          </a:bodyPr>
+          <a:p>
+            <a:pPr algn="r"/>
+            <a:fld id="{6FF0C668-3233-45C9-B404-0EAD8565CCDB}" type="slidenum">
+              <a:rPr b="0" lang="en-US" sz="1400" spc="-1" strike="noStrike">
+                <a:latin typeface="Times New Roman"/>
+              </a:rPr>
+              <a:t>&lt;number&gt;</a:t>
+            </a:fld>
+            <a:endParaRPr b="0" lang="en-US" sz="1400" spc="-1" strike="noStrike">
+              <a:latin typeface="Times New Roman"/>
+            </a:endParaRPr>
+          </a:p>
+        </p:txBody>
+      </p:sp>
+    </p:spTree>
+  </p:cSld>
+  <p:clrMap bg1="lt1" bg2="lt2" tx1="dk1" tx2="dk2" accent1="accent1" accent2="accent2" accent3="accent3" accent4="accent4" accent5="accent5" accent6="accent6" hlink="hlink" folHlink="folHlink"/>
+  <p:sldLayoutIdLst>
+    <p:sldLayoutId id="2147483675" r:id="rId2"/>
+    <p:sldLayoutId id="2147483676" r:id="rId3"/>
+    <p:sldLayoutId id="2147483677" r:id="rId4"/>
+    <p:sldLayoutId id="2147483678" r:id="rId5"/>
+    <p:sldLayoutId id="2147483679" r:id="rId6"/>
+    <p:sldLayoutId id="2147483680" r:id="rId7"/>
+    <p:sldLayoutId id="2147483681" r:id="rId8"/>
+    <p:sldLayoutId id="2147483682" r:id="rId9"/>
+    <p:sldLayoutId id="2147483683" r:id="rId10"/>
+    <p:sldLayoutId id="2147483684" r:id="rId11"/>
+    <p:sldLayoutId id="2147483685" r:id="rId12"/>
+    <p:sldLayoutId id="2147483686" r:id="rId13"/>
   </p:sldLayoutIdLst>
 </p:sldMaster>
 </file>
@@ -3835,14 +5055,14 @@
       </p:grpSpPr>
       <p:sp>
         <p:nvSpPr>
-          <p:cNvPr id="84" name=""/>
-          <p:cNvSpPr txBox="1"/>
+          <p:cNvPr id="119" name="CustomShape 1"/>
+          <p:cNvSpPr/>
           <p:nvPr/>
         </p:nvSpPr>
         <p:spPr>
           <a:xfrm>
-            <a:off x="720000" y="148320"/>
-            <a:ext cx="9000000" cy="1143720"/>
+            <a:off x="720000" y="1440000"/>
+            <a:ext cx="8999640" cy="3419640"/>
           </a:xfrm>
           <a:prstGeom prst="rect">
             <a:avLst/>
@@ -3852,30 +5072,47 @@
             <a:noFill/>
           </a:ln>
         </p:spPr>
-        <p:txBody>
-          <a:bodyPr lIns="0" rIns="0" tIns="0" bIns="0" anchor="ctr">
-            <a:noAutofit/>
-          </a:bodyPr>
-          <a:p>
-            <a:endParaRPr b="1" lang="ru-RU" sz="3300" spc="-1" strike="noStrike">
-              <a:solidFill>
-                <a:srgbClr val="333333"/>
-              </a:solidFill>
-              <a:latin typeface="Noto Sans Regular"/>
-            </a:endParaRPr>
-          </a:p>
-        </p:txBody>
-      </p:sp>
-      <p:sp>
-        <p:nvSpPr>
-          <p:cNvPr id="85" name=""/>
+        <p:style>
+          <a:lnRef idx="0"/>
+          <a:fillRef idx="0"/>
+          <a:effectRef idx="0"/>
+          <a:fontRef idx="minor"/>
+        </p:style>
+      </p:sp>
+      <p:pic>
+        <p:nvPicPr>
+          <p:cNvPr id="120" name="Рисунок 1" descr=""/>
+          <p:cNvPicPr/>
+          <p:nvPr/>
+        </p:nvPicPr>
+        <p:blipFill>
+          <a:blip r:embed="rId1"/>
+          <a:srcRect l="5897" t="10474" r="0" b="0"/>
+          <a:stretch/>
+        </p:blipFill>
+        <p:spPr>
+          <a:xfrm>
+            <a:off x="1600200" y="141120"/>
+            <a:ext cx="7315200" cy="2286000"/>
+          </a:xfrm>
+          <a:prstGeom prst="rect">
+            <a:avLst/>
+          </a:prstGeom>
+          <a:ln w="0">
+            <a:noFill/>
+          </a:ln>
+        </p:spPr>
+      </p:pic>
+      <p:sp>
+        <p:nvSpPr>
+          <p:cNvPr id="121" name="TextShape 2"/>
           <p:cNvSpPr txBox="1"/>
           <p:nvPr/>
         </p:nvSpPr>
         <p:spPr>
           <a:xfrm>
-            <a:off x="720000" y="1440000"/>
-            <a:ext cx="9000000" cy="3420000"/>
+            <a:off x="1600200" y="3164400"/>
+            <a:ext cx="7543800" cy="1281600"/>
           </a:xfrm>
           <a:prstGeom prst="rect">
             <a:avLst/>
@@ -3886,12 +5123,63 @@
           </a:ln>
         </p:spPr>
         <p:txBody>
-          <a:bodyPr lIns="0" rIns="0" tIns="0" bIns="0" anchor="ctr">
+          <a:bodyPr lIns="90000" rIns="90000" tIns="45000" bIns="45000" anchor="ctr">
             <a:noAutofit/>
           </a:bodyPr>
           <a:p>
             <a:pPr algn="ctr"/>
-            <a:endParaRPr b="0" lang="ru-RU" sz="3200" spc="-1" strike="noStrike">
+            <a:r>
+              <a:rPr b="0" lang="ru-RU" sz="2400" spc="-1" strike="noStrike">
+                <a:solidFill>
+                  <a:srgbClr val="000000"/>
+                </a:solidFill>
+                <a:latin typeface="Helvetica Neue Medium"/>
+                <a:ea typeface="Helvetica Neue"/>
+              </a:rPr>
+              <a:t>Программный стенд моделирования передачи информациии на физическом уровне</a:t>
+            </a:r>
+            <a:endParaRPr b="0" lang="en-US" sz="2400" spc="-1" strike="noStrike">
+              <a:latin typeface="Arial"/>
+            </a:endParaRPr>
+          </a:p>
+        </p:txBody>
+      </p:sp>
+      <p:sp>
+        <p:nvSpPr>
+          <p:cNvPr id="122" name="TextShape 3"/>
+          <p:cNvSpPr txBox="1"/>
+          <p:nvPr/>
+        </p:nvSpPr>
+        <p:spPr>
+          <a:xfrm>
+            <a:off x="2757600" y="2477880"/>
+            <a:ext cx="5029200" cy="621000"/>
+          </a:xfrm>
+          <a:prstGeom prst="rect">
+            <a:avLst/>
+          </a:prstGeom>
+          <a:noFill/>
+          <a:ln w="0">
+            <a:noFill/>
+          </a:ln>
+        </p:spPr>
+        <p:txBody>
+          <a:bodyPr lIns="90000" rIns="90000" tIns="45000" bIns="45000" anchor="ctr">
+            <a:noAutofit/>
+          </a:bodyPr>
+          <a:p>
+            <a:pPr algn="ctr"/>
+            <a:r>
+              <a:rPr b="0" lang="ru-RU" sz="1800" spc="-1" strike="noStrike">
+                <a:solidFill>
+                  <a:srgbClr val="000000"/>
+                </a:solidFill>
+                <a:latin typeface="Helvetica Neue"/>
+                <a:ea typeface="Helvetica Neue"/>
+              </a:rPr>
+              <a:t>Выпускная квалификационная работа</a:t>
+            </a:r>
+            <a:endParaRPr b="0" lang="en-US" sz="1800" spc="-1" strike="noStrike">
               <a:latin typeface="Arial"/>
             </a:endParaRPr>
           </a:p>
@@ -3933,14 +5221,14 @@
       </p:grpSpPr>
       <p:sp>
         <p:nvSpPr>
-          <p:cNvPr id="86" name=""/>
-          <p:cNvSpPr txBox="1"/>
+          <p:cNvPr id="123" name="CustomShape 1"/>
+          <p:cNvSpPr/>
           <p:nvPr/>
         </p:nvSpPr>
         <p:spPr>
           <a:xfrm>
             <a:off x="720000" y="127440"/>
-            <a:ext cx="8855640" cy="1143720"/>
+            <a:ext cx="8855280" cy="1143360"/>
           </a:xfrm>
           <a:prstGeom prst="rect">
             <a:avLst/>
@@ -3950,30 +5238,23 @@
             <a:noFill/>
           </a:ln>
         </p:spPr>
-        <p:txBody>
-          <a:bodyPr lIns="0" rIns="0" tIns="0" bIns="0" anchor="ctr">
-            <a:noAutofit/>
-          </a:bodyPr>
-          <a:p>
-            <a:endParaRPr b="1" lang="ru-RU" sz="3300" spc="-1" strike="noStrike">
-              <a:solidFill>
-                <a:srgbClr val="333333"/>
-              </a:solidFill>
-              <a:latin typeface="Noto Sans Regular"/>
-            </a:endParaRPr>
-          </a:p>
-        </p:txBody>
-      </p:sp>
-      <p:sp>
-        <p:nvSpPr>
-          <p:cNvPr id="87" name=""/>
-          <p:cNvSpPr txBox="1"/>
+        <p:style>
+          <a:lnRef idx="0"/>
+          <a:fillRef idx="0"/>
+          <a:effectRef idx="0"/>
+          <a:fontRef idx="minor"/>
+        </p:style>
+      </p:sp>
+      <p:sp>
+        <p:nvSpPr>
+          <p:cNvPr id="124" name="CustomShape 2"/>
+          <p:cNvSpPr/>
           <p:nvPr/>
         </p:nvSpPr>
         <p:spPr>
           <a:xfrm>
             <a:off x="720000" y="1620000"/>
-            <a:ext cx="8640000" cy="3288600"/>
+            <a:ext cx="8639640" cy="3288240"/>
           </a:xfrm>
           <a:prstGeom prst="rect">
             <a:avLst/>
@@ -3983,19 +5264,12 @@
             <a:noFill/>
           </a:ln>
         </p:spPr>
-        <p:txBody>
-          <a:bodyPr lIns="0" rIns="0" tIns="0" bIns="0">
-            <a:noAutofit/>
-          </a:bodyPr>
-          <a:p>
-            <a:endParaRPr b="0" lang="ru-RU" sz="2100" spc="-1" strike="noStrike">
-              <a:solidFill>
-                <a:srgbClr val="333333"/>
-              </a:solidFill>
-              <a:latin typeface="Noto Sans Regular"/>
-            </a:endParaRPr>
-          </a:p>
-        </p:txBody>
+        <p:style>
+          <a:lnRef idx="0"/>
+          <a:fillRef idx="0"/>
+          <a:effectRef idx="0"/>
+          <a:fontRef idx="minor"/>
+        </p:style>
       </p:sp>
     </p:spTree>
   </p:cSld>
@@ -4029,14 +5303,14 @@
       </p:grpSpPr>
       <p:sp>
         <p:nvSpPr>
-          <p:cNvPr id="88" name=""/>
-          <p:cNvSpPr txBox="1"/>
+          <p:cNvPr id="125" name="CustomShape 1"/>
+          <p:cNvSpPr/>
           <p:nvPr/>
         </p:nvSpPr>
         <p:spPr>
           <a:xfrm>
             <a:off x="720000" y="148320"/>
-            <a:ext cx="9000000" cy="1143720"/>
+            <a:ext cx="8999640" cy="1143360"/>
           </a:xfrm>
           <a:prstGeom prst="rect">
             <a:avLst/>
@@ -4046,30 +5320,23 @@
             <a:noFill/>
           </a:ln>
         </p:spPr>
-        <p:txBody>
-          <a:bodyPr lIns="0" rIns="0" tIns="0" bIns="0" anchor="ctr">
-            <a:noAutofit/>
-          </a:bodyPr>
-          <a:p>
-            <a:endParaRPr b="1" lang="ru-RU" sz="3300" spc="-1" strike="noStrike">
-              <a:solidFill>
-                <a:srgbClr val="333333"/>
-              </a:solidFill>
-              <a:latin typeface="Noto Sans Regular"/>
-            </a:endParaRPr>
-          </a:p>
-        </p:txBody>
-      </p:sp>
-      <p:sp>
-        <p:nvSpPr>
-          <p:cNvPr id="89" name=""/>
-          <p:cNvSpPr txBox="1"/>
+        <p:style>
+          <a:lnRef idx="0"/>
+          <a:fillRef idx="0"/>
+          <a:effectRef idx="0"/>
+          <a:fontRef idx="minor"/>
+        </p:style>
+      </p:sp>
+      <p:sp>
+        <p:nvSpPr>
+          <p:cNvPr id="126" name="CustomShape 2"/>
+          <p:cNvSpPr/>
           <p:nvPr/>
         </p:nvSpPr>
         <p:spPr>
           <a:xfrm>
             <a:off x="720000" y="1440000"/>
-            <a:ext cx="9000000" cy="3420000"/>
+            <a:ext cx="8999640" cy="3419640"/>
           </a:xfrm>
           <a:prstGeom prst="rect">
             <a:avLst/>
@@ -4079,19 +5346,12 @@
             <a:noFill/>
           </a:ln>
         </p:spPr>
-        <p:txBody>
-          <a:bodyPr lIns="0" rIns="0" tIns="0" bIns="0">
-            <a:noAutofit/>
-          </a:bodyPr>
-          <a:p>
-            <a:endParaRPr b="0" lang="ru-RU" sz="2100" spc="-1" strike="noStrike">
-              <a:solidFill>
-                <a:srgbClr val="333333"/>
-              </a:solidFill>
-              <a:latin typeface="Noto Sans Regular"/>
-            </a:endParaRPr>
-          </a:p>
-        </p:txBody>
+        <p:style>
+          <a:lnRef idx="0"/>
+          <a:fillRef idx="0"/>
+          <a:effectRef idx="0"/>
+          <a:fontRef idx="minor"/>
+        </p:style>
       </p:sp>
     </p:spTree>
   </p:cSld>
@@ -4125,14 +5385,14 @@
       </p:grpSpPr>
       <p:sp>
         <p:nvSpPr>
-          <p:cNvPr id="90" name=""/>
-          <p:cNvSpPr txBox="1"/>
+          <p:cNvPr id="127" name="CustomShape 1"/>
+          <p:cNvSpPr/>
           <p:nvPr/>
         </p:nvSpPr>
         <p:spPr>
           <a:xfrm>
             <a:off x="720000" y="148320"/>
-            <a:ext cx="9000000" cy="1143720"/>
+            <a:ext cx="8999640" cy="1143360"/>
           </a:xfrm>
           <a:prstGeom prst="rect">
             <a:avLst/>
@@ -4142,30 +5402,23 @@
             <a:noFill/>
           </a:ln>
         </p:spPr>
-        <p:txBody>
-          <a:bodyPr lIns="0" rIns="0" tIns="0" bIns="0" anchor="ctr">
-            <a:noAutofit/>
-          </a:bodyPr>
-          <a:p>
-            <a:endParaRPr b="1" lang="ru-RU" sz="3300" spc="-1" strike="noStrike">
-              <a:solidFill>
-                <a:srgbClr val="333333"/>
-              </a:solidFill>
-              <a:latin typeface="Noto Sans Regular"/>
-            </a:endParaRPr>
-          </a:p>
-        </p:txBody>
-      </p:sp>
-      <p:sp>
-        <p:nvSpPr>
-          <p:cNvPr id="91" name=""/>
-          <p:cNvSpPr txBox="1"/>
+        <p:style>
+          <a:lnRef idx="0"/>
+          <a:fillRef idx="0"/>
+          <a:effectRef idx="0"/>
+          <a:fontRef idx="minor"/>
+        </p:style>
+      </p:sp>
+      <p:sp>
+        <p:nvSpPr>
+          <p:cNvPr id="128" name="CustomShape 2"/>
+          <p:cNvSpPr/>
           <p:nvPr/>
         </p:nvSpPr>
         <p:spPr>
           <a:xfrm>
             <a:off x="720000" y="1440000"/>
-            <a:ext cx="9000000" cy="3420000"/>
+            <a:ext cx="8999640" cy="3419640"/>
           </a:xfrm>
           <a:prstGeom prst="rect">
             <a:avLst/>
@@ -4175,19 +5428,12 @@
             <a:noFill/>
           </a:ln>
         </p:spPr>
-        <p:txBody>
-          <a:bodyPr lIns="0" rIns="0" tIns="0" bIns="0">
-            <a:noAutofit/>
-          </a:bodyPr>
-          <a:p>
-            <a:endParaRPr b="0" lang="ru-RU" sz="2100" spc="-1" strike="noStrike">
-              <a:solidFill>
-                <a:srgbClr val="333333"/>
-              </a:solidFill>
-              <a:latin typeface="Noto Sans Regular"/>
-            </a:endParaRPr>
-          </a:p>
-        </p:txBody>
+        <p:style>
+          <a:lnRef idx="0"/>
+          <a:fillRef idx="0"/>
+          <a:effectRef idx="0"/>
+          <a:fontRef idx="minor"/>
+        </p:style>
       </p:sp>
     </p:spTree>
   </p:cSld>
@@ -4221,14 +5467,14 @@
       </p:grpSpPr>
       <p:sp>
         <p:nvSpPr>
-          <p:cNvPr id="92" name=""/>
-          <p:cNvSpPr txBox="1"/>
+          <p:cNvPr id="129" name="CustomShape 1"/>
+          <p:cNvSpPr/>
           <p:nvPr/>
         </p:nvSpPr>
         <p:spPr>
           <a:xfrm>
             <a:off x="720000" y="148320"/>
-            <a:ext cx="9000000" cy="1143720"/>
+            <a:ext cx="8999640" cy="1143360"/>
           </a:xfrm>
           <a:prstGeom prst="rect">
             <a:avLst/>
@@ -4238,30 +5484,23 @@
             <a:noFill/>
           </a:ln>
         </p:spPr>
-        <p:txBody>
-          <a:bodyPr lIns="0" rIns="0" tIns="0" bIns="0" anchor="ctr">
-            <a:noAutofit/>
-          </a:bodyPr>
-          <a:p>
-            <a:endParaRPr b="1" lang="ru-RU" sz="3300" spc="-1" strike="noStrike">
-              <a:solidFill>
-                <a:srgbClr val="333333"/>
-              </a:solidFill>
-              <a:latin typeface="Noto Sans Regular"/>
-            </a:endParaRPr>
-          </a:p>
-        </p:txBody>
-      </p:sp>
-      <p:sp>
-        <p:nvSpPr>
-          <p:cNvPr id="93" name=""/>
-          <p:cNvSpPr txBox="1"/>
+        <p:style>
+          <a:lnRef idx="0"/>
+          <a:fillRef idx="0"/>
+          <a:effectRef idx="0"/>
+          <a:fontRef idx="minor"/>
+        </p:style>
+      </p:sp>
+      <p:sp>
+        <p:nvSpPr>
+          <p:cNvPr id="130" name="CustomShape 2"/>
+          <p:cNvSpPr/>
           <p:nvPr/>
         </p:nvSpPr>
         <p:spPr>
           <a:xfrm>
             <a:off x="720000" y="1440000"/>
-            <a:ext cx="9000000" cy="3420000"/>
+            <a:ext cx="8999640" cy="3419640"/>
           </a:xfrm>
           <a:prstGeom prst="rect">
             <a:avLst/>
@@ -4271,19 +5510,12 @@
             <a:noFill/>
           </a:ln>
         </p:spPr>
-        <p:txBody>
-          <a:bodyPr lIns="0" rIns="0" tIns="0" bIns="0">
-            <a:noAutofit/>
-          </a:bodyPr>
-          <a:p>
-            <a:endParaRPr b="0" lang="ru-RU" sz="2100" spc="-1" strike="noStrike">
-              <a:solidFill>
-                <a:srgbClr val="333333"/>
-              </a:solidFill>
-              <a:latin typeface="Noto Sans Regular"/>
-            </a:endParaRPr>
-          </a:p>
-        </p:txBody>
+        <p:style>
+          <a:lnRef idx="0"/>
+          <a:fillRef idx="0"/>
+          <a:effectRef idx="0"/>
+          <a:fontRef idx="minor"/>
+        </p:style>
       </p:sp>
     </p:spTree>
   </p:cSld>
@@ -4317,14 +5549,14 @@
       </p:grpSpPr>
       <p:sp>
         <p:nvSpPr>
-          <p:cNvPr id="94" name=""/>
-          <p:cNvSpPr txBox="1"/>
+          <p:cNvPr id="131" name="CustomShape 1"/>
+          <p:cNvSpPr/>
           <p:nvPr/>
         </p:nvSpPr>
         <p:spPr>
           <a:xfrm>
             <a:off x="720000" y="148320"/>
-            <a:ext cx="9000000" cy="1143720"/>
+            <a:ext cx="8999640" cy="1143360"/>
           </a:xfrm>
           <a:prstGeom prst="rect">
             <a:avLst/>
@@ -4334,30 +5566,23 @@
             <a:noFill/>
           </a:ln>
         </p:spPr>
-        <p:txBody>
-          <a:bodyPr lIns="0" rIns="0" tIns="0" bIns="0" anchor="ctr">
-            <a:noAutofit/>
-          </a:bodyPr>
-          <a:p>
-            <a:endParaRPr b="1" lang="ru-RU" sz="3300" spc="-1" strike="noStrike">
-              <a:solidFill>
-                <a:srgbClr val="333333"/>
-              </a:solidFill>
-              <a:latin typeface="Noto Sans Regular"/>
-            </a:endParaRPr>
-          </a:p>
-        </p:txBody>
-      </p:sp>
-      <p:sp>
-        <p:nvSpPr>
-          <p:cNvPr id="95" name=""/>
-          <p:cNvSpPr txBox="1"/>
+        <p:style>
+          <a:lnRef idx="0"/>
+          <a:fillRef idx="0"/>
+          <a:effectRef idx="0"/>
+          <a:fontRef idx="minor"/>
+        </p:style>
+      </p:sp>
+      <p:sp>
+        <p:nvSpPr>
+          <p:cNvPr id="132" name="CustomShape 2"/>
+          <p:cNvSpPr/>
           <p:nvPr/>
         </p:nvSpPr>
         <p:spPr>
           <a:xfrm>
             <a:off x="720000" y="1440000"/>
-            <a:ext cx="9000000" cy="3420000"/>
+            <a:ext cx="8999640" cy="3419640"/>
           </a:xfrm>
           <a:prstGeom prst="rect">
             <a:avLst/>
@@ -4367,19 +5592,12 @@
             <a:noFill/>
           </a:ln>
         </p:spPr>
-        <p:txBody>
-          <a:bodyPr lIns="0" rIns="0" tIns="0" bIns="0">
-            <a:noAutofit/>
-          </a:bodyPr>
-          <a:p>
-            <a:endParaRPr b="0" lang="ru-RU" sz="2100" spc="-1" strike="noStrike">
-              <a:solidFill>
-                <a:srgbClr val="333333"/>
-              </a:solidFill>
-              <a:latin typeface="Noto Sans Regular"/>
-            </a:endParaRPr>
-          </a:p>
-        </p:txBody>
+        <p:style>
+          <a:lnRef idx="0"/>
+          <a:fillRef idx="0"/>
+          <a:effectRef idx="0"/>
+          <a:fontRef idx="minor"/>
+        </p:style>
       </p:sp>
     </p:spTree>
   </p:cSld>
@@ -4413,14 +5631,14 @@
       </p:grpSpPr>
       <p:sp>
         <p:nvSpPr>
-          <p:cNvPr id="96" name=""/>
-          <p:cNvSpPr txBox="1"/>
+          <p:cNvPr id="133" name="CustomShape 1"/>
+          <p:cNvSpPr/>
           <p:nvPr/>
         </p:nvSpPr>
         <p:spPr>
           <a:xfrm>
             <a:off x="720000" y="148320"/>
-            <a:ext cx="9000000" cy="1143720"/>
+            <a:ext cx="8999640" cy="1143360"/>
           </a:xfrm>
           <a:prstGeom prst="rect">
             <a:avLst/>
@@ -4430,30 +5648,23 @@
             <a:noFill/>
           </a:ln>
         </p:spPr>
-        <p:txBody>
-          <a:bodyPr lIns="0" rIns="0" tIns="0" bIns="0" anchor="ctr">
-            <a:noAutofit/>
-          </a:bodyPr>
-          <a:p>
-            <a:endParaRPr b="1" lang="ru-RU" sz="3300" spc="-1" strike="noStrike">
-              <a:solidFill>
-                <a:srgbClr val="333333"/>
-              </a:solidFill>
-              <a:latin typeface="Noto Sans Regular"/>
-            </a:endParaRPr>
-          </a:p>
-        </p:txBody>
-      </p:sp>
-      <p:sp>
-        <p:nvSpPr>
-          <p:cNvPr id="97" name=""/>
-          <p:cNvSpPr txBox="1"/>
+        <p:style>
+          <a:lnRef idx="0"/>
+          <a:fillRef idx="0"/>
+          <a:effectRef idx="0"/>
+          <a:fontRef idx="minor"/>
+        </p:style>
+      </p:sp>
+      <p:sp>
+        <p:nvSpPr>
+          <p:cNvPr id="134" name="CustomShape 2"/>
+          <p:cNvSpPr/>
           <p:nvPr/>
         </p:nvSpPr>
         <p:spPr>
           <a:xfrm>
             <a:off x="720000" y="1440000"/>
-            <a:ext cx="9000000" cy="3420000"/>
+            <a:ext cx="8999640" cy="3419640"/>
           </a:xfrm>
           <a:prstGeom prst="rect">
             <a:avLst/>
@@ -4463,19 +5674,12 @@
             <a:noFill/>
           </a:ln>
         </p:spPr>
-        <p:txBody>
-          <a:bodyPr lIns="0" rIns="0" tIns="0" bIns="0">
-            <a:noAutofit/>
-          </a:bodyPr>
-          <a:p>
-            <a:endParaRPr b="0" lang="ru-RU" sz="2100" spc="-1" strike="noStrike">
-              <a:solidFill>
-                <a:srgbClr val="333333"/>
-              </a:solidFill>
-              <a:latin typeface="Noto Sans Regular"/>
-            </a:endParaRPr>
-          </a:p>
-        </p:txBody>
+        <p:style>
+          <a:lnRef idx="0"/>
+          <a:fillRef idx="0"/>
+          <a:effectRef idx="0"/>
+          <a:fontRef idx="minor"/>
+        </p:style>
       </p:sp>
     </p:spTree>
   </p:cSld>
@@ -4509,14 +5713,14 @@
       </p:grpSpPr>
       <p:sp>
         <p:nvSpPr>
-          <p:cNvPr id="98" name=""/>
-          <p:cNvSpPr txBox="1"/>
+          <p:cNvPr id="135" name="CustomShape 1"/>
+          <p:cNvSpPr/>
           <p:nvPr/>
         </p:nvSpPr>
         <p:spPr>
           <a:xfrm>
             <a:off x="720000" y="148320"/>
-            <a:ext cx="9000000" cy="1143720"/>
+            <a:ext cx="8999640" cy="1143360"/>
           </a:xfrm>
           <a:prstGeom prst="rect">
             <a:avLst/>
@@ -4526,30 +5730,23 @@
             <a:noFill/>
           </a:ln>
         </p:spPr>
-        <p:txBody>
-          <a:bodyPr lIns="0" rIns="0" tIns="0" bIns="0" anchor="ctr">
-            <a:noAutofit/>
-          </a:bodyPr>
-          <a:p>
-            <a:endParaRPr b="1" lang="ru-RU" sz="3300" spc="-1" strike="noStrike">
-              <a:solidFill>
-                <a:srgbClr val="333333"/>
-              </a:solidFill>
-              <a:latin typeface="Noto Sans Regular"/>
-            </a:endParaRPr>
-          </a:p>
-        </p:txBody>
-      </p:sp>
-      <p:sp>
-        <p:nvSpPr>
-          <p:cNvPr id="99" name=""/>
-          <p:cNvSpPr txBox="1"/>
+        <p:style>
+          <a:lnRef idx="0"/>
+          <a:fillRef idx="0"/>
+          <a:effectRef idx="0"/>
+          <a:fontRef idx="minor"/>
+        </p:style>
+      </p:sp>
+      <p:sp>
+        <p:nvSpPr>
+          <p:cNvPr id="136" name="CustomShape 2"/>
+          <p:cNvSpPr/>
           <p:nvPr/>
         </p:nvSpPr>
         <p:spPr>
           <a:xfrm>
             <a:off x="720000" y="1440000"/>
-            <a:ext cx="9000000" cy="3420000"/>
+            <a:ext cx="8999640" cy="3419640"/>
           </a:xfrm>
           <a:prstGeom prst="rect">
             <a:avLst/>
@@ -4559,19 +5756,12 @@
             <a:noFill/>
           </a:ln>
         </p:spPr>
-        <p:txBody>
-          <a:bodyPr lIns="0" rIns="0" tIns="0" bIns="0">
-            <a:noAutofit/>
-          </a:bodyPr>
-          <a:p>
-            <a:endParaRPr b="0" lang="ru-RU" sz="2100" spc="-1" strike="noStrike">
-              <a:solidFill>
-                <a:srgbClr val="333333"/>
-              </a:solidFill>
-              <a:latin typeface="Noto Sans Regular"/>
-            </a:endParaRPr>
-          </a:p>
-        </p:txBody>
+        <p:style>
+          <a:lnRef idx="0"/>
+          <a:fillRef idx="0"/>
+          <a:effectRef idx="0"/>
+          <a:fontRef idx="minor"/>
+        </p:style>
       </p:sp>
     </p:spTree>
   </p:cSld>
@@ -5036,4 +6226,230 @@
     </a:fmtScheme>
   </a:themeElements>
 </a:theme>
+</file>
+
+<file path=ppt/theme/theme3.xml><?xml version="1.0" encoding="utf-8"?>
+<a:theme xmlns:a="http://schemas.openxmlformats.org/drawingml/2006/main" name="Office Theme">
+  <a:themeElements>
+    <a:clrScheme name="Office">
+      <a:dk1>
+        <a:sysClr val="windowText" lastClr="000000"/>
+      </a:dk1>
+      <a:lt1>
+        <a:sysClr val="window" lastClr="FFFFFF"/>
+      </a:lt1>
+      <a:dk2>
+        <a:srgbClr val="1f497d"/>
+      </a:dk2>
+      <a:lt2>
+        <a:srgbClr val="eeece1"/>
+      </a:lt2>
+      <a:accent1>
+        <a:srgbClr val="4f81bd"/>
+      </a:accent1>
+      <a:accent2>
+        <a:srgbClr val="c0504d"/>
+      </a:accent2>
+      <a:accent3>
+        <a:srgbClr val="9bbb59"/>
+      </a:accent3>
+      <a:accent4>
+        <a:srgbClr val="8064a2"/>
+      </a:accent4>
+      <a:accent5>
+        <a:srgbClr val="4bacc6"/>
+      </a:accent5>
+      <a:accent6>
+        <a:srgbClr val="f79646"/>
+      </a:accent6>
+      <a:hlink>
+        <a:srgbClr val="0000ff"/>
+      </a:hlink>
+      <a:folHlink>
+        <a:srgbClr val="800080"/>
+      </a:folHlink>
+    </a:clrScheme>
+    <a:fontScheme name="Office">
+      <a:majorFont>
+        <a:latin typeface="Arial"/>
+        <a:ea typeface="DejaVu Sans"/>
+        <a:cs typeface="DejaVu Sans"/>
+      </a:majorFont>
+      <a:minorFont>
+        <a:latin typeface="Arial"/>
+        <a:ea typeface="DejaVu Sans"/>
+        <a:cs typeface="DejaVu Sans"/>
+      </a:minorFont>
+    </a:fontScheme>
+    <a:fmtScheme name="Office">
+      <a:fillStyleLst>
+        <a:solidFill>
+          <a:schemeClr val="phClr"/>
+        </a:solidFill>
+        <a:gradFill rotWithShape="1">
+          <a:gsLst>
+            <a:gs pos="0">
+              <a:schemeClr val="phClr">
+                <a:tint val="50000"/>
+                <a:satMod val="300000"/>
+              </a:schemeClr>
+            </a:gs>
+            <a:gs pos="35000">
+              <a:schemeClr val="phClr">
+                <a:tint val="37000"/>
+                <a:satMod val="300000"/>
+              </a:schemeClr>
+            </a:gs>
+            <a:gs pos="100000">
+              <a:schemeClr val="phClr">
+                <a:tint val="15000"/>
+                <a:satMod val="350000"/>
+              </a:schemeClr>
+            </a:gs>
+          </a:gsLst>
+          <a:lin ang="16200000" scaled="1"/>
+        </a:gradFill>
+        <a:gradFill rotWithShape="1">
+          <a:gsLst>
+            <a:gs pos="0">
+              <a:schemeClr val="phClr">
+                <a:shade val="51000"/>
+                <a:satMod val="130000"/>
+              </a:schemeClr>
+            </a:gs>
+            <a:gs pos="80000">
+              <a:schemeClr val="phClr">
+                <a:shade val="93000"/>
+                <a:satMod val="130000"/>
+              </a:schemeClr>
+            </a:gs>
+            <a:gs pos="100000">
+              <a:schemeClr val="phClr">
+                <a:shade val="94000"/>
+                <a:satMod val="135000"/>
+              </a:schemeClr>
+            </a:gs>
+          </a:gsLst>
+          <a:lin ang="16200000" scaled="0"/>
+        </a:gradFill>
+      </a:fillStyleLst>
+      <a:lnStyleLst>
+        <a:ln w="9525" cap="flat" cmpd="sng" algn="ctr">
+          <a:solidFill>
+            <a:schemeClr val="phClr">
+              <a:shade val="95000"/>
+              <a:satMod val="105000"/>
+            </a:schemeClr>
+          </a:solidFill>
+          <a:prstDash val="solid"/>
+          <a:miter/>
+        </a:ln>
+        <a:ln w="25400" cap="flat" cmpd="sng" algn="ctr">
+          <a:solidFill>
+            <a:schemeClr val="phClr"/>
+          </a:solidFill>
+          <a:prstDash val="solid"/>
+          <a:miter/>
+        </a:ln>
+        <a:ln w="38100" cap="flat" cmpd="sng" algn="ctr">
+          <a:solidFill>
+            <a:schemeClr val="phClr"/>
+          </a:solidFill>
+          <a:prstDash val="solid"/>
+          <a:miter/>
+        </a:ln>
+      </a:lnStyleLst>
+      <a:effectStyleLst>
+        <a:effectStyle>
+          <a:effectLst>
+            <a:outerShdw blurRad="40000" dist="20000" dir="5400000" rotWithShape="0">
+              <a:srgbClr val="000000">
+                <a:alpha val="38000"/>
+              </a:srgbClr>
+            </a:outerShdw>
+          </a:effectLst>
+        </a:effectStyle>
+        <a:effectStyle>
+          <a:effectLst>
+            <a:outerShdw blurRad="40000" dist="23000" dir="5400000" rotWithShape="0">
+              <a:srgbClr val="000000">
+                <a:alpha val="35000"/>
+              </a:srgbClr>
+            </a:outerShdw>
+          </a:effectLst>
+        </a:effectStyle>
+        <a:effectStyle>
+          <a:effectLst>
+            <a:outerShdw blurRad="40000" dist="23000" dir="5400000" rotWithShape="0">
+              <a:srgbClr val="000000">
+                <a:alpha val="35000"/>
+              </a:srgbClr>
+            </a:outerShdw>
+          </a:effectLst>
+          <a:scene3d>
+            <a:camera prst="orthographicFront">
+              <a:rot lat="0" lon="0" rev="0"/>
+            </a:camera>
+            <a:lightRig rig="threePt" dir="t">
+              <a:rot lat="0" lon="0" rev="1200000"/>
+            </a:lightRig>
+          </a:scene3d>
+          <a:sp3d>
+            <a:bevelT w="63500" h="25400"/>
+          </a:sp3d>
+        </a:effectStyle>
+      </a:effectStyleLst>
+      <a:bgFillStyleLst>
+        <a:solidFill>
+          <a:schemeClr val="phClr"/>
+        </a:solidFill>
+        <a:gradFill rotWithShape="1">
+          <a:gsLst>
+            <a:gs pos="0">
+              <a:schemeClr val="phClr">
+                <a:tint val="40000"/>
+                <a:satMod val="350000"/>
+              </a:schemeClr>
+            </a:gs>
+            <a:gs pos="40000">
+              <a:schemeClr val="phClr">
+                <a:tint val="45000"/>
+                <a:shade val="99000"/>
+                <a:satMod val="350000"/>
+              </a:schemeClr>
+            </a:gs>
+            <a:gs pos="100000">
+              <a:schemeClr val="phClr">
+                <a:shade val="20000"/>
+                <a:satMod val="255000"/>
+              </a:schemeClr>
+            </a:gs>
+          </a:gsLst>
+          <a:path path="circle">
+            <a:fillToRect l="50000" t="-80000" r="50000" b="180000"/>
+          </a:path>
+        </a:gradFill>
+        <a:gradFill rotWithShape="1">
+          <a:gsLst>
+            <a:gs pos="0">
+              <a:schemeClr val="phClr">
+                <a:tint val="80000"/>
+                <a:satMod val="300000"/>
+              </a:schemeClr>
+            </a:gs>
+            <a:gs pos="100000">
+              <a:schemeClr val="phClr">
+                <a:shade val="30000"/>
+                <a:satMod val="200000"/>
+              </a:schemeClr>
+            </a:gs>
+          </a:gsLst>
+          <a:path path="circle">
+            <a:fillToRect l="50000" t="50000" r="50000" b="50000"/>
+          </a:path>
+        </a:gradFill>
+      </a:bgFillStyleLst>
+    </a:fmtScheme>
+  </a:themeElements>
+</a:theme>
 </file>
--- a/диплом_отчет/prezent.pptx
+++ b/диплом_отчет/prezent.pptx
@@ -17,7 +17,7 @@
     <p:sldId id="263" r:id="rId12"/>
   </p:sldIdLst>
   <p:sldSz cx="10080625" cy="5670550"/>
-  <p:notesSz cx="7772400" cy="10058400"/>
+  <p:notesSz cx="7559675" cy="10691812"/>
 </p:presentation>
 </file>
 
@@ -62,7 +62,7 @@
       </p:grpSpPr>
       <p:sp>
         <p:nvSpPr>
-          <p:cNvPr id="24" name="PlaceHolder 1"/>
+          <p:cNvPr id="23" name="PlaceHolder 1"/>
           <p:cNvSpPr>
             <a:spLocks noGrp="1"/>
           </p:cNvSpPr>
@@ -72,8 +72,8 @@
         </p:nvSpPr>
         <p:spPr>
           <a:xfrm>
-            <a:off x="720000" y="148320"/>
-            <a:ext cx="8999640" cy="1143360"/>
+            <a:off x="504000" y="74160"/>
+            <a:ext cx="9072000" cy="1250280"/>
           </a:xfrm>
           <a:prstGeom prst="rect">
             <a:avLst/>
@@ -85,26 +85,26 @@
           </a:bodyPr>
           <a:p>
             <a:pPr algn="ctr"/>
-            <a:endParaRPr b="0" lang="en-US" sz="4400" spc="-1" strike="noStrike">
-              <a:latin typeface="Arial"/>
-            </a:endParaRPr>
-          </a:p>
-        </p:txBody>
-      </p:sp>
-      <p:sp>
-        <p:nvSpPr>
-          <p:cNvPr id="25" name="PlaceHolder 2"/>
-          <p:cNvSpPr>
-            <a:spLocks noGrp="1"/>
-          </p:cNvSpPr>
-          <p:nvPr>
-            <p:ph type="body"/>
-          </p:nvPr>
-        </p:nvSpPr>
-        <p:spPr>
-          <a:xfrm>
-            <a:off x="720000" y="1440000"/>
-            <a:ext cx="8999640" cy="1631160"/>
+            <a:endParaRPr b="0" lang="ru-RU" sz="4400" spc="-1" strike="noStrike">
+              <a:latin typeface="Arial"/>
+            </a:endParaRPr>
+          </a:p>
+        </p:txBody>
+      </p:sp>
+      <p:sp>
+        <p:nvSpPr>
+          <p:cNvPr id="24" name="PlaceHolder 2"/>
+          <p:cNvSpPr>
+            <a:spLocks noGrp="1"/>
+          </p:cNvSpPr>
+          <p:nvPr>
+            <p:ph type="body"/>
+          </p:nvPr>
+        </p:nvSpPr>
+        <p:spPr>
+          <a:xfrm>
+            <a:off x="504000" y="1326600"/>
+            <a:ext cx="9072000" cy="1568520"/>
           </a:xfrm>
           <a:prstGeom prst="rect">
             <a:avLst/>
@@ -115,26 +115,26 @@
             <a:normAutofit/>
           </a:bodyPr>
           <a:p>
-            <a:endParaRPr b="0" lang="en-US" sz="3200" spc="-1" strike="noStrike">
-              <a:latin typeface="Arial"/>
-            </a:endParaRPr>
-          </a:p>
-        </p:txBody>
-      </p:sp>
-      <p:sp>
-        <p:nvSpPr>
-          <p:cNvPr id="26" name="PlaceHolder 3"/>
-          <p:cNvSpPr>
-            <a:spLocks noGrp="1"/>
-          </p:cNvSpPr>
-          <p:nvPr>
-            <p:ph type="body"/>
-          </p:nvPr>
-        </p:nvSpPr>
-        <p:spPr>
-          <a:xfrm>
-            <a:off x="720000" y="3226680"/>
-            <a:ext cx="8999640" cy="1631160"/>
+            <a:endParaRPr b="0" lang="ru-RU" sz="3200" spc="-1" strike="noStrike">
+              <a:latin typeface="Arial"/>
+            </a:endParaRPr>
+          </a:p>
+        </p:txBody>
+      </p:sp>
+      <p:sp>
+        <p:nvSpPr>
+          <p:cNvPr id="25" name="PlaceHolder 3"/>
+          <p:cNvSpPr>
+            <a:spLocks noGrp="1"/>
+          </p:cNvSpPr>
+          <p:nvPr>
+            <p:ph type="body"/>
+          </p:nvPr>
+        </p:nvSpPr>
+        <p:spPr>
+          <a:xfrm>
+            <a:off x="504000" y="3044520"/>
+            <a:ext cx="9072000" cy="1568520"/>
           </a:xfrm>
           <a:prstGeom prst="rect">
             <a:avLst/>
@@ -145,7 +145,7 @@
             <a:normAutofit/>
           </a:bodyPr>
           <a:p>
-            <a:endParaRPr b="0" lang="en-US" sz="3200" spc="-1" strike="noStrike">
+            <a:endParaRPr b="0" lang="ru-RU" sz="3200" spc="-1" strike="noStrike">
               <a:latin typeface="Arial"/>
             </a:endParaRPr>
           </a:p>
@@ -175,7 +175,7 @@
       </p:grpSpPr>
       <p:sp>
         <p:nvSpPr>
-          <p:cNvPr id="27" name="PlaceHolder 1"/>
+          <p:cNvPr id="26" name="PlaceHolder 1"/>
           <p:cNvSpPr>
             <a:spLocks noGrp="1"/>
           </p:cNvSpPr>
@@ -185,8 +185,8 @@
         </p:nvSpPr>
         <p:spPr>
           <a:xfrm>
-            <a:off x="720000" y="148320"/>
-            <a:ext cx="8999640" cy="1143360"/>
+            <a:off x="504000" y="74160"/>
+            <a:ext cx="9072000" cy="1250280"/>
           </a:xfrm>
           <a:prstGeom prst="rect">
             <a:avLst/>
@@ -198,26 +198,26 @@
           </a:bodyPr>
           <a:p>
             <a:pPr algn="ctr"/>
-            <a:endParaRPr b="0" lang="en-US" sz="4400" spc="-1" strike="noStrike">
-              <a:latin typeface="Arial"/>
-            </a:endParaRPr>
-          </a:p>
-        </p:txBody>
-      </p:sp>
-      <p:sp>
-        <p:nvSpPr>
-          <p:cNvPr id="28" name="PlaceHolder 2"/>
-          <p:cNvSpPr>
-            <a:spLocks noGrp="1"/>
-          </p:cNvSpPr>
-          <p:nvPr>
-            <p:ph type="body"/>
-          </p:nvPr>
-        </p:nvSpPr>
-        <p:spPr>
-          <a:xfrm>
-            <a:off x="720000" y="1440000"/>
-            <a:ext cx="4391640" cy="1631160"/>
+            <a:endParaRPr b="0" lang="ru-RU" sz="4400" spc="-1" strike="noStrike">
+              <a:latin typeface="Arial"/>
+            </a:endParaRPr>
+          </a:p>
+        </p:txBody>
+      </p:sp>
+      <p:sp>
+        <p:nvSpPr>
+          <p:cNvPr id="27" name="PlaceHolder 2"/>
+          <p:cNvSpPr>
+            <a:spLocks noGrp="1"/>
+          </p:cNvSpPr>
+          <p:nvPr>
+            <p:ph type="body"/>
+          </p:nvPr>
+        </p:nvSpPr>
+        <p:spPr>
+          <a:xfrm>
+            <a:off x="504000" y="1326600"/>
+            <a:ext cx="4426920" cy="1568520"/>
           </a:xfrm>
           <a:prstGeom prst="rect">
             <a:avLst/>
@@ -228,26 +228,26 @@
             <a:normAutofit/>
           </a:bodyPr>
           <a:p>
-            <a:endParaRPr b="0" lang="en-US" sz="3200" spc="-1" strike="noStrike">
-              <a:latin typeface="Arial"/>
-            </a:endParaRPr>
-          </a:p>
-        </p:txBody>
-      </p:sp>
-      <p:sp>
-        <p:nvSpPr>
-          <p:cNvPr id="29" name="PlaceHolder 3"/>
-          <p:cNvSpPr>
-            <a:spLocks noGrp="1"/>
-          </p:cNvSpPr>
-          <p:nvPr>
-            <p:ph type="body"/>
-          </p:nvPr>
-        </p:nvSpPr>
-        <p:spPr>
-          <a:xfrm>
-            <a:off x="5331600" y="1440000"/>
-            <a:ext cx="4391640" cy="1631160"/>
+            <a:endParaRPr b="0" lang="ru-RU" sz="3200" spc="-1" strike="noStrike">
+              <a:latin typeface="Arial"/>
+            </a:endParaRPr>
+          </a:p>
+        </p:txBody>
+      </p:sp>
+      <p:sp>
+        <p:nvSpPr>
+          <p:cNvPr id="28" name="PlaceHolder 3"/>
+          <p:cNvSpPr>
+            <a:spLocks noGrp="1"/>
+          </p:cNvSpPr>
+          <p:nvPr>
+            <p:ph type="body"/>
+          </p:nvPr>
+        </p:nvSpPr>
+        <p:spPr>
+          <a:xfrm>
+            <a:off x="5152680" y="1326600"/>
+            <a:ext cx="4426920" cy="1568520"/>
           </a:xfrm>
           <a:prstGeom prst="rect">
             <a:avLst/>
@@ -258,26 +258,26 @@
             <a:normAutofit/>
           </a:bodyPr>
           <a:p>
-            <a:endParaRPr b="0" lang="en-US" sz="3200" spc="-1" strike="noStrike">
-              <a:latin typeface="Arial"/>
-            </a:endParaRPr>
-          </a:p>
-        </p:txBody>
-      </p:sp>
-      <p:sp>
-        <p:nvSpPr>
-          <p:cNvPr id="30" name="PlaceHolder 4"/>
-          <p:cNvSpPr>
-            <a:spLocks noGrp="1"/>
-          </p:cNvSpPr>
-          <p:nvPr>
-            <p:ph type="body"/>
-          </p:nvPr>
-        </p:nvSpPr>
-        <p:spPr>
-          <a:xfrm>
-            <a:off x="720000" y="3226680"/>
-            <a:ext cx="4391640" cy="1631160"/>
+            <a:endParaRPr b="0" lang="ru-RU" sz="3200" spc="-1" strike="noStrike">
+              <a:latin typeface="Arial"/>
+            </a:endParaRPr>
+          </a:p>
+        </p:txBody>
+      </p:sp>
+      <p:sp>
+        <p:nvSpPr>
+          <p:cNvPr id="29" name="PlaceHolder 4"/>
+          <p:cNvSpPr>
+            <a:spLocks noGrp="1"/>
+          </p:cNvSpPr>
+          <p:nvPr>
+            <p:ph type="body"/>
+          </p:nvPr>
+        </p:nvSpPr>
+        <p:spPr>
+          <a:xfrm>
+            <a:off x="504000" y="3044520"/>
+            <a:ext cx="4426920" cy="1568520"/>
           </a:xfrm>
           <a:prstGeom prst="rect">
             <a:avLst/>
@@ -288,26 +288,26 @@
             <a:normAutofit/>
           </a:bodyPr>
           <a:p>
-            <a:endParaRPr b="0" lang="en-US" sz="3200" spc="-1" strike="noStrike">
-              <a:latin typeface="Arial"/>
-            </a:endParaRPr>
-          </a:p>
-        </p:txBody>
-      </p:sp>
-      <p:sp>
-        <p:nvSpPr>
-          <p:cNvPr id="31" name="PlaceHolder 5"/>
-          <p:cNvSpPr>
-            <a:spLocks noGrp="1"/>
-          </p:cNvSpPr>
-          <p:nvPr>
-            <p:ph type="body"/>
-          </p:nvPr>
-        </p:nvSpPr>
-        <p:spPr>
-          <a:xfrm>
-            <a:off x="5331600" y="3226680"/>
-            <a:ext cx="4391640" cy="1631160"/>
+            <a:endParaRPr b="0" lang="ru-RU" sz="3200" spc="-1" strike="noStrike">
+              <a:latin typeface="Arial"/>
+            </a:endParaRPr>
+          </a:p>
+        </p:txBody>
+      </p:sp>
+      <p:sp>
+        <p:nvSpPr>
+          <p:cNvPr id="30" name="PlaceHolder 5"/>
+          <p:cNvSpPr>
+            <a:spLocks noGrp="1"/>
+          </p:cNvSpPr>
+          <p:nvPr>
+            <p:ph type="body"/>
+          </p:nvPr>
+        </p:nvSpPr>
+        <p:spPr>
+          <a:xfrm>
+            <a:off x="5152680" y="3044520"/>
+            <a:ext cx="4426920" cy="1568520"/>
           </a:xfrm>
           <a:prstGeom prst="rect">
             <a:avLst/>
@@ -318,7 +318,7 @@
             <a:normAutofit/>
           </a:bodyPr>
           <a:p>
-            <a:endParaRPr b="0" lang="en-US" sz="3200" spc="-1" strike="noStrike">
+            <a:endParaRPr b="0" lang="ru-RU" sz="3200" spc="-1" strike="noStrike">
               <a:latin typeface="Arial"/>
             </a:endParaRPr>
           </a:p>
@@ -348,7 +348,7 @@
       </p:grpSpPr>
       <p:sp>
         <p:nvSpPr>
-          <p:cNvPr id="32" name="PlaceHolder 1"/>
+          <p:cNvPr id="31" name="PlaceHolder 1"/>
           <p:cNvSpPr>
             <a:spLocks noGrp="1"/>
           </p:cNvSpPr>
@@ -358,8 +358,8 @@
         </p:nvSpPr>
         <p:spPr>
           <a:xfrm>
-            <a:off x="720000" y="148320"/>
-            <a:ext cx="8999640" cy="1143360"/>
+            <a:off x="504000" y="74160"/>
+            <a:ext cx="9072000" cy="1250280"/>
           </a:xfrm>
           <a:prstGeom prst="rect">
             <a:avLst/>
@@ -371,187 +371,187 @@
           </a:bodyPr>
           <a:p>
             <a:pPr algn="ctr"/>
-            <a:endParaRPr b="0" lang="en-US" sz="4400" spc="-1" strike="noStrike">
-              <a:latin typeface="Arial"/>
-            </a:endParaRPr>
-          </a:p>
-        </p:txBody>
-      </p:sp>
-      <p:sp>
-        <p:nvSpPr>
-          <p:cNvPr id="33" name="PlaceHolder 2"/>
-          <p:cNvSpPr>
-            <a:spLocks noGrp="1"/>
-          </p:cNvSpPr>
-          <p:nvPr>
-            <p:ph type="body"/>
-          </p:nvPr>
-        </p:nvSpPr>
-        <p:spPr>
-          <a:xfrm>
-            <a:off x="720000" y="1440000"/>
-            <a:ext cx="2897640" cy="1631160"/>
-          </a:xfrm>
-          <a:prstGeom prst="rect">
-            <a:avLst/>
-          </a:prstGeom>
-        </p:spPr>
-        <p:txBody>
-          <a:bodyPr lIns="0" rIns="0" tIns="0" bIns="0">
-            <a:normAutofit/>
-          </a:bodyPr>
-          <a:p>
-            <a:endParaRPr b="0" lang="en-US" sz="3200" spc="-1" strike="noStrike">
-              <a:latin typeface="Arial"/>
-            </a:endParaRPr>
-          </a:p>
-        </p:txBody>
-      </p:sp>
-      <p:sp>
-        <p:nvSpPr>
-          <p:cNvPr id="34" name="PlaceHolder 3"/>
-          <p:cNvSpPr>
-            <a:spLocks noGrp="1"/>
-          </p:cNvSpPr>
-          <p:nvPr>
-            <p:ph type="body"/>
-          </p:nvPr>
-        </p:nvSpPr>
-        <p:spPr>
-          <a:xfrm>
-            <a:off x="3763080" y="1440000"/>
-            <a:ext cx="2897640" cy="1631160"/>
-          </a:xfrm>
-          <a:prstGeom prst="rect">
-            <a:avLst/>
-          </a:prstGeom>
-        </p:spPr>
-        <p:txBody>
-          <a:bodyPr lIns="0" rIns="0" tIns="0" bIns="0">
-            <a:normAutofit/>
-          </a:bodyPr>
-          <a:p>
-            <a:endParaRPr b="0" lang="en-US" sz="3200" spc="-1" strike="noStrike">
-              <a:latin typeface="Arial"/>
-            </a:endParaRPr>
-          </a:p>
-        </p:txBody>
-      </p:sp>
-      <p:sp>
-        <p:nvSpPr>
-          <p:cNvPr id="35" name="PlaceHolder 4"/>
-          <p:cNvSpPr>
-            <a:spLocks noGrp="1"/>
-          </p:cNvSpPr>
-          <p:nvPr>
-            <p:ph type="body"/>
-          </p:nvPr>
-        </p:nvSpPr>
-        <p:spPr>
-          <a:xfrm>
-            <a:off x="6805800" y="1440000"/>
-            <a:ext cx="2897640" cy="1631160"/>
-          </a:xfrm>
-          <a:prstGeom prst="rect">
-            <a:avLst/>
-          </a:prstGeom>
-        </p:spPr>
-        <p:txBody>
-          <a:bodyPr lIns="0" rIns="0" tIns="0" bIns="0">
-            <a:normAutofit/>
-          </a:bodyPr>
-          <a:p>
-            <a:endParaRPr b="0" lang="en-US" sz="3200" spc="-1" strike="noStrike">
-              <a:latin typeface="Arial"/>
-            </a:endParaRPr>
-          </a:p>
-        </p:txBody>
-      </p:sp>
-      <p:sp>
-        <p:nvSpPr>
-          <p:cNvPr id="36" name="PlaceHolder 5"/>
-          <p:cNvSpPr>
-            <a:spLocks noGrp="1"/>
-          </p:cNvSpPr>
-          <p:nvPr>
-            <p:ph type="body"/>
-          </p:nvPr>
-        </p:nvSpPr>
-        <p:spPr>
-          <a:xfrm>
-            <a:off x="720000" y="3226680"/>
-            <a:ext cx="2897640" cy="1631160"/>
-          </a:xfrm>
-          <a:prstGeom prst="rect">
-            <a:avLst/>
-          </a:prstGeom>
-        </p:spPr>
-        <p:txBody>
-          <a:bodyPr lIns="0" rIns="0" tIns="0" bIns="0">
-            <a:normAutofit/>
-          </a:bodyPr>
-          <a:p>
-            <a:endParaRPr b="0" lang="en-US" sz="3200" spc="-1" strike="noStrike">
-              <a:latin typeface="Arial"/>
-            </a:endParaRPr>
-          </a:p>
-        </p:txBody>
-      </p:sp>
-      <p:sp>
-        <p:nvSpPr>
-          <p:cNvPr id="37" name="PlaceHolder 6"/>
-          <p:cNvSpPr>
-            <a:spLocks noGrp="1"/>
-          </p:cNvSpPr>
-          <p:nvPr>
-            <p:ph type="body"/>
-          </p:nvPr>
-        </p:nvSpPr>
-        <p:spPr>
-          <a:xfrm>
-            <a:off x="3763080" y="3226680"/>
-            <a:ext cx="2897640" cy="1631160"/>
-          </a:xfrm>
-          <a:prstGeom prst="rect">
-            <a:avLst/>
-          </a:prstGeom>
-        </p:spPr>
-        <p:txBody>
-          <a:bodyPr lIns="0" rIns="0" tIns="0" bIns="0">
-            <a:normAutofit/>
-          </a:bodyPr>
-          <a:p>
-            <a:endParaRPr b="0" lang="en-US" sz="3200" spc="-1" strike="noStrike">
-              <a:latin typeface="Arial"/>
-            </a:endParaRPr>
-          </a:p>
-        </p:txBody>
-      </p:sp>
-      <p:sp>
-        <p:nvSpPr>
-          <p:cNvPr id="38" name="PlaceHolder 7"/>
-          <p:cNvSpPr>
-            <a:spLocks noGrp="1"/>
-          </p:cNvSpPr>
-          <p:nvPr>
-            <p:ph type="body"/>
-          </p:nvPr>
-        </p:nvSpPr>
-        <p:spPr>
-          <a:xfrm>
-            <a:off x="6805800" y="3226680"/>
-            <a:ext cx="2897640" cy="1631160"/>
-          </a:xfrm>
-          <a:prstGeom prst="rect">
-            <a:avLst/>
-          </a:prstGeom>
-        </p:spPr>
-        <p:txBody>
-          <a:bodyPr lIns="0" rIns="0" tIns="0" bIns="0">
-            <a:normAutofit/>
-          </a:bodyPr>
-          <a:p>
-            <a:endParaRPr b="0" lang="en-US" sz="3200" spc="-1" strike="noStrike">
+            <a:endParaRPr b="0" lang="ru-RU" sz="4400" spc="-1" strike="noStrike">
+              <a:latin typeface="Arial"/>
+            </a:endParaRPr>
+          </a:p>
+        </p:txBody>
+      </p:sp>
+      <p:sp>
+        <p:nvSpPr>
+          <p:cNvPr id="32" name="PlaceHolder 2"/>
+          <p:cNvSpPr>
+            <a:spLocks noGrp="1"/>
+          </p:cNvSpPr>
+          <p:nvPr>
+            <p:ph type="body"/>
+          </p:nvPr>
+        </p:nvSpPr>
+        <p:spPr>
+          <a:xfrm>
+            <a:off x="504000" y="1326600"/>
+            <a:ext cx="2921040" cy="1568520"/>
+          </a:xfrm>
+          <a:prstGeom prst="rect">
+            <a:avLst/>
+          </a:prstGeom>
+        </p:spPr>
+        <p:txBody>
+          <a:bodyPr lIns="0" rIns="0" tIns="0" bIns="0">
+            <a:normAutofit fontScale="56000"/>
+          </a:bodyPr>
+          <a:p>
+            <a:endParaRPr b="0" lang="ru-RU" sz="3200" spc="-1" strike="noStrike">
+              <a:latin typeface="Arial"/>
+            </a:endParaRPr>
+          </a:p>
+        </p:txBody>
+      </p:sp>
+      <p:sp>
+        <p:nvSpPr>
+          <p:cNvPr id="33" name="PlaceHolder 3"/>
+          <p:cNvSpPr>
+            <a:spLocks noGrp="1"/>
+          </p:cNvSpPr>
+          <p:nvPr>
+            <p:ph type="body"/>
+          </p:nvPr>
+        </p:nvSpPr>
+        <p:spPr>
+          <a:xfrm>
+            <a:off x="3571560" y="1326600"/>
+            <a:ext cx="2921040" cy="1568520"/>
+          </a:xfrm>
+          <a:prstGeom prst="rect">
+            <a:avLst/>
+          </a:prstGeom>
+        </p:spPr>
+        <p:txBody>
+          <a:bodyPr lIns="0" rIns="0" tIns="0" bIns="0">
+            <a:normAutofit fontScale="56000"/>
+          </a:bodyPr>
+          <a:p>
+            <a:endParaRPr b="0" lang="ru-RU" sz="3200" spc="-1" strike="noStrike">
+              <a:latin typeface="Arial"/>
+            </a:endParaRPr>
+          </a:p>
+        </p:txBody>
+      </p:sp>
+      <p:sp>
+        <p:nvSpPr>
+          <p:cNvPr id="34" name="PlaceHolder 4"/>
+          <p:cNvSpPr>
+            <a:spLocks noGrp="1"/>
+          </p:cNvSpPr>
+          <p:nvPr>
+            <p:ph type="body"/>
+          </p:nvPr>
+        </p:nvSpPr>
+        <p:spPr>
+          <a:xfrm>
+            <a:off x="6639120" y="1326600"/>
+            <a:ext cx="2921040" cy="1568520"/>
+          </a:xfrm>
+          <a:prstGeom prst="rect">
+            <a:avLst/>
+          </a:prstGeom>
+        </p:spPr>
+        <p:txBody>
+          <a:bodyPr lIns="0" rIns="0" tIns="0" bIns="0">
+            <a:normAutofit fontScale="56000"/>
+          </a:bodyPr>
+          <a:p>
+            <a:endParaRPr b="0" lang="ru-RU" sz="3200" spc="-1" strike="noStrike">
+              <a:latin typeface="Arial"/>
+            </a:endParaRPr>
+          </a:p>
+        </p:txBody>
+      </p:sp>
+      <p:sp>
+        <p:nvSpPr>
+          <p:cNvPr id="35" name="PlaceHolder 5"/>
+          <p:cNvSpPr>
+            <a:spLocks noGrp="1"/>
+          </p:cNvSpPr>
+          <p:nvPr>
+            <p:ph type="body"/>
+          </p:nvPr>
+        </p:nvSpPr>
+        <p:spPr>
+          <a:xfrm>
+            <a:off x="504000" y="3044520"/>
+            <a:ext cx="2921040" cy="1568520"/>
+          </a:xfrm>
+          <a:prstGeom prst="rect">
+            <a:avLst/>
+          </a:prstGeom>
+        </p:spPr>
+        <p:txBody>
+          <a:bodyPr lIns="0" rIns="0" tIns="0" bIns="0">
+            <a:normAutofit fontScale="56000"/>
+          </a:bodyPr>
+          <a:p>
+            <a:endParaRPr b="0" lang="ru-RU" sz="3200" spc="-1" strike="noStrike">
+              <a:latin typeface="Arial"/>
+            </a:endParaRPr>
+          </a:p>
+        </p:txBody>
+      </p:sp>
+      <p:sp>
+        <p:nvSpPr>
+          <p:cNvPr id="36" name="PlaceHolder 6"/>
+          <p:cNvSpPr>
+            <a:spLocks noGrp="1"/>
+          </p:cNvSpPr>
+          <p:nvPr>
+            <p:ph type="body"/>
+          </p:nvPr>
+        </p:nvSpPr>
+        <p:spPr>
+          <a:xfrm>
+            <a:off x="3571560" y="3044520"/>
+            <a:ext cx="2921040" cy="1568520"/>
+          </a:xfrm>
+          <a:prstGeom prst="rect">
+            <a:avLst/>
+          </a:prstGeom>
+        </p:spPr>
+        <p:txBody>
+          <a:bodyPr lIns="0" rIns="0" tIns="0" bIns="0">
+            <a:normAutofit fontScale="56000"/>
+          </a:bodyPr>
+          <a:p>
+            <a:endParaRPr b="0" lang="ru-RU" sz="3200" spc="-1" strike="noStrike">
+              <a:latin typeface="Arial"/>
+            </a:endParaRPr>
+          </a:p>
+        </p:txBody>
+      </p:sp>
+      <p:sp>
+        <p:nvSpPr>
+          <p:cNvPr id="37" name="PlaceHolder 7"/>
+          <p:cNvSpPr>
+            <a:spLocks noGrp="1"/>
+          </p:cNvSpPr>
+          <p:nvPr>
+            <p:ph type="body"/>
+          </p:nvPr>
+        </p:nvSpPr>
+        <p:spPr>
+          <a:xfrm>
+            <a:off x="6639120" y="3044520"/>
+            <a:ext cx="2921040" cy="1568520"/>
+          </a:xfrm>
+          <a:prstGeom prst="rect">
+            <a:avLst/>
+          </a:prstGeom>
+        </p:spPr>
+        <p:txBody>
+          <a:bodyPr lIns="0" rIns="0" tIns="0" bIns="0">
+            <a:normAutofit fontScale="56000"/>
+          </a:bodyPr>
+          <a:p>
+            <a:endParaRPr b="0" lang="ru-RU" sz="3200" spc="-1" strike="noStrike">
               <a:latin typeface="Arial"/>
             </a:endParaRPr>
           </a:p>
@@ -603,7 +603,7 @@
       </p:grpSpPr>
       <p:sp>
         <p:nvSpPr>
-          <p:cNvPr id="42" name="PlaceHolder 1"/>
+          <p:cNvPr id="41" name="PlaceHolder 1"/>
           <p:cNvSpPr>
             <a:spLocks noGrp="1"/>
           </p:cNvSpPr>
@@ -613,8 +613,8 @@
         </p:nvSpPr>
         <p:spPr>
           <a:xfrm>
-            <a:off x="720000" y="148320"/>
-            <a:ext cx="8999640" cy="1143360"/>
+            <a:off x="504000" y="74160"/>
+            <a:ext cx="9072000" cy="1250280"/>
           </a:xfrm>
           <a:prstGeom prst="rect">
             <a:avLst/>
@@ -626,15 +626,15 @@
           </a:bodyPr>
           <a:p>
             <a:pPr algn="ctr"/>
-            <a:endParaRPr b="0" lang="en-US" sz="4400" spc="-1" strike="noStrike">
-              <a:latin typeface="Arial"/>
-            </a:endParaRPr>
-          </a:p>
-        </p:txBody>
-      </p:sp>
-      <p:sp>
-        <p:nvSpPr>
-          <p:cNvPr id="43" name="PlaceHolder 2"/>
+            <a:endParaRPr b="0" lang="ru-RU" sz="4400" spc="-1" strike="noStrike">
+              <a:latin typeface="Arial"/>
+            </a:endParaRPr>
+          </a:p>
+        </p:txBody>
+      </p:sp>
+      <p:sp>
+        <p:nvSpPr>
+          <p:cNvPr id="42" name="PlaceHolder 2"/>
           <p:cNvSpPr>
             <a:spLocks noGrp="1"/>
           </p:cNvSpPr>
@@ -644,8 +644,8 @@
         </p:nvSpPr>
         <p:spPr>
           <a:xfrm>
-            <a:off x="720000" y="1440000"/>
-            <a:ext cx="8999640" cy="3419640"/>
+            <a:off x="504000" y="1326600"/>
+            <a:ext cx="9072000" cy="3288600"/>
           </a:xfrm>
           <a:prstGeom prst="rect">
             <a:avLst/>
@@ -657,7 +657,7 @@
           </a:bodyPr>
           <a:p>
             <a:pPr algn="ctr"/>
-            <a:endParaRPr b="0" lang="en-US" sz="3200" spc="-1" strike="noStrike">
+            <a:endParaRPr b="0" lang="ru-RU" sz="3200" spc="-1" strike="noStrike">
               <a:latin typeface="Arial"/>
             </a:endParaRPr>
           </a:p>
@@ -687,7 +687,7 @@
       </p:grpSpPr>
       <p:sp>
         <p:nvSpPr>
-          <p:cNvPr id="44" name="PlaceHolder 1"/>
+          <p:cNvPr id="43" name="PlaceHolder 1"/>
           <p:cNvSpPr>
             <a:spLocks noGrp="1"/>
           </p:cNvSpPr>
@@ -697,8 +697,8 @@
         </p:nvSpPr>
         <p:spPr>
           <a:xfrm>
-            <a:off x="720000" y="148320"/>
-            <a:ext cx="8999640" cy="1143360"/>
+            <a:off x="504000" y="74160"/>
+            <a:ext cx="9072000" cy="1250280"/>
           </a:xfrm>
           <a:prstGeom prst="rect">
             <a:avLst/>
@@ -710,26 +710,26 @@
           </a:bodyPr>
           <a:p>
             <a:pPr algn="ctr"/>
-            <a:endParaRPr b="0" lang="en-US" sz="4400" spc="-1" strike="noStrike">
-              <a:latin typeface="Arial"/>
-            </a:endParaRPr>
-          </a:p>
-        </p:txBody>
-      </p:sp>
-      <p:sp>
-        <p:nvSpPr>
-          <p:cNvPr id="45" name="PlaceHolder 2"/>
-          <p:cNvSpPr>
-            <a:spLocks noGrp="1"/>
-          </p:cNvSpPr>
-          <p:nvPr>
-            <p:ph type="body"/>
-          </p:nvPr>
-        </p:nvSpPr>
-        <p:spPr>
-          <a:xfrm>
-            <a:off x="720000" y="1440000"/>
-            <a:ext cx="8999640" cy="3419640"/>
+            <a:endParaRPr b="0" lang="ru-RU" sz="4400" spc="-1" strike="noStrike">
+              <a:latin typeface="Arial"/>
+            </a:endParaRPr>
+          </a:p>
+        </p:txBody>
+      </p:sp>
+      <p:sp>
+        <p:nvSpPr>
+          <p:cNvPr id="44" name="PlaceHolder 2"/>
+          <p:cNvSpPr>
+            <a:spLocks noGrp="1"/>
+          </p:cNvSpPr>
+          <p:nvPr>
+            <p:ph type="body"/>
+          </p:nvPr>
+        </p:nvSpPr>
+        <p:spPr>
+          <a:xfrm>
+            <a:off x="504000" y="1326600"/>
+            <a:ext cx="9072000" cy="3288600"/>
           </a:xfrm>
           <a:prstGeom prst="rect">
             <a:avLst/>
@@ -740,7 +740,7 @@
             <a:normAutofit/>
           </a:bodyPr>
           <a:p>
-            <a:endParaRPr b="0" lang="en-US" sz="3200" spc="-1" strike="noStrike">
+            <a:endParaRPr b="0" lang="ru-RU" sz="3200" spc="-1" strike="noStrike">
               <a:latin typeface="Arial"/>
             </a:endParaRPr>
           </a:p>
@@ -770,7 +770,7 @@
       </p:grpSpPr>
       <p:sp>
         <p:nvSpPr>
-          <p:cNvPr id="46" name="PlaceHolder 1"/>
+          <p:cNvPr id="45" name="PlaceHolder 1"/>
           <p:cNvSpPr>
             <a:spLocks noGrp="1"/>
           </p:cNvSpPr>
@@ -780,8 +780,8 @@
         </p:nvSpPr>
         <p:spPr>
           <a:xfrm>
-            <a:off x="720000" y="148320"/>
-            <a:ext cx="8999640" cy="1143360"/>
+            <a:off x="504000" y="74160"/>
+            <a:ext cx="9072000" cy="1250280"/>
           </a:xfrm>
           <a:prstGeom prst="rect">
             <a:avLst/>
@@ -793,26 +793,26 @@
           </a:bodyPr>
           <a:p>
             <a:pPr algn="ctr"/>
-            <a:endParaRPr b="0" lang="en-US" sz="4400" spc="-1" strike="noStrike">
-              <a:latin typeface="Arial"/>
-            </a:endParaRPr>
-          </a:p>
-        </p:txBody>
-      </p:sp>
-      <p:sp>
-        <p:nvSpPr>
-          <p:cNvPr id="47" name="PlaceHolder 2"/>
-          <p:cNvSpPr>
-            <a:spLocks noGrp="1"/>
-          </p:cNvSpPr>
-          <p:nvPr>
-            <p:ph type="body"/>
-          </p:nvPr>
-        </p:nvSpPr>
-        <p:spPr>
-          <a:xfrm>
-            <a:off x="720000" y="1440000"/>
-            <a:ext cx="4391640" cy="3419640"/>
+            <a:endParaRPr b="0" lang="ru-RU" sz="4400" spc="-1" strike="noStrike">
+              <a:latin typeface="Arial"/>
+            </a:endParaRPr>
+          </a:p>
+        </p:txBody>
+      </p:sp>
+      <p:sp>
+        <p:nvSpPr>
+          <p:cNvPr id="46" name="PlaceHolder 2"/>
+          <p:cNvSpPr>
+            <a:spLocks noGrp="1"/>
+          </p:cNvSpPr>
+          <p:nvPr>
+            <p:ph type="body"/>
+          </p:nvPr>
+        </p:nvSpPr>
+        <p:spPr>
+          <a:xfrm>
+            <a:off x="504000" y="1326600"/>
+            <a:ext cx="4426920" cy="3288600"/>
           </a:xfrm>
           <a:prstGeom prst="rect">
             <a:avLst/>
@@ -823,26 +823,26 @@
             <a:normAutofit/>
           </a:bodyPr>
           <a:p>
-            <a:endParaRPr b="0" lang="en-US" sz="3200" spc="-1" strike="noStrike">
-              <a:latin typeface="Arial"/>
-            </a:endParaRPr>
-          </a:p>
-        </p:txBody>
-      </p:sp>
-      <p:sp>
-        <p:nvSpPr>
-          <p:cNvPr id="48" name="PlaceHolder 3"/>
-          <p:cNvSpPr>
-            <a:spLocks noGrp="1"/>
-          </p:cNvSpPr>
-          <p:nvPr>
-            <p:ph type="body"/>
-          </p:nvPr>
-        </p:nvSpPr>
-        <p:spPr>
-          <a:xfrm>
-            <a:off x="5331600" y="1440000"/>
-            <a:ext cx="4391640" cy="3419640"/>
+            <a:endParaRPr b="0" lang="ru-RU" sz="3200" spc="-1" strike="noStrike">
+              <a:latin typeface="Arial"/>
+            </a:endParaRPr>
+          </a:p>
+        </p:txBody>
+      </p:sp>
+      <p:sp>
+        <p:nvSpPr>
+          <p:cNvPr id="47" name="PlaceHolder 3"/>
+          <p:cNvSpPr>
+            <a:spLocks noGrp="1"/>
+          </p:cNvSpPr>
+          <p:nvPr>
+            <p:ph type="body"/>
+          </p:nvPr>
+        </p:nvSpPr>
+        <p:spPr>
+          <a:xfrm>
+            <a:off x="5152680" y="1326600"/>
+            <a:ext cx="4426920" cy="3288600"/>
           </a:xfrm>
           <a:prstGeom prst="rect">
             <a:avLst/>
@@ -853,7 +853,7 @@
             <a:normAutofit/>
           </a:bodyPr>
           <a:p>
-            <a:endParaRPr b="0" lang="en-US" sz="3200" spc="-1" strike="noStrike">
+            <a:endParaRPr b="0" lang="ru-RU" sz="3200" spc="-1" strike="noStrike">
               <a:latin typeface="Arial"/>
             </a:endParaRPr>
           </a:p>
@@ -883,7 +883,7 @@
       </p:grpSpPr>
       <p:sp>
         <p:nvSpPr>
-          <p:cNvPr id="49" name="PlaceHolder 1"/>
+          <p:cNvPr id="48" name="PlaceHolder 1"/>
           <p:cNvSpPr>
             <a:spLocks noGrp="1"/>
           </p:cNvSpPr>
@@ -893,8 +893,8 @@
         </p:nvSpPr>
         <p:spPr>
           <a:xfrm>
-            <a:off x="720000" y="148320"/>
-            <a:ext cx="8999640" cy="1143360"/>
+            <a:off x="504000" y="74160"/>
+            <a:ext cx="9072000" cy="1250280"/>
           </a:xfrm>
           <a:prstGeom prst="rect">
             <a:avLst/>
@@ -906,7 +906,7 @@
           </a:bodyPr>
           <a:p>
             <a:pPr algn="ctr"/>
-            <a:endParaRPr b="0" lang="en-US" sz="4400" spc="-1" strike="noStrike">
+            <a:endParaRPr b="0" lang="ru-RU" sz="4400" spc="-1" strike="noStrike">
               <a:latin typeface="Arial"/>
             </a:endParaRPr>
           </a:p>
@@ -936,7 +936,7 @@
       </p:grpSpPr>
       <p:sp>
         <p:nvSpPr>
-          <p:cNvPr id="50" name="PlaceHolder 1"/>
+          <p:cNvPr id="49" name="PlaceHolder 1"/>
           <p:cNvSpPr>
             <a:spLocks noGrp="1"/>
           </p:cNvSpPr>
@@ -946,8 +946,8 @@
         </p:nvSpPr>
         <p:spPr>
           <a:xfrm>
-            <a:off x="720000" y="148320"/>
-            <a:ext cx="8999640" cy="5301360"/>
+            <a:off x="504000" y="226080"/>
+            <a:ext cx="9072000" cy="4388400"/>
           </a:xfrm>
           <a:prstGeom prst="rect">
             <a:avLst/>
@@ -959,7 +959,7 @@
           </a:bodyPr>
           <a:p>
             <a:pPr algn="ctr"/>
-            <a:endParaRPr b="0" lang="en-US" sz="3200" spc="-1" strike="noStrike">
+            <a:endParaRPr b="0" lang="ru-RU" sz="3200" spc="-1" strike="noStrike">
               <a:latin typeface="Arial"/>
             </a:endParaRPr>
           </a:p>
@@ -989,7 +989,7 @@
       </p:grpSpPr>
       <p:sp>
         <p:nvSpPr>
-          <p:cNvPr id="51" name="PlaceHolder 1"/>
+          <p:cNvPr id="50" name="PlaceHolder 1"/>
           <p:cNvSpPr>
             <a:spLocks noGrp="1"/>
           </p:cNvSpPr>
@@ -999,8 +999,8 @@
         </p:nvSpPr>
         <p:spPr>
           <a:xfrm>
-            <a:off x="720000" y="148320"/>
-            <a:ext cx="8999640" cy="1143360"/>
+            <a:off x="504000" y="74160"/>
+            <a:ext cx="9072000" cy="1250280"/>
           </a:xfrm>
           <a:prstGeom prst="rect">
             <a:avLst/>
@@ -1012,26 +1012,26 @@
           </a:bodyPr>
           <a:p>
             <a:pPr algn="ctr"/>
-            <a:endParaRPr b="0" lang="en-US" sz="4400" spc="-1" strike="noStrike">
-              <a:latin typeface="Arial"/>
-            </a:endParaRPr>
-          </a:p>
-        </p:txBody>
-      </p:sp>
-      <p:sp>
-        <p:nvSpPr>
-          <p:cNvPr id="52" name="PlaceHolder 2"/>
-          <p:cNvSpPr>
-            <a:spLocks noGrp="1"/>
-          </p:cNvSpPr>
-          <p:nvPr>
-            <p:ph type="body"/>
-          </p:nvPr>
-        </p:nvSpPr>
-        <p:spPr>
-          <a:xfrm>
-            <a:off x="720000" y="1440000"/>
-            <a:ext cx="4391640" cy="1631160"/>
+            <a:endParaRPr b="0" lang="ru-RU" sz="4400" spc="-1" strike="noStrike">
+              <a:latin typeface="Arial"/>
+            </a:endParaRPr>
+          </a:p>
+        </p:txBody>
+      </p:sp>
+      <p:sp>
+        <p:nvSpPr>
+          <p:cNvPr id="51" name="PlaceHolder 2"/>
+          <p:cNvSpPr>
+            <a:spLocks noGrp="1"/>
+          </p:cNvSpPr>
+          <p:nvPr>
+            <p:ph type="body"/>
+          </p:nvPr>
+        </p:nvSpPr>
+        <p:spPr>
+          <a:xfrm>
+            <a:off x="504000" y="1326600"/>
+            <a:ext cx="4426920" cy="1568520"/>
           </a:xfrm>
           <a:prstGeom prst="rect">
             <a:avLst/>
@@ -1042,26 +1042,26 @@
             <a:normAutofit/>
           </a:bodyPr>
           <a:p>
-            <a:endParaRPr b="0" lang="en-US" sz="3200" spc="-1" strike="noStrike">
-              <a:latin typeface="Arial"/>
-            </a:endParaRPr>
-          </a:p>
-        </p:txBody>
-      </p:sp>
-      <p:sp>
-        <p:nvSpPr>
-          <p:cNvPr id="53" name="PlaceHolder 3"/>
-          <p:cNvSpPr>
-            <a:spLocks noGrp="1"/>
-          </p:cNvSpPr>
-          <p:nvPr>
-            <p:ph type="body"/>
-          </p:nvPr>
-        </p:nvSpPr>
-        <p:spPr>
-          <a:xfrm>
-            <a:off x="5331600" y="1440000"/>
-            <a:ext cx="4391640" cy="3419640"/>
+            <a:endParaRPr b="0" lang="ru-RU" sz="3200" spc="-1" strike="noStrike">
+              <a:latin typeface="Arial"/>
+            </a:endParaRPr>
+          </a:p>
+        </p:txBody>
+      </p:sp>
+      <p:sp>
+        <p:nvSpPr>
+          <p:cNvPr id="52" name="PlaceHolder 3"/>
+          <p:cNvSpPr>
+            <a:spLocks noGrp="1"/>
+          </p:cNvSpPr>
+          <p:nvPr>
+            <p:ph type="body"/>
+          </p:nvPr>
+        </p:nvSpPr>
+        <p:spPr>
+          <a:xfrm>
+            <a:off x="5152680" y="1326600"/>
+            <a:ext cx="4426920" cy="3288600"/>
           </a:xfrm>
           <a:prstGeom prst="rect">
             <a:avLst/>
@@ -1072,26 +1072,26 @@
             <a:normAutofit/>
           </a:bodyPr>
           <a:p>
-            <a:endParaRPr b="0" lang="en-US" sz="3200" spc="-1" strike="noStrike">
-              <a:latin typeface="Arial"/>
-            </a:endParaRPr>
-          </a:p>
-        </p:txBody>
-      </p:sp>
-      <p:sp>
-        <p:nvSpPr>
-          <p:cNvPr id="54" name="PlaceHolder 4"/>
-          <p:cNvSpPr>
-            <a:spLocks noGrp="1"/>
-          </p:cNvSpPr>
-          <p:nvPr>
-            <p:ph type="body"/>
-          </p:nvPr>
-        </p:nvSpPr>
-        <p:spPr>
-          <a:xfrm>
-            <a:off x="720000" y="3226680"/>
-            <a:ext cx="4391640" cy="1631160"/>
+            <a:endParaRPr b="0" lang="ru-RU" sz="3200" spc="-1" strike="noStrike">
+              <a:latin typeface="Arial"/>
+            </a:endParaRPr>
+          </a:p>
+        </p:txBody>
+      </p:sp>
+      <p:sp>
+        <p:nvSpPr>
+          <p:cNvPr id="53" name="PlaceHolder 4"/>
+          <p:cNvSpPr>
+            <a:spLocks noGrp="1"/>
+          </p:cNvSpPr>
+          <p:nvPr>
+            <p:ph type="body"/>
+          </p:nvPr>
+        </p:nvSpPr>
+        <p:spPr>
+          <a:xfrm>
+            <a:off x="504000" y="3044520"/>
+            <a:ext cx="4426920" cy="1568520"/>
           </a:xfrm>
           <a:prstGeom prst="rect">
             <a:avLst/>
@@ -1102,7 +1102,7 @@
             <a:normAutofit/>
           </a:bodyPr>
           <a:p>
-            <a:endParaRPr b="0" lang="en-US" sz="3200" spc="-1" strike="noStrike">
+            <a:endParaRPr b="0" lang="ru-RU" sz="3200" spc="-1" strike="noStrike">
               <a:latin typeface="Arial"/>
             </a:endParaRPr>
           </a:p>
@@ -1132,7 +1132,7 @@
       </p:grpSpPr>
       <p:sp>
         <p:nvSpPr>
-          <p:cNvPr id="3" name="PlaceHolder 1"/>
+          <p:cNvPr id="2" name="PlaceHolder 1"/>
           <p:cNvSpPr>
             <a:spLocks noGrp="1"/>
           </p:cNvSpPr>
@@ -1142,8 +1142,8 @@
         </p:nvSpPr>
         <p:spPr>
           <a:xfrm>
-            <a:off x="720000" y="148320"/>
-            <a:ext cx="8999640" cy="1143360"/>
+            <a:off x="504000" y="74160"/>
+            <a:ext cx="9072000" cy="1250280"/>
           </a:xfrm>
           <a:prstGeom prst="rect">
             <a:avLst/>
@@ -1155,15 +1155,15 @@
           </a:bodyPr>
           <a:p>
             <a:pPr algn="ctr"/>
-            <a:endParaRPr b="0" lang="en-US" sz="4400" spc="-1" strike="noStrike">
-              <a:latin typeface="Arial"/>
-            </a:endParaRPr>
-          </a:p>
-        </p:txBody>
-      </p:sp>
-      <p:sp>
-        <p:nvSpPr>
-          <p:cNvPr id="4" name="PlaceHolder 2"/>
+            <a:endParaRPr b="0" lang="ru-RU" sz="4400" spc="-1" strike="noStrike">
+              <a:latin typeface="Arial"/>
+            </a:endParaRPr>
+          </a:p>
+        </p:txBody>
+      </p:sp>
+      <p:sp>
+        <p:nvSpPr>
+          <p:cNvPr id="3" name="PlaceHolder 2"/>
           <p:cNvSpPr>
             <a:spLocks noGrp="1"/>
           </p:cNvSpPr>
@@ -1173,8 +1173,8 @@
         </p:nvSpPr>
         <p:spPr>
           <a:xfrm>
-            <a:off x="720000" y="1440000"/>
-            <a:ext cx="8999640" cy="3419640"/>
+            <a:off x="504000" y="1326600"/>
+            <a:ext cx="9072000" cy="3288600"/>
           </a:xfrm>
           <a:prstGeom prst="rect">
             <a:avLst/>
@@ -1186,7 +1186,7 @@
           </a:bodyPr>
           <a:p>
             <a:pPr algn="ctr"/>
-            <a:endParaRPr b="0" lang="en-US" sz="3200" spc="-1" strike="noStrike">
+            <a:endParaRPr b="0" lang="ru-RU" sz="3200" spc="-1" strike="noStrike">
               <a:latin typeface="Arial"/>
             </a:endParaRPr>
           </a:p>
@@ -1216,7 +1216,7 @@
       </p:grpSpPr>
       <p:sp>
         <p:nvSpPr>
-          <p:cNvPr id="55" name="PlaceHolder 1"/>
+          <p:cNvPr id="54" name="PlaceHolder 1"/>
           <p:cNvSpPr>
             <a:spLocks noGrp="1"/>
           </p:cNvSpPr>
@@ -1226,8 +1226,8 @@
         </p:nvSpPr>
         <p:spPr>
           <a:xfrm>
-            <a:off x="720000" y="148320"/>
-            <a:ext cx="8999640" cy="1143360"/>
+            <a:off x="504000" y="74160"/>
+            <a:ext cx="9072000" cy="1250280"/>
           </a:xfrm>
           <a:prstGeom prst="rect">
             <a:avLst/>
@@ -1239,26 +1239,26 @@
           </a:bodyPr>
           <a:p>
             <a:pPr algn="ctr"/>
-            <a:endParaRPr b="0" lang="en-US" sz="4400" spc="-1" strike="noStrike">
-              <a:latin typeface="Arial"/>
-            </a:endParaRPr>
-          </a:p>
-        </p:txBody>
-      </p:sp>
-      <p:sp>
-        <p:nvSpPr>
-          <p:cNvPr id="56" name="PlaceHolder 2"/>
-          <p:cNvSpPr>
-            <a:spLocks noGrp="1"/>
-          </p:cNvSpPr>
-          <p:nvPr>
-            <p:ph type="body"/>
-          </p:nvPr>
-        </p:nvSpPr>
-        <p:spPr>
-          <a:xfrm>
-            <a:off x="720000" y="1440000"/>
-            <a:ext cx="4391640" cy="3419640"/>
+            <a:endParaRPr b="0" lang="ru-RU" sz="4400" spc="-1" strike="noStrike">
+              <a:latin typeface="Arial"/>
+            </a:endParaRPr>
+          </a:p>
+        </p:txBody>
+      </p:sp>
+      <p:sp>
+        <p:nvSpPr>
+          <p:cNvPr id="55" name="PlaceHolder 2"/>
+          <p:cNvSpPr>
+            <a:spLocks noGrp="1"/>
+          </p:cNvSpPr>
+          <p:nvPr>
+            <p:ph type="body"/>
+          </p:nvPr>
+        </p:nvSpPr>
+        <p:spPr>
+          <a:xfrm>
+            <a:off x="504000" y="1326600"/>
+            <a:ext cx="4426920" cy="3288600"/>
           </a:xfrm>
           <a:prstGeom prst="rect">
             <a:avLst/>
@@ -1269,26 +1269,26 @@
             <a:normAutofit/>
           </a:bodyPr>
           <a:p>
-            <a:endParaRPr b="0" lang="en-US" sz="3200" spc="-1" strike="noStrike">
-              <a:latin typeface="Arial"/>
-            </a:endParaRPr>
-          </a:p>
-        </p:txBody>
-      </p:sp>
-      <p:sp>
-        <p:nvSpPr>
-          <p:cNvPr id="57" name="PlaceHolder 3"/>
-          <p:cNvSpPr>
-            <a:spLocks noGrp="1"/>
-          </p:cNvSpPr>
-          <p:nvPr>
-            <p:ph type="body"/>
-          </p:nvPr>
-        </p:nvSpPr>
-        <p:spPr>
-          <a:xfrm>
-            <a:off x="5331600" y="1440000"/>
-            <a:ext cx="4391640" cy="1631160"/>
+            <a:endParaRPr b="0" lang="ru-RU" sz="3200" spc="-1" strike="noStrike">
+              <a:latin typeface="Arial"/>
+            </a:endParaRPr>
+          </a:p>
+        </p:txBody>
+      </p:sp>
+      <p:sp>
+        <p:nvSpPr>
+          <p:cNvPr id="56" name="PlaceHolder 3"/>
+          <p:cNvSpPr>
+            <a:spLocks noGrp="1"/>
+          </p:cNvSpPr>
+          <p:nvPr>
+            <p:ph type="body"/>
+          </p:nvPr>
+        </p:nvSpPr>
+        <p:spPr>
+          <a:xfrm>
+            <a:off x="5152680" y="1326600"/>
+            <a:ext cx="4426920" cy="1568520"/>
           </a:xfrm>
           <a:prstGeom prst="rect">
             <a:avLst/>
@@ -1299,26 +1299,26 @@
             <a:normAutofit/>
           </a:bodyPr>
           <a:p>
-            <a:endParaRPr b="0" lang="en-US" sz="3200" spc="-1" strike="noStrike">
-              <a:latin typeface="Arial"/>
-            </a:endParaRPr>
-          </a:p>
-        </p:txBody>
-      </p:sp>
-      <p:sp>
-        <p:nvSpPr>
-          <p:cNvPr id="58" name="PlaceHolder 4"/>
-          <p:cNvSpPr>
-            <a:spLocks noGrp="1"/>
-          </p:cNvSpPr>
-          <p:nvPr>
-            <p:ph type="body"/>
-          </p:nvPr>
-        </p:nvSpPr>
-        <p:spPr>
-          <a:xfrm>
-            <a:off x="5331600" y="3226680"/>
-            <a:ext cx="4391640" cy="1631160"/>
+            <a:endParaRPr b="0" lang="ru-RU" sz="3200" spc="-1" strike="noStrike">
+              <a:latin typeface="Arial"/>
+            </a:endParaRPr>
+          </a:p>
+        </p:txBody>
+      </p:sp>
+      <p:sp>
+        <p:nvSpPr>
+          <p:cNvPr id="57" name="PlaceHolder 4"/>
+          <p:cNvSpPr>
+            <a:spLocks noGrp="1"/>
+          </p:cNvSpPr>
+          <p:nvPr>
+            <p:ph type="body"/>
+          </p:nvPr>
+        </p:nvSpPr>
+        <p:spPr>
+          <a:xfrm>
+            <a:off x="5152680" y="3044520"/>
+            <a:ext cx="4426920" cy="1568520"/>
           </a:xfrm>
           <a:prstGeom prst="rect">
             <a:avLst/>
@@ -1329,7 +1329,7 @@
             <a:normAutofit/>
           </a:bodyPr>
           <a:p>
-            <a:endParaRPr b="0" lang="en-US" sz="3200" spc="-1" strike="noStrike">
+            <a:endParaRPr b="0" lang="ru-RU" sz="3200" spc="-1" strike="noStrike">
               <a:latin typeface="Arial"/>
             </a:endParaRPr>
           </a:p>
@@ -1359,7 +1359,7 @@
       </p:grpSpPr>
       <p:sp>
         <p:nvSpPr>
-          <p:cNvPr id="59" name="PlaceHolder 1"/>
+          <p:cNvPr id="58" name="PlaceHolder 1"/>
           <p:cNvSpPr>
             <a:spLocks noGrp="1"/>
           </p:cNvSpPr>
@@ -1369,8 +1369,8 @@
         </p:nvSpPr>
         <p:spPr>
           <a:xfrm>
-            <a:off x="720000" y="148320"/>
-            <a:ext cx="8999640" cy="1143360"/>
+            <a:off x="504000" y="74160"/>
+            <a:ext cx="9072000" cy="1250280"/>
           </a:xfrm>
           <a:prstGeom prst="rect">
             <a:avLst/>
@@ -1382,26 +1382,26 @@
           </a:bodyPr>
           <a:p>
             <a:pPr algn="ctr"/>
-            <a:endParaRPr b="0" lang="en-US" sz="4400" spc="-1" strike="noStrike">
-              <a:latin typeface="Arial"/>
-            </a:endParaRPr>
-          </a:p>
-        </p:txBody>
-      </p:sp>
-      <p:sp>
-        <p:nvSpPr>
-          <p:cNvPr id="60" name="PlaceHolder 2"/>
-          <p:cNvSpPr>
-            <a:spLocks noGrp="1"/>
-          </p:cNvSpPr>
-          <p:nvPr>
-            <p:ph type="body"/>
-          </p:nvPr>
-        </p:nvSpPr>
-        <p:spPr>
-          <a:xfrm>
-            <a:off x="720000" y="1440000"/>
-            <a:ext cx="4391640" cy="1631160"/>
+            <a:endParaRPr b="0" lang="ru-RU" sz="4400" spc="-1" strike="noStrike">
+              <a:latin typeface="Arial"/>
+            </a:endParaRPr>
+          </a:p>
+        </p:txBody>
+      </p:sp>
+      <p:sp>
+        <p:nvSpPr>
+          <p:cNvPr id="59" name="PlaceHolder 2"/>
+          <p:cNvSpPr>
+            <a:spLocks noGrp="1"/>
+          </p:cNvSpPr>
+          <p:nvPr>
+            <p:ph type="body"/>
+          </p:nvPr>
+        </p:nvSpPr>
+        <p:spPr>
+          <a:xfrm>
+            <a:off x="504000" y="1326600"/>
+            <a:ext cx="4426920" cy="1568520"/>
           </a:xfrm>
           <a:prstGeom prst="rect">
             <a:avLst/>
@@ -1412,26 +1412,26 @@
             <a:normAutofit/>
           </a:bodyPr>
           <a:p>
-            <a:endParaRPr b="0" lang="en-US" sz="3200" spc="-1" strike="noStrike">
-              <a:latin typeface="Arial"/>
-            </a:endParaRPr>
-          </a:p>
-        </p:txBody>
-      </p:sp>
-      <p:sp>
-        <p:nvSpPr>
-          <p:cNvPr id="61" name="PlaceHolder 3"/>
-          <p:cNvSpPr>
-            <a:spLocks noGrp="1"/>
-          </p:cNvSpPr>
-          <p:nvPr>
-            <p:ph type="body"/>
-          </p:nvPr>
-        </p:nvSpPr>
-        <p:spPr>
-          <a:xfrm>
-            <a:off x="5331600" y="1440000"/>
-            <a:ext cx="4391640" cy="1631160"/>
+            <a:endParaRPr b="0" lang="ru-RU" sz="3200" spc="-1" strike="noStrike">
+              <a:latin typeface="Arial"/>
+            </a:endParaRPr>
+          </a:p>
+        </p:txBody>
+      </p:sp>
+      <p:sp>
+        <p:nvSpPr>
+          <p:cNvPr id="60" name="PlaceHolder 3"/>
+          <p:cNvSpPr>
+            <a:spLocks noGrp="1"/>
+          </p:cNvSpPr>
+          <p:nvPr>
+            <p:ph type="body"/>
+          </p:nvPr>
+        </p:nvSpPr>
+        <p:spPr>
+          <a:xfrm>
+            <a:off x="5152680" y="1326600"/>
+            <a:ext cx="4426920" cy="1568520"/>
           </a:xfrm>
           <a:prstGeom prst="rect">
             <a:avLst/>
@@ -1442,26 +1442,26 @@
             <a:normAutofit/>
           </a:bodyPr>
           <a:p>
-            <a:endParaRPr b="0" lang="en-US" sz="3200" spc="-1" strike="noStrike">
-              <a:latin typeface="Arial"/>
-            </a:endParaRPr>
-          </a:p>
-        </p:txBody>
-      </p:sp>
-      <p:sp>
-        <p:nvSpPr>
-          <p:cNvPr id="62" name="PlaceHolder 4"/>
-          <p:cNvSpPr>
-            <a:spLocks noGrp="1"/>
-          </p:cNvSpPr>
-          <p:nvPr>
-            <p:ph type="body"/>
-          </p:nvPr>
-        </p:nvSpPr>
-        <p:spPr>
-          <a:xfrm>
-            <a:off x="720000" y="3226680"/>
-            <a:ext cx="8999640" cy="1631160"/>
+            <a:endParaRPr b="0" lang="ru-RU" sz="3200" spc="-1" strike="noStrike">
+              <a:latin typeface="Arial"/>
+            </a:endParaRPr>
+          </a:p>
+        </p:txBody>
+      </p:sp>
+      <p:sp>
+        <p:nvSpPr>
+          <p:cNvPr id="61" name="PlaceHolder 4"/>
+          <p:cNvSpPr>
+            <a:spLocks noGrp="1"/>
+          </p:cNvSpPr>
+          <p:nvPr>
+            <p:ph type="body"/>
+          </p:nvPr>
+        </p:nvSpPr>
+        <p:spPr>
+          <a:xfrm>
+            <a:off x="504000" y="3044520"/>
+            <a:ext cx="9072000" cy="1568520"/>
           </a:xfrm>
           <a:prstGeom prst="rect">
             <a:avLst/>
@@ -1472,7 +1472,7 @@
             <a:normAutofit/>
           </a:bodyPr>
           <a:p>
-            <a:endParaRPr b="0" lang="en-US" sz="3200" spc="-1" strike="noStrike">
+            <a:endParaRPr b="0" lang="ru-RU" sz="3200" spc="-1" strike="noStrike">
               <a:latin typeface="Arial"/>
             </a:endParaRPr>
           </a:p>
@@ -1502,7 +1502,7 @@
       </p:grpSpPr>
       <p:sp>
         <p:nvSpPr>
-          <p:cNvPr id="63" name="PlaceHolder 1"/>
+          <p:cNvPr id="62" name="PlaceHolder 1"/>
           <p:cNvSpPr>
             <a:spLocks noGrp="1"/>
           </p:cNvSpPr>
@@ -1512,8 +1512,8 @@
         </p:nvSpPr>
         <p:spPr>
           <a:xfrm>
-            <a:off x="720000" y="148320"/>
-            <a:ext cx="8999640" cy="1143360"/>
+            <a:off x="504000" y="74160"/>
+            <a:ext cx="9072000" cy="1250280"/>
           </a:xfrm>
           <a:prstGeom prst="rect">
             <a:avLst/>
@@ -1525,26 +1525,26 @@
           </a:bodyPr>
           <a:p>
             <a:pPr algn="ctr"/>
-            <a:endParaRPr b="0" lang="en-US" sz="4400" spc="-1" strike="noStrike">
-              <a:latin typeface="Arial"/>
-            </a:endParaRPr>
-          </a:p>
-        </p:txBody>
-      </p:sp>
-      <p:sp>
-        <p:nvSpPr>
-          <p:cNvPr id="64" name="PlaceHolder 2"/>
-          <p:cNvSpPr>
-            <a:spLocks noGrp="1"/>
-          </p:cNvSpPr>
-          <p:nvPr>
-            <p:ph type="body"/>
-          </p:nvPr>
-        </p:nvSpPr>
-        <p:spPr>
-          <a:xfrm>
-            <a:off x="720000" y="1440000"/>
-            <a:ext cx="8999640" cy="1631160"/>
+            <a:endParaRPr b="0" lang="ru-RU" sz="4400" spc="-1" strike="noStrike">
+              <a:latin typeface="Arial"/>
+            </a:endParaRPr>
+          </a:p>
+        </p:txBody>
+      </p:sp>
+      <p:sp>
+        <p:nvSpPr>
+          <p:cNvPr id="63" name="PlaceHolder 2"/>
+          <p:cNvSpPr>
+            <a:spLocks noGrp="1"/>
+          </p:cNvSpPr>
+          <p:nvPr>
+            <p:ph type="body"/>
+          </p:nvPr>
+        </p:nvSpPr>
+        <p:spPr>
+          <a:xfrm>
+            <a:off x="504000" y="1326600"/>
+            <a:ext cx="9072000" cy="1568520"/>
           </a:xfrm>
           <a:prstGeom prst="rect">
             <a:avLst/>
@@ -1555,26 +1555,26 @@
             <a:normAutofit/>
           </a:bodyPr>
           <a:p>
-            <a:endParaRPr b="0" lang="en-US" sz="3200" spc="-1" strike="noStrike">
-              <a:latin typeface="Arial"/>
-            </a:endParaRPr>
-          </a:p>
-        </p:txBody>
-      </p:sp>
-      <p:sp>
-        <p:nvSpPr>
-          <p:cNvPr id="65" name="PlaceHolder 3"/>
-          <p:cNvSpPr>
-            <a:spLocks noGrp="1"/>
-          </p:cNvSpPr>
-          <p:nvPr>
-            <p:ph type="body"/>
-          </p:nvPr>
-        </p:nvSpPr>
-        <p:spPr>
-          <a:xfrm>
-            <a:off x="720000" y="3226680"/>
-            <a:ext cx="8999640" cy="1631160"/>
+            <a:endParaRPr b="0" lang="ru-RU" sz="3200" spc="-1" strike="noStrike">
+              <a:latin typeface="Arial"/>
+            </a:endParaRPr>
+          </a:p>
+        </p:txBody>
+      </p:sp>
+      <p:sp>
+        <p:nvSpPr>
+          <p:cNvPr id="64" name="PlaceHolder 3"/>
+          <p:cNvSpPr>
+            <a:spLocks noGrp="1"/>
+          </p:cNvSpPr>
+          <p:nvPr>
+            <p:ph type="body"/>
+          </p:nvPr>
+        </p:nvSpPr>
+        <p:spPr>
+          <a:xfrm>
+            <a:off x="504000" y="3044520"/>
+            <a:ext cx="9072000" cy="1568520"/>
           </a:xfrm>
           <a:prstGeom prst="rect">
             <a:avLst/>
@@ -1585,7 +1585,7 @@
             <a:normAutofit/>
           </a:bodyPr>
           <a:p>
-            <a:endParaRPr b="0" lang="en-US" sz="3200" spc="-1" strike="noStrike">
+            <a:endParaRPr b="0" lang="ru-RU" sz="3200" spc="-1" strike="noStrike">
               <a:latin typeface="Arial"/>
             </a:endParaRPr>
           </a:p>
@@ -1615,7 +1615,7 @@
       </p:grpSpPr>
       <p:sp>
         <p:nvSpPr>
-          <p:cNvPr id="66" name="PlaceHolder 1"/>
+          <p:cNvPr id="65" name="PlaceHolder 1"/>
           <p:cNvSpPr>
             <a:spLocks noGrp="1"/>
           </p:cNvSpPr>
@@ -1625,8 +1625,8 @@
         </p:nvSpPr>
         <p:spPr>
           <a:xfrm>
-            <a:off x="720000" y="148320"/>
-            <a:ext cx="8999640" cy="1143360"/>
+            <a:off x="504000" y="74160"/>
+            <a:ext cx="9072000" cy="1250280"/>
           </a:xfrm>
           <a:prstGeom prst="rect">
             <a:avLst/>
@@ -1638,26 +1638,26 @@
           </a:bodyPr>
           <a:p>
             <a:pPr algn="ctr"/>
-            <a:endParaRPr b="0" lang="en-US" sz="4400" spc="-1" strike="noStrike">
-              <a:latin typeface="Arial"/>
-            </a:endParaRPr>
-          </a:p>
-        </p:txBody>
-      </p:sp>
-      <p:sp>
-        <p:nvSpPr>
-          <p:cNvPr id="67" name="PlaceHolder 2"/>
-          <p:cNvSpPr>
-            <a:spLocks noGrp="1"/>
-          </p:cNvSpPr>
-          <p:nvPr>
-            <p:ph type="body"/>
-          </p:nvPr>
-        </p:nvSpPr>
-        <p:spPr>
-          <a:xfrm>
-            <a:off x="720000" y="1440000"/>
-            <a:ext cx="4391640" cy="1631160"/>
+            <a:endParaRPr b="0" lang="ru-RU" sz="4400" spc="-1" strike="noStrike">
+              <a:latin typeface="Arial"/>
+            </a:endParaRPr>
+          </a:p>
+        </p:txBody>
+      </p:sp>
+      <p:sp>
+        <p:nvSpPr>
+          <p:cNvPr id="66" name="PlaceHolder 2"/>
+          <p:cNvSpPr>
+            <a:spLocks noGrp="1"/>
+          </p:cNvSpPr>
+          <p:nvPr>
+            <p:ph type="body"/>
+          </p:nvPr>
+        </p:nvSpPr>
+        <p:spPr>
+          <a:xfrm>
+            <a:off x="504000" y="1326600"/>
+            <a:ext cx="4426920" cy="1568520"/>
           </a:xfrm>
           <a:prstGeom prst="rect">
             <a:avLst/>
@@ -1668,26 +1668,26 @@
             <a:normAutofit/>
           </a:bodyPr>
           <a:p>
-            <a:endParaRPr b="0" lang="en-US" sz="3200" spc="-1" strike="noStrike">
-              <a:latin typeface="Arial"/>
-            </a:endParaRPr>
-          </a:p>
-        </p:txBody>
-      </p:sp>
-      <p:sp>
-        <p:nvSpPr>
-          <p:cNvPr id="68" name="PlaceHolder 3"/>
-          <p:cNvSpPr>
-            <a:spLocks noGrp="1"/>
-          </p:cNvSpPr>
-          <p:nvPr>
-            <p:ph type="body"/>
-          </p:nvPr>
-        </p:nvSpPr>
-        <p:spPr>
-          <a:xfrm>
-            <a:off x="5331600" y="1440000"/>
-            <a:ext cx="4391640" cy="1631160"/>
+            <a:endParaRPr b="0" lang="ru-RU" sz="3200" spc="-1" strike="noStrike">
+              <a:latin typeface="Arial"/>
+            </a:endParaRPr>
+          </a:p>
+        </p:txBody>
+      </p:sp>
+      <p:sp>
+        <p:nvSpPr>
+          <p:cNvPr id="67" name="PlaceHolder 3"/>
+          <p:cNvSpPr>
+            <a:spLocks noGrp="1"/>
+          </p:cNvSpPr>
+          <p:nvPr>
+            <p:ph type="body"/>
+          </p:nvPr>
+        </p:nvSpPr>
+        <p:spPr>
+          <a:xfrm>
+            <a:off x="5152680" y="1326600"/>
+            <a:ext cx="4426920" cy="1568520"/>
           </a:xfrm>
           <a:prstGeom prst="rect">
             <a:avLst/>
@@ -1698,26 +1698,26 @@
             <a:normAutofit/>
           </a:bodyPr>
           <a:p>
-            <a:endParaRPr b="0" lang="en-US" sz="3200" spc="-1" strike="noStrike">
-              <a:latin typeface="Arial"/>
-            </a:endParaRPr>
-          </a:p>
-        </p:txBody>
-      </p:sp>
-      <p:sp>
-        <p:nvSpPr>
-          <p:cNvPr id="69" name="PlaceHolder 4"/>
-          <p:cNvSpPr>
-            <a:spLocks noGrp="1"/>
-          </p:cNvSpPr>
-          <p:nvPr>
-            <p:ph type="body"/>
-          </p:nvPr>
-        </p:nvSpPr>
-        <p:spPr>
-          <a:xfrm>
-            <a:off x="720000" y="3226680"/>
-            <a:ext cx="4391640" cy="1631160"/>
+            <a:endParaRPr b="0" lang="ru-RU" sz="3200" spc="-1" strike="noStrike">
+              <a:latin typeface="Arial"/>
+            </a:endParaRPr>
+          </a:p>
+        </p:txBody>
+      </p:sp>
+      <p:sp>
+        <p:nvSpPr>
+          <p:cNvPr id="68" name="PlaceHolder 4"/>
+          <p:cNvSpPr>
+            <a:spLocks noGrp="1"/>
+          </p:cNvSpPr>
+          <p:nvPr>
+            <p:ph type="body"/>
+          </p:nvPr>
+        </p:nvSpPr>
+        <p:spPr>
+          <a:xfrm>
+            <a:off x="504000" y="3044520"/>
+            <a:ext cx="4426920" cy="1568520"/>
           </a:xfrm>
           <a:prstGeom prst="rect">
             <a:avLst/>
@@ -1728,26 +1728,26 @@
             <a:normAutofit/>
           </a:bodyPr>
           <a:p>
-            <a:endParaRPr b="0" lang="en-US" sz="3200" spc="-1" strike="noStrike">
-              <a:latin typeface="Arial"/>
-            </a:endParaRPr>
-          </a:p>
-        </p:txBody>
-      </p:sp>
-      <p:sp>
-        <p:nvSpPr>
-          <p:cNvPr id="70" name="PlaceHolder 5"/>
-          <p:cNvSpPr>
-            <a:spLocks noGrp="1"/>
-          </p:cNvSpPr>
-          <p:nvPr>
-            <p:ph type="body"/>
-          </p:nvPr>
-        </p:nvSpPr>
-        <p:spPr>
-          <a:xfrm>
-            <a:off x="5331600" y="3226680"/>
-            <a:ext cx="4391640" cy="1631160"/>
+            <a:endParaRPr b="0" lang="ru-RU" sz="3200" spc="-1" strike="noStrike">
+              <a:latin typeface="Arial"/>
+            </a:endParaRPr>
+          </a:p>
+        </p:txBody>
+      </p:sp>
+      <p:sp>
+        <p:nvSpPr>
+          <p:cNvPr id="69" name="PlaceHolder 5"/>
+          <p:cNvSpPr>
+            <a:spLocks noGrp="1"/>
+          </p:cNvSpPr>
+          <p:nvPr>
+            <p:ph type="body"/>
+          </p:nvPr>
+        </p:nvSpPr>
+        <p:spPr>
+          <a:xfrm>
+            <a:off x="5152680" y="3044520"/>
+            <a:ext cx="4426920" cy="1568520"/>
           </a:xfrm>
           <a:prstGeom prst="rect">
             <a:avLst/>
@@ -1758,7 +1758,7 @@
             <a:normAutofit/>
           </a:bodyPr>
           <a:p>
-            <a:endParaRPr b="0" lang="en-US" sz="3200" spc="-1" strike="noStrike">
+            <a:endParaRPr b="0" lang="ru-RU" sz="3200" spc="-1" strike="noStrike">
               <a:latin typeface="Arial"/>
             </a:endParaRPr>
           </a:p>
@@ -1788,7 +1788,7 @@
       </p:grpSpPr>
       <p:sp>
         <p:nvSpPr>
-          <p:cNvPr id="71" name="PlaceHolder 1"/>
+          <p:cNvPr id="70" name="PlaceHolder 1"/>
           <p:cNvSpPr>
             <a:spLocks noGrp="1"/>
           </p:cNvSpPr>
@@ -1798,8 +1798,8 @@
         </p:nvSpPr>
         <p:spPr>
           <a:xfrm>
-            <a:off x="720000" y="148320"/>
-            <a:ext cx="8999640" cy="1143360"/>
+            <a:off x="504000" y="74160"/>
+            <a:ext cx="9072000" cy="1250280"/>
           </a:xfrm>
           <a:prstGeom prst="rect">
             <a:avLst/>
@@ -1811,187 +1811,187 @@
           </a:bodyPr>
           <a:p>
             <a:pPr algn="ctr"/>
-            <a:endParaRPr b="0" lang="en-US" sz="4400" spc="-1" strike="noStrike">
-              <a:latin typeface="Arial"/>
-            </a:endParaRPr>
-          </a:p>
-        </p:txBody>
-      </p:sp>
-      <p:sp>
-        <p:nvSpPr>
-          <p:cNvPr id="72" name="PlaceHolder 2"/>
-          <p:cNvSpPr>
-            <a:spLocks noGrp="1"/>
-          </p:cNvSpPr>
-          <p:nvPr>
-            <p:ph type="body"/>
-          </p:nvPr>
-        </p:nvSpPr>
-        <p:spPr>
-          <a:xfrm>
-            <a:off x="720000" y="1440000"/>
-            <a:ext cx="2897640" cy="1631160"/>
-          </a:xfrm>
-          <a:prstGeom prst="rect">
-            <a:avLst/>
-          </a:prstGeom>
-        </p:spPr>
-        <p:txBody>
-          <a:bodyPr lIns="0" rIns="0" tIns="0" bIns="0">
-            <a:normAutofit/>
-          </a:bodyPr>
-          <a:p>
-            <a:endParaRPr b="0" lang="en-US" sz="3200" spc="-1" strike="noStrike">
-              <a:latin typeface="Arial"/>
-            </a:endParaRPr>
-          </a:p>
-        </p:txBody>
-      </p:sp>
-      <p:sp>
-        <p:nvSpPr>
-          <p:cNvPr id="73" name="PlaceHolder 3"/>
-          <p:cNvSpPr>
-            <a:spLocks noGrp="1"/>
-          </p:cNvSpPr>
-          <p:nvPr>
-            <p:ph type="body"/>
-          </p:nvPr>
-        </p:nvSpPr>
-        <p:spPr>
-          <a:xfrm>
-            <a:off x="3763080" y="1440000"/>
-            <a:ext cx="2897640" cy="1631160"/>
-          </a:xfrm>
-          <a:prstGeom prst="rect">
-            <a:avLst/>
-          </a:prstGeom>
-        </p:spPr>
-        <p:txBody>
-          <a:bodyPr lIns="0" rIns="0" tIns="0" bIns="0">
-            <a:normAutofit/>
-          </a:bodyPr>
-          <a:p>
-            <a:endParaRPr b="0" lang="en-US" sz="3200" spc="-1" strike="noStrike">
-              <a:latin typeface="Arial"/>
-            </a:endParaRPr>
-          </a:p>
-        </p:txBody>
-      </p:sp>
-      <p:sp>
-        <p:nvSpPr>
-          <p:cNvPr id="74" name="PlaceHolder 4"/>
-          <p:cNvSpPr>
-            <a:spLocks noGrp="1"/>
-          </p:cNvSpPr>
-          <p:nvPr>
-            <p:ph type="body"/>
-          </p:nvPr>
-        </p:nvSpPr>
-        <p:spPr>
-          <a:xfrm>
-            <a:off x="6805800" y="1440000"/>
-            <a:ext cx="2897640" cy="1631160"/>
-          </a:xfrm>
-          <a:prstGeom prst="rect">
-            <a:avLst/>
-          </a:prstGeom>
-        </p:spPr>
-        <p:txBody>
-          <a:bodyPr lIns="0" rIns="0" tIns="0" bIns="0">
-            <a:normAutofit/>
-          </a:bodyPr>
-          <a:p>
-            <a:endParaRPr b="0" lang="en-US" sz="3200" spc="-1" strike="noStrike">
-              <a:latin typeface="Arial"/>
-            </a:endParaRPr>
-          </a:p>
-        </p:txBody>
-      </p:sp>
-      <p:sp>
-        <p:nvSpPr>
-          <p:cNvPr id="75" name="PlaceHolder 5"/>
-          <p:cNvSpPr>
-            <a:spLocks noGrp="1"/>
-          </p:cNvSpPr>
-          <p:nvPr>
-            <p:ph type="body"/>
-          </p:nvPr>
-        </p:nvSpPr>
-        <p:spPr>
-          <a:xfrm>
-            <a:off x="720000" y="3226680"/>
-            <a:ext cx="2897640" cy="1631160"/>
-          </a:xfrm>
-          <a:prstGeom prst="rect">
-            <a:avLst/>
-          </a:prstGeom>
-        </p:spPr>
-        <p:txBody>
-          <a:bodyPr lIns="0" rIns="0" tIns="0" bIns="0">
-            <a:normAutofit/>
-          </a:bodyPr>
-          <a:p>
-            <a:endParaRPr b="0" lang="en-US" sz="3200" spc="-1" strike="noStrike">
-              <a:latin typeface="Arial"/>
-            </a:endParaRPr>
-          </a:p>
-        </p:txBody>
-      </p:sp>
-      <p:sp>
-        <p:nvSpPr>
-          <p:cNvPr id="76" name="PlaceHolder 6"/>
-          <p:cNvSpPr>
-            <a:spLocks noGrp="1"/>
-          </p:cNvSpPr>
-          <p:nvPr>
-            <p:ph type="body"/>
-          </p:nvPr>
-        </p:nvSpPr>
-        <p:spPr>
-          <a:xfrm>
-            <a:off x="3763080" y="3226680"/>
-            <a:ext cx="2897640" cy="1631160"/>
-          </a:xfrm>
-          <a:prstGeom prst="rect">
-            <a:avLst/>
-          </a:prstGeom>
-        </p:spPr>
-        <p:txBody>
-          <a:bodyPr lIns="0" rIns="0" tIns="0" bIns="0">
-            <a:normAutofit/>
-          </a:bodyPr>
-          <a:p>
-            <a:endParaRPr b="0" lang="en-US" sz="3200" spc="-1" strike="noStrike">
-              <a:latin typeface="Arial"/>
-            </a:endParaRPr>
-          </a:p>
-        </p:txBody>
-      </p:sp>
-      <p:sp>
-        <p:nvSpPr>
-          <p:cNvPr id="77" name="PlaceHolder 7"/>
-          <p:cNvSpPr>
-            <a:spLocks noGrp="1"/>
-          </p:cNvSpPr>
-          <p:nvPr>
-            <p:ph type="body"/>
-          </p:nvPr>
-        </p:nvSpPr>
-        <p:spPr>
-          <a:xfrm>
-            <a:off x="6805800" y="3226680"/>
-            <a:ext cx="2897640" cy="1631160"/>
-          </a:xfrm>
-          <a:prstGeom prst="rect">
-            <a:avLst/>
-          </a:prstGeom>
-        </p:spPr>
-        <p:txBody>
-          <a:bodyPr lIns="0" rIns="0" tIns="0" bIns="0">
-            <a:normAutofit/>
-          </a:bodyPr>
-          <a:p>
-            <a:endParaRPr b="0" lang="en-US" sz="3200" spc="-1" strike="noStrike">
+            <a:endParaRPr b="0" lang="ru-RU" sz="4400" spc="-1" strike="noStrike">
+              <a:latin typeface="Arial"/>
+            </a:endParaRPr>
+          </a:p>
+        </p:txBody>
+      </p:sp>
+      <p:sp>
+        <p:nvSpPr>
+          <p:cNvPr id="71" name="PlaceHolder 2"/>
+          <p:cNvSpPr>
+            <a:spLocks noGrp="1"/>
+          </p:cNvSpPr>
+          <p:nvPr>
+            <p:ph type="body"/>
+          </p:nvPr>
+        </p:nvSpPr>
+        <p:spPr>
+          <a:xfrm>
+            <a:off x="504000" y="1326600"/>
+            <a:ext cx="2921040" cy="1568520"/>
+          </a:xfrm>
+          <a:prstGeom prst="rect">
+            <a:avLst/>
+          </a:prstGeom>
+        </p:spPr>
+        <p:txBody>
+          <a:bodyPr lIns="0" rIns="0" tIns="0" bIns="0">
+            <a:normAutofit fontScale="56000"/>
+          </a:bodyPr>
+          <a:p>
+            <a:endParaRPr b="0" lang="ru-RU" sz="3200" spc="-1" strike="noStrike">
+              <a:latin typeface="Arial"/>
+            </a:endParaRPr>
+          </a:p>
+        </p:txBody>
+      </p:sp>
+      <p:sp>
+        <p:nvSpPr>
+          <p:cNvPr id="72" name="PlaceHolder 3"/>
+          <p:cNvSpPr>
+            <a:spLocks noGrp="1"/>
+          </p:cNvSpPr>
+          <p:nvPr>
+            <p:ph type="body"/>
+          </p:nvPr>
+        </p:nvSpPr>
+        <p:spPr>
+          <a:xfrm>
+            <a:off x="3571560" y="1326600"/>
+            <a:ext cx="2921040" cy="1568520"/>
+          </a:xfrm>
+          <a:prstGeom prst="rect">
+            <a:avLst/>
+          </a:prstGeom>
+        </p:spPr>
+        <p:txBody>
+          <a:bodyPr lIns="0" rIns="0" tIns="0" bIns="0">
+            <a:normAutofit fontScale="56000"/>
+          </a:bodyPr>
+          <a:p>
+            <a:endParaRPr b="0" lang="ru-RU" sz="3200" spc="-1" strike="noStrike">
+              <a:latin typeface="Arial"/>
+            </a:endParaRPr>
+          </a:p>
+        </p:txBody>
+      </p:sp>
+      <p:sp>
+        <p:nvSpPr>
+          <p:cNvPr id="73" name="PlaceHolder 4"/>
+          <p:cNvSpPr>
+            <a:spLocks noGrp="1"/>
+          </p:cNvSpPr>
+          <p:nvPr>
+            <p:ph type="body"/>
+          </p:nvPr>
+        </p:nvSpPr>
+        <p:spPr>
+          <a:xfrm>
+            <a:off x="6639120" y="1326600"/>
+            <a:ext cx="2921040" cy="1568520"/>
+          </a:xfrm>
+          <a:prstGeom prst="rect">
+            <a:avLst/>
+          </a:prstGeom>
+        </p:spPr>
+        <p:txBody>
+          <a:bodyPr lIns="0" rIns="0" tIns="0" bIns="0">
+            <a:normAutofit fontScale="56000"/>
+          </a:bodyPr>
+          <a:p>
+            <a:endParaRPr b="0" lang="ru-RU" sz="3200" spc="-1" strike="noStrike">
+              <a:latin typeface="Arial"/>
+            </a:endParaRPr>
+          </a:p>
+        </p:txBody>
+      </p:sp>
+      <p:sp>
+        <p:nvSpPr>
+          <p:cNvPr id="74" name="PlaceHolder 5"/>
+          <p:cNvSpPr>
+            <a:spLocks noGrp="1"/>
+          </p:cNvSpPr>
+          <p:nvPr>
+            <p:ph type="body"/>
+          </p:nvPr>
+        </p:nvSpPr>
+        <p:spPr>
+          <a:xfrm>
+            <a:off x="504000" y="3044520"/>
+            <a:ext cx="2921040" cy="1568520"/>
+          </a:xfrm>
+          <a:prstGeom prst="rect">
+            <a:avLst/>
+          </a:prstGeom>
+        </p:spPr>
+        <p:txBody>
+          <a:bodyPr lIns="0" rIns="0" tIns="0" bIns="0">
+            <a:normAutofit fontScale="56000"/>
+          </a:bodyPr>
+          <a:p>
+            <a:endParaRPr b="0" lang="ru-RU" sz="3200" spc="-1" strike="noStrike">
+              <a:latin typeface="Arial"/>
+            </a:endParaRPr>
+          </a:p>
+        </p:txBody>
+      </p:sp>
+      <p:sp>
+        <p:nvSpPr>
+          <p:cNvPr id="75" name="PlaceHolder 6"/>
+          <p:cNvSpPr>
+            <a:spLocks noGrp="1"/>
+          </p:cNvSpPr>
+          <p:nvPr>
+            <p:ph type="body"/>
+          </p:nvPr>
+        </p:nvSpPr>
+        <p:spPr>
+          <a:xfrm>
+            <a:off x="3571560" y="3044520"/>
+            <a:ext cx="2921040" cy="1568520"/>
+          </a:xfrm>
+          <a:prstGeom prst="rect">
+            <a:avLst/>
+          </a:prstGeom>
+        </p:spPr>
+        <p:txBody>
+          <a:bodyPr lIns="0" rIns="0" tIns="0" bIns="0">
+            <a:normAutofit fontScale="56000"/>
+          </a:bodyPr>
+          <a:p>
+            <a:endParaRPr b="0" lang="ru-RU" sz="3200" spc="-1" strike="noStrike">
+              <a:latin typeface="Arial"/>
+            </a:endParaRPr>
+          </a:p>
+        </p:txBody>
+      </p:sp>
+      <p:sp>
+        <p:nvSpPr>
+          <p:cNvPr id="76" name="PlaceHolder 7"/>
+          <p:cNvSpPr>
+            <a:spLocks noGrp="1"/>
+          </p:cNvSpPr>
+          <p:nvPr>
+            <p:ph type="body"/>
+          </p:nvPr>
+        </p:nvSpPr>
+        <p:spPr>
+          <a:xfrm>
+            <a:off x="6639120" y="3044520"/>
+            <a:ext cx="2921040" cy="1568520"/>
+          </a:xfrm>
+          <a:prstGeom prst="rect">
+            <a:avLst/>
+          </a:prstGeom>
+        </p:spPr>
+        <p:txBody>
+          <a:bodyPr lIns="0" rIns="0" tIns="0" bIns="0">
+            <a:normAutofit fontScale="56000"/>
+          </a:bodyPr>
+          <a:p>
+            <a:endParaRPr b="0" lang="ru-RU" sz="3200" spc="-1" strike="noStrike">
               <a:latin typeface="Arial"/>
             </a:endParaRPr>
           </a:p>
@@ -2043,7 +2043,7 @@
       </p:grpSpPr>
       <p:sp>
         <p:nvSpPr>
-          <p:cNvPr id="83" name="PlaceHolder 1"/>
+          <p:cNvPr id="80" name="PlaceHolder 1"/>
           <p:cNvSpPr>
             <a:spLocks noGrp="1"/>
           </p:cNvSpPr>
@@ -2053,8 +2053,8 @@
         </p:nvSpPr>
         <p:spPr>
           <a:xfrm>
-            <a:off x="720000" y="148320"/>
-            <a:ext cx="8999640" cy="1143360"/>
+            <a:off x="504000" y="74160"/>
+            <a:ext cx="9072000" cy="1250280"/>
           </a:xfrm>
           <a:prstGeom prst="rect">
             <a:avLst/>
@@ -2066,15 +2066,15 @@
           </a:bodyPr>
           <a:p>
             <a:pPr algn="ctr"/>
-            <a:endParaRPr b="0" lang="en-US" sz="4400" spc="-1" strike="noStrike">
-              <a:latin typeface="Arial"/>
-            </a:endParaRPr>
-          </a:p>
-        </p:txBody>
-      </p:sp>
-      <p:sp>
-        <p:nvSpPr>
-          <p:cNvPr id="84" name="PlaceHolder 2"/>
+            <a:endParaRPr b="0" lang="ru-RU" sz="4400" spc="-1" strike="noStrike">
+              <a:latin typeface="Arial"/>
+            </a:endParaRPr>
+          </a:p>
+        </p:txBody>
+      </p:sp>
+      <p:sp>
+        <p:nvSpPr>
+          <p:cNvPr id="81" name="PlaceHolder 2"/>
           <p:cNvSpPr>
             <a:spLocks noGrp="1"/>
           </p:cNvSpPr>
@@ -2084,8 +2084,8 @@
         </p:nvSpPr>
         <p:spPr>
           <a:xfrm>
-            <a:off x="720000" y="1440000"/>
-            <a:ext cx="8999640" cy="3419640"/>
+            <a:off x="504000" y="1326600"/>
+            <a:ext cx="9072000" cy="3288600"/>
           </a:xfrm>
           <a:prstGeom prst="rect">
             <a:avLst/>
@@ -2097,7 +2097,7 @@
           </a:bodyPr>
           <a:p>
             <a:pPr algn="ctr"/>
-            <a:endParaRPr b="0" lang="en-US" sz="3200" spc="-1" strike="noStrike">
+            <a:endParaRPr b="0" lang="ru-RU" sz="3200" spc="-1" strike="noStrike">
               <a:latin typeface="Arial"/>
             </a:endParaRPr>
           </a:p>
@@ -2127,7 +2127,7 @@
       </p:grpSpPr>
       <p:sp>
         <p:nvSpPr>
-          <p:cNvPr id="85" name="PlaceHolder 1"/>
+          <p:cNvPr id="82" name="PlaceHolder 1"/>
           <p:cNvSpPr>
             <a:spLocks noGrp="1"/>
           </p:cNvSpPr>
@@ -2137,8 +2137,8 @@
         </p:nvSpPr>
         <p:spPr>
           <a:xfrm>
-            <a:off x="720000" y="148320"/>
-            <a:ext cx="8999640" cy="1143360"/>
+            <a:off x="504000" y="74160"/>
+            <a:ext cx="9072000" cy="1250280"/>
           </a:xfrm>
           <a:prstGeom prst="rect">
             <a:avLst/>
@@ -2150,26 +2150,26 @@
           </a:bodyPr>
           <a:p>
             <a:pPr algn="ctr"/>
-            <a:endParaRPr b="0" lang="en-US" sz="4400" spc="-1" strike="noStrike">
-              <a:latin typeface="Arial"/>
-            </a:endParaRPr>
-          </a:p>
-        </p:txBody>
-      </p:sp>
-      <p:sp>
-        <p:nvSpPr>
-          <p:cNvPr id="86" name="PlaceHolder 2"/>
-          <p:cNvSpPr>
-            <a:spLocks noGrp="1"/>
-          </p:cNvSpPr>
-          <p:nvPr>
-            <p:ph type="body"/>
-          </p:nvPr>
-        </p:nvSpPr>
-        <p:spPr>
-          <a:xfrm>
-            <a:off x="720000" y="1440000"/>
-            <a:ext cx="8999640" cy="3419640"/>
+            <a:endParaRPr b="0" lang="ru-RU" sz="4400" spc="-1" strike="noStrike">
+              <a:latin typeface="Arial"/>
+            </a:endParaRPr>
+          </a:p>
+        </p:txBody>
+      </p:sp>
+      <p:sp>
+        <p:nvSpPr>
+          <p:cNvPr id="83" name="PlaceHolder 2"/>
+          <p:cNvSpPr>
+            <a:spLocks noGrp="1"/>
+          </p:cNvSpPr>
+          <p:nvPr>
+            <p:ph type="body"/>
+          </p:nvPr>
+        </p:nvSpPr>
+        <p:spPr>
+          <a:xfrm>
+            <a:off x="504000" y="1326600"/>
+            <a:ext cx="9072000" cy="3288600"/>
           </a:xfrm>
           <a:prstGeom prst="rect">
             <a:avLst/>
@@ -2180,7 +2180,7 @@
             <a:normAutofit/>
           </a:bodyPr>
           <a:p>
-            <a:endParaRPr b="0" lang="en-US" sz="3200" spc="-1" strike="noStrike">
+            <a:endParaRPr b="0" lang="ru-RU" sz="3200" spc="-1" strike="noStrike">
               <a:latin typeface="Arial"/>
             </a:endParaRPr>
           </a:p>
@@ -2210,7 +2210,7 @@
       </p:grpSpPr>
       <p:sp>
         <p:nvSpPr>
-          <p:cNvPr id="87" name="PlaceHolder 1"/>
+          <p:cNvPr id="84" name="PlaceHolder 1"/>
           <p:cNvSpPr>
             <a:spLocks noGrp="1"/>
           </p:cNvSpPr>
@@ -2220,8 +2220,8 @@
         </p:nvSpPr>
         <p:spPr>
           <a:xfrm>
-            <a:off x="720000" y="148320"/>
-            <a:ext cx="8999640" cy="1143360"/>
+            <a:off x="504000" y="74160"/>
+            <a:ext cx="9072000" cy="1250280"/>
           </a:xfrm>
           <a:prstGeom prst="rect">
             <a:avLst/>
@@ -2233,26 +2233,26 @@
           </a:bodyPr>
           <a:p>
             <a:pPr algn="ctr"/>
-            <a:endParaRPr b="0" lang="en-US" sz="4400" spc="-1" strike="noStrike">
-              <a:latin typeface="Arial"/>
-            </a:endParaRPr>
-          </a:p>
-        </p:txBody>
-      </p:sp>
-      <p:sp>
-        <p:nvSpPr>
-          <p:cNvPr id="88" name="PlaceHolder 2"/>
-          <p:cNvSpPr>
-            <a:spLocks noGrp="1"/>
-          </p:cNvSpPr>
-          <p:nvPr>
-            <p:ph type="body"/>
-          </p:nvPr>
-        </p:nvSpPr>
-        <p:spPr>
-          <a:xfrm>
-            <a:off x="720000" y="1440000"/>
-            <a:ext cx="4391640" cy="3419640"/>
+            <a:endParaRPr b="0" lang="ru-RU" sz="4400" spc="-1" strike="noStrike">
+              <a:latin typeface="Arial"/>
+            </a:endParaRPr>
+          </a:p>
+        </p:txBody>
+      </p:sp>
+      <p:sp>
+        <p:nvSpPr>
+          <p:cNvPr id="85" name="PlaceHolder 2"/>
+          <p:cNvSpPr>
+            <a:spLocks noGrp="1"/>
+          </p:cNvSpPr>
+          <p:nvPr>
+            <p:ph type="body"/>
+          </p:nvPr>
+        </p:nvSpPr>
+        <p:spPr>
+          <a:xfrm>
+            <a:off x="504000" y="1326600"/>
+            <a:ext cx="4426920" cy="3288600"/>
           </a:xfrm>
           <a:prstGeom prst="rect">
             <a:avLst/>
@@ -2263,26 +2263,26 @@
             <a:normAutofit/>
           </a:bodyPr>
           <a:p>
-            <a:endParaRPr b="0" lang="en-US" sz="3200" spc="-1" strike="noStrike">
-              <a:latin typeface="Arial"/>
-            </a:endParaRPr>
-          </a:p>
-        </p:txBody>
-      </p:sp>
-      <p:sp>
-        <p:nvSpPr>
-          <p:cNvPr id="89" name="PlaceHolder 3"/>
-          <p:cNvSpPr>
-            <a:spLocks noGrp="1"/>
-          </p:cNvSpPr>
-          <p:nvPr>
-            <p:ph type="body"/>
-          </p:nvPr>
-        </p:nvSpPr>
-        <p:spPr>
-          <a:xfrm>
-            <a:off x="5331600" y="1440000"/>
-            <a:ext cx="4391640" cy="3419640"/>
+            <a:endParaRPr b="0" lang="ru-RU" sz="3200" spc="-1" strike="noStrike">
+              <a:latin typeface="Arial"/>
+            </a:endParaRPr>
+          </a:p>
+        </p:txBody>
+      </p:sp>
+      <p:sp>
+        <p:nvSpPr>
+          <p:cNvPr id="86" name="PlaceHolder 3"/>
+          <p:cNvSpPr>
+            <a:spLocks noGrp="1"/>
+          </p:cNvSpPr>
+          <p:nvPr>
+            <p:ph type="body"/>
+          </p:nvPr>
+        </p:nvSpPr>
+        <p:spPr>
+          <a:xfrm>
+            <a:off x="5152680" y="1326600"/>
+            <a:ext cx="4426920" cy="3288600"/>
           </a:xfrm>
           <a:prstGeom prst="rect">
             <a:avLst/>
@@ -2293,7 +2293,7 @@
             <a:normAutofit/>
           </a:bodyPr>
           <a:p>
-            <a:endParaRPr b="0" lang="en-US" sz="3200" spc="-1" strike="noStrike">
+            <a:endParaRPr b="0" lang="ru-RU" sz="3200" spc="-1" strike="noStrike">
               <a:latin typeface="Arial"/>
             </a:endParaRPr>
           </a:p>
@@ -2323,7 +2323,7 @@
       </p:grpSpPr>
       <p:sp>
         <p:nvSpPr>
-          <p:cNvPr id="90" name="PlaceHolder 1"/>
+          <p:cNvPr id="87" name="PlaceHolder 1"/>
           <p:cNvSpPr>
             <a:spLocks noGrp="1"/>
           </p:cNvSpPr>
@@ -2333,8 +2333,8 @@
         </p:nvSpPr>
         <p:spPr>
           <a:xfrm>
-            <a:off x="720000" y="148320"/>
-            <a:ext cx="8999640" cy="1143360"/>
+            <a:off x="504000" y="74160"/>
+            <a:ext cx="9072000" cy="1250280"/>
           </a:xfrm>
           <a:prstGeom prst="rect">
             <a:avLst/>
@@ -2346,7 +2346,7 @@
           </a:bodyPr>
           <a:p>
             <a:pPr algn="ctr"/>
-            <a:endParaRPr b="0" lang="en-US" sz="4400" spc="-1" strike="noStrike">
+            <a:endParaRPr b="0" lang="ru-RU" sz="4400" spc="-1" strike="noStrike">
               <a:latin typeface="Arial"/>
             </a:endParaRPr>
           </a:p>
@@ -2376,7 +2376,7 @@
       </p:grpSpPr>
       <p:sp>
         <p:nvSpPr>
-          <p:cNvPr id="5" name="PlaceHolder 1"/>
+          <p:cNvPr id="4" name="PlaceHolder 1"/>
           <p:cNvSpPr>
             <a:spLocks noGrp="1"/>
           </p:cNvSpPr>
@@ -2386,8 +2386,8 @@
         </p:nvSpPr>
         <p:spPr>
           <a:xfrm>
-            <a:off x="720000" y="148320"/>
-            <a:ext cx="8999640" cy="1143360"/>
+            <a:off x="504000" y="74160"/>
+            <a:ext cx="9072000" cy="1250280"/>
           </a:xfrm>
           <a:prstGeom prst="rect">
             <a:avLst/>
@@ -2399,26 +2399,26 @@
           </a:bodyPr>
           <a:p>
             <a:pPr algn="ctr"/>
-            <a:endParaRPr b="0" lang="en-US" sz="4400" spc="-1" strike="noStrike">
-              <a:latin typeface="Arial"/>
-            </a:endParaRPr>
-          </a:p>
-        </p:txBody>
-      </p:sp>
-      <p:sp>
-        <p:nvSpPr>
-          <p:cNvPr id="6" name="PlaceHolder 2"/>
-          <p:cNvSpPr>
-            <a:spLocks noGrp="1"/>
-          </p:cNvSpPr>
-          <p:nvPr>
-            <p:ph type="body"/>
-          </p:nvPr>
-        </p:nvSpPr>
-        <p:spPr>
-          <a:xfrm>
-            <a:off x="720000" y="1440000"/>
-            <a:ext cx="8999640" cy="3419640"/>
+            <a:endParaRPr b="0" lang="ru-RU" sz="4400" spc="-1" strike="noStrike">
+              <a:latin typeface="Arial"/>
+            </a:endParaRPr>
+          </a:p>
+        </p:txBody>
+      </p:sp>
+      <p:sp>
+        <p:nvSpPr>
+          <p:cNvPr id="5" name="PlaceHolder 2"/>
+          <p:cNvSpPr>
+            <a:spLocks noGrp="1"/>
+          </p:cNvSpPr>
+          <p:nvPr>
+            <p:ph type="body"/>
+          </p:nvPr>
+        </p:nvSpPr>
+        <p:spPr>
+          <a:xfrm>
+            <a:off x="504000" y="1326600"/>
+            <a:ext cx="9072000" cy="3288600"/>
           </a:xfrm>
           <a:prstGeom prst="rect">
             <a:avLst/>
@@ -2429,7 +2429,7 @@
             <a:normAutofit/>
           </a:bodyPr>
           <a:p>
-            <a:endParaRPr b="0" lang="en-US" sz="3200" spc="-1" strike="noStrike">
+            <a:endParaRPr b="0" lang="ru-RU" sz="3200" spc="-1" strike="noStrike">
               <a:latin typeface="Arial"/>
             </a:endParaRPr>
           </a:p>
@@ -2459,7 +2459,7 @@
       </p:grpSpPr>
       <p:sp>
         <p:nvSpPr>
-          <p:cNvPr id="91" name="PlaceHolder 1"/>
+          <p:cNvPr id="88" name="PlaceHolder 1"/>
           <p:cNvSpPr>
             <a:spLocks noGrp="1"/>
           </p:cNvSpPr>
@@ -2469,8 +2469,8 @@
         </p:nvSpPr>
         <p:spPr>
           <a:xfrm>
-            <a:off x="720000" y="148320"/>
-            <a:ext cx="8999640" cy="5301360"/>
+            <a:off x="504000" y="226080"/>
+            <a:ext cx="9072000" cy="4388400"/>
           </a:xfrm>
           <a:prstGeom prst="rect">
             <a:avLst/>
@@ -2482,7 +2482,7 @@
           </a:bodyPr>
           <a:p>
             <a:pPr algn="ctr"/>
-            <a:endParaRPr b="0" lang="en-US" sz="3200" spc="-1" strike="noStrike">
+            <a:endParaRPr b="0" lang="ru-RU" sz="3200" spc="-1" strike="noStrike">
               <a:latin typeface="Arial"/>
             </a:endParaRPr>
           </a:p>
@@ -2512,7 +2512,7 @@
       </p:grpSpPr>
       <p:sp>
         <p:nvSpPr>
-          <p:cNvPr id="92" name="PlaceHolder 1"/>
+          <p:cNvPr id="89" name="PlaceHolder 1"/>
           <p:cNvSpPr>
             <a:spLocks noGrp="1"/>
           </p:cNvSpPr>
@@ -2522,8 +2522,8 @@
         </p:nvSpPr>
         <p:spPr>
           <a:xfrm>
-            <a:off x="720000" y="148320"/>
-            <a:ext cx="8999640" cy="1143360"/>
+            <a:off x="504000" y="74160"/>
+            <a:ext cx="9072000" cy="1250280"/>
           </a:xfrm>
           <a:prstGeom prst="rect">
             <a:avLst/>
@@ -2535,26 +2535,26 @@
           </a:bodyPr>
           <a:p>
             <a:pPr algn="ctr"/>
-            <a:endParaRPr b="0" lang="en-US" sz="4400" spc="-1" strike="noStrike">
-              <a:latin typeface="Arial"/>
-            </a:endParaRPr>
-          </a:p>
-        </p:txBody>
-      </p:sp>
-      <p:sp>
-        <p:nvSpPr>
-          <p:cNvPr id="93" name="PlaceHolder 2"/>
-          <p:cNvSpPr>
-            <a:spLocks noGrp="1"/>
-          </p:cNvSpPr>
-          <p:nvPr>
-            <p:ph type="body"/>
-          </p:nvPr>
-        </p:nvSpPr>
-        <p:spPr>
-          <a:xfrm>
-            <a:off x="720000" y="1440000"/>
-            <a:ext cx="4391640" cy="1631160"/>
+            <a:endParaRPr b="0" lang="ru-RU" sz="4400" spc="-1" strike="noStrike">
+              <a:latin typeface="Arial"/>
+            </a:endParaRPr>
+          </a:p>
+        </p:txBody>
+      </p:sp>
+      <p:sp>
+        <p:nvSpPr>
+          <p:cNvPr id="90" name="PlaceHolder 2"/>
+          <p:cNvSpPr>
+            <a:spLocks noGrp="1"/>
+          </p:cNvSpPr>
+          <p:nvPr>
+            <p:ph type="body"/>
+          </p:nvPr>
+        </p:nvSpPr>
+        <p:spPr>
+          <a:xfrm>
+            <a:off x="504000" y="1326600"/>
+            <a:ext cx="4426920" cy="1568520"/>
           </a:xfrm>
           <a:prstGeom prst="rect">
             <a:avLst/>
@@ -2565,26 +2565,26 @@
             <a:normAutofit/>
           </a:bodyPr>
           <a:p>
-            <a:endParaRPr b="0" lang="en-US" sz="3200" spc="-1" strike="noStrike">
-              <a:latin typeface="Arial"/>
-            </a:endParaRPr>
-          </a:p>
-        </p:txBody>
-      </p:sp>
-      <p:sp>
-        <p:nvSpPr>
-          <p:cNvPr id="94" name="PlaceHolder 3"/>
-          <p:cNvSpPr>
-            <a:spLocks noGrp="1"/>
-          </p:cNvSpPr>
-          <p:nvPr>
-            <p:ph type="body"/>
-          </p:nvPr>
-        </p:nvSpPr>
-        <p:spPr>
-          <a:xfrm>
-            <a:off x="5331600" y="1440000"/>
-            <a:ext cx="4391640" cy="3419640"/>
+            <a:endParaRPr b="0" lang="ru-RU" sz="3200" spc="-1" strike="noStrike">
+              <a:latin typeface="Arial"/>
+            </a:endParaRPr>
+          </a:p>
+        </p:txBody>
+      </p:sp>
+      <p:sp>
+        <p:nvSpPr>
+          <p:cNvPr id="91" name="PlaceHolder 3"/>
+          <p:cNvSpPr>
+            <a:spLocks noGrp="1"/>
+          </p:cNvSpPr>
+          <p:nvPr>
+            <p:ph type="body"/>
+          </p:nvPr>
+        </p:nvSpPr>
+        <p:spPr>
+          <a:xfrm>
+            <a:off x="5152680" y="1326600"/>
+            <a:ext cx="4426920" cy="3288600"/>
           </a:xfrm>
           <a:prstGeom prst="rect">
             <a:avLst/>
@@ -2595,26 +2595,26 @@
             <a:normAutofit/>
           </a:bodyPr>
           <a:p>
-            <a:endParaRPr b="0" lang="en-US" sz="3200" spc="-1" strike="noStrike">
-              <a:latin typeface="Arial"/>
-            </a:endParaRPr>
-          </a:p>
-        </p:txBody>
-      </p:sp>
-      <p:sp>
-        <p:nvSpPr>
-          <p:cNvPr id="95" name="PlaceHolder 4"/>
-          <p:cNvSpPr>
-            <a:spLocks noGrp="1"/>
-          </p:cNvSpPr>
-          <p:nvPr>
-            <p:ph type="body"/>
-          </p:nvPr>
-        </p:nvSpPr>
-        <p:spPr>
-          <a:xfrm>
-            <a:off x="720000" y="3226680"/>
-            <a:ext cx="4391640" cy="1631160"/>
+            <a:endParaRPr b="0" lang="ru-RU" sz="3200" spc="-1" strike="noStrike">
+              <a:latin typeface="Arial"/>
+            </a:endParaRPr>
+          </a:p>
+        </p:txBody>
+      </p:sp>
+      <p:sp>
+        <p:nvSpPr>
+          <p:cNvPr id="92" name="PlaceHolder 4"/>
+          <p:cNvSpPr>
+            <a:spLocks noGrp="1"/>
+          </p:cNvSpPr>
+          <p:nvPr>
+            <p:ph type="body"/>
+          </p:nvPr>
+        </p:nvSpPr>
+        <p:spPr>
+          <a:xfrm>
+            <a:off x="504000" y="3044520"/>
+            <a:ext cx="4426920" cy="1568520"/>
           </a:xfrm>
           <a:prstGeom prst="rect">
             <a:avLst/>
@@ -2625,7 +2625,7 @@
             <a:normAutofit/>
           </a:bodyPr>
           <a:p>
-            <a:endParaRPr b="0" lang="en-US" sz="3200" spc="-1" strike="noStrike">
+            <a:endParaRPr b="0" lang="ru-RU" sz="3200" spc="-1" strike="noStrike">
               <a:latin typeface="Arial"/>
             </a:endParaRPr>
           </a:p>
@@ -2655,7 +2655,7 @@
       </p:grpSpPr>
       <p:sp>
         <p:nvSpPr>
-          <p:cNvPr id="96" name="PlaceHolder 1"/>
+          <p:cNvPr id="93" name="PlaceHolder 1"/>
           <p:cNvSpPr>
             <a:spLocks noGrp="1"/>
           </p:cNvSpPr>
@@ -2665,8 +2665,8 @@
         </p:nvSpPr>
         <p:spPr>
           <a:xfrm>
-            <a:off x="720000" y="148320"/>
-            <a:ext cx="8999640" cy="1143360"/>
+            <a:off x="504000" y="74160"/>
+            <a:ext cx="9072000" cy="1250280"/>
           </a:xfrm>
           <a:prstGeom prst="rect">
             <a:avLst/>
@@ -2678,26 +2678,26 @@
           </a:bodyPr>
           <a:p>
             <a:pPr algn="ctr"/>
-            <a:endParaRPr b="0" lang="en-US" sz="4400" spc="-1" strike="noStrike">
-              <a:latin typeface="Arial"/>
-            </a:endParaRPr>
-          </a:p>
-        </p:txBody>
-      </p:sp>
-      <p:sp>
-        <p:nvSpPr>
-          <p:cNvPr id="97" name="PlaceHolder 2"/>
-          <p:cNvSpPr>
-            <a:spLocks noGrp="1"/>
-          </p:cNvSpPr>
-          <p:nvPr>
-            <p:ph type="body"/>
-          </p:nvPr>
-        </p:nvSpPr>
-        <p:spPr>
-          <a:xfrm>
-            <a:off x="720000" y="1440000"/>
-            <a:ext cx="4391640" cy="3419640"/>
+            <a:endParaRPr b="0" lang="ru-RU" sz="4400" spc="-1" strike="noStrike">
+              <a:latin typeface="Arial"/>
+            </a:endParaRPr>
+          </a:p>
+        </p:txBody>
+      </p:sp>
+      <p:sp>
+        <p:nvSpPr>
+          <p:cNvPr id="94" name="PlaceHolder 2"/>
+          <p:cNvSpPr>
+            <a:spLocks noGrp="1"/>
+          </p:cNvSpPr>
+          <p:nvPr>
+            <p:ph type="body"/>
+          </p:nvPr>
+        </p:nvSpPr>
+        <p:spPr>
+          <a:xfrm>
+            <a:off x="504000" y="1326600"/>
+            <a:ext cx="4426920" cy="3288600"/>
           </a:xfrm>
           <a:prstGeom prst="rect">
             <a:avLst/>
@@ -2708,26 +2708,26 @@
             <a:normAutofit/>
           </a:bodyPr>
           <a:p>
-            <a:endParaRPr b="0" lang="en-US" sz="3200" spc="-1" strike="noStrike">
-              <a:latin typeface="Arial"/>
-            </a:endParaRPr>
-          </a:p>
-        </p:txBody>
-      </p:sp>
-      <p:sp>
-        <p:nvSpPr>
-          <p:cNvPr id="98" name="PlaceHolder 3"/>
-          <p:cNvSpPr>
-            <a:spLocks noGrp="1"/>
-          </p:cNvSpPr>
-          <p:nvPr>
-            <p:ph type="body"/>
-          </p:nvPr>
-        </p:nvSpPr>
-        <p:spPr>
-          <a:xfrm>
-            <a:off x="5331600" y="1440000"/>
-            <a:ext cx="4391640" cy="1631160"/>
+            <a:endParaRPr b="0" lang="ru-RU" sz="3200" spc="-1" strike="noStrike">
+              <a:latin typeface="Arial"/>
+            </a:endParaRPr>
+          </a:p>
+        </p:txBody>
+      </p:sp>
+      <p:sp>
+        <p:nvSpPr>
+          <p:cNvPr id="95" name="PlaceHolder 3"/>
+          <p:cNvSpPr>
+            <a:spLocks noGrp="1"/>
+          </p:cNvSpPr>
+          <p:nvPr>
+            <p:ph type="body"/>
+          </p:nvPr>
+        </p:nvSpPr>
+        <p:spPr>
+          <a:xfrm>
+            <a:off x="5152680" y="1326600"/>
+            <a:ext cx="4426920" cy="1568520"/>
           </a:xfrm>
           <a:prstGeom prst="rect">
             <a:avLst/>
@@ -2738,26 +2738,26 @@
             <a:normAutofit/>
           </a:bodyPr>
           <a:p>
-            <a:endParaRPr b="0" lang="en-US" sz="3200" spc="-1" strike="noStrike">
-              <a:latin typeface="Arial"/>
-            </a:endParaRPr>
-          </a:p>
-        </p:txBody>
-      </p:sp>
-      <p:sp>
-        <p:nvSpPr>
-          <p:cNvPr id="99" name="PlaceHolder 4"/>
-          <p:cNvSpPr>
-            <a:spLocks noGrp="1"/>
-          </p:cNvSpPr>
-          <p:nvPr>
-            <p:ph type="body"/>
-          </p:nvPr>
-        </p:nvSpPr>
-        <p:spPr>
-          <a:xfrm>
-            <a:off x="5331600" y="3226680"/>
-            <a:ext cx="4391640" cy="1631160"/>
+            <a:endParaRPr b="0" lang="ru-RU" sz="3200" spc="-1" strike="noStrike">
+              <a:latin typeface="Arial"/>
+            </a:endParaRPr>
+          </a:p>
+        </p:txBody>
+      </p:sp>
+      <p:sp>
+        <p:nvSpPr>
+          <p:cNvPr id="96" name="PlaceHolder 4"/>
+          <p:cNvSpPr>
+            <a:spLocks noGrp="1"/>
+          </p:cNvSpPr>
+          <p:nvPr>
+            <p:ph type="body"/>
+          </p:nvPr>
+        </p:nvSpPr>
+        <p:spPr>
+          <a:xfrm>
+            <a:off x="5152680" y="3044520"/>
+            <a:ext cx="4426920" cy="1568520"/>
           </a:xfrm>
           <a:prstGeom prst="rect">
             <a:avLst/>
@@ -2768,7 +2768,7 @@
             <a:normAutofit/>
           </a:bodyPr>
           <a:p>
-            <a:endParaRPr b="0" lang="en-US" sz="3200" spc="-1" strike="noStrike">
+            <a:endParaRPr b="0" lang="ru-RU" sz="3200" spc="-1" strike="noStrike">
               <a:latin typeface="Arial"/>
             </a:endParaRPr>
           </a:p>
@@ -2798,7 +2798,7 @@
       </p:grpSpPr>
       <p:sp>
         <p:nvSpPr>
-          <p:cNvPr id="100" name="PlaceHolder 1"/>
+          <p:cNvPr id="97" name="PlaceHolder 1"/>
           <p:cNvSpPr>
             <a:spLocks noGrp="1"/>
           </p:cNvSpPr>
@@ -2808,8 +2808,8 @@
         </p:nvSpPr>
         <p:spPr>
           <a:xfrm>
-            <a:off x="720000" y="148320"/>
-            <a:ext cx="8999640" cy="1143360"/>
+            <a:off x="504000" y="74160"/>
+            <a:ext cx="9072000" cy="1250280"/>
           </a:xfrm>
           <a:prstGeom prst="rect">
             <a:avLst/>
@@ -2821,26 +2821,26 @@
           </a:bodyPr>
           <a:p>
             <a:pPr algn="ctr"/>
-            <a:endParaRPr b="0" lang="en-US" sz="4400" spc="-1" strike="noStrike">
-              <a:latin typeface="Arial"/>
-            </a:endParaRPr>
-          </a:p>
-        </p:txBody>
-      </p:sp>
-      <p:sp>
-        <p:nvSpPr>
-          <p:cNvPr id="101" name="PlaceHolder 2"/>
-          <p:cNvSpPr>
-            <a:spLocks noGrp="1"/>
-          </p:cNvSpPr>
-          <p:nvPr>
-            <p:ph type="body"/>
-          </p:nvPr>
-        </p:nvSpPr>
-        <p:spPr>
-          <a:xfrm>
-            <a:off x="720000" y="1440000"/>
-            <a:ext cx="4391640" cy="1631160"/>
+            <a:endParaRPr b="0" lang="ru-RU" sz="4400" spc="-1" strike="noStrike">
+              <a:latin typeface="Arial"/>
+            </a:endParaRPr>
+          </a:p>
+        </p:txBody>
+      </p:sp>
+      <p:sp>
+        <p:nvSpPr>
+          <p:cNvPr id="98" name="PlaceHolder 2"/>
+          <p:cNvSpPr>
+            <a:spLocks noGrp="1"/>
+          </p:cNvSpPr>
+          <p:nvPr>
+            <p:ph type="body"/>
+          </p:nvPr>
+        </p:nvSpPr>
+        <p:spPr>
+          <a:xfrm>
+            <a:off x="504000" y="1326600"/>
+            <a:ext cx="4426920" cy="1568520"/>
           </a:xfrm>
           <a:prstGeom prst="rect">
             <a:avLst/>
@@ -2851,26 +2851,26 @@
             <a:normAutofit/>
           </a:bodyPr>
           <a:p>
-            <a:endParaRPr b="0" lang="en-US" sz="3200" spc="-1" strike="noStrike">
-              <a:latin typeface="Arial"/>
-            </a:endParaRPr>
-          </a:p>
-        </p:txBody>
-      </p:sp>
-      <p:sp>
-        <p:nvSpPr>
-          <p:cNvPr id="102" name="PlaceHolder 3"/>
-          <p:cNvSpPr>
-            <a:spLocks noGrp="1"/>
-          </p:cNvSpPr>
-          <p:nvPr>
-            <p:ph type="body"/>
-          </p:nvPr>
-        </p:nvSpPr>
-        <p:spPr>
-          <a:xfrm>
-            <a:off x="5331600" y="1440000"/>
-            <a:ext cx="4391640" cy="1631160"/>
+            <a:endParaRPr b="0" lang="ru-RU" sz="3200" spc="-1" strike="noStrike">
+              <a:latin typeface="Arial"/>
+            </a:endParaRPr>
+          </a:p>
+        </p:txBody>
+      </p:sp>
+      <p:sp>
+        <p:nvSpPr>
+          <p:cNvPr id="99" name="PlaceHolder 3"/>
+          <p:cNvSpPr>
+            <a:spLocks noGrp="1"/>
+          </p:cNvSpPr>
+          <p:nvPr>
+            <p:ph type="body"/>
+          </p:nvPr>
+        </p:nvSpPr>
+        <p:spPr>
+          <a:xfrm>
+            <a:off x="5152680" y="1326600"/>
+            <a:ext cx="4426920" cy="1568520"/>
           </a:xfrm>
           <a:prstGeom prst="rect">
             <a:avLst/>
@@ -2881,26 +2881,26 @@
             <a:normAutofit/>
           </a:bodyPr>
           <a:p>
-            <a:endParaRPr b="0" lang="en-US" sz="3200" spc="-1" strike="noStrike">
-              <a:latin typeface="Arial"/>
-            </a:endParaRPr>
-          </a:p>
-        </p:txBody>
-      </p:sp>
-      <p:sp>
-        <p:nvSpPr>
-          <p:cNvPr id="103" name="PlaceHolder 4"/>
-          <p:cNvSpPr>
-            <a:spLocks noGrp="1"/>
-          </p:cNvSpPr>
-          <p:nvPr>
-            <p:ph type="body"/>
-          </p:nvPr>
-        </p:nvSpPr>
-        <p:spPr>
-          <a:xfrm>
-            <a:off x="720000" y="3226680"/>
-            <a:ext cx="8999640" cy="1631160"/>
+            <a:endParaRPr b="0" lang="ru-RU" sz="3200" spc="-1" strike="noStrike">
+              <a:latin typeface="Arial"/>
+            </a:endParaRPr>
+          </a:p>
+        </p:txBody>
+      </p:sp>
+      <p:sp>
+        <p:nvSpPr>
+          <p:cNvPr id="100" name="PlaceHolder 4"/>
+          <p:cNvSpPr>
+            <a:spLocks noGrp="1"/>
+          </p:cNvSpPr>
+          <p:nvPr>
+            <p:ph type="body"/>
+          </p:nvPr>
+        </p:nvSpPr>
+        <p:spPr>
+          <a:xfrm>
+            <a:off x="504000" y="3044520"/>
+            <a:ext cx="9072000" cy="1568520"/>
           </a:xfrm>
           <a:prstGeom prst="rect">
             <a:avLst/>
@@ -2911,7 +2911,7 @@
             <a:normAutofit/>
           </a:bodyPr>
           <a:p>
-            <a:endParaRPr b="0" lang="en-US" sz="3200" spc="-1" strike="noStrike">
+            <a:endParaRPr b="0" lang="ru-RU" sz="3200" spc="-1" strike="noStrike">
               <a:latin typeface="Arial"/>
             </a:endParaRPr>
           </a:p>
@@ -2941,7 +2941,7 @@
       </p:grpSpPr>
       <p:sp>
         <p:nvSpPr>
-          <p:cNvPr id="104" name="PlaceHolder 1"/>
+          <p:cNvPr id="101" name="PlaceHolder 1"/>
           <p:cNvSpPr>
             <a:spLocks noGrp="1"/>
           </p:cNvSpPr>
@@ -2951,8 +2951,8 @@
         </p:nvSpPr>
         <p:spPr>
           <a:xfrm>
-            <a:off x="720000" y="148320"/>
-            <a:ext cx="8999640" cy="1143360"/>
+            <a:off x="504000" y="74160"/>
+            <a:ext cx="9072000" cy="1250280"/>
           </a:xfrm>
           <a:prstGeom prst="rect">
             <a:avLst/>
@@ -2964,26 +2964,26 @@
           </a:bodyPr>
           <a:p>
             <a:pPr algn="ctr"/>
-            <a:endParaRPr b="0" lang="en-US" sz="4400" spc="-1" strike="noStrike">
-              <a:latin typeface="Arial"/>
-            </a:endParaRPr>
-          </a:p>
-        </p:txBody>
-      </p:sp>
-      <p:sp>
-        <p:nvSpPr>
-          <p:cNvPr id="105" name="PlaceHolder 2"/>
-          <p:cNvSpPr>
-            <a:spLocks noGrp="1"/>
-          </p:cNvSpPr>
-          <p:nvPr>
-            <p:ph type="body"/>
-          </p:nvPr>
-        </p:nvSpPr>
-        <p:spPr>
-          <a:xfrm>
-            <a:off x="720000" y="1440000"/>
-            <a:ext cx="8999640" cy="1631160"/>
+            <a:endParaRPr b="0" lang="ru-RU" sz="4400" spc="-1" strike="noStrike">
+              <a:latin typeface="Arial"/>
+            </a:endParaRPr>
+          </a:p>
+        </p:txBody>
+      </p:sp>
+      <p:sp>
+        <p:nvSpPr>
+          <p:cNvPr id="102" name="PlaceHolder 2"/>
+          <p:cNvSpPr>
+            <a:spLocks noGrp="1"/>
+          </p:cNvSpPr>
+          <p:nvPr>
+            <p:ph type="body"/>
+          </p:nvPr>
+        </p:nvSpPr>
+        <p:spPr>
+          <a:xfrm>
+            <a:off x="504000" y="1326600"/>
+            <a:ext cx="9072000" cy="1568520"/>
           </a:xfrm>
           <a:prstGeom prst="rect">
             <a:avLst/>
@@ -2994,26 +2994,26 @@
             <a:normAutofit/>
           </a:bodyPr>
           <a:p>
-            <a:endParaRPr b="0" lang="en-US" sz="3200" spc="-1" strike="noStrike">
-              <a:latin typeface="Arial"/>
-            </a:endParaRPr>
-          </a:p>
-        </p:txBody>
-      </p:sp>
-      <p:sp>
-        <p:nvSpPr>
-          <p:cNvPr id="106" name="PlaceHolder 3"/>
-          <p:cNvSpPr>
-            <a:spLocks noGrp="1"/>
-          </p:cNvSpPr>
-          <p:nvPr>
-            <p:ph type="body"/>
-          </p:nvPr>
-        </p:nvSpPr>
-        <p:spPr>
-          <a:xfrm>
-            <a:off x="720000" y="3226680"/>
-            <a:ext cx="8999640" cy="1631160"/>
+            <a:endParaRPr b="0" lang="ru-RU" sz="3200" spc="-1" strike="noStrike">
+              <a:latin typeface="Arial"/>
+            </a:endParaRPr>
+          </a:p>
+        </p:txBody>
+      </p:sp>
+      <p:sp>
+        <p:nvSpPr>
+          <p:cNvPr id="103" name="PlaceHolder 3"/>
+          <p:cNvSpPr>
+            <a:spLocks noGrp="1"/>
+          </p:cNvSpPr>
+          <p:nvPr>
+            <p:ph type="body"/>
+          </p:nvPr>
+        </p:nvSpPr>
+        <p:spPr>
+          <a:xfrm>
+            <a:off x="504000" y="3044520"/>
+            <a:ext cx="9072000" cy="1568520"/>
           </a:xfrm>
           <a:prstGeom prst="rect">
             <a:avLst/>
@@ -3024,7 +3024,7 @@
             <a:normAutofit/>
           </a:bodyPr>
           <a:p>
-            <a:endParaRPr b="0" lang="en-US" sz="3200" spc="-1" strike="noStrike">
+            <a:endParaRPr b="0" lang="ru-RU" sz="3200" spc="-1" strike="noStrike">
               <a:latin typeface="Arial"/>
             </a:endParaRPr>
           </a:p>
@@ -3054,7 +3054,7 @@
       </p:grpSpPr>
       <p:sp>
         <p:nvSpPr>
-          <p:cNvPr id="107" name="PlaceHolder 1"/>
+          <p:cNvPr id="104" name="PlaceHolder 1"/>
           <p:cNvSpPr>
             <a:spLocks noGrp="1"/>
           </p:cNvSpPr>
@@ -3064,8 +3064,8 @@
         </p:nvSpPr>
         <p:spPr>
           <a:xfrm>
-            <a:off x="720000" y="148320"/>
-            <a:ext cx="8999640" cy="1143360"/>
+            <a:off x="504000" y="74160"/>
+            <a:ext cx="9072000" cy="1250280"/>
           </a:xfrm>
           <a:prstGeom prst="rect">
             <a:avLst/>
@@ -3077,26 +3077,26 @@
           </a:bodyPr>
           <a:p>
             <a:pPr algn="ctr"/>
-            <a:endParaRPr b="0" lang="en-US" sz="4400" spc="-1" strike="noStrike">
-              <a:latin typeface="Arial"/>
-            </a:endParaRPr>
-          </a:p>
-        </p:txBody>
-      </p:sp>
-      <p:sp>
-        <p:nvSpPr>
-          <p:cNvPr id="108" name="PlaceHolder 2"/>
-          <p:cNvSpPr>
-            <a:spLocks noGrp="1"/>
-          </p:cNvSpPr>
-          <p:nvPr>
-            <p:ph type="body"/>
-          </p:nvPr>
-        </p:nvSpPr>
-        <p:spPr>
-          <a:xfrm>
-            <a:off x="720000" y="1440000"/>
-            <a:ext cx="4391640" cy="1631160"/>
+            <a:endParaRPr b="0" lang="ru-RU" sz="4400" spc="-1" strike="noStrike">
+              <a:latin typeface="Arial"/>
+            </a:endParaRPr>
+          </a:p>
+        </p:txBody>
+      </p:sp>
+      <p:sp>
+        <p:nvSpPr>
+          <p:cNvPr id="105" name="PlaceHolder 2"/>
+          <p:cNvSpPr>
+            <a:spLocks noGrp="1"/>
+          </p:cNvSpPr>
+          <p:nvPr>
+            <p:ph type="body"/>
+          </p:nvPr>
+        </p:nvSpPr>
+        <p:spPr>
+          <a:xfrm>
+            <a:off x="504000" y="1326600"/>
+            <a:ext cx="4426920" cy="1568520"/>
           </a:xfrm>
           <a:prstGeom prst="rect">
             <a:avLst/>
@@ -3107,26 +3107,26 @@
             <a:normAutofit/>
           </a:bodyPr>
           <a:p>
-            <a:endParaRPr b="0" lang="en-US" sz="3200" spc="-1" strike="noStrike">
-              <a:latin typeface="Arial"/>
-            </a:endParaRPr>
-          </a:p>
-        </p:txBody>
-      </p:sp>
-      <p:sp>
-        <p:nvSpPr>
-          <p:cNvPr id="109" name="PlaceHolder 3"/>
-          <p:cNvSpPr>
-            <a:spLocks noGrp="1"/>
-          </p:cNvSpPr>
-          <p:nvPr>
-            <p:ph type="body"/>
-          </p:nvPr>
-        </p:nvSpPr>
-        <p:spPr>
-          <a:xfrm>
-            <a:off x="5331600" y="1440000"/>
-            <a:ext cx="4391640" cy="1631160"/>
+            <a:endParaRPr b="0" lang="ru-RU" sz="3200" spc="-1" strike="noStrike">
+              <a:latin typeface="Arial"/>
+            </a:endParaRPr>
+          </a:p>
+        </p:txBody>
+      </p:sp>
+      <p:sp>
+        <p:nvSpPr>
+          <p:cNvPr id="106" name="PlaceHolder 3"/>
+          <p:cNvSpPr>
+            <a:spLocks noGrp="1"/>
+          </p:cNvSpPr>
+          <p:nvPr>
+            <p:ph type="body"/>
+          </p:nvPr>
+        </p:nvSpPr>
+        <p:spPr>
+          <a:xfrm>
+            <a:off x="5152680" y="1326600"/>
+            <a:ext cx="4426920" cy="1568520"/>
           </a:xfrm>
           <a:prstGeom prst="rect">
             <a:avLst/>
@@ -3137,26 +3137,26 @@
             <a:normAutofit/>
           </a:bodyPr>
           <a:p>
-            <a:endParaRPr b="0" lang="en-US" sz="3200" spc="-1" strike="noStrike">
-              <a:latin typeface="Arial"/>
-            </a:endParaRPr>
-          </a:p>
-        </p:txBody>
-      </p:sp>
-      <p:sp>
-        <p:nvSpPr>
-          <p:cNvPr id="110" name="PlaceHolder 4"/>
-          <p:cNvSpPr>
-            <a:spLocks noGrp="1"/>
-          </p:cNvSpPr>
-          <p:nvPr>
-            <p:ph type="body"/>
-          </p:nvPr>
-        </p:nvSpPr>
-        <p:spPr>
-          <a:xfrm>
-            <a:off x="720000" y="3226680"/>
-            <a:ext cx="4391640" cy="1631160"/>
+            <a:endParaRPr b="0" lang="ru-RU" sz="3200" spc="-1" strike="noStrike">
+              <a:latin typeface="Arial"/>
+            </a:endParaRPr>
+          </a:p>
+        </p:txBody>
+      </p:sp>
+      <p:sp>
+        <p:nvSpPr>
+          <p:cNvPr id="107" name="PlaceHolder 4"/>
+          <p:cNvSpPr>
+            <a:spLocks noGrp="1"/>
+          </p:cNvSpPr>
+          <p:nvPr>
+            <p:ph type="body"/>
+          </p:nvPr>
+        </p:nvSpPr>
+        <p:spPr>
+          <a:xfrm>
+            <a:off x="504000" y="3044520"/>
+            <a:ext cx="4426920" cy="1568520"/>
           </a:xfrm>
           <a:prstGeom prst="rect">
             <a:avLst/>
@@ -3167,26 +3167,26 @@
             <a:normAutofit/>
           </a:bodyPr>
           <a:p>
-            <a:endParaRPr b="0" lang="en-US" sz="3200" spc="-1" strike="noStrike">
-              <a:latin typeface="Arial"/>
-            </a:endParaRPr>
-          </a:p>
-        </p:txBody>
-      </p:sp>
-      <p:sp>
-        <p:nvSpPr>
-          <p:cNvPr id="111" name="PlaceHolder 5"/>
-          <p:cNvSpPr>
-            <a:spLocks noGrp="1"/>
-          </p:cNvSpPr>
-          <p:nvPr>
-            <p:ph type="body"/>
-          </p:nvPr>
-        </p:nvSpPr>
-        <p:spPr>
-          <a:xfrm>
-            <a:off x="5331600" y="3226680"/>
-            <a:ext cx="4391640" cy="1631160"/>
+            <a:endParaRPr b="0" lang="ru-RU" sz="3200" spc="-1" strike="noStrike">
+              <a:latin typeface="Arial"/>
+            </a:endParaRPr>
+          </a:p>
+        </p:txBody>
+      </p:sp>
+      <p:sp>
+        <p:nvSpPr>
+          <p:cNvPr id="108" name="PlaceHolder 5"/>
+          <p:cNvSpPr>
+            <a:spLocks noGrp="1"/>
+          </p:cNvSpPr>
+          <p:nvPr>
+            <p:ph type="body"/>
+          </p:nvPr>
+        </p:nvSpPr>
+        <p:spPr>
+          <a:xfrm>
+            <a:off x="5152680" y="3044520"/>
+            <a:ext cx="4426920" cy="1568520"/>
           </a:xfrm>
           <a:prstGeom prst="rect">
             <a:avLst/>
@@ -3197,7 +3197,7 @@
             <a:normAutofit/>
           </a:bodyPr>
           <a:p>
-            <a:endParaRPr b="0" lang="en-US" sz="3200" spc="-1" strike="noStrike">
+            <a:endParaRPr b="0" lang="ru-RU" sz="3200" spc="-1" strike="noStrike">
               <a:latin typeface="Arial"/>
             </a:endParaRPr>
           </a:p>
@@ -3227,7 +3227,7 @@
       </p:grpSpPr>
       <p:sp>
         <p:nvSpPr>
-          <p:cNvPr id="112" name="PlaceHolder 1"/>
+          <p:cNvPr id="109" name="PlaceHolder 1"/>
           <p:cNvSpPr>
             <a:spLocks noGrp="1"/>
           </p:cNvSpPr>
@@ -3237,8 +3237,8 @@
         </p:nvSpPr>
         <p:spPr>
           <a:xfrm>
-            <a:off x="720000" y="148320"/>
-            <a:ext cx="8999640" cy="1143360"/>
+            <a:off x="504000" y="74160"/>
+            <a:ext cx="9072000" cy="1250280"/>
           </a:xfrm>
           <a:prstGeom prst="rect">
             <a:avLst/>
@@ -3250,187 +3250,187 @@
           </a:bodyPr>
           <a:p>
             <a:pPr algn="ctr"/>
-            <a:endParaRPr b="0" lang="en-US" sz="4400" spc="-1" strike="noStrike">
-              <a:latin typeface="Arial"/>
-            </a:endParaRPr>
-          </a:p>
-        </p:txBody>
-      </p:sp>
-      <p:sp>
-        <p:nvSpPr>
-          <p:cNvPr id="113" name="PlaceHolder 2"/>
-          <p:cNvSpPr>
-            <a:spLocks noGrp="1"/>
-          </p:cNvSpPr>
-          <p:nvPr>
-            <p:ph type="body"/>
-          </p:nvPr>
-        </p:nvSpPr>
-        <p:spPr>
-          <a:xfrm>
-            <a:off x="720000" y="1440000"/>
-            <a:ext cx="2897640" cy="1631160"/>
-          </a:xfrm>
-          <a:prstGeom prst="rect">
-            <a:avLst/>
-          </a:prstGeom>
-        </p:spPr>
-        <p:txBody>
-          <a:bodyPr lIns="0" rIns="0" tIns="0" bIns="0">
-            <a:normAutofit/>
-          </a:bodyPr>
-          <a:p>
-            <a:endParaRPr b="0" lang="en-US" sz="3200" spc="-1" strike="noStrike">
-              <a:latin typeface="Arial"/>
-            </a:endParaRPr>
-          </a:p>
-        </p:txBody>
-      </p:sp>
-      <p:sp>
-        <p:nvSpPr>
-          <p:cNvPr id="114" name="PlaceHolder 3"/>
-          <p:cNvSpPr>
-            <a:spLocks noGrp="1"/>
-          </p:cNvSpPr>
-          <p:nvPr>
-            <p:ph type="body"/>
-          </p:nvPr>
-        </p:nvSpPr>
-        <p:spPr>
-          <a:xfrm>
-            <a:off x="3763080" y="1440000"/>
-            <a:ext cx="2897640" cy="1631160"/>
-          </a:xfrm>
-          <a:prstGeom prst="rect">
-            <a:avLst/>
-          </a:prstGeom>
-        </p:spPr>
-        <p:txBody>
-          <a:bodyPr lIns="0" rIns="0" tIns="0" bIns="0">
-            <a:normAutofit/>
-          </a:bodyPr>
-          <a:p>
-            <a:endParaRPr b="0" lang="en-US" sz="3200" spc="-1" strike="noStrike">
-              <a:latin typeface="Arial"/>
-            </a:endParaRPr>
-          </a:p>
-        </p:txBody>
-      </p:sp>
-      <p:sp>
-        <p:nvSpPr>
-          <p:cNvPr id="115" name="PlaceHolder 4"/>
-          <p:cNvSpPr>
-            <a:spLocks noGrp="1"/>
-          </p:cNvSpPr>
-          <p:nvPr>
-            <p:ph type="body"/>
-          </p:nvPr>
-        </p:nvSpPr>
-        <p:spPr>
-          <a:xfrm>
-            <a:off x="6805800" y="1440000"/>
-            <a:ext cx="2897640" cy="1631160"/>
-          </a:xfrm>
-          <a:prstGeom prst="rect">
-            <a:avLst/>
-          </a:prstGeom>
-        </p:spPr>
-        <p:txBody>
-          <a:bodyPr lIns="0" rIns="0" tIns="0" bIns="0">
-            <a:normAutofit/>
-          </a:bodyPr>
-          <a:p>
-            <a:endParaRPr b="0" lang="en-US" sz="3200" spc="-1" strike="noStrike">
-              <a:latin typeface="Arial"/>
-            </a:endParaRPr>
-          </a:p>
-        </p:txBody>
-      </p:sp>
-      <p:sp>
-        <p:nvSpPr>
-          <p:cNvPr id="116" name="PlaceHolder 5"/>
-          <p:cNvSpPr>
-            <a:spLocks noGrp="1"/>
-          </p:cNvSpPr>
-          <p:nvPr>
-            <p:ph type="body"/>
-          </p:nvPr>
-        </p:nvSpPr>
-        <p:spPr>
-          <a:xfrm>
-            <a:off x="720000" y="3226680"/>
-            <a:ext cx="2897640" cy="1631160"/>
-          </a:xfrm>
-          <a:prstGeom prst="rect">
-            <a:avLst/>
-          </a:prstGeom>
-        </p:spPr>
-        <p:txBody>
-          <a:bodyPr lIns="0" rIns="0" tIns="0" bIns="0">
-            <a:normAutofit/>
-          </a:bodyPr>
-          <a:p>
-            <a:endParaRPr b="0" lang="en-US" sz="3200" spc="-1" strike="noStrike">
-              <a:latin typeface="Arial"/>
-            </a:endParaRPr>
-          </a:p>
-        </p:txBody>
-      </p:sp>
-      <p:sp>
-        <p:nvSpPr>
-          <p:cNvPr id="117" name="PlaceHolder 6"/>
-          <p:cNvSpPr>
-            <a:spLocks noGrp="1"/>
-          </p:cNvSpPr>
-          <p:nvPr>
-            <p:ph type="body"/>
-          </p:nvPr>
-        </p:nvSpPr>
-        <p:spPr>
-          <a:xfrm>
-            <a:off x="3763080" y="3226680"/>
-            <a:ext cx="2897640" cy="1631160"/>
-          </a:xfrm>
-          <a:prstGeom prst="rect">
-            <a:avLst/>
-          </a:prstGeom>
-        </p:spPr>
-        <p:txBody>
-          <a:bodyPr lIns="0" rIns="0" tIns="0" bIns="0">
-            <a:normAutofit/>
-          </a:bodyPr>
-          <a:p>
-            <a:endParaRPr b="0" lang="en-US" sz="3200" spc="-1" strike="noStrike">
-              <a:latin typeface="Arial"/>
-            </a:endParaRPr>
-          </a:p>
-        </p:txBody>
-      </p:sp>
-      <p:sp>
-        <p:nvSpPr>
-          <p:cNvPr id="118" name="PlaceHolder 7"/>
-          <p:cNvSpPr>
-            <a:spLocks noGrp="1"/>
-          </p:cNvSpPr>
-          <p:nvPr>
-            <p:ph type="body"/>
-          </p:nvPr>
-        </p:nvSpPr>
-        <p:spPr>
-          <a:xfrm>
-            <a:off x="6805800" y="3226680"/>
-            <a:ext cx="2897640" cy="1631160"/>
-          </a:xfrm>
-          <a:prstGeom prst="rect">
-            <a:avLst/>
-          </a:prstGeom>
-        </p:spPr>
-        <p:txBody>
-          <a:bodyPr lIns="0" rIns="0" tIns="0" bIns="0">
-            <a:normAutofit/>
-          </a:bodyPr>
-          <a:p>
-            <a:endParaRPr b="0" lang="en-US" sz="3200" spc="-1" strike="noStrike">
+            <a:endParaRPr b="0" lang="ru-RU" sz="4400" spc="-1" strike="noStrike">
+              <a:latin typeface="Arial"/>
+            </a:endParaRPr>
+          </a:p>
+        </p:txBody>
+      </p:sp>
+      <p:sp>
+        <p:nvSpPr>
+          <p:cNvPr id="110" name="PlaceHolder 2"/>
+          <p:cNvSpPr>
+            <a:spLocks noGrp="1"/>
+          </p:cNvSpPr>
+          <p:nvPr>
+            <p:ph type="body"/>
+          </p:nvPr>
+        </p:nvSpPr>
+        <p:spPr>
+          <a:xfrm>
+            <a:off x="504000" y="1326600"/>
+            <a:ext cx="2921040" cy="1568520"/>
+          </a:xfrm>
+          <a:prstGeom prst="rect">
+            <a:avLst/>
+          </a:prstGeom>
+        </p:spPr>
+        <p:txBody>
+          <a:bodyPr lIns="0" rIns="0" tIns="0" bIns="0">
+            <a:normAutofit fontScale="56000"/>
+          </a:bodyPr>
+          <a:p>
+            <a:endParaRPr b="0" lang="ru-RU" sz="3200" spc="-1" strike="noStrike">
+              <a:latin typeface="Arial"/>
+            </a:endParaRPr>
+          </a:p>
+        </p:txBody>
+      </p:sp>
+      <p:sp>
+        <p:nvSpPr>
+          <p:cNvPr id="111" name="PlaceHolder 3"/>
+          <p:cNvSpPr>
+            <a:spLocks noGrp="1"/>
+          </p:cNvSpPr>
+          <p:nvPr>
+            <p:ph type="body"/>
+          </p:nvPr>
+        </p:nvSpPr>
+        <p:spPr>
+          <a:xfrm>
+            <a:off x="3571560" y="1326600"/>
+            <a:ext cx="2921040" cy="1568520"/>
+          </a:xfrm>
+          <a:prstGeom prst="rect">
+            <a:avLst/>
+          </a:prstGeom>
+        </p:spPr>
+        <p:txBody>
+          <a:bodyPr lIns="0" rIns="0" tIns="0" bIns="0">
+            <a:normAutofit fontScale="56000"/>
+          </a:bodyPr>
+          <a:p>
+            <a:endParaRPr b="0" lang="ru-RU" sz="3200" spc="-1" strike="noStrike">
+              <a:latin typeface="Arial"/>
+            </a:endParaRPr>
+          </a:p>
+        </p:txBody>
+      </p:sp>
+      <p:sp>
+        <p:nvSpPr>
+          <p:cNvPr id="112" name="PlaceHolder 4"/>
+          <p:cNvSpPr>
+            <a:spLocks noGrp="1"/>
+          </p:cNvSpPr>
+          <p:nvPr>
+            <p:ph type="body"/>
+          </p:nvPr>
+        </p:nvSpPr>
+        <p:spPr>
+          <a:xfrm>
+            <a:off x="6639120" y="1326600"/>
+            <a:ext cx="2921040" cy="1568520"/>
+          </a:xfrm>
+          <a:prstGeom prst="rect">
+            <a:avLst/>
+          </a:prstGeom>
+        </p:spPr>
+        <p:txBody>
+          <a:bodyPr lIns="0" rIns="0" tIns="0" bIns="0">
+            <a:normAutofit fontScale="56000"/>
+          </a:bodyPr>
+          <a:p>
+            <a:endParaRPr b="0" lang="ru-RU" sz="3200" spc="-1" strike="noStrike">
+              <a:latin typeface="Arial"/>
+            </a:endParaRPr>
+          </a:p>
+        </p:txBody>
+      </p:sp>
+      <p:sp>
+        <p:nvSpPr>
+          <p:cNvPr id="113" name="PlaceHolder 5"/>
+          <p:cNvSpPr>
+            <a:spLocks noGrp="1"/>
+          </p:cNvSpPr>
+          <p:nvPr>
+            <p:ph type="body"/>
+          </p:nvPr>
+        </p:nvSpPr>
+        <p:spPr>
+          <a:xfrm>
+            <a:off x="504000" y="3044520"/>
+            <a:ext cx="2921040" cy="1568520"/>
+          </a:xfrm>
+          <a:prstGeom prst="rect">
+            <a:avLst/>
+          </a:prstGeom>
+        </p:spPr>
+        <p:txBody>
+          <a:bodyPr lIns="0" rIns="0" tIns="0" bIns="0">
+            <a:normAutofit fontScale="56000"/>
+          </a:bodyPr>
+          <a:p>
+            <a:endParaRPr b="0" lang="ru-RU" sz="3200" spc="-1" strike="noStrike">
+              <a:latin typeface="Arial"/>
+            </a:endParaRPr>
+          </a:p>
+        </p:txBody>
+      </p:sp>
+      <p:sp>
+        <p:nvSpPr>
+          <p:cNvPr id="114" name="PlaceHolder 6"/>
+          <p:cNvSpPr>
+            <a:spLocks noGrp="1"/>
+          </p:cNvSpPr>
+          <p:nvPr>
+            <p:ph type="body"/>
+          </p:nvPr>
+        </p:nvSpPr>
+        <p:spPr>
+          <a:xfrm>
+            <a:off x="3571560" y="3044520"/>
+            <a:ext cx="2921040" cy="1568520"/>
+          </a:xfrm>
+          <a:prstGeom prst="rect">
+            <a:avLst/>
+          </a:prstGeom>
+        </p:spPr>
+        <p:txBody>
+          <a:bodyPr lIns="0" rIns="0" tIns="0" bIns="0">
+            <a:normAutofit fontScale="56000"/>
+          </a:bodyPr>
+          <a:p>
+            <a:endParaRPr b="0" lang="ru-RU" sz="3200" spc="-1" strike="noStrike">
+              <a:latin typeface="Arial"/>
+            </a:endParaRPr>
+          </a:p>
+        </p:txBody>
+      </p:sp>
+      <p:sp>
+        <p:nvSpPr>
+          <p:cNvPr id="115" name="PlaceHolder 7"/>
+          <p:cNvSpPr>
+            <a:spLocks noGrp="1"/>
+          </p:cNvSpPr>
+          <p:nvPr>
+            <p:ph type="body"/>
+          </p:nvPr>
+        </p:nvSpPr>
+        <p:spPr>
+          <a:xfrm>
+            <a:off x="6639120" y="3044520"/>
+            <a:ext cx="2921040" cy="1568520"/>
+          </a:xfrm>
+          <a:prstGeom prst="rect">
+            <a:avLst/>
+          </a:prstGeom>
+        </p:spPr>
+        <p:txBody>
+          <a:bodyPr lIns="0" rIns="0" tIns="0" bIns="0">
+            <a:normAutofit fontScale="56000"/>
+          </a:bodyPr>
+          <a:p>
+            <a:endParaRPr b="0" lang="ru-RU" sz="3200" spc="-1" strike="noStrike">
               <a:latin typeface="Arial"/>
             </a:endParaRPr>
           </a:p>
@@ -3460,7 +3460,7 @@
       </p:grpSpPr>
       <p:sp>
         <p:nvSpPr>
-          <p:cNvPr id="7" name="PlaceHolder 1"/>
+          <p:cNvPr id="6" name="PlaceHolder 1"/>
           <p:cNvSpPr>
             <a:spLocks noGrp="1"/>
           </p:cNvSpPr>
@@ -3470,8 +3470,8 @@
         </p:nvSpPr>
         <p:spPr>
           <a:xfrm>
-            <a:off x="720000" y="148320"/>
-            <a:ext cx="8999640" cy="1143360"/>
+            <a:off x="504000" y="74160"/>
+            <a:ext cx="9072000" cy="1250280"/>
           </a:xfrm>
           <a:prstGeom prst="rect">
             <a:avLst/>
@@ -3483,26 +3483,26 @@
           </a:bodyPr>
           <a:p>
             <a:pPr algn="ctr"/>
-            <a:endParaRPr b="0" lang="en-US" sz="4400" spc="-1" strike="noStrike">
-              <a:latin typeface="Arial"/>
-            </a:endParaRPr>
-          </a:p>
-        </p:txBody>
-      </p:sp>
-      <p:sp>
-        <p:nvSpPr>
-          <p:cNvPr id="8" name="PlaceHolder 2"/>
-          <p:cNvSpPr>
-            <a:spLocks noGrp="1"/>
-          </p:cNvSpPr>
-          <p:nvPr>
-            <p:ph type="body"/>
-          </p:nvPr>
-        </p:nvSpPr>
-        <p:spPr>
-          <a:xfrm>
-            <a:off x="720000" y="1440000"/>
-            <a:ext cx="4391640" cy="3419640"/>
+            <a:endParaRPr b="0" lang="ru-RU" sz="4400" spc="-1" strike="noStrike">
+              <a:latin typeface="Arial"/>
+            </a:endParaRPr>
+          </a:p>
+        </p:txBody>
+      </p:sp>
+      <p:sp>
+        <p:nvSpPr>
+          <p:cNvPr id="7" name="PlaceHolder 2"/>
+          <p:cNvSpPr>
+            <a:spLocks noGrp="1"/>
+          </p:cNvSpPr>
+          <p:nvPr>
+            <p:ph type="body"/>
+          </p:nvPr>
+        </p:nvSpPr>
+        <p:spPr>
+          <a:xfrm>
+            <a:off x="504000" y="1326600"/>
+            <a:ext cx="4426920" cy="3288600"/>
           </a:xfrm>
           <a:prstGeom prst="rect">
             <a:avLst/>
@@ -3513,26 +3513,26 @@
             <a:normAutofit/>
           </a:bodyPr>
           <a:p>
-            <a:endParaRPr b="0" lang="en-US" sz="3200" spc="-1" strike="noStrike">
-              <a:latin typeface="Arial"/>
-            </a:endParaRPr>
-          </a:p>
-        </p:txBody>
-      </p:sp>
-      <p:sp>
-        <p:nvSpPr>
-          <p:cNvPr id="9" name="PlaceHolder 3"/>
-          <p:cNvSpPr>
-            <a:spLocks noGrp="1"/>
-          </p:cNvSpPr>
-          <p:nvPr>
-            <p:ph type="body"/>
-          </p:nvPr>
-        </p:nvSpPr>
-        <p:spPr>
-          <a:xfrm>
-            <a:off x="5331600" y="1440000"/>
-            <a:ext cx="4391640" cy="3419640"/>
+            <a:endParaRPr b="0" lang="ru-RU" sz="3200" spc="-1" strike="noStrike">
+              <a:latin typeface="Arial"/>
+            </a:endParaRPr>
+          </a:p>
+        </p:txBody>
+      </p:sp>
+      <p:sp>
+        <p:nvSpPr>
+          <p:cNvPr id="8" name="PlaceHolder 3"/>
+          <p:cNvSpPr>
+            <a:spLocks noGrp="1"/>
+          </p:cNvSpPr>
+          <p:nvPr>
+            <p:ph type="body"/>
+          </p:nvPr>
+        </p:nvSpPr>
+        <p:spPr>
+          <a:xfrm>
+            <a:off x="5152680" y="1326600"/>
+            <a:ext cx="4426920" cy="3288600"/>
           </a:xfrm>
           <a:prstGeom prst="rect">
             <a:avLst/>
@@ -3543,7 +3543,7 @@
             <a:normAutofit/>
           </a:bodyPr>
           <a:p>
-            <a:endParaRPr b="0" lang="en-US" sz="3200" spc="-1" strike="noStrike">
+            <a:endParaRPr b="0" lang="ru-RU" sz="3200" spc="-1" strike="noStrike">
               <a:latin typeface="Arial"/>
             </a:endParaRPr>
           </a:p>
@@ -3573,7 +3573,7 @@
       </p:grpSpPr>
       <p:sp>
         <p:nvSpPr>
-          <p:cNvPr id="10" name="PlaceHolder 1"/>
+          <p:cNvPr id="9" name="PlaceHolder 1"/>
           <p:cNvSpPr>
             <a:spLocks noGrp="1"/>
           </p:cNvSpPr>
@@ -3583,8 +3583,8 @@
         </p:nvSpPr>
         <p:spPr>
           <a:xfrm>
-            <a:off x="720000" y="148320"/>
-            <a:ext cx="8999640" cy="1143360"/>
+            <a:off x="504000" y="74160"/>
+            <a:ext cx="9072000" cy="1250280"/>
           </a:xfrm>
           <a:prstGeom prst="rect">
             <a:avLst/>
@@ -3596,7 +3596,7 @@
           </a:bodyPr>
           <a:p>
             <a:pPr algn="ctr"/>
-            <a:endParaRPr b="0" lang="en-US" sz="4400" spc="-1" strike="noStrike">
+            <a:endParaRPr b="0" lang="ru-RU" sz="4400" spc="-1" strike="noStrike">
               <a:latin typeface="Arial"/>
             </a:endParaRPr>
           </a:p>
@@ -3626,7 +3626,7 @@
       </p:grpSpPr>
       <p:sp>
         <p:nvSpPr>
-          <p:cNvPr id="11" name="PlaceHolder 1"/>
+          <p:cNvPr id="10" name="PlaceHolder 1"/>
           <p:cNvSpPr>
             <a:spLocks noGrp="1"/>
           </p:cNvSpPr>
@@ -3636,8 +3636,8 @@
         </p:nvSpPr>
         <p:spPr>
           <a:xfrm>
-            <a:off x="720000" y="148320"/>
-            <a:ext cx="8999640" cy="5301360"/>
+            <a:off x="504000" y="226080"/>
+            <a:ext cx="9072000" cy="4388400"/>
           </a:xfrm>
           <a:prstGeom prst="rect">
             <a:avLst/>
@@ -3649,7 +3649,7 @@
           </a:bodyPr>
           <a:p>
             <a:pPr algn="ctr"/>
-            <a:endParaRPr b="0" lang="en-US" sz="3200" spc="-1" strike="noStrike">
+            <a:endParaRPr b="0" lang="ru-RU" sz="3200" spc="-1" strike="noStrike">
               <a:latin typeface="Arial"/>
             </a:endParaRPr>
           </a:p>
@@ -3679,7 +3679,7 @@
       </p:grpSpPr>
       <p:sp>
         <p:nvSpPr>
-          <p:cNvPr id="12" name="PlaceHolder 1"/>
+          <p:cNvPr id="11" name="PlaceHolder 1"/>
           <p:cNvSpPr>
             <a:spLocks noGrp="1"/>
           </p:cNvSpPr>
@@ -3689,8 +3689,8 @@
         </p:nvSpPr>
         <p:spPr>
           <a:xfrm>
-            <a:off x="720000" y="148320"/>
-            <a:ext cx="8999640" cy="1143360"/>
+            <a:off x="504000" y="74160"/>
+            <a:ext cx="9072000" cy="1250280"/>
           </a:xfrm>
           <a:prstGeom prst="rect">
             <a:avLst/>
@@ -3702,26 +3702,26 @@
           </a:bodyPr>
           <a:p>
             <a:pPr algn="ctr"/>
-            <a:endParaRPr b="0" lang="en-US" sz="4400" spc="-1" strike="noStrike">
-              <a:latin typeface="Arial"/>
-            </a:endParaRPr>
-          </a:p>
-        </p:txBody>
-      </p:sp>
-      <p:sp>
-        <p:nvSpPr>
-          <p:cNvPr id="13" name="PlaceHolder 2"/>
-          <p:cNvSpPr>
-            <a:spLocks noGrp="1"/>
-          </p:cNvSpPr>
-          <p:nvPr>
-            <p:ph type="body"/>
-          </p:nvPr>
-        </p:nvSpPr>
-        <p:spPr>
-          <a:xfrm>
-            <a:off x="720000" y="1440000"/>
-            <a:ext cx="4391640" cy="1631160"/>
+            <a:endParaRPr b="0" lang="ru-RU" sz="4400" spc="-1" strike="noStrike">
+              <a:latin typeface="Arial"/>
+            </a:endParaRPr>
+          </a:p>
+        </p:txBody>
+      </p:sp>
+      <p:sp>
+        <p:nvSpPr>
+          <p:cNvPr id="12" name="PlaceHolder 2"/>
+          <p:cNvSpPr>
+            <a:spLocks noGrp="1"/>
+          </p:cNvSpPr>
+          <p:nvPr>
+            <p:ph type="body"/>
+          </p:nvPr>
+        </p:nvSpPr>
+        <p:spPr>
+          <a:xfrm>
+            <a:off x="504000" y="1326600"/>
+            <a:ext cx="4426920" cy="1568520"/>
           </a:xfrm>
           <a:prstGeom prst="rect">
             <a:avLst/>
@@ -3732,26 +3732,26 @@
             <a:normAutofit/>
           </a:bodyPr>
           <a:p>
-            <a:endParaRPr b="0" lang="en-US" sz="3200" spc="-1" strike="noStrike">
-              <a:latin typeface="Arial"/>
-            </a:endParaRPr>
-          </a:p>
-        </p:txBody>
-      </p:sp>
-      <p:sp>
-        <p:nvSpPr>
-          <p:cNvPr id="14" name="PlaceHolder 3"/>
-          <p:cNvSpPr>
-            <a:spLocks noGrp="1"/>
-          </p:cNvSpPr>
-          <p:nvPr>
-            <p:ph type="body"/>
-          </p:nvPr>
-        </p:nvSpPr>
-        <p:spPr>
-          <a:xfrm>
-            <a:off x="5331600" y="1440000"/>
-            <a:ext cx="4391640" cy="3419640"/>
+            <a:endParaRPr b="0" lang="ru-RU" sz="3200" spc="-1" strike="noStrike">
+              <a:latin typeface="Arial"/>
+            </a:endParaRPr>
+          </a:p>
+        </p:txBody>
+      </p:sp>
+      <p:sp>
+        <p:nvSpPr>
+          <p:cNvPr id="13" name="PlaceHolder 3"/>
+          <p:cNvSpPr>
+            <a:spLocks noGrp="1"/>
+          </p:cNvSpPr>
+          <p:nvPr>
+            <p:ph type="body"/>
+          </p:nvPr>
+        </p:nvSpPr>
+        <p:spPr>
+          <a:xfrm>
+            <a:off x="5152680" y="1326600"/>
+            <a:ext cx="4426920" cy="3288600"/>
           </a:xfrm>
           <a:prstGeom prst="rect">
             <a:avLst/>
@@ -3762,26 +3762,26 @@
             <a:normAutofit/>
           </a:bodyPr>
           <a:p>
-            <a:endParaRPr b="0" lang="en-US" sz="3200" spc="-1" strike="noStrike">
-              <a:latin typeface="Arial"/>
-            </a:endParaRPr>
-          </a:p>
-        </p:txBody>
-      </p:sp>
-      <p:sp>
-        <p:nvSpPr>
-          <p:cNvPr id="15" name="PlaceHolder 4"/>
-          <p:cNvSpPr>
-            <a:spLocks noGrp="1"/>
-          </p:cNvSpPr>
-          <p:nvPr>
-            <p:ph type="body"/>
-          </p:nvPr>
-        </p:nvSpPr>
-        <p:spPr>
-          <a:xfrm>
-            <a:off x="720000" y="3226680"/>
-            <a:ext cx="4391640" cy="1631160"/>
+            <a:endParaRPr b="0" lang="ru-RU" sz="3200" spc="-1" strike="noStrike">
+              <a:latin typeface="Arial"/>
+            </a:endParaRPr>
+          </a:p>
+        </p:txBody>
+      </p:sp>
+      <p:sp>
+        <p:nvSpPr>
+          <p:cNvPr id="14" name="PlaceHolder 4"/>
+          <p:cNvSpPr>
+            <a:spLocks noGrp="1"/>
+          </p:cNvSpPr>
+          <p:nvPr>
+            <p:ph type="body"/>
+          </p:nvPr>
+        </p:nvSpPr>
+        <p:spPr>
+          <a:xfrm>
+            <a:off x="504000" y="3044520"/>
+            <a:ext cx="4426920" cy="1568520"/>
           </a:xfrm>
           <a:prstGeom prst="rect">
             <a:avLst/>
@@ -3792,7 +3792,7 @@
             <a:normAutofit/>
           </a:bodyPr>
           <a:p>
-            <a:endParaRPr b="0" lang="en-US" sz="3200" spc="-1" strike="noStrike">
+            <a:endParaRPr b="0" lang="ru-RU" sz="3200" spc="-1" strike="noStrike">
               <a:latin typeface="Arial"/>
             </a:endParaRPr>
           </a:p>
@@ -3822,7 +3822,7 @@
       </p:grpSpPr>
       <p:sp>
         <p:nvSpPr>
-          <p:cNvPr id="16" name="PlaceHolder 1"/>
+          <p:cNvPr id="15" name="PlaceHolder 1"/>
           <p:cNvSpPr>
             <a:spLocks noGrp="1"/>
           </p:cNvSpPr>
@@ -3832,8 +3832,8 @@
         </p:nvSpPr>
         <p:spPr>
           <a:xfrm>
-            <a:off x="720000" y="148320"/>
-            <a:ext cx="8999640" cy="1143360"/>
+            <a:off x="504000" y="74160"/>
+            <a:ext cx="9072000" cy="1250280"/>
           </a:xfrm>
           <a:prstGeom prst="rect">
             <a:avLst/>
@@ -3845,26 +3845,26 @@
           </a:bodyPr>
           <a:p>
             <a:pPr algn="ctr"/>
-            <a:endParaRPr b="0" lang="en-US" sz="4400" spc="-1" strike="noStrike">
-              <a:latin typeface="Arial"/>
-            </a:endParaRPr>
-          </a:p>
-        </p:txBody>
-      </p:sp>
-      <p:sp>
-        <p:nvSpPr>
-          <p:cNvPr id="17" name="PlaceHolder 2"/>
-          <p:cNvSpPr>
-            <a:spLocks noGrp="1"/>
-          </p:cNvSpPr>
-          <p:nvPr>
-            <p:ph type="body"/>
-          </p:nvPr>
-        </p:nvSpPr>
-        <p:spPr>
-          <a:xfrm>
-            <a:off x="720000" y="1440000"/>
-            <a:ext cx="4391640" cy="3419640"/>
+            <a:endParaRPr b="0" lang="ru-RU" sz="4400" spc="-1" strike="noStrike">
+              <a:latin typeface="Arial"/>
+            </a:endParaRPr>
+          </a:p>
+        </p:txBody>
+      </p:sp>
+      <p:sp>
+        <p:nvSpPr>
+          <p:cNvPr id="16" name="PlaceHolder 2"/>
+          <p:cNvSpPr>
+            <a:spLocks noGrp="1"/>
+          </p:cNvSpPr>
+          <p:nvPr>
+            <p:ph type="body"/>
+          </p:nvPr>
+        </p:nvSpPr>
+        <p:spPr>
+          <a:xfrm>
+            <a:off x="504000" y="1326600"/>
+            <a:ext cx="4426920" cy="3288600"/>
           </a:xfrm>
           <a:prstGeom prst="rect">
             <a:avLst/>
@@ -3875,26 +3875,26 @@
             <a:normAutofit/>
           </a:bodyPr>
           <a:p>
-            <a:endParaRPr b="0" lang="en-US" sz="3200" spc="-1" strike="noStrike">
-              <a:latin typeface="Arial"/>
-            </a:endParaRPr>
-          </a:p>
-        </p:txBody>
-      </p:sp>
-      <p:sp>
-        <p:nvSpPr>
-          <p:cNvPr id="18" name="PlaceHolder 3"/>
-          <p:cNvSpPr>
-            <a:spLocks noGrp="1"/>
-          </p:cNvSpPr>
-          <p:nvPr>
-            <p:ph type="body"/>
-          </p:nvPr>
-        </p:nvSpPr>
-        <p:spPr>
-          <a:xfrm>
-            <a:off x="5331600" y="1440000"/>
-            <a:ext cx="4391640" cy="1631160"/>
+            <a:endParaRPr b="0" lang="ru-RU" sz="3200" spc="-1" strike="noStrike">
+              <a:latin typeface="Arial"/>
+            </a:endParaRPr>
+          </a:p>
+        </p:txBody>
+      </p:sp>
+      <p:sp>
+        <p:nvSpPr>
+          <p:cNvPr id="17" name="PlaceHolder 3"/>
+          <p:cNvSpPr>
+            <a:spLocks noGrp="1"/>
+          </p:cNvSpPr>
+          <p:nvPr>
+            <p:ph type="body"/>
+          </p:nvPr>
+        </p:nvSpPr>
+        <p:spPr>
+          <a:xfrm>
+            <a:off x="5152680" y="1326600"/>
+            <a:ext cx="4426920" cy="1568520"/>
           </a:xfrm>
           <a:prstGeom prst="rect">
             <a:avLst/>
@@ -3905,26 +3905,26 @@
             <a:normAutofit/>
           </a:bodyPr>
           <a:p>
-            <a:endParaRPr b="0" lang="en-US" sz="3200" spc="-1" strike="noStrike">
-              <a:latin typeface="Arial"/>
-            </a:endParaRPr>
-          </a:p>
-        </p:txBody>
-      </p:sp>
-      <p:sp>
-        <p:nvSpPr>
-          <p:cNvPr id="19" name="PlaceHolder 4"/>
-          <p:cNvSpPr>
-            <a:spLocks noGrp="1"/>
-          </p:cNvSpPr>
-          <p:nvPr>
-            <p:ph type="body"/>
-          </p:nvPr>
-        </p:nvSpPr>
-        <p:spPr>
-          <a:xfrm>
-            <a:off x="5331600" y="3226680"/>
-            <a:ext cx="4391640" cy="1631160"/>
+            <a:endParaRPr b="0" lang="ru-RU" sz="3200" spc="-1" strike="noStrike">
+              <a:latin typeface="Arial"/>
+            </a:endParaRPr>
+          </a:p>
+        </p:txBody>
+      </p:sp>
+      <p:sp>
+        <p:nvSpPr>
+          <p:cNvPr id="18" name="PlaceHolder 4"/>
+          <p:cNvSpPr>
+            <a:spLocks noGrp="1"/>
+          </p:cNvSpPr>
+          <p:nvPr>
+            <p:ph type="body"/>
+          </p:nvPr>
+        </p:nvSpPr>
+        <p:spPr>
+          <a:xfrm>
+            <a:off x="5152680" y="3044520"/>
+            <a:ext cx="4426920" cy="1568520"/>
           </a:xfrm>
           <a:prstGeom prst="rect">
             <a:avLst/>
@@ -3935,7 +3935,7 @@
             <a:normAutofit/>
           </a:bodyPr>
           <a:p>
-            <a:endParaRPr b="0" lang="en-US" sz="3200" spc="-1" strike="noStrike">
+            <a:endParaRPr b="0" lang="ru-RU" sz="3200" spc="-1" strike="noStrike">
               <a:latin typeface="Arial"/>
             </a:endParaRPr>
           </a:p>
@@ -3965,7 +3965,7 @@
       </p:grpSpPr>
       <p:sp>
         <p:nvSpPr>
-          <p:cNvPr id="20" name="PlaceHolder 1"/>
+          <p:cNvPr id="19" name="PlaceHolder 1"/>
           <p:cNvSpPr>
             <a:spLocks noGrp="1"/>
           </p:cNvSpPr>
@@ -3975,8 +3975,8 @@
         </p:nvSpPr>
         <p:spPr>
           <a:xfrm>
-            <a:off x="720000" y="148320"/>
-            <a:ext cx="8999640" cy="1143360"/>
+            <a:off x="504000" y="74160"/>
+            <a:ext cx="9072000" cy="1250280"/>
           </a:xfrm>
           <a:prstGeom prst="rect">
             <a:avLst/>
@@ -3988,26 +3988,26 @@
           </a:bodyPr>
           <a:p>
             <a:pPr algn="ctr"/>
-            <a:endParaRPr b="0" lang="en-US" sz="4400" spc="-1" strike="noStrike">
-              <a:latin typeface="Arial"/>
-            </a:endParaRPr>
-          </a:p>
-        </p:txBody>
-      </p:sp>
-      <p:sp>
-        <p:nvSpPr>
-          <p:cNvPr id="21" name="PlaceHolder 2"/>
-          <p:cNvSpPr>
-            <a:spLocks noGrp="1"/>
-          </p:cNvSpPr>
-          <p:nvPr>
-            <p:ph type="body"/>
-          </p:nvPr>
-        </p:nvSpPr>
-        <p:spPr>
-          <a:xfrm>
-            <a:off x="720000" y="1440000"/>
-            <a:ext cx="4391640" cy="1631160"/>
+            <a:endParaRPr b="0" lang="ru-RU" sz="4400" spc="-1" strike="noStrike">
+              <a:latin typeface="Arial"/>
+            </a:endParaRPr>
+          </a:p>
+        </p:txBody>
+      </p:sp>
+      <p:sp>
+        <p:nvSpPr>
+          <p:cNvPr id="20" name="PlaceHolder 2"/>
+          <p:cNvSpPr>
+            <a:spLocks noGrp="1"/>
+          </p:cNvSpPr>
+          <p:nvPr>
+            <p:ph type="body"/>
+          </p:nvPr>
+        </p:nvSpPr>
+        <p:spPr>
+          <a:xfrm>
+            <a:off x="504000" y="1326600"/>
+            <a:ext cx="4426920" cy="1568520"/>
           </a:xfrm>
           <a:prstGeom prst="rect">
             <a:avLst/>
@@ -4018,26 +4018,26 @@
             <a:normAutofit/>
           </a:bodyPr>
           <a:p>
-            <a:endParaRPr b="0" lang="en-US" sz="3200" spc="-1" strike="noStrike">
-              <a:latin typeface="Arial"/>
-            </a:endParaRPr>
-          </a:p>
-        </p:txBody>
-      </p:sp>
-      <p:sp>
-        <p:nvSpPr>
-          <p:cNvPr id="22" name="PlaceHolder 3"/>
-          <p:cNvSpPr>
-            <a:spLocks noGrp="1"/>
-          </p:cNvSpPr>
-          <p:nvPr>
-            <p:ph type="body"/>
-          </p:nvPr>
-        </p:nvSpPr>
-        <p:spPr>
-          <a:xfrm>
-            <a:off x="5331600" y="1440000"/>
-            <a:ext cx="4391640" cy="1631160"/>
+            <a:endParaRPr b="0" lang="ru-RU" sz="3200" spc="-1" strike="noStrike">
+              <a:latin typeface="Arial"/>
+            </a:endParaRPr>
+          </a:p>
+        </p:txBody>
+      </p:sp>
+      <p:sp>
+        <p:nvSpPr>
+          <p:cNvPr id="21" name="PlaceHolder 3"/>
+          <p:cNvSpPr>
+            <a:spLocks noGrp="1"/>
+          </p:cNvSpPr>
+          <p:nvPr>
+            <p:ph type="body"/>
+          </p:nvPr>
+        </p:nvSpPr>
+        <p:spPr>
+          <a:xfrm>
+            <a:off x="5152680" y="1326600"/>
+            <a:ext cx="4426920" cy="1568520"/>
           </a:xfrm>
           <a:prstGeom prst="rect">
             <a:avLst/>
@@ -4048,26 +4048,26 @@
             <a:normAutofit/>
           </a:bodyPr>
           <a:p>
-            <a:endParaRPr b="0" lang="en-US" sz="3200" spc="-1" strike="noStrike">
-              <a:latin typeface="Arial"/>
-            </a:endParaRPr>
-          </a:p>
-        </p:txBody>
-      </p:sp>
-      <p:sp>
-        <p:nvSpPr>
-          <p:cNvPr id="23" name="PlaceHolder 4"/>
-          <p:cNvSpPr>
-            <a:spLocks noGrp="1"/>
-          </p:cNvSpPr>
-          <p:nvPr>
-            <p:ph type="body"/>
-          </p:nvPr>
-        </p:nvSpPr>
-        <p:spPr>
-          <a:xfrm>
-            <a:off x="720000" y="3226680"/>
-            <a:ext cx="8999640" cy="1631160"/>
+            <a:endParaRPr b="0" lang="ru-RU" sz="3200" spc="-1" strike="noStrike">
+              <a:latin typeface="Arial"/>
+            </a:endParaRPr>
+          </a:p>
+        </p:txBody>
+      </p:sp>
+      <p:sp>
+        <p:nvSpPr>
+          <p:cNvPr id="22" name="PlaceHolder 4"/>
+          <p:cNvSpPr>
+            <a:spLocks noGrp="1"/>
+          </p:cNvSpPr>
+          <p:nvPr>
+            <p:ph type="body"/>
+          </p:nvPr>
+        </p:nvSpPr>
+        <p:spPr>
+          <a:xfrm>
+            <a:off x="504000" y="3044520"/>
+            <a:ext cx="9072000" cy="1568520"/>
           </a:xfrm>
           <a:prstGeom prst="rect">
             <a:avLst/>
@@ -4078,7 +4078,7 @@
             <a:normAutofit/>
           </a:bodyPr>
           <a:p>
-            <a:endParaRPr b="0" lang="en-US" sz="3200" spc="-1" strike="noStrike">
+            <a:endParaRPr b="0" lang="ru-RU" sz="3200" spc="-1" strike="noStrike">
               <a:latin typeface="Arial"/>
             </a:endParaRPr>
           </a:p>
@@ -4108,35 +4108,7 @@
       </p:grpSpPr>
       <p:sp>
         <p:nvSpPr>
-          <p:cNvPr id="0" name="CustomShape 1"/>
-          <p:cNvSpPr/>
-          <p:nvPr/>
-        </p:nvSpPr>
-        <p:spPr>
-          <a:xfrm>
-            <a:off x="0" y="180000"/>
-            <a:ext cx="539640" cy="1079640"/>
-          </a:xfrm>
-          <a:prstGeom prst="rect">
-            <a:avLst/>
-          </a:prstGeom>
-          <a:solidFill>
-            <a:srgbClr val="ef2929"/>
-          </a:solidFill>
-          <a:ln w="0">
-            <a:noFill/>
-          </a:ln>
-        </p:spPr>
-        <p:style>
-          <a:lnRef idx="0"/>
-          <a:fillRef idx="0"/>
-          <a:effectRef idx="0"/>
-          <a:fontRef idx="minor"/>
-        </p:style>
-      </p:sp>
-      <p:sp>
-        <p:nvSpPr>
-          <p:cNvPr id="1" name="PlaceHolder 2"/>
+          <p:cNvPr id="0" name="PlaceHolder 1"/>
           <p:cNvSpPr>
             <a:spLocks noGrp="1"/>
           </p:cNvSpPr>
@@ -4146,8 +4118,8 @@
         </p:nvSpPr>
         <p:spPr>
           <a:xfrm>
-            <a:off x="720000" y="148320"/>
-            <a:ext cx="8999640" cy="1143360"/>
+            <a:off x="504000" y="226080"/>
+            <a:ext cx="9072000" cy="946440"/>
           </a:xfrm>
           <a:prstGeom prst="rect">
             <a:avLst/>
@@ -4158,21 +4130,22 @@
             <a:noAutofit/>
           </a:bodyPr>
           <a:p>
+            <a:pPr algn="ctr"/>
             <a:r>
-              <a:rPr b="0" lang="en-US" sz="1800" spc="-1" strike="noStrike">
+              <a:rPr b="0" lang="ru-RU" sz="4400" spc="-1" strike="noStrike">
                 <a:latin typeface="Arial"/>
               </a:rPr>
-              <a:t>Click to edit the title text format</a:t>
+              <a:t>Для правки текста заглавия щёлкните мышью</a:t>
             </a:r>
-            <a:endParaRPr b="0" lang="en-US" sz="1800" spc="-1" strike="noStrike">
-              <a:latin typeface="Arial"/>
-            </a:endParaRPr>
-          </a:p>
-        </p:txBody>
-      </p:sp>
-      <p:sp>
-        <p:nvSpPr>
-          <p:cNvPr id="2" name="PlaceHolder 3"/>
+            <a:endParaRPr b="0" lang="ru-RU" sz="4400" spc="-1" strike="noStrike">
+              <a:latin typeface="Arial"/>
+            </a:endParaRPr>
+          </a:p>
+        </p:txBody>
+      </p:sp>
+      <p:sp>
+        <p:nvSpPr>
+          <p:cNvPr id="1" name="PlaceHolder 2"/>
           <p:cNvSpPr>
             <a:spLocks noGrp="1"/>
           </p:cNvSpPr>
@@ -4206,12 +4179,12 @@
               <a:buChar char=""/>
             </a:pPr>
             <a:r>
-              <a:rPr b="0" lang="en-US" sz="3200" spc="-1" strike="noStrike">
+              <a:rPr b="0" lang="ru-RU" sz="3200" spc="-1" strike="noStrike">
                 <a:latin typeface="Arial"/>
               </a:rPr>
-              <a:t>Click to edit the outline text format</a:t>
+              <a:t>Для правки структуры щёлкните мышью</a:t>
             </a:r>
-            <a:endParaRPr b="0" lang="en-US" sz="3200" spc="-1" strike="noStrike">
+            <a:endParaRPr b="0" lang="ru-RU" sz="3200" spc="-1" strike="noStrike">
               <a:latin typeface="Arial"/>
             </a:endParaRPr>
           </a:p>
@@ -4228,12 +4201,12 @@
               <a:buChar char=""/>
             </a:pPr>
             <a:r>
-              <a:rPr b="0" lang="en-US" sz="2800" spc="-1" strike="noStrike">
+              <a:rPr b="0" lang="ru-RU" sz="2800" spc="-1" strike="noStrike">
                 <a:latin typeface="Arial"/>
               </a:rPr>
-              <a:t>Second Outline Level</a:t>
+              <a:t>Второй уровень структуры</a:t>
             </a:r>
-            <a:endParaRPr b="0" lang="en-US" sz="2800" spc="-1" strike="noStrike">
+            <a:endParaRPr b="0" lang="ru-RU" sz="2800" spc="-1" strike="noStrike">
               <a:latin typeface="Arial"/>
             </a:endParaRPr>
           </a:p>
@@ -4250,12 +4223,12 @@
               <a:buChar char=""/>
             </a:pPr>
             <a:r>
-              <a:rPr b="0" lang="en-US" sz="2400" spc="-1" strike="noStrike">
+              <a:rPr b="0" lang="ru-RU" sz="2400" spc="-1" strike="noStrike">
                 <a:latin typeface="Arial"/>
               </a:rPr>
-              <a:t>Third Outline Level</a:t>
+              <a:t>Третий уровень структуры</a:t>
             </a:r>
-            <a:endParaRPr b="0" lang="en-US" sz="2400" spc="-1" strike="noStrike">
+            <a:endParaRPr b="0" lang="ru-RU" sz="2400" spc="-1" strike="noStrike">
               <a:latin typeface="Arial"/>
             </a:endParaRPr>
           </a:p>
@@ -4272,12 +4245,12 @@
               <a:buChar char=""/>
             </a:pPr>
             <a:r>
-              <a:rPr b="0" lang="en-US" sz="2000" spc="-1" strike="noStrike">
+              <a:rPr b="0" lang="ru-RU" sz="2000" spc="-1" strike="noStrike">
                 <a:latin typeface="Arial"/>
               </a:rPr>
-              <a:t>Fourth Outline Level</a:t>
+              <a:t>Четвёртый уровень структуры</a:t>
             </a:r>
-            <a:endParaRPr b="0" lang="en-US" sz="2000" spc="-1" strike="noStrike">
+            <a:endParaRPr b="0" lang="ru-RU" sz="2000" spc="-1" strike="noStrike">
               <a:latin typeface="Arial"/>
             </a:endParaRPr>
           </a:p>
@@ -4294,12 +4267,12 @@
               <a:buChar char=""/>
             </a:pPr>
             <a:r>
-              <a:rPr b="0" lang="en-US" sz="2000" spc="-1" strike="noStrike">
+              <a:rPr b="0" lang="ru-RU" sz="2000" spc="-1" strike="noStrike">
                 <a:latin typeface="Arial"/>
               </a:rPr>
-              <a:t>Fifth Outline Level</a:t>
+              <a:t>Пятый уровень структуры</a:t>
             </a:r>
-            <a:endParaRPr b="0" lang="en-US" sz="2000" spc="-1" strike="noStrike">
+            <a:endParaRPr b="0" lang="ru-RU" sz="2000" spc="-1" strike="noStrike">
               <a:latin typeface="Arial"/>
             </a:endParaRPr>
           </a:p>
@@ -4316,12 +4289,12 @@
               <a:buChar char=""/>
             </a:pPr>
             <a:r>
-              <a:rPr b="0" lang="en-US" sz="2000" spc="-1" strike="noStrike">
+              <a:rPr b="0" lang="ru-RU" sz="2000" spc="-1" strike="noStrike">
                 <a:latin typeface="Arial"/>
               </a:rPr>
-              <a:t>Sixth Outline Level</a:t>
+              <a:t>Шестой уровень структуры</a:t>
             </a:r>
-            <a:endParaRPr b="0" lang="en-US" sz="2000" spc="-1" strike="noStrike">
+            <a:endParaRPr b="0" lang="ru-RU" sz="2000" spc="-1" strike="noStrike">
               <a:latin typeface="Arial"/>
             </a:endParaRPr>
           </a:p>
@@ -4338,12 +4311,12 @@
               <a:buChar char=""/>
             </a:pPr>
             <a:r>
-              <a:rPr b="0" lang="en-US" sz="2000" spc="-1" strike="noStrike">
+              <a:rPr b="0" lang="ru-RU" sz="2000" spc="-1" strike="noStrike">
                 <a:latin typeface="Arial"/>
               </a:rPr>
-              <a:t>Seventh Outline Level</a:t>
+              <a:t>Седьмой уровень структуры</a:t>
             </a:r>
-            <a:endParaRPr b="0" lang="en-US" sz="2000" spc="-1" strike="noStrike">
+            <a:endParaRPr b="0" lang="ru-RU" sz="2000" spc="-1" strike="noStrike">
               <a:latin typeface="Arial"/>
             </a:endParaRPr>
           </a:p>
@@ -4388,14 +4361,14 @@
       </p:grpSpPr>
       <p:sp>
         <p:nvSpPr>
-          <p:cNvPr id="39" name="CustomShape 1"/>
+          <p:cNvPr id="38" name="CustomShape 1"/>
           <p:cNvSpPr/>
           <p:nvPr/>
         </p:nvSpPr>
         <p:spPr>
           <a:xfrm>
             <a:off x="0" y="180000"/>
-            <a:ext cx="539640" cy="1079640"/>
+            <a:ext cx="539280" cy="1079280"/>
           </a:xfrm>
           <a:prstGeom prst="rect">
             <a:avLst/>
@@ -4416,7 +4389,7 @@
       </p:sp>
       <p:sp>
         <p:nvSpPr>
-          <p:cNvPr id="40" name="PlaceHolder 2"/>
+          <p:cNvPr id="39" name="PlaceHolder 1"/>
           <p:cNvSpPr>
             <a:spLocks noGrp="1"/>
           </p:cNvSpPr>
@@ -4426,8 +4399,8 @@
         </p:nvSpPr>
         <p:spPr>
           <a:xfrm>
-            <a:off x="720000" y="148320"/>
-            <a:ext cx="8999640" cy="1143360"/>
+            <a:off x="504000" y="226080"/>
+            <a:ext cx="9072000" cy="946440"/>
           </a:xfrm>
           <a:prstGeom prst="rect">
             <a:avLst/>
@@ -4438,40 +4411,41 @@
             <a:noAutofit/>
           </a:bodyPr>
           <a:p>
+            <a:pPr algn="ctr"/>
             <a:r>
-              <a:rPr b="0" lang="en-US" sz="1800" spc="-1" strike="noStrike">
+              <a:rPr b="0" lang="ru-RU" sz="4400" spc="-1" strike="noStrike">
                 <a:latin typeface="Arial"/>
               </a:rPr>
-              <a:t>Click to edit the title text format</a:t>
+              <a:t>Для правки текста заглавия щёлкните мышью</a:t>
             </a:r>
-            <a:endParaRPr b="0" lang="en-US" sz="1800" spc="-1" strike="noStrike">
-              <a:latin typeface="Arial"/>
-            </a:endParaRPr>
-          </a:p>
-        </p:txBody>
-      </p:sp>
-      <p:sp>
-        <p:nvSpPr>
-          <p:cNvPr id="41" name="PlaceHolder 3"/>
-          <p:cNvSpPr>
-            <a:spLocks noGrp="1"/>
-          </p:cNvSpPr>
-          <p:nvPr>
-            <p:ph type="body"/>
-          </p:nvPr>
-        </p:nvSpPr>
-        <p:spPr>
-          <a:xfrm>
-            <a:off x="720000" y="1440000"/>
-            <a:ext cx="8999640" cy="3419640"/>
-          </a:xfrm>
-          <a:prstGeom prst="rect">
-            <a:avLst/>
-          </a:prstGeom>
-        </p:spPr>
-        <p:txBody>
-          <a:bodyPr lIns="0" rIns="0" tIns="0" bIns="0">
-            <a:noAutofit/>
+            <a:endParaRPr b="0" lang="ru-RU" sz="4400" spc="-1" strike="noStrike">
+              <a:latin typeface="Arial"/>
+            </a:endParaRPr>
+          </a:p>
+        </p:txBody>
+      </p:sp>
+      <p:sp>
+        <p:nvSpPr>
+          <p:cNvPr id="40" name="PlaceHolder 2"/>
+          <p:cNvSpPr>
+            <a:spLocks noGrp="1"/>
+          </p:cNvSpPr>
+          <p:nvPr>
+            <p:ph type="body"/>
+          </p:nvPr>
+        </p:nvSpPr>
+        <p:spPr>
+          <a:xfrm>
+            <a:off x="504000" y="1326600"/>
+            <a:ext cx="9072000" cy="3288600"/>
+          </a:xfrm>
+          <a:prstGeom prst="rect">
+            <a:avLst/>
+          </a:prstGeom>
+        </p:spPr>
+        <p:txBody>
+          <a:bodyPr lIns="0" rIns="0" tIns="0" bIns="0">
+            <a:normAutofit/>
           </a:bodyPr>
           <a:p>
             <a:pPr marL="432000" indent="-324000">
@@ -4486,12 +4460,12 @@
               <a:buChar char=""/>
             </a:pPr>
             <a:r>
-              <a:rPr b="0" lang="en-US" sz="1800" spc="-1" strike="noStrike">
+              <a:rPr b="0" lang="ru-RU" sz="3200" spc="-1" strike="noStrike">
                 <a:latin typeface="Arial"/>
               </a:rPr>
-              <a:t>Click to edit the outline text format</a:t>
+              <a:t>Для правки структуры щёлкните мышью</a:t>
             </a:r>
-            <a:endParaRPr b="0" lang="en-US" sz="1800" spc="-1" strike="noStrike">
+            <a:endParaRPr b="0" lang="ru-RU" sz="3200" spc="-1" strike="noStrike">
               <a:latin typeface="Arial"/>
             </a:endParaRPr>
           </a:p>
@@ -4508,12 +4482,12 @@
               <a:buChar char=""/>
             </a:pPr>
             <a:r>
-              <a:rPr b="0" lang="en-US" sz="1800" spc="-1" strike="noStrike">
+              <a:rPr b="0" lang="ru-RU" sz="2800" spc="-1" strike="noStrike">
                 <a:latin typeface="Arial"/>
               </a:rPr>
-              <a:t>Second Outline Level</a:t>
+              <a:t>Второй уровень структуры</a:t>
             </a:r>
-            <a:endParaRPr b="0" lang="en-US" sz="1800" spc="-1" strike="noStrike">
+            <a:endParaRPr b="0" lang="ru-RU" sz="2800" spc="-1" strike="noStrike">
               <a:latin typeface="Arial"/>
             </a:endParaRPr>
           </a:p>
@@ -4530,12 +4504,12 @@
               <a:buChar char=""/>
             </a:pPr>
             <a:r>
-              <a:rPr b="0" lang="en-US" sz="1800" spc="-1" strike="noStrike">
+              <a:rPr b="0" lang="ru-RU" sz="2400" spc="-1" strike="noStrike">
                 <a:latin typeface="Arial"/>
               </a:rPr>
-              <a:t>Third Outline Level</a:t>
+              <a:t>Третий уровень структуры</a:t>
             </a:r>
-            <a:endParaRPr b="0" lang="en-US" sz="1800" spc="-1" strike="noStrike">
+            <a:endParaRPr b="0" lang="ru-RU" sz="2400" spc="-1" strike="noStrike">
               <a:latin typeface="Arial"/>
             </a:endParaRPr>
           </a:p>
@@ -4552,12 +4526,12 @@
               <a:buChar char=""/>
             </a:pPr>
             <a:r>
-              <a:rPr b="0" lang="en-US" sz="1800" spc="-1" strike="noStrike">
+              <a:rPr b="0" lang="ru-RU" sz="2000" spc="-1" strike="noStrike">
                 <a:latin typeface="Arial"/>
               </a:rPr>
-              <a:t>Fourth Outline Level</a:t>
+              <a:t>Четвёртый уровень структуры</a:t>
             </a:r>
-            <a:endParaRPr b="0" lang="en-US" sz="1800" spc="-1" strike="noStrike">
+            <a:endParaRPr b="0" lang="ru-RU" sz="2000" spc="-1" strike="noStrike">
               <a:latin typeface="Arial"/>
             </a:endParaRPr>
           </a:p>
@@ -4574,12 +4548,12 @@
               <a:buChar char=""/>
             </a:pPr>
             <a:r>
-              <a:rPr b="0" lang="en-US" sz="1800" spc="-1" strike="noStrike">
+              <a:rPr b="0" lang="ru-RU" sz="2000" spc="-1" strike="noStrike">
                 <a:latin typeface="Arial"/>
               </a:rPr>
-              <a:t>Fifth Outline Level</a:t>
+              <a:t>Пятый уровень структуры</a:t>
             </a:r>
-            <a:endParaRPr b="0" lang="en-US" sz="1800" spc="-1" strike="noStrike">
+            <a:endParaRPr b="0" lang="ru-RU" sz="2000" spc="-1" strike="noStrike">
               <a:latin typeface="Arial"/>
             </a:endParaRPr>
           </a:p>
@@ -4596,12 +4570,12 @@
               <a:buChar char=""/>
             </a:pPr>
             <a:r>
-              <a:rPr b="0" lang="en-US" sz="1800" spc="-1" strike="noStrike">
+              <a:rPr b="0" lang="ru-RU" sz="2000" spc="-1" strike="noStrike">
                 <a:latin typeface="Arial"/>
               </a:rPr>
-              <a:t>Sixth Outline Level</a:t>
+              <a:t>Шестой уровень структуры</a:t>
             </a:r>
-            <a:endParaRPr b="0" lang="en-US" sz="1800" spc="-1" strike="noStrike">
+            <a:endParaRPr b="0" lang="ru-RU" sz="2000" spc="-1" strike="noStrike">
               <a:latin typeface="Arial"/>
             </a:endParaRPr>
           </a:p>
@@ -4618,12 +4592,12 @@
               <a:buChar char=""/>
             </a:pPr>
             <a:r>
-              <a:rPr b="0" lang="en-US" sz="1800" spc="-1" strike="noStrike">
+              <a:rPr b="0" lang="ru-RU" sz="2000" spc="-1" strike="noStrike">
                 <a:latin typeface="Arial"/>
               </a:rPr>
-              <a:t>Seventh Outline Level</a:t>
+              <a:t>Седьмой уровень структуры</a:t>
             </a:r>
-            <a:endParaRPr b="0" lang="en-US" sz="1800" spc="-1" strike="noStrike">
+            <a:endParaRPr b="0" lang="ru-RU" sz="2000" spc="-1" strike="noStrike">
               <a:latin typeface="Arial"/>
             </a:endParaRPr>
           </a:p>
@@ -4668,6 +4642,34 @@
       </p:grpSpPr>
       <p:sp>
         <p:nvSpPr>
+          <p:cNvPr id="77" name="CustomShape 1"/>
+          <p:cNvSpPr/>
+          <p:nvPr/>
+        </p:nvSpPr>
+        <p:spPr>
+          <a:xfrm>
+            <a:off x="0" y="180000"/>
+            <a:ext cx="539280" cy="1079280"/>
+          </a:xfrm>
+          <a:prstGeom prst="rect">
+            <a:avLst/>
+          </a:prstGeom>
+          <a:solidFill>
+            <a:srgbClr val="ef2929"/>
+          </a:solidFill>
+          <a:ln w="0">
+            <a:noFill/>
+          </a:ln>
+        </p:spPr>
+        <p:style>
+          <a:lnRef idx="0"/>
+          <a:fillRef idx="0"/>
+          <a:effectRef idx="0"/>
+          <a:fontRef idx="minor"/>
+        </p:style>
+      </p:sp>
+      <p:sp>
+        <p:nvSpPr>
           <p:cNvPr id="78" name="PlaceHolder 1"/>
           <p:cNvSpPr>
             <a:spLocks noGrp="1"/>
@@ -4679,7 +4681,7 @@
         <p:spPr>
           <a:xfrm>
             <a:off x="504000" y="226080"/>
-            <a:ext cx="9072360" cy="946440"/>
+            <a:ext cx="9072000" cy="946440"/>
           </a:xfrm>
           <a:prstGeom prst="rect">
             <a:avLst/>
@@ -4692,12 +4694,12 @@
           <a:p>
             <a:pPr algn="ctr"/>
             <a:r>
-              <a:rPr b="0" lang="en-US" sz="4400" spc="-1" strike="noStrike">
+              <a:rPr b="0" lang="ru-RU" sz="4400" spc="-1" strike="noStrike">
                 <a:latin typeface="Arial"/>
               </a:rPr>
-              <a:t>Click to edit the title text format</a:t>
+              <a:t>Для правки текста заглавия щёлкните мышью</a:t>
             </a:r>
-            <a:endParaRPr b="0" lang="en-US" sz="4400" spc="-1" strike="noStrike">
+            <a:endParaRPr b="0" lang="ru-RU" sz="4400" spc="-1" strike="noStrike">
               <a:latin typeface="Arial"/>
             </a:endParaRPr>
           </a:p>
@@ -4716,20 +4718,20 @@
         <p:spPr>
           <a:xfrm>
             <a:off x="504000" y="1326600"/>
-            <a:ext cx="9072360" cy="3288600"/>
-          </a:xfrm>
-          <a:prstGeom prst="rect">
-            <a:avLst/>
-          </a:prstGeom>
-        </p:spPr>
-        <p:txBody>
-          <a:bodyPr lIns="0" rIns="0" tIns="0" bIns="0">
-            <a:noAutofit/>
+            <a:ext cx="9072000" cy="3288600"/>
+          </a:xfrm>
+          <a:prstGeom prst="rect">
+            <a:avLst/>
+          </a:prstGeom>
+        </p:spPr>
+        <p:txBody>
+          <a:bodyPr lIns="0" rIns="0" tIns="0" bIns="0">
+            <a:normAutofit/>
           </a:bodyPr>
           <a:p>
             <a:pPr marL="432000" indent="-324000">
               <a:spcBef>
-                <a:spcPts val="1414"/>
+                <a:spcPts val="1417"/>
               </a:spcBef>
               <a:buClr>
                 <a:srgbClr val="000000"/>
@@ -4739,18 +4741,12 @@
               <a:buChar char=""/>
             </a:pPr>
             <a:r>
-              <a:rPr b="0" lang="en-US" sz="3200" spc="-1" strike="noStrike">
+              <a:rPr b="0" lang="ru-RU" sz="3200" spc="-1" strike="noStrike">
                 <a:latin typeface="Arial"/>
               </a:rPr>
-              <a:t>Click to edit the </a:t>
+              <a:t>Для правки структуры щёлкните мышью</a:t>
             </a:r>
-            <a:r>
-              <a:rPr b="0" lang="en-US" sz="3200" spc="-1" strike="noStrike">
-                <a:latin typeface="Arial"/>
-              </a:rPr>
-              <a:t>outline text format</a:t>
-            </a:r>
-            <a:endParaRPr b="0" lang="en-US" sz="3200" spc="-1" strike="noStrike">
+            <a:endParaRPr b="0" lang="ru-RU" sz="3200" spc="-1" strike="noStrike">
               <a:latin typeface="Arial"/>
             </a:endParaRPr>
           </a:p>
@@ -4767,12 +4763,12 @@
               <a:buChar char=""/>
             </a:pPr>
             <a:r>
-              <a:rPr b="0" lang="en-US" sz="2800" spc="-1" strike="noStrike">
+              <a:rPr b="0" lang="ru-RU" sz="2800" spc="-1" strike="noStrike">
                 <a:latin typeface="Arial"/>
               </a:rPr>
-              <a:t>Second Outline Level</a:t>
+              <a:t>Второй уровень структуры</a:t>
             </a:r>
-            <a:endParaRPr b="0" lang="en-US" sz="2800" spc="-1" strike="noStrike">
+            <a:endParaRPr b="0" lang="ru-RU" sz="2800" spc="-1" strike="noStrike">
               <a:latin typeface="Arial"/>
             </a:endParaRPr>
           </a:p>
@@ -4789,12 +4785,12 @@
               <a:buChar char=""/>
             </a:pPr>
             <a:r>
-              <a:rPr b="0" lang="en-US" sz="2400" spc="-1" strike="noStrike">
+              <a:rPr b="0" lang="ru-RU" sz="2400" spc="-1" strike="noStrike">
                 <a:latin typeface="Arial"/>
               </a:rPr>
-              <a:t>Third Outline Level</a:t>
+              <a:t>Третий уровень структуры</a:t>
             </a:r>
-            <a:endParaRPr b="0" lang="en-US" sz="2400" spc="-1" strike="noStrike">
+            <a:endParaRPr b="0" lang="ru-RU" sz="2400" spc="-1" strike="noStrike">
               <a:latin typeface="Arial"/>
             </a:endParaRPr>
           </a:p>
@@ -4811,12 +4807,12 @@
               <a:buChar char=""/>
             </a:pPr>
             <a:r>
-              <a:rPr b="0" lang="en-US" sz="2000" spc="-1" strike="noStrike">
+              <a:rPr b="0" lang="ru-RU" sz="2000" spc="-1" strike="noStrike">
                 <a:latin typeface="Arial"/>
               </a:rPr>
-              <a:t>Fourth Outline Level</a:t>
+              <a:t>Четвёртый уровень структуры</a:t>
             </a:r>
-            <a:endParaRPr b="0" lang="en-US" sz="2000" spc="-1" strike="noStrike">
+            <a:endParaRPr b="0" lang="ru-RU" sz="2000" spc="-1" strike="noStrike">
               <a:latin typeface="Arial"/>
             </a:endParaRPr>
           </a:p>
@@ -4833,12 +4829,12 @@
               <a:buChar char=""/>
             </a:pPr>
             <a:r>
-              <a:rPr b="0" lang="en-US" sz="2000" spc="-1" strike="noStrike">
+              <a:rPr b="0" lang="ru-RU" sz="2000" spc="-1" strike="noStrike">
                 <a:latin typeface="Arial"/>
               </a:rPr>
-              <a:t>Fifth Outline Level</a:t>
+              <a:t>Пятый уровень структуры</a:t>
             </a:r>
-            <a:endParaRPr b="0" lang="en-US" sz="2000" spc="-1" strike="noStrike">
+            <a:endParaRPr b="0" lang="ru-RU" sz="2000" spc="-1" strike="noStrike">
               <a:latin typeface="Arial"/>
             </a:endParaRPr>
           </a:p>
@@ -4855,18 +4851,12 @@
               <a:buChar char=""/>
             </a:pPr>
             <a:r>
-              <a:rPr b="0" lang="en-US" sz="2000" spc="-1" strike="noStrike">
+              <a:rPr b="0" lang="ru-RU" sz="2000" spc="-1" strike="noStrike">
                 <a:latin typeface="Arial"/>
               </a:rPr>
-              <a:t>Sixth Outline </a:t>
+              <a:t>Шестой уровень структуры</a:t>
             </a:r>
-            <a:r>
-              <a:rPr b="0" lang="en-US" sz="2000" spc="-1" strike="noStrike">
-                <a:latin typeface="Arial"/>
-              </a:rPr>
-              <a:t>Level</a:t>
-            </a:r>
-            <a:endParaRPr b="0" lang="en-US" sz="2000" spc="-1" strike="noStrike">
+            <a:endParaRPr b="0" lang="ru-RU" sz="2000" spc="-1" strike="noStrike">
               <a:latin typeface="Arial"/>
             </a:endParaRPr>
           </a:p>
@@ -4883,135 +4873,13 @@
               <a:buChar char=""/>
             </a:pPr>
             <a:r>
-              <a:rPr b="0" lang="en-US" sz="2000" spc="-1" strike="noStrike">
+              <a:rPr b="0" lang="ru-RU" sz="2000" spc="-1" strike="noStrike">
                 <a:latin typeface="Arial"/>
               </a:rPr>
-              <a:t>Seventh </a:t>
+              <a:t>Седьмой уровень структуры</a:t>
             </a:r>
-            <a:r>
-              <a:rPr b="0" lang="en-US" sz="2000" spc="-1" strike="noStrike">
-                <a:latin typeface="Arial"/>
-              </a:rPr>
-              <a:t>Outline </a:t>
-            </a:r>
-            <a:r>
-              <a:rPr b="0" lang="en-US" sz="2000" spc="-1" strike="noStrike">
-                <a:latin typeface="Arial"/>
-              </a:rPr>
-              <a:t>Level</a:t>
-            </a:r>
-            <a:endParaRPr b="0" lang="en-US" sz="2000" spc="-1" strike="noStrike">
-              <a:latin typeface="Arial"/>
-            </a:endParaRPr>
-          </a:p>
-        </p:txBody>
-      </p:sp>
-      <p:sp>
-        <p:nvSpPr>
-          <p:cNvPr id="80" name="PlaceHolder 3"/>
-          <p:cNvSpPr>
-            <a:spLocks noGrp="1"/>
-          </p:cNvSpPr>
-          <p:nvPr>
-            <p:ph type="dt"/>
-          </p:nvPr>
-        </p:nvSpPr>
-        <p:spPr>
-          <a:xfrm>
-            <a:off x="504000" y="5165640"/>
-            <a:ext cx="2348280" cy="390600"/>
-          </a:xfrm>
-          <a:prstGeom prst="rect">
-            <a:avLst/>
-          </a:prstGeom>
-        </p:spPr>
-        <p:txBody>
-          <a:bodyPr lIns="0" rIns="0" tIns="0" bIns="0">
-            <a:noAutofit/>
-          </a:bodyPr>
-          <a:p>
-            <a:r>
-              <a:rPr b="0" lang="en-US" sz="1400" spc="-1" strike="noStrike">
-                <a:latin typeface="Times New Roman"/>
-              </a:rPr>
-              <a:t>&lt;date/time&gt;</a:t>
-            </a:r>
-            <a:endParaRPr b="0" lang="en-US" sz="1400" spc="-1" strike="noStrike">
-              <a:latin typeface="Times New Roman"/>
-            </a:endParaRPr>
-          </a:p>
-        </p:txBody>
-      </p:sp>
-      <p:sp>
-        <p:nvSpPr>
-          <p:cNvPr id="81" name="PlaceHolder 4"/>
-          <p:cNvSpPr>
-            <a:spLocks noGrp="1"/>
-          </p:cNvSpPr>
-          <p:nvPr>
-            <p:ph type="ftr"/>
-          </p:nvPr>
-        </p:nvSpPr>
-        <p:spPr>
-          <a:xfrm>
-            <a:off x="3447360" y="5165640"/>
-            <a:ext cx="3195360" cy="390600"/>
-          </a:xfrm>
-          <a:prstGeom prst="rect">
-            <a:avLst/>
-          </a:prstGeom>
-        </p:spPr>
-        <p:txBody>
-          <a:bodyPr lIns="0" rIns="0" tIns="0" bIns="0">
-            <a:noAutofit/>
-          </a:bodyPr>
-          <a:p>
-            <a:pPr algn="ctr"/>
-            <a:r>
-              <a:rPr b="0" lang="en-US" sz="1400" spc="-1" strike="noStrike">
-                <a:latin typeface="Times New Roman"/>
-              </a:rPr>
-              <a:t>&lt;footer&gt;</a:t>
-            </a:r>
-            <a:endParaRPr b="0" lang="en-US" sz="1400" spc="-1" strike="noStrike">
-              <a:latin typeface="Times New Roman"/>
-            </a:endParaRPr>
-          </a:p>
-        </p:txBody>
-      </p:sp>
-      <p:sp>
-        <p:nvSpPr>
-          <p:cNvPr id="82" name="PlaceHolder 5"/>
-          <p:cNvSpPr>
-            <a:spLocks noGrp="1"/>
-          </p:cNvSpPr>
-          <p:nvPr>
-            <p:ph type="sldNum"/>
-          </p:nvPr>
-        </p:nvSpPr>
-        <p:spPr>
-          <a:xfrm>
-            <a:off x="7227720" y="5165640"/>
-            <a:ext cx="2348280" cy="390600"/>
-          </a:xfrm>
-          <a:prstGeom prst="rect">
-            <a:avLst/>
-          </a:prstGeom>
-        </p:spPr>
-        <p:txBody>
-          <a:bodyPr lIns="0" rIns="0" tIns="0" bIns="0">
-            <a:noAutofit/>
-          </a:bodyPr>
-          <a:p>
-            <a:pPr algn="r"/>
-            <a:fld id="{6FF0C668-3233-45C9-B404-0EAD8565CCDB}" type="slidenum">
-              <a:rPr b="0" lang="en-US" sz="1400" spc="-1" strike="noStrike">
-                <a:latin typeface="Times New Roman"/>
-              </a:rPr>
-              <a:t>&lt;number&gt;</a:t>
-            </a:fld>
-            <a:endParaRPr b="0" lang="en-US" sz="1400" spc="-1" strike="noStrike">
-              <a:latin typeface="Times New Roman"/>
+            <a:endParaRPr b="0" lang="ru-RU" sz="2000" spc="-1" strike="noStrike">
+              <a:latin typeface="Arial"/>
             </a:endParaRPr>
           </a:p>
         </p:txBody>
@@ -5055,14 +4923,14 @@
       </p:grpSpPr>
       <p:sp>
         <p:nvSpPr>
-          <p:cNvPr id="119" name="CustomShape 1"/>
+          <p:cNvPr id="116" name="CustomShape 1"/>
           <p:cNvSpPr/>
           <p:nvPr/>
         </p:nvSpPr>
         <p:spPr>
           <a:xfrm>
             <a:off x="720000" y="1440000"/>
-            <a:ext cx="8999640" cy="3419640"/>
+            <a:ext cx="8999280" cy="3419280"/>
           </a:xfrm>
           <a:prstGeom prst="rect">
             <a:avLst/>
@@ -5081,7 +4949,7 @@
       </p:sp>
       <p:pic>
         <p:nvPicPr>
-          <p:cNvPr id="120" name="Рисунок 1" descr=""/>
+          <p:cNvPr id="117" name="Рисунок 1" descr=""/>
           <p:cNvPicPr/>
           <p:nvPr/>
         </p:nvPicPr>
@@ -5092,8 +4960,8 @@
         </p:blipFill>
         <p:spPr>
           <a:xfrm>
-            <a:off x="1600200" y="141120"/>
-            <a:ext cx="7315200" cy="2286000"/>
+            <a:off x="1620000" y="54360"/>
+            <a:ext cx="7314840" cy="2285640"/>
           </a:xfrm>
           <a:prstGeom prst="rect">
             <a:avLst/>
@@ -5105,14 +4973,14 @@
       </p:pic>
       <p:sp>
         <p:nvSpPr>
-          <p:cNvPr id="121" name="TextShape 2"/>
-          <p:cNvSpPr txBox="1"/>
+          <p:cNvPr id="118" name="TextShape 2"/>
+          <p:cNvSpPr/>
           <p:nvPr/>
         </p:nvSpPr>
         <p:spPr>
           <a:xfrm>
-            <a:off x="1600200" y="3164400"/>
-            <a:ext cx="7543800" cy="1281600"/>
+            <a:off x="1440000" y="3578760"/>
+            <a:ext cx="7543440" cy="1281240"/>
           </a:xfrm>
           <a:prstGeom prst="rect">
             <a:avLst/>
@@ -5122,12 +4990,22 @@
             <a:noFill/>
           </a:ln>
         </p:spPr>
+        <p:style>
+          <a:lnRef idx="0"/>
+          <a:fillRef idx="0"/>
+          <a:effectRef idx="0"/>
+          <a:fontRef idx="minor"/>
+        </p:style>
         <p:txBody>
           <a:bodyPr lIns="90000" rIns="90000" tIns="45000" bIns="45000" anchor="ctr">
             <a:noAutofit/>
           </a:bodyPr>
           <a:p>
-            <a:pPr algn="ctr"/>
+            <a:pPr algn="ctr">
+              <a:lnSpc>
+                <a:spcPct val="100000"/>
+              </a:lnSpc>
+            </a:pPr>
             <a:r>
               <a:rPr b="0" lang="ru-RU" sz="2400" spc="-1" strike="noStrike">
                 <a:solidFill>
@@ -5136,24 +5014,24 @@
                 <a:latin typeface="Helvetica Neue Medium"/>
                 <a:ea typeface="Helvetica Neue"/>
               </a:rPr>
-              <a:t>Программный стенд моделирования передачи информациии на физическом уровне</a:t>
+              <a:t>Программный стенд моделирования передачи информации на физическом уровне</a:t>
             </a:r>
-            <a:endParaRPr b="0" lang="en-US" sz="2400" spc="-1" strike="noStrike">
-              <a:latin typeface="Arial"/>
-            </a:endParaRPr>
-          </a:p>
-        </p:txBody>
-      </p:sp>
-      <p:sp>
-        <p:nvSpPr>
-          <p:cNvPr id="122" name="TextShape 3"/>
-          <p:cNvSpPr txBox="1"/>
+            <a:endParaRPr b="0" lang="ru-RU" sz="2400" spc="-1" strike="noStrike">
+              <a:latin typeface="Arial"/>
+            </a:endParaRPr>
+          </a:p>
+        </p:txBody>
+      </p:sp>
+      <p:sp>
+        <p:nvSpPr>
+          <p:cNvPr id="119" name="TextShape 3"/>
+          <p:cNvSpPr/>
           <p:nvPr/>
         </p:nvSpPr>
         <p:spPr>
           <a:xfrm>
-            <a:off x="2757600" y="2477880"/>
-            <a:ext cx="5029200" cy="621000"/>
+            <a:off x="2757600" y="2520000"/>
+            <a:ext cx="5028840" cy="620640"/>
           </a:xfrm>
           <a:prstGeom prst="rect">
             <a:avLst/>
@@ -5163,12 +5041,22 @@
             <a:noFill/>
           </a:ln>
         </p:spPr>
+        <p:style>
+          <a:lnRef idx="0"/>
+          <a:fillRef idx="0"/>
+          <a:effectRef idx="0"/>
+          <a:fontRef idx="minor"/>
+        </p:style>
         <p:txBody>
           <a:bodyPr lIns="90000" rIns="90000" tIns="45000" bIns="45000" anchor="ctr">
             <a:noAutofit/>
           </a:bodyPr>
           <a:p>
-            <a:pPr algn="ctr"/>
+            <a:pPr algn="ctr">
+              <a:lnSpc>
+                <a:spcPct val="100000"/>
+              </a:lnSpc>
+            </a:pPr>
             <a:r>
               <a:rPr b="0" lang="ru-RU" sz="1800" spc="-1" strike="noStrike">
                 <a:solidFill>
@@ -5179,7 +5067,7 @@
               </a:rPr>
               <a:t>Выпускная квалификационная работа</a:t>
             </a:r>
-            <a:endParaRPr b="0" lang="en-US" sz="1800" spc="-1" strike="noStrike">
+            <a:endParaRPr b="0" lang="ru-RU" sz="1800" spc="-1" strike="noStrike">
               <a:latin typeface="Arial"/>
             </a:endParaRPr>
           </a:p>
@@ -5221,14 +5109,14 @@
       </p:grpSpPr>
       <p:sp>
         <p:nvSpPr>
-          <p:cNvPr id="123" name="CustomShape 1"/>
+          <p:cNvPr id="120" name="CustomShape 1"/>
           <p:cNvSpPr/>
           <p:nvPr/>
         </p:nvSpPr>
         <p:spPr>
           <a:xfrm>
             <a:off x="720000" y="127440"/>
-            <a:ext cx="8855280" cy="1143360"/>
+            <a:ext cx="8854920" cy="1143000"/>
           </a:xfrm>
           <a:prstGeom prst="rect">
             <a:avLst/>
@@ -5247,14 +5135,14 @@
       </p:sp>
       <p:sp>
         <p:nvSpPr>
-          <p:cNvPr id="124" name="CustomShape 2"/>
+          <p:cNvPr id="121" name="CustomShape 2"/>
           <p:cNvSpPr/>
           <p:nvPr/>
         </p:nvSpPr>
         <p:spPr>
           <a:xfrm>
             <a:off x="720000" y="1620000"/>
-            <a:ext cx="8639640" cy="3288240"/>
+            <a:ext cx="8639280" cy="3287880"/>
           </a:xfrm>
           <a:prstGeom prst="rect">
             <a:avLst/>
@@ -5303,14 +5191,14 @@
       </p:grpSpPr>
       <p:sp>
         <p:nvSpPr>
-          <p:cNvPr id="125" name="CustomShape 1"/>
+          <p:cNvPr id="122" name="CustomShape 1"/>
           <p:cNvSpPr/>
           <p:nvPr/>
         </p:nvSpPr>
         <p:spPr>
           <a:xfrm>
             <a:off x="720000" y="148320"/>
-            <a:ext cx="8999640" cy="1143360"/>
+            <a:ext cx="8999280" cy="1143000"/>
           </a:xfrm>
           <a:prstGeom prst="rect">
             <a:avLst/>
@@ -5329,14 +5217,14 @@
       </p:sp>
       <p:sp>
         <p:nvSpPr>
-          <p:cNvPr id="126" name="CustomShape 2"/>
+          <p:cNvPr id="123" name="CustomShape 2"/>
           <p:cNvSpPr/>
           <p:nvPr/>
         </p:nvSpPr>
         <p:spPr>
           <a:xfrm>
             <a:off x="720000" y="1440000"/>
-            <a:ext cx="8999640" cy="3419640"/>
+            <a:ext cx="8999280" cy="3419280"/>
           </a:xfrm>
           <a:prstGeom prst="rect">
             <a:avLst/>
@@ -5385,14 +5273,14 @@
       </p:grpSpPr>
       <p:sp>
         <p:nvSpPr>
-          <p:cNvPr id="127" name="CustomShape 1"/>
+          <p:cNvPr id="124" name="CustomShape 1"/>
           <p:cNvSpPr/>
           <p:nvPr/>
         </p:nvSpPr>
         <p:spPr>
           <a:xfrm>
             <a:off x="720000" y="148320"/>
-            <a:ext cx="8999640" cy="1143360"/>
+            <a:ext cx="8999280" cy="1143000"/>
           </a:xfrm>
           <a:prstGeom prst="rect">
             <a:avLst/>
@@ -5411,14 +5299,14 @@
       </p:sp>
       <p:sp>
         <p:nvSpPr>
-          <p:cNvPr id="128" name="CustomShape 2"/>
+          <p:cNvPr id="125" name="CustomShape 2"/>
           <p:cNvSpPr/>
           <p:nvPr/>
         </p:nvSpPr>
         <p:spPr>
           <a:xfrm>
             <a:off x="720000" y="1440000"/>
-            <a:ext cx="8999640" cy="3419640"/>
+            <a:ext cx="8999280" cy="3419280"/>
           </a:xfrm>
           <a:prstGeom prst="rect">
             <a:avLst/>
@@ -5467,14 +5355,14 @@
       </p:grpSpPr>
       <p:sp>
         <p:nvSpPr>
-          <p:cNvPr id="129" name="CustomShape 1"/>
+          <p:cNvPr id="126" name="CustomShape 1"/>
           <p:cNvSpPr/>
           <p:nvPr/>
         </p:nvSpPr>
         <p:spPr>
           <a:xfrm>
             <a:off x="720000" y="148320"/>
-            <a:ext cx="8999640" cy="1143360"/>
+            <a:ext cx="8999280" cy="1143000"/>
           </a:xfrm>
           <a:prstGeom prst="rect">
             <a:avLst/>
@@ -5493,14 +5381,14 @@
       </p:sp>
       <p:sp>
         <p:nvSpPr>
-          <p:cNvPr id="130" name="CustomShape 2"/>
+          <p:cNvPr id="127" name="CustomShape 2"/>
           <p:cNvSpPr/>
           <p:nvPr/>
         </p:nvSpPr>
         <p:spPr>
           <a:xfrm>
             <a:off x="720000" y="1440000"/>
-            <a:ext cx="8999640" cy="3419640"/>
+            <a:ext cx="8999280" cy="3419280"/>
           </a:xfrm>
           <a:prstGeom prst="rect">
             <a:avLst/>
@@ -5549,14 +5437,14 @@
       </p:grpSpPr>
       <p:sp>
         <p:nvSpPr>
-          <p:cNvPr id="131" name="CustomShape 1"/>
+          <p:cNvPr id="128" name="CustomShape 1"/>
           <p:cNvSpPr/>
           <p:nvPr/>
         </p:nvSpPr>
         <p:spPr>
           <a:xfrm>
             <a:off x="720000" y="148320"/>
-            <a:ext cx="8999640" cy="1143360"/>
+            <a:ext cx="8999280" cy="1143000"/>
           </a:xfrm>
           <a:prstGeom prst="rect">
             <a:avLst/>
@@ -5575,14 +5463,14 @@
       </p:sp>
       <p:sp>
         <p:nvSpPr>
-          <p:cNvPr id="132" name="CustomShape 2"/>
+          <p:cNvPr id="129" name="CustomShape 2"/>
           <p:cNvSpPr/>
           <p:nvPr/>
         </p:nvSpPr>
         <p:spPr>
           <a:xfrm>
             <a:off x="720000" y="1440000"/>
-            <a:ext cx="8999640" cy="3419640"/>
+            <a:ext cx="8999280" cy="3419280"/>
           </a:xfrm>
           <a:prstGeom prst="rect">
             <a:avLst/>
@@ -5631,14 +5519,14 @@
       </p:grpSpPr>
       <p:sp>
         <p:nvSpPr>
-          <p:cNvPr id="133" name="CustomShape 1"/>
+          <p:cNvPr id="130" name="CustomShape 1"/>
           <p:cNvSpPr/>
           <p:nvPr/>
         </p:nvSpPr>
         <p:spPr>
           <a:xfrm>
             <a:off x="720000" y="148320"/>
-            <a:ext cx="8999640" cy="1143360"/>
+            <a:ext cx="8999280" cy="1143000"/>
           </a:xfrm>
           <a:prstGeom prst="rect">
             <a:avLst/>
@@ -5657,14 +5545,14 @@
       </p:sp>
       <p:sp>
         <p:nvSpPr>
-          <p:cNvPr id="134" name="CustomShape 2"/>
+          <p:cNvPr id="131" name="CustomShape 2"/>
           <p:cNvSpPr/>
           <p:nvPr/>
         </p:nvSpPr>
         <p:spPr>
           <a:xfrm>
             <a:off x="720000" y="1440000"/>
-            <a:ext cx="8999640" cy="3419640"/>
+            <a:ext cx="8999280" cy="3419280"/>
           </a:xfrm>
           <a:prstGeom prst="rect">
             <a:avLst/>
@@ -5713,14 +5601,14 @@
       </p:grpSpPr>
       <p:sp>
         <p:nvSpPr>
-          <p:cNvPr id="135" name="CustomShape 1"/>
+          <p:cNvPr id="132" name="CustomShape 1"/>
           <p:cNvSpPr/>
           <p:nvPr/>
         </p:nvSpPr>
         <p:spPr>
           <a:xfrm>
             <a:off x="720000" y="148320"/>
-            <a:ext cx="8999640" cy="1143360"/>
+            <a:ext cx="8999280" cy="1143000"/>
           </a:xfrm>
           <a:prstGeom prst="rect">
             <a:avLst/>
@@ -5739,14 +5627,14 @@
       </p:sp>
       <p:sp>
         <p:nvSpPr>
-          <p:cNvPr id="136" name="CustomShape 2"/>
+          <p:cNvPr id="133" name="CustomShape 2"/>
           <p:cNvSpPr/>
           <p:nvPr/>
         </p:nvSpPr>
         <p:spPr>
           <a:xfrm>
             <a:off x="720000" y="1440000"/>
-            <a:ext cx="8999640" cy="3419640"/>
+            <a:ext cx="8999280" cy="3419280"/>
           </a:xfrm>
           <a:prstGeom prst="rect">
             <a:avLst/>
